--- a/java_bytecode/bytecode.pptx
+++ b/java_bytecode/bytecode.pptx
@@ -1007,7 +1007,31 @@
         <a:p>
           <a:r>
             <a:rPr lang="en-US" dirty="0" smtClean="0"/>
-            <a:t>Java 9 = 53, Java 8 = 52, etc.</a:t>
+            <a:t>Java 9 </a:t>
+          </a:r>
+          <a:r>
+            <a:rPr lang="pl-PL" dirty="0" smtClean="0"/>
+            <a:t> -&gt; </a:t>
+          </a:r>
+          <a:r>
+            <a:rPr lang="en-US" dirty="0" smtClean="0"/>
+            <a:t>53</a:t>
+          </a:r>
+          <a:r>
+            <a:rPr lang="en-US" dirty="0" smtClean="0"/>
+            <a:t>, Java 8 </a:t>
+          </a:r>
+          <a:r>
+            <a:rPr lang="pl-PL" dirty="0" smtClean="0"/>
+            <a:t>-&gt;</a:t>
+          </a:r>
+          <a:r>
+            <a:rPr lang="en-US" dirty="0" smtClean="0"/>
+            <a:t> </a:t>
+          </a:r>
+          <a:r>
+            <a:rPr lang="en-US" dirty="0" smtClean="0"/>
+            <a:t>52, etc.</a:t>
           </a:r>
           <a:endParaRPr lang="en-US" dirty="0"/>
         </a:p>
@@ -2055,7 +2079,7 @@
   <dgm:whole/>
   <dgm:extLst>
     <a:ext uri="http://schemas.microsoft.com/office/drawing/2008/diagram">
-      <dsp:dataModelExt xmlns:dsp="http://schemas.microsoft.com/office/drawing/2008/diagram" xmlns="" relId="rId7" minVer="http://schemas.openxmlformats.org/drawingml/2006/diagram"/>
+      <dsp:dataModelExt xmlns="" xmlns:dsp="http://schemas.microsoft.com/office/drawing/2008/diagram" relId="rId7" minVer="http://schemas.openxmlformats.org/drawingml/2006/diagram"/>
     </a:ext>
   </dgm:extLst>
 </dgm:dataModel>
@@ -4993,7 +5017,7 @@
             <a:fld id="{C28A7749-3B69-479F-A966-24414C8A1445}" type="datetimeFigureOut">
               <a:rPr lang="en-US" smtClean="0"/>
               <a:pPr/>
-              <a:t>11/6/2016</a:t>
+              <a:t>11/8/2016</a:t>
             </a:fld>
             <a:endParaRPr lang="en-US"/>
           </a:p>
@@ -5306,48 +5330,84 @@
           <a:lstStyle/>
           <a:p>
             <a:r>
-              <a:rPr lang="pl-PL" dirty="0" smtClean="0"/>
-              <a:t>I</a:t>
-            </a:r>
-            <a:r>
-              <a:rPr lang="en-US" dirty="0" err="1" smtClean="0"/>
-              <a:t>ntermediate</a:t>
-            </a:r>
-            <a:r>
-              <a:rPr lang="en-US" dirty="0" smtClean="0"/>
-              <a:t> language between </a:t>
-            </a:r>
-            <a:r>
-              <a:rPr lang="en-US" dirty="0" smtClean="0"/>
-              <a:t>Java</a:t>
-            </a:r>
-            <a:r>
-              <a:rPr lang="pl-PL" dirty="0" smtClean="0"/>
-              <a:t> and </a:t>
-            </a:r>
-            <a:r>
-              <a:rPr lang="en-US" dirty="0" smtClean="0"/>
-              <a:t>machine code</a:t>
-            </a:r>
-            <a:r>
-              <a:rPr lang="pl-PL" baseline="0" dirty="0" smtClean="0"/>
-              <a:t> </a:t>
-            </a:r>
-            <a:r>
-              <a:rPr lang="pl-PL" baseline="0" dirty="0" smtClean="0"/>
-              <a:t>JVM.</a:t>
-            </a:r>
-            <a:endParaRPr lang="pl-PL" dirty="0" smtClean="0"/>
-          </a:p>
-          <a:p>
-            <a:r>
               <a:rPr lang="en-US" dirty="0" err="1" smtClean="0"/>
               <a:t>Bytecode</a:t>
             </a:r>
             <a:r>
               <a:rPr lang="en-US" dirty="0" smtClean="0"/>
-              <a:t> is an intermediate representation of a program—halfway between human readable source and machine code.</a:t>
-            </a:r>
+              <a:t> </a:t>
+            </a:r>
+            <a:r>
+              <a:rPr lang="en-US" dirty="0" smtClean="0"/>
+              <a:t>is an intermediate representation of a program—halfway between human </a:t>
+            </a:r>
+            <a:r>
+              <a:rPr lang="en-US" dirty="0" smtClean="0"/>
+              <a:t>readable</a:t>
+            </a:r>
+            <a:r>
+              <a:rPr lang="pl-PL" dirty="0" smtClean="0"/>
+              <a:t> </a:t>
+            </a:r>
+            <a:r>
+              <a:rPr lang="pl-PL" dirty="0" err="1" smtClean="0"/>
+              <a:t>java</a:t>
+            </a:r>
+            <a:r>
+              <a:rPr lang="en-US" dirty="0" smtClean="0"/>
+              <a:t> </a:t>
+            </a:r>
+            <a:r>
+              <a:rPr lang="en-US" dirty="0" smtClean="0"/>
+              <a:t>source and machine code</a:t>
+            </a:r>
+            <a:r>
+              <a:rPr lang="en-US" dirty="0" smtClean="0"/>
+              <a:t>.</a:t>
+            </a:r>
+            <a:endParaRPr lang="pl-PL" dirty="0" smtClean="0"/>
+          </a:p>
+          <a:p>
+            <a:pPr marL="0" marR="0" indent="0" algn="l" defTabSz="914400" rtl="0" eaLnBrk="1" fontAlgn="auto" latinLnBrk="0" hangingPunct="1">
+              <a:lnSpc>
+                <a:spcPct val="100000"/>
+              </a:lnSpc>
+              <a:spcBef>
+                <a:spcPts val="0"/>
+              </a:spcBef>
+              <a:spcAft>
+                <a:spcPts val="0"/>
+              </a:spcAft>
+              <a:buClrTx/>
+              <a:buSzTx/>
+              <a:buFontTx/>
+              <a:buNone/>
+              <a:tabLst/>
+              <a:defRPr/>
+            </a:pPr>
+            <a:r>
+              <a:rPr lang="en-US" dirty="0" smtClean="0"/>
+              <a:t>JVM </a:t>
+            </a:r>
+            <a:r>
+              <a:rPr lang="en-US" dirty="0" err="1" smtClean="0"/>
+              <a:t>bytecode</a:t>
+            </a:r>
+            <a:r>
+              <a:rPr lang="en-US" dirty="0" smtClean="0"/>
+              <a:t> consists of a sequence of operation codes (</a:t>
+            </a:r>
+            <a:r>
+              <a:rPr lang="en-US" dirty="0" err="1" smtClean="0"/>
+              <a:t>opcodes</a:t>
+            </a:r>
+            <a:r>
+              <a:rPr lang="en-US" dirty="0" smtClean="0"/>
+              <a:t>), possibly with some arguments following each instruction.</a:t>
+            </a:r>
+            <a:endParaRPr lang="pl-PL" dirty="0" smtClean="0"/>
+          </a:p>
+          <a:p>
             <a:endParaRPr lang="pl-PL" dirty="0" smtClean="0"/>
           </a:p>
           <a:p>
@@ -5843,14 +5903,6 @@
               </a:rPr>
               <a:t>http://blog.javabenchmark.org/2013/05/java-instrumentation-tutorial.html</a:t>
             </a:r>
-            <a:endParaRPr lang="en-US" sz="1200" kern="1200" dirty="0" smtClean="0">
-              <a:solidFill>
-                <a:schemeClr val="tx1"/>
-              </a:solidFill>
-              <a:latin typeface="+mn-lt"/>
-              <a:ea typeface="+mn-ea"/>
-              <a:cs typeface="+mn-cs"/>
-            </a:endParaRPr>
           </a:p>
           <a:p>
             <a:endParaRPr lang="en-US" sz="1200" kern="1200" dirty="0" smtClean="0">
@@ -6750,11 +6802,7 @@
             </a:pPr>
             <a:r>
               <a:rPr lang="en-US" dirty="0" smtClean="0"/>
-              <a:t>Profilers</a:t>
-            </a:r>
-            <a:r>
-              <a:rPr lang="en-US" dirty="0" smtClean="0"/>
-              <a:t>, tracers, measuring code coverage, mocking frameworks, AOP etc..</a:t>
+              <a:t>Profilers, tracers, measuring code coverage, mocking frameworks, AOP etc..</a:t>
             </a:r>
           </a:p>
           <a:p>
@@ -6878,11 +6926,7 @@
             </a:pPr>
             <a:r>
               <a:rPr lang="en-US" baseline="0" dirty="0" smtClean="0"/>
-              <a:t>Learning </a:t>
-            </a:r>
-            <a:r>
-              <a:rPr lang="en-US" baseline="0" dirty="0" smtClean="0"/>
-              <a:t>bytecode opens gives real power and opens lots of possibilities when writing java code. It can be real fun.</a:t>
+              <a:t>Learning bytecode opens gives real power and opens lots of possibilities when writing java code. It can be real fun.</a:t>
             </a:r>
           </a:p>
           <a:p>
@@ -7149,11 +7193,7 @@
             </a:r>
             <a:r>
               <a:rPr lang="en-US" dirty="0" smtClean="0"/>
-              <a:t>n </a:t>
-            </a:r>
-            <a:r>
-              <a:rPr lang="en-US" dirty="0" smtClean="0"/>
-              <a:t>this final phase, any static variables can be initialized and any static initialization blocks run.</a:t>
+              <a:t>n this final phase, any static variables can be initialized and any static initialization blocks run.</a:t>
             </a:r>
             <a:endParaRPr lang="pl-PL" dirty="0" smtClean="0"/>
           </a:p>
@@ -7256,7 +7296,6 @@
               <a:rPr lang="pl-PL" dirty="0" smtClean="0"/>
               <a:t>http://www.ibm.com/support/knowledgecenter/SSYKE2_7.1.0/com.ibm.java.aix.71.doc/diag/understanding/jit_overview.html</a:t>
             </a:r>
-            <a:endParaRPr lang="pl-PL" dirty="0" smtClean="0"/>
           </a:p>
           <a:p>
             <a:pPr marL="228600" indent="-228600">
@@ -7845,11 +7884,7 @@
             </a:pPr>
             <a:r>
               <a:rPr lang="en-US" dirty="0" smtClean="0"/>
-              <a:t>In RPN you can write down any expression without using </a:t>
-            </a:r>
-            <a:r>
-              <a:rPr lang="en-US" dirty="0" smtClean="0"/>
-              <a:t>brackets</a:t>
+              <a:t>In RPN you can write down any expression without using brackets</a:t>
             </a:r>
             <a:endParaRPr lang="pl-PL" dirty="0" smtClean="0"/>
           </a:p>
@@ -7885,7 +7920,6 @@
               <a:rPr lang="pl-PL" dirty="0" smtClean="0"/>
               <a:t> - 1920</a:t>
             </a:r>
-            <a:endParaRPr lang="pl-PL" dirty="0" smtClean="0"/>
           </a:p>
           <a:p>
             <a:pPr marL="228600" indent="-228600">
@@ -7899,17 +7933,11 @@
             </a:pPr>
             <a:r>
               <a:rPr lang="en-US" dirty="0" smtClean="0"/>
-              <a:t>JVM bytecode consists of a sequence of operation codes (opcodes), possibly with some arguments following each instruction.</a:t>
-            </a:r>
-            <a:endParaRPr lang="pl-PL" dirty="0" smtClean="0"/>
-          </a:p>
-          <a:p>
-            <a:pPr marL="228600" indent="-228600">
-              <a:buAutoNum type="arabicPeriod"/>
-            </a:pPr>
+              <a:t>JVM </a:t>
+            </a:r>
             <a:r>
               <a:rPr lang="en-US" dirty="0" smtClean="0"/>
-              <a:t>JVM uses a stack for all calculations and operations. This is sometimes called the operand (or evaluation) stack.</a:t>
+              <a:t>uses a stack for all calculations and operations. This is sometimes called the operand (or evaluation) stack.</a:t>
             </a:r>
             <a:endParaRPr lang="pl-PL" dirty="0" smtClean="0"/>
           </a:p>
@@ -9236,7 +9264,7 @@
             <a:fld id="{1D8BD707-D9CF-40AE-B4C6-C98DA3205C09}" type="datetimeFigureOut">
               <a:rPr lang="en-US" smtClean="0"/>
               <a:pPr/>
-              <a:t>11/6/2016</a:t>
+              <a:t>11/8/2016</a:t>
             </a:fld>
             <a:endParaRPr lang="en-US"/>
           </a:p>
@@ -9403,7 +9431,7 @@
             <a:fld id="{1D8BD707-D9CF-40AE-B4C6-C98DA3205C09}" type="datetimeFigureOut">
               <a:rPr lang="en-US" smtClean="0"/>
               <a:pPr/>
-              <a:t>11/6/2016</a:t>
+              <a:t>11/8/2016</a:t>
             </a:fld>
             <a:endParaRPr lang="en-US"/>
           </a:p>
@@ -9580,7 +9608,7 @@
             <a:fld id="{1D8BD707-D9CF-40AE-B4C6-C98DA3205C09}" type="datetimeFigureOut">
               <a:rPr lang="en-US" smtClean="0"/>
               <a:pPr/>
-              <a:t>11/6/2016</a:t>
+              <a:t>11/8/2016</a:t>
             </a:fld>
             <a:endParaRPr lang="en-US"/>
           </a:p>
@@ -9747,7 +9775,7 @@
             <a:fld id="{1D8BD707-D9CF-40AE-B4C6-C98DA3205C09}" type="datetimeFigureOut">
               <a:rPr lang="en-US" smtClean="0"/>
               <a:pPr/>
-              <a:t>11/6/2016</a:t>
+              <a:t>11/8/2016</a:t>
             </a:fld>
             <a:endParaRPr lang="en-US"/>
           </a:p>
@@ -9990,7 +10018,7 @@
             <a:fld id="{1D8BD707-D9CF-40AE-B4C6-C98DA3205C09}" type="datetimeFigureOut">
               <a:rPr lang="en-US" smtClean="0"/>
               <a:pPr/>
-              <a:t>11/6/2016</a:t>
+              <a:t>11/8/2016</a:t>
             </a:fld>
             <a:endParaRPr lang="en-US"/>
           </a:p>
@@ -10275,7 +10303,7 @@
             <a:fld id="{1D8BD707-D9CF-40AE-B4C6-C98DA3205C09}" type="datetimeFigureOut">
               <a:rPr lang="en-US" smtClean="0"/>
               <a:pPr/>
-              <a:t>11/6/2016</a:t>
+              <a:t>11/8/2016</a:t>
             </a:fld>
             <a:endParaRPr lang="en-US"/>
           </a:p>
@@ -10694,7 +10722,7 @@
             <a:fld id="{1D8BD707-D9CF-40AE-B4C6-C98DA3205C09}" type="datetimeFigureOut">
               <a:rPr lang="en-US" smtClean="0"/>
               <a:pPr/>
-              <a:t>11/6/2016</a:t>
+              <a:t>11/8/2016</a:t>
             </a:fld>
             <a:endParaRPr lang="en-US"/>
           </a:p>
@@ -10809,7 +10837,7 @@
             <a:fld id="{1D8BD707-D9CF-40AE-B4C6-C98DA3205C09}" type="datetimeFigureOut">
               <a:rPr lang="en-US" smtClean="0"/>
               <a:pPr/>
-              <a:t>11/6/2016</a:t>
+              <a:t>11/8/2016</a:t>
             </a:fld>
             <a:endParaRPr lang="en-US"/>
           </a:p>
@@ -10901,7 +10929,7 @@
             <a:fld id="{1D8BD707-D9CF-40AE-B4C6-C98DA3205C09}" type="datetimeFigureOut">
               <a:rPr lang="en-US" smtClean="0"/>
               <a:pPr/>
-              <a:t>11/6/2016</a:t>
+              <a:t>11/8/2016</a:t>
             </a:fld>
             <a:endParaRPr lang="en-US"/>
           </a:p>
@@ -11175,7 +11203,7 @@
             <a:fld id="{1D8BD707-D9CF-40AE-B4C6-C98DA3205C09}" type="datetimeFigureOut">
               <a:rPr lang="en-US" smtClean="0"/>
               <a:pPr/>
-              <a:t>11/6/2016</a:t>
+              <a:t>11/8/2016</a:t>
             </a:fld>
             <a:endParaRPr lang="en-US"/>
           </a:p>
@@ -11425,7 +11453,7 @@
             <a:fld id="{1D8BD707-D9CF-40AE-B4C6-C98DA3205C09}" type="datetimeFigureOut">
               <a:rPr lang="en-US" smtClean="0"/>
               <a:pPr/>
-              <a:t>11/6/2016</a:t>
+              <a:t>11/8/2016</a:t>
             </a:fld>
             <a:endParaRPr lang="en-US"/>
           </a:p>
@@ -11635,7 +11663,7 @@
             <a:fld id="{1D8BD707-D9CF-40AE-B4C6-C98DA3205C09}" type="datetimeFigureOut">
               <a:rPr lang="en-US" smtClean="0"/>
               <a:pPr/>
-              <a:t>11/6/2016</a:t>
+              <a:t>11/8/2016</a:t>
             </a:fld>
             <a:endParaRPr lang="en-US"/>
           </a:p>
@@ -12568,7 +12596,6 @@
               <a:rPr lang="pl-PL" dirty="0" smtClean="0"/>
               <a:t>)</a:t>
             </a:r>
-            <a:endParaRPr lang="pl-PL" dirty="0" smtClean="0"/>
           </a:p>
           <a:p>
             <a:r>
@@ -12621,11 +12648,23 @@
             </a:r>
             <a:r>
               <a:rPr lang="pl-PL" dirty="0" err="1" smtClean="0"/>
-              <a:t>ClassLoader</a:t>
+              <a:t>class</a:t>
             </a:r>
             <a:r>
               <a:rPr lang="pl-PL" dirty="0" smtClean="0"/>
-              <a:t> (</a:t>
+              <a:t> </a:t>
+            </a:r>
+            <a:r>
+              <a:rPr lang="pl-PL" dirty="0" err="1" smtClean="0"/>
+              <a:t>loader</a:t>
+            </a:r>
+            <a:r>
+              <a:rPr lang="pl-PL" dirty="0" smtClean="0"/>
+              <a:t> </a:t>
+            </a:r>
+            <a:r>
+              <a:rPr lang="pl-PL" dirty="0" smtClean="0"/>
+              <a:t>(</a:t>
             </a:r>
             <a:r>
               <a:rPr lang="pl-PL" dirty="0" err="1" smtClean="0"/>
@@ -12922,6 +12961,26 @@
           <a:p>
             <a:pPr lvl="1"/>
             <a:r>
+              <a:rPr lang="pl-PL" dirty="0" smtClean="0"/>
+              <a:t>D</a:t>
+            </a:r>
+            <a:r>
+              <a:rPr lang="en-US" dirty="0" err="1" smtClean="0"/>
+              <a:t>esigned</a:t>
+            </a:r>
+            <a:r>
+              <a:rPr lang="en-US" dirty="0" smtClean="0"/>
+              <a:t> </a:t>
+            </a:r>
+            <a:r>
+              <a:rPr lang="en-US" dirty="0" smtClean="0"/>
+              <a:t>to be as fast and as small as possible</a:t>
+            </a:r>
+            <a:endParaRPr lang="pl-PL" dirty="0" smtClean="0"/>
+          </a:p>
+          <a:p>
+            <a:pPr lvl="1"/>
+            <a:r>
               <a:rPr lang="pl-PL" dirty="0" err="1" smtClean="0"/>
               <a:t>Bytecode</a:t>
             </a:r>
@@ -13214,11 +13273,7 @@
             </a:r>
             <a:r>
               <a:rPr lang="en-US" dirty="0" smtClean="0"/>
-              <a:t>machine </a:t>
-            </a:r>
-            <a:r>
-              <a:rPr lang="en-US" dirty="0" smtClean="0"/>
-              <a:t>code</a:t>
+              <a:t>machine code</a:t>
             </a:r>
             <a:r>
               <a:rPr lang="pl-PL" dirty="0" smtClean="0"/>
@@ -13248,7 +13303,6 @@
               <a:rPr lang="pl-PL" dirty="0" smtClean="0"/>
               <a:t>"</a:t>
             </a:r>
-            <a:endParaRPr lang="pl-PL" dirty="0" smtClean="0"/>
           </a:p>
           <a:p>
             <a:r>
@@ -13346,7 +13400,15 @@
             </a:r>
             <a:r>
               <a:rPr lang="pl-PL" dirty="0" smtClean="0"/>
-              <a:t> Jdk1.0 (</a:t>
+              <a:t> </a:t>
+            </a:r>
+            <a:r>
+              <a:rPr lang="pl-PL" dirty="0" smtClean="0"/>
+              <a:t>JDK1.0 </a:t>
+            </a:r>
+            <a:r>
+              <a:rPr lang="pl-PL" dirty="0" smtClean="0"/>
+              <a:t>(</a:t>
             </a:r>
             <a:r>
               <a:rPr lang="pl-PL" dirty="0" err="1" smtClean="0"/>
@@ -13354,14 +13416,6 @@
             </a:r>
             <a:r>
               <a:rPr lang="pl-PL" dirty="0" smtClean="0"/>
-              <a:t> </a:t>
-            </a:r>
-            <a:r>
-              <a:rPr lang="pl-PL" dirty="0" err="1" smtClean="0"/>
-              <a:t>added</a:t>
-            </a:r>
-            <a:r>
-              <a:rPr lang="pl-PL" dirty="0" smtClean="0"/>
               <a:t> INVOKEDYNAMIC </a:t>
             </a:r>
             <a:r>
@@ -13370,11 +13424,7 @@
             </a:r>
             <a:r>
               <a:rPr lang="pl-PL" dirty="0" smtClean="0"/>
-              <a:t> Java </a:t>
-            </a:r>
-            <a:r>
-              <a:rPr lang="pl-PL" dirty="0" smtClean="0"/>
-              <a:t>7)</a:t>
+              <a:t> Java 7)</a:t>
             </a:r>
             <a:endParaRPr lang="en-US" dirty="0" smtClean="0"/>
           </a:p>
@@ -13544,11 +13594,7 @@
             </a:r>
             <a:r>
               <a:rPr lang="en-US" dirty="0" smtClean="0"/>
-              <a:t> makes you a better </a:t>
-            </a:r>
-            <a:r>
-              <a:rPr lang="en-US" dirty="0" smtClean="0"/>
-              <a:t>programmer</a:t>
+              <a:t> makes you a better programmer</a:t>
             </a:r>
             <a:endParaRPr lang="pl-PL" dirty="0" smtClean="0"/>
           </a:p>
@@ -14760,14 +14806,7 @@
                 <a:latin typeface="Consolas" pitchFamily="49" charset="0"/>
                 <a:cs typeface="Consolas" pitchFamily="49" charset="0"/>
               </a:rPr>
-              <a:t> </a:t>
-            </a:r>
-            <a:r>
-              <a:rPr lang="pl-PL" sz="2000" dirty="0" smtClean="0">
-                <a:latin typeface="Consolas" pitchFamily="49" charset="0"/>
-                <a:cs typeface="Consolas" pitchFamily="49" charset="0"/>
-              </a:rPr>
-              <a:t>–</a:t>
+              <a:t> –</a:t>
             </a:r>
             <a:r>
               <a:rPr lang="pl-PL" sz="2000" dirty="0" err="1" smtClean="0">
@@ -14781,14 +14820,7 @@
                 <a:latin typeface="Consolas" pitchFamily="49" charset="0"/>
                 <a:cs typeface="Consolas" pitchFamily="49" charset="0"/>
               </a:rPr>
-              <a:t> </a:t>
-            </a:r>
-            <a:r>
-              <a:rPr lang="pl-PL" sz="2000" dirty="0" smtClean="0">
-                <a:latin typeface="Consolas" pitchFamily="49" charset="0"/>
-                <a:cs typeface="Consolas" pitchFamily="49" charset="0"/>
-              </a:rPr>
-              <a:t>&lt;</a:t>
+              <a:t> &lt;</a:t>
             </a:r>
             <a:r>
               <a:rPr lang="pl-PL" sz="2000" dirty="0" err="1" smtClean="0">
@@ -14899,21 +14931,7 @@
                 <a:latin typeface="Consolas" pitchFamily="49" charset="0"/>
                 <a:cs typeface="Consolas" pitchFamily="49" charset="0"/>
               </a:rPr>
-              <a:t>1 </a:t>
-            </a:r>
-            <a:r>
-              <a:rPr lang="pl-PL" dirty="0" smtClean="0">
-                <a:effectLst>
-                  <a:outerShdw blurRad="38100" dist="38100" dir="2700000" algn="tl">
-                    <a:srgbClr val="000000">
-                      <a:alpha val="43137"/>
-                    </a:srgbClr>
-                  </a:outerShdw>
-                </a:effectLst>
-                <a:latin typeface="Consolas" pitchFamily="49" charset="0"/>
-                <a:cs typeface="Consolas" pitchFamily="49" charset="0"/>
-              </a:rPr>
-              <a:t>+ 2 * 3</a:t>
+              <a:t>1 + 2 * 3</a:t>
             </a:r>
           </a:p>
           <a:p>
@@ -14977,11 +14995,7 @@
           <a:p>
             <a:r>
               <a:rPr lang="en-US" dirty="0" smtClean="0"/>
-              <a:t>In RPN you can write down any expression without using </a:t>
-            </a:r>
-            <a:r>
-              <a:rPr lang="en-US" dirty="0" smtClean="0"/>
-              <a:t>brackets</a:t>
+              <a:t>In RPN you can write down any expression without using brackets</a:t>
             </a:r>
             <a:r>
               <a:rPr lang="pl-PL" dirty="0" smtClean="0"/>
@@ -15000,10 +15014,6 @@
               </a:rPr>
               <a:t>PUSH 1 (ICONST_1)</a:t>
             </a:r>
-            <a:endParaRPr lang="pl-PL" sz="2000" dirty="0" smtClean="0">
-              <a:latin typeface="Consolas" pitchFamily="49" charset="0"/>
-              <a:cs typeface="Consolas" pitchFamily="49" charset="0"/>
-            </a:endParaRPr>
           </a:p>
           <a:p>
             <a:pPr lvl="1">
@@ -15017,10 +15027,6 @@
               </a:rPr>
               <a:t>PUSH 2 (ICONST_2)</a:t>
             </a:r>
-            <a:endParaRPr lang="pl-PL" sz="2000" dirty="0" smtClean="0">
-              <a:latin typeface="Consolas" pitchFamily="49" charset="0"/>
-              <a:cs typeface="Consolas" pitchFamily="49" charset="0"/>
-            </a:endParaRPr>
           </a:p>
           <a:p>
             <a:pPr lvl="1">
@@ -15034,10 +15040,6 @@
               </a:rPr>
               <a:t>PUSH 3 (ICONST_3)</a:t>
             </a:r>
-            <a:endParaRPr lang="pl-PL" sz="2000" dirty="0" smtClean="0">
-              <a:latin typeface="Consolas" pitchFamily="49" charset="0"/>
-              <a:cs typeface="Consolas" pitchFamily="49" charset="0"/>
-            </a:endParaRPr>
           </a:p>
           <a:p>
             <a:pPr lvl="1">
@@ -15051,10 +15053,6 @@
               </a:rPr>
               <a:t>MUL    (IMUL)</a:t>
             </a:r>
-            <a:endParaRPr lang="pl-PL" sz="2000" dirty="0" smtClean="0">
-              <a:latin typeface="Consolas" pitchFamily="49" charset="0"/>
-              <a:cs typeface="Consolas" pitchFamily="49" charset="0"/>
-            </a:endParaRPr>
           </a:p>
           <a:p>
             <a:pPr lvl="1">
@@ -17136,15 +17134,7 @@
             </a:r>
             <a:r>
               <a:rPr lang="pl-PL" dirty="0" smtClean="0"/>
-              <a:t>: IADD</a:t>
-            </a:r>
-            <a:r>
-              <a:rPr lang="pl-PL" dirty="0" smtClean="0"/>
-              <a:t>, LADD, </a:t>
-            </a:r>
-            <a:r>
-              <a:rPr lang="pl-PL" dirty="0" smtClean="0"/>
-              <a:t>DADD</a:t>
+              <a:t>: IADD, LADD, DADD</a:t>
             </a:r>
           </a:p>
           <a:p>

--- a/java_bytecode/bytecode.pptx
+++ b/java_bytecode/bytecode.pptx
@@ -5,7 +5,7 @@
     <p:sldMasterId id="2147483648" r:id="rId1"/>
   </p:sldMasterIdLst>
   <p:notesMasterIdLst>
-    <p:notesMasterId r:id="rId19"/>
+    <p:notesMasterId r:id="rId20"/>
   </p:notesMasterIdLst>
   <p:sldIdLst>
     <p:sldId id="256" r:id="rId2"/>
@@ -15,16 +15,17 @@
     <p:sldId id="259" r:id="rId6"/>
     <p:sldId id="270" r:id="rId7"/>
     <p:sldId id="261" r:id="rId8"/>
-    <p:sldId id="262" r:id="rId9"/>
-    <p:sldId id="272" r:id="rId10"/>
-    <p:sldId id="263" r:id="rId11"/>
-    <p:sldId id="267" r:id="rId12"/>
-    <p:sldId id="268" r:id="rId13"/>
-    <p:sldId id="269" r:id="rId14"/>
-    <p:sldId id="265" r:id="rId15"/>
-    <p:sldId id="271" r:id="rId16"/>
-    <p:sldId id="264" r:id="rId17"/>
-    <p:sldId id="266" r:id="rId18"/>
+    <p:sldId id="273" r:id="rId9"/>
+    <p:sldId id="262" r:id="rId10"/>
+    <p:sldId id="272" r:id="rId11"/>
+    <p:sldId id="263" r:id="rId12"/>
+    <p:sldId id="267" r:id="rId13"/>
+    <p:sldId id="268" r:id="rId14"/>
+    <p:sldId id="269" r:id="rId15"/>
+    <p:sldId id="265" r:id="rId16"/>
+    <p:sldId id="271" r:id="rId17"/>
+    <p:sldId id="264" r:id="rId18"/>
+    <p:sldId id="266" r:id="rId19"/>
   </p:sldIdLst>
   <p:sldSz cx="9144000" cy="6858000" type="screen4x3"/>
   <p:notesSz cx="6858000" cy="9144000"/>
@@ -1010,28 +1011,20 @@
             <a:t>Java 9 </a:t>
           </a:r>
           <a:r>
-            <a:rPr lang="pl-PL" dirty="0" smtClean="0"/>
+            <a:rPr lang="pl-PL" smtClean="0"/>
             <a:t> -&gt; </a:t>
           </a:r>
           <a:r>
             <a:rPr lang="en-US" dirty="0" smtClean="0"/>
-            <a:t>53</a:t>
+            <a:t>53, Java 8 </a:t>
           </a:r>
           <a:r>
-            <a:rPr lang="en-US" dirty="0" smtClean="0"/>
-            <a:t>, Java 8 </a:t>
-          </a:r>
-          <a:r>
-            <a:rPr lang="pl-PL" dirty="0" smtClean="0"/>
+            <a:rPr lang="pl-PL" smtClean="0"/>
             <a:t>-&gt;</a:t>
           </a:r>
           <a:r>
             <a:rPr lang="en-US" dirty="0" smtClean="0"/>
-            <a:t> </a:t>
-          </a:r>
-          <a:r>
-            <a:rPr lang="en-US" dirty="0" smtClean="0"/>
-            <a:t>52, etc.</a:t>
+            <a:t> 52, etc.</a:t>
           </a:r>
           <a:endParaRPr lang="en-US" dirty="0"/>
         </a:p>
@@ -1474,7 +1467,7 @@
         <a:lstStyle/>
         <a:p>
           <a:r>
-            <a:rPr lang="pl-PL" dirty="0" smtClean="0"/>
+            <a:rPr lang="pl-PL" smtClean="0"/>
             <a:t>Any</a:t>
           </a:r>
           <a:r>
@@ -1524,7 +1517,7 @@
         <a:lstStyle/>
         <a:p>
           <a:r>
-            <a:rPr lang="pl-PL" dirty="0" smtClean="0"/>
+            <a:rPr lang="pl-PL" smtClean="0"/>
             <a:t>Any</a:t>
           </a:r>
           <a:r>
@@ -2079,7 +2072,7 @@
   <dgm:whole/>
   <dgm:extLst>
     <a:ext uri="http://schemas.microsoft.com/office/drawing/2008/diagram">
-      <dsp:dataModelExt xmlns="" xmlns:dsp="http://schemas.microsoft.com/office/drawing/2008/diagram" relId="rId7" minVer="http://schemas.openxmlformats.org/drawingml/2006/diagram"/>
+      <dsp:dataModelExt xmlns:dsp="http://schemas.microsoft.com/office/drawing/2008/diagram" xmlns="" relId="rId7" minVer="http://schemas.openxmlformats.org/drawingml/2006/diagram"/>
     </a:ext>
   </dgm:extLst>
 </dgm:dataModel>
@@ -2320,7 +2313,23 @@
           </a:pPr>
           <a:r>
             <a:rPr lang="en-US" sz="1700" kern="1200" dirty="0" smtClean="0"/>
-            <a:t>Java 9 = 53, Java 8 = 52, etc.</a:t>
+            <a:t>Java 9 </a:t>
+          </a:r>
+          <a:r>
+            <a:rPr lang="pl-PL" sz="1700" kern="1200" smtClean="0"/>
+            <a:t> -&gt; </a:t>
+          </a:r>
+          <a:r>
+            <a:rPr lang="en-US" sz="1700" kern="1200" dirty="0" smtClean="0"/>
+            <a:t>53, Java 8 </a:t>
+          </a:r>
+          <a:r>
+            <a:rPr lang="pl-PL" sz="1700" kern="1200" smtClean="0"/>
+            <a:t>-&gt;</a:t>
+          </a:r>
+          <a:r>
+            <a:rPr lang="en-US" sz="1700" kern="1200" dirty="0" smtClean="0"/>
+            <a:t> 52, etc.</a:t>
           </a:r>
           <a:endParaRPr lang="en-US" sz="1700" kern="1200" dirty="0"/>
         </a:p>
@@ -3261,8 +3270,12 @@
             <a:buChar char="••"/>
           </a:pPr>
           <a:r>
+            <a:rPr lang="pl-PL" sz="1700" kern="1200" smtClean="0"/>
+            <a:t>Any</a:t>
+          </a:r>
+          <a:r>
             <a:rPr lang="en-US" sz="1700" kern="1200" dirty="0" smtClean="0"/>
-            <a:t>All fields (also static) in the class</a:t>
+            <a:t> fields (also static) in the class</a:t>
           </a:r>
           <a:endParaRPr lang="en-US" sz="1700" kern="1200" dirty="0"/>
         </a:p>
@@ -3418,8 +3431,12 @@
             <a:buChar char="••"/>
           </a:pPr>
           <a:r>
+            <a:rPr lang="pl-PL" sz="1700" kern="1200" smtClean="0"/>
+            <a:t>Any</a:t>
+          </a:r>
+          <a:r>
             <a:rPr lang="en-US" sz="1700" kern="1200" dirty="0" smtClean="0"/>
-            <a:t>All methods in the class (also static)</a:t>
+            <a:t> methods in the class (also static)</a:t>
           </a:r>
           <a:endParaRPr lang="en-US" sz="1700" kern="1200" dirty="0"/>
         </a:p>
@@ -5017,7 +5034,7 @@
             <a:fld id="{C28A7749-3B69-479F-A966-24414C8A1445}" type="datetimeFigureOut">
               <a:rPr lang="en-US" smtClean="0"/>
               <a:pPr/>
-              <a:t>11/8/2016</a:t>
+              <a:t>11/16/2016</a:t>
             </a:fld>
             <a:endParaRPr lang="en-US"/>
           </a:p>
@@ -5330,42 +5347,22 @@
           <a:lstStyle/>
           <a:p>
             <a:r>
-              <a:rPr lang="en-US" dirty="0" err="1" smtClean="0"/>
-              <a:t>Bytecode</a:t>
-            </a:r>
-            <a:r>
               <a:rPr lang="en-US" dirty="0" smtClean="0"/>
+              <a:t>Bytecode is an intermediate representation of a program—halfway between human readable</a:t>
+            </a:r>
+            <a:r>
+              <a:rPr lang="pl-PL" smtClean="0"/>
               <a:t> </a:t>
             </a:r>
             <a:r>
+              <a:rPr lang="pl-PL" err="1" smtClean="0"/>
+              <a:t>java</a:t>
+            </a:r>
+            <a:r>
               <a:rPr lang="en-US" dirty="0" smtClean="0"/>
-              <a:t>is an intermediate representation of a program—halfway between human </a:t>
-            </a:r>
-            <a:r>
-              <a:rPr lang="en-US" dirty="0" smtClean="0"/>
-              <a:t>readable</a:t>
-            </a:r>
-            <a:r>
-              <a:rPr lang="pl-PL" dirty="0" smtClean="0"/>
-              <a:t> </a:t>
-            </a:r>
-            <a:r>
-              <a:rPr lang="pl-PL" dirty="0" err="1" smtClean="0"/>
-              <a:t>java</a:t>
-            </a:r>
-            <a:r>
-              <a:rPr lang="en-US" dirty="0" smtClean="0"/>
-              <a:t> </a:t>
-            </a:r>
-            <a:r>
-              <a:rPr lang="en-US" dirty="0" smtClean="0"/>
-              <a:t>source and machine code</a:t>
-            </a:r>
-            <a:r>
-              <a:rPr lang="en-US" dirty="0" smtClean="0"/>
-              <a:t>.</a:t>
-            </a:r>
-            <a:endParaRPr lang="pl-PL" dirty="0" smtClean="0"/>
+              <a:t> source and machine code.</a:t>
+            </a:r>
+            <a:endParaRPr lang="pl-PL" smtClean="0"/>
           </a:p>
           <a:p>
             <a:pPr marL="0" marR="0" indent="0" algn="l" defTabSz="914400" rtl="0" eaLnBrk="1" fontAlgn="auto" latinLnBrk="0" hangingPunct="1">
@@ -5387,28 +5384,12 @@
             </a:pPr>
             <a:r>
               <a:rPr lang="en-US" dirty="0" smtClean="0"/>
-              <a:t>JVM </a:t>
-            </a:r>
-            <a:r>
-              <a:rPr lang="en-US" dirty="0" err="1" smtClean="0"/>
-              <a:t>bytecode</a:t>
-            </a:r>
-            <a:r>
-              <a:rPr lang="en-US" dirty="0" smtClean="0"/>
-              <a:t> consists of a sequence of operation codes (</a:t>
-            </a:r>
-            <a:r>
-              <a:rPr lang="en-US" dirty="0" err="1" smtClean="0"/>
-              <a:t>opcodes</a:t>
-            </a:r>
-            <a:r>
-              <a:rPr lang="en-US" dirty="0" smtClean="0"/>
-              <a:t>), possibly with some arguments following each instruction.</a:t>
-            </a:r>
-            <a:endParaRPr lang="pl-PL" dirty="0" smtClean="0"/>
-          </a:p>
-          <a:p>
-            <a:endParaRPr lang="pl-PL" dirty="0" smtClean="0"/>
+              <a:t>JVM bytecode consists of a sequence of operation codes (opcodes), possibly with some arguments following each instruction.</a:t>
+            </a:r>
+            <a:endParaRPr lang="pl-PL" smtClean="0"/>
+          </a:p>
+          <a:p>
+            <a:endParaRPr lang="pl-PL" smtClean="0"/>
           </a:p>
           <a:p>
             <a:endParaRPr lang="en-US" dirty="0"/>
@@ -5435,7 +5416,7 @@
               <a:pPr/>
               <a:t>2</a:t>
             </a:fld>
-            <a:endParaRPr lang="en-US"/>
+            <a:endParaRPr lang="en-US" dirty="0"/>
           </a:p>
         </p:txBody>
       </p:sp>
@@ -5494,10 +5475,10 @@
           <a:lstStyle/>
           <a:p>
             <a:r>
-              <a:rPr lang="en-US" dirty="0" smtClean="0"/>
+              <a:rPr lang="en-US" smtClean="0"/>
               <a:t>High-level languages control constructs aren’t present in JVM bytecode (while, do-while)</a:t>
             </a:r>
-            <a:endParaRPr lang="en-US" dirty="0"/>
+            <a:endParaRPr lang="en-US"/>
           </a:p>
         </p:txBody>
       </p:sp>
@@ -5519,7 +5500,7 @@
             <a:fld id="{00C4ABD6-EB69-41F8-AE27-9094148744EB}" type="slidenum">
               <a:rPr lang="en-US" smtClean="0"/>
               <a:pPr/>
-              <a:t>12</a:t>
+              <a:t>13</a:t>
             </a:fld>
             <a:endParaRPr lang="en-US"/>
           </a:p>
@@ -5580,17 +5561,17 @@
           <a:lstStyle/>
           <a:p>
             <a:r>
-              <a:rPr lang="en-US" dirty="0" smtClean="0"/>
+              <a:rPr lang="en-US" smtClean="0"/>
               <a:t>There are several ways to “hook” this instrumentation mechanism into the JVM.</a:t>
             </a:r>
-            <a:endParaRPr lang="pl-PL" dirty="0" smtClean="0"/>
-          </a:p>
-          <a:p>
-            <a:r>
-              <a:rPr lang="en-US" dirty="0" smtClean="0"/>
+            <a:endParaRPr lang="pl-PL" smtClean="0"/>
+          </a:p>
+          <a:p>
+            <a:r>
+              <a:rPr lang="en-US" smtClean="0"/>
               <a:t>You could implement your own special-purpose class loader and load parts of the code with it</a:t>
             </a:r>
-            <a:endParaRPr lang="pl-PL" dirty="0"/>
+            <a:endParaRPr lang="pl-PL"/>
           </a:p>
         </p:txBody>
       </p:sp>
@@ -5612,7 +5593,7 @@
             <a:fld id="{00C4ABD6-EB69-41F8-AE27-9094148744EB}" type="slidenum">
               <a:rPr lang="en-US" smtClean="0"/>
               <a:pPr/>
-              <a:t>14</a:t>
+              <a:t>15</a:t>
             </a:fld>
             <a:endParaRPr lang="en-US"/>
           </a:p>
@@ -5695,17 +5676,6 @@
               <a:t> </a:t>
             </a:r>
             <a:r>
-              <a:rPr lang="en-US" sz="1200" kern="1200" dirty="0" err="1" smtClean="0">
-                <a:solidFill>
-                  <a:schemeClr val="tx1"/>
-                </a:solidFill>
-                <a:latin typeface="+mn-lt"/>
-                <a:ea typeface="+mn-ea"/>
-                <a:cs typeface="+mn-cs"/>
-              </a:rPr>
-              <a:t>java.lang.instrument</a:t>
-            </a:r>
-            <a:r>
               <a:rPr lang="en-US" sz="1200" kern="1200" dirty="0" smtClean="0">
                 <a:solidFill>
                   <a:schemeClr val="tx1"/>
@@ -5714,7 +5684,7 @@
                 <a:ea typeface="+mn-ea"/>
                 <a:cs typeface="+mn-cs"/>
               </a:rPr>
-              <a:t> defines a standard API for </a:t>
+              <a:t>java.lang.instrument defines a standard API for </a:t>
             </a:r>
             <a:r>
               <a:rPr lang="en-US" sz="1200" kern="1200" dirty="0" err="1" smtClean="0">
@@ -5736,29 +5706,7 @@
                 <a:ea typeface="+mn-ea"/>
                 <a:cs typeface="+mn-cs"/>
               </a:rPr>
-              <a:t> the </a:t>
-            </a:r>
-            <a:r>
-              <a:rPr lang="en-US" sz="1200" kern="1200" dirty="0" err="1" smtClean="0">
-                <a:solidFill>
-                  <a:schemeClr val="tx1"/>
-                </a:solidFill>
-                <a:latin typeface="+mn-lt"/>
-                <a:ea typeface="+mn-ea"/>
-                <a:cs typeface="+mn-cs"/>
-              </a:rPr>
-              <a:t>bytecode</a:t>
-            </a:r>
-            <a:r>
-              <a:rPr lang="en-US" sz="1200" kern="1200" dirty="0" smtClean="0">
-                <a:solidFill>
-                  <a:schemeClr val="tx1"/>
-                </a:solidFill>
-                <a:latin typeface="+mn-lt"/>
-                <a:ea typeface="+mn-ea"/>
-                <a:cs typeface="+mn-cs"/>
-              </a:rPr>
-              <a:t> of classes before they’re loaded</a:t>
+              <a:t> the bytecode of classes before they’re loaded</a:t>
             </a:r>
             <a:r>
               <a:rPr lang="pl-PL" sz="1200" kern="1200" dirty="0" smtClean="0">
@@ -5937,7 +5885,7 @@
             <a:fld id="{00C4ABD6-EB69-41F8-AE27-9094148744EB}" type="slidenum">
               <a:rPr lang="en-US" smtClean="0"/>
               <a:pPr/>
-              <a:t>15</a:t>
+              <a:t>16</a:t>
             </a:fld>
             <a:endParaRPr lang="en-US"/>
           </a:p>
@@ -6001,7 +5949,7 @@
               <a:buAutoNum type="arabicPeriod"/>
             </a:pPr>
             <a:r>
-              <a:rPr lang="pl-PL" dirty="0" smtClean="0"/>
+              <a:rPr lang="pl-PL" smtClean="0"/>
               <a:t>ASM</a:t>
             </a:r>
           </a:p>
@@ -6011,30 +5959,30 @@
               <a:buChar char="•"/>
             </a:pPr>
             <a:r>
-              <a:rPr lang="pl-PL" dirty="0" smtClean="0"/>
+              <a:rPr lang="pl-PL" smtClean="0"/>
               <a:t>industry standard for </a:t>
             </a:r>
             <a:r>
-              <a:rPr lang="pl-PL" dirty="0" err="1" smtClean="0"/>
+              <a:rPr lang="pl-PL" err="1" smtClean="0"/>
               <a:t>bytecode</a:t>
             </a:r>
             <a:r>
-              <a:rPr lang="pl-PL" dirty="0" smtClean="0"/>
+              <a:rPr lang="pl-PL" smtClean="0"/>
               <a:t> </a:t>
             </a:r>
             <a:r>
-              <a:rPr lang="pl-PL" dirty="0" err="1" smtClean="0"/>
+              <a:rPr lang="pl-PL" err="1" smtClean="0"/>
               <a:t>manipulation</a:t>
             </a:r>
             <a:r>
-              <a:rPr lang="pl-PL" dirty="0" smtClean="0"/>
+              <a:rPr lang="pl-PL" smtClean="0"/>
               <a:t>, </a:t>
             </a:r>
             <a:r>
               <a:rPr lang="en-US" dirty="0" smtClean="0"/>
               <a:t>almost all other libraries are built on top of ASM</a:t>
             </a:r>
-            <a:endParaRPr lang="pl-PL" dirty="0" smtClean="0"/>
+            <a:endParaRPr lang="pl-PL" smtClean="0"/>
           </a:p>
           <a:p>
             <a:pPr marL="685800" lvl="1" indent="-228600">
@@ -6042,42 +5990,42 @@
               <a:buChar char="•"/>
             </a:pPr>
             <a:r>
-              <a:rPr lang="pl-PL" dirty="0" err="1" smtClean="0"/>
+              <a:rPr lang="pl-PL" err="1" smtClean="0"/>
               <a:t>small</a:t>
             </a:r>
             <a:r>
-              <a:rPr lang="pl-PL" dirty="0" smtClean="0"/>
+              <a:rPr lang="pl-PL" smtClean="0"/>
               <a:t>, </a:t>
             </a:r>
             <a:r>
-              <a:rPr lang="pl-PL" dirty="0" err="1" smtClean="0"/>
+              <a:rPr lang="pl-PL" err="1" smtClean="0"/>
               <a:t>fast</a:t>
             </a:r>
             <a:r>
-              <a:rPr lang="pl-PL" dirty="0" smtClean="0"/>
+              <a:rPr lang="pl-PL" smtClean="0"/>
               <a:t>, </a:t>
             </a:r>
             <a:r>
-              <a:rPr lang="pl-PL" dirty="0" err="1" smtClean="0"/>
+              <a:rPr lang="pl-PL" err="1" smtClean="0"/>
               <a:t>very</a:t>
             </a:r>
             <a:r>
-              <a:rPr lang="pl-PL" dirty="0" smtClean="0"/>
+              <a:rPr lang="pl-PL" smtClean="0"/>
               <a:t> </a:t>
             </a:r>
             <a:r>
-              <a:rPr lang="pl-PL" dirty="0" err="1" smtClean="0"/>
+              <a:rPr lang="pl-PL" err="1" smtClean="0"/>
               <a:t>close</a:t>
             </a:r>
             <a:r>
-              <a:rPr lang="pl-PL" dirty="0" smtClean="0"/>
+              <a:rPr lang="pl-PL" smtClean="0"/>
               <a:t> to </a:t>
             </a:r>
             <a:r>
-              <a:rPr lang="pl-PL" dirty="0" err="1" smtClean="0"/>
+              <a:rPr lang="pl-PL" err="1" smtClean="0"/>
               <a:t>bytecode</a:t>
             </a:r>
-            <a:endParaRPr lang="pl-PL" dirty="0" smtClean="0"/>
+            <a:endParaRPr lang="pl-PL" smtClean="0"/>
           </a:p>
           <a:p>
             <a:pPr marL="685800" lvl="1" indent="-228600">
@@ -6085,35 +6033,35 @@
               <a:buChar char="•"/>
             </a:pPr>
             <a:r>
-              <a:rPr lang="pl-PL" dirty="0" err="1" smtClean="0"/>
+              <a:rPr lang="pl-PL" err="1" smtClean="0"/>
               <a:t>up-to-date</a:t>
             </a:r>
             <a:r>
-              <a:rPr lang="pl-PL" dirty="0" smtClean="0"/>
+              <a:rPr lang="pl-PL" smtClean="0"/>
               <a:t> (</a:t>
             </a:r>
             <a:r>
-              <a:rPr lang="pl-PL" dirty="0" err="1" smtClean="0"/>
+              <a:rPr lang="pl-PL" err="1" smtClean="0"/>
               <a:t>there</a:t>
             </a:r>
             <a:r>
-              <a:rPr lang="pl-PL" baseline="0" dirty="0" smtClean="0"/>
+              <a:rPr lang="pl-PL" baseline="0" smtClean="0"/>
               <a:t> </a:t>
             </a:r>
             <a:r>
-              <a:rPr lang="pl-PL" baseline="0" dirty="0" err="1" smtClean="0"/>
+              <a:rPr lang="pl-PL" baseline="0" err="1" smtClean="0"/>
               <a:t>is</a:t>
             </a:r>
             <a:r>
-              <a:rPr lang="pl-PL" baseline="0" dirty="0" smtClean="0"/>
+              <a:rPr lang="pl-PL" baseline="0" smtClean="0"/>
               <a:t> </a:t>
             </a:r>
             <a:r>
-              <a:rPr lang="pl-PL" baseline="0" dirty="0" err="1" smtClean="0"/>
+              <a:rPr lang="pl-PL" baseline="0" err="1" smtClean="0"/>
               <a:t>version</a:t>
             </a:r>
             <a:r>
-              <a:rPr lang="pl-PL" baseline="0" dirty="0" smtClean="0"/>
+              <a:rPr lang="pl-PL" baseline="0" smtClean="0"/>
               <a:t> for 1.9)</a:t>
             </a:r>
           </a:p>
@@ -6123,35 +6071,35 @@
               <a:buChar char="•"/>
             </a:pPr>
             <a:r>
-              <a:rPr lang="pl-PL" baseline="0" dirty="0" err="1" smtClean="0"/>
+              <a:rPr lang="pl-PL" baseline="0" err="1" smtClean="0"/>
               <a:t>used</a:t>
             </a:r>
             <a:r>
-              <a:rPr lang="pl-PL" baseline="0" dirty="0" smtClean="0"/>
+              <a:rPr lang="pl-PL" baseline="0" smtClean="0"/>
               <a:t> </a:t>
             </a:r>
             <a:r>
-              <a:rPr lang="pl-PL" baseline="0" dirty="0" err="1" smtClean="0"/>
+              <a:rPr lang="pl-PL" baseline="0" err="1" smtClean="0"/>
               <a:t>in</a:t>
             </a:r>
             <a:r>
-              <a:rPr lang="pl-PL" baseline="0" dirty="0" smtClean="0"/>
+              <a:rPr lang="pl-PL" baseline="0" smtClean="0"/>
               <a:t> </a:t>
             </a:r>
             <a:r>
-              <a:rPr lang="pl-PL" baseline="0" dirty="0" err="1" smtClean="0"/>
+              <a:rPr lang="pl-PL" baseline="0" err="1" smtClean="0"/>
               <a:t>jdk</a:t>
             </a:r>
             <a:r>
-              <a:rPr lang="pl-PL" baseline="0" dirty="0" smtClean="0"/>
+              <a:rPr lang="pl-PL" baseline="0" smtClean="0"/>
               <a:t>, </a:t>
             </a:r>
             <a:r>
-              <a:rPr lang="pl-PL" baseline="0" dirty="0" err="1" smtClean="0"/>
+              <a:rPr lang="pl-PL" baseline="0" err="1" smtClean="0"/>
               <a:t>requires</a:t>
             </a:r>
             <a:r>
-              <a:rPr lang="pl-PL" baseline="0" dirty="0" smtClean="0"/>
+              <a:rPr lang="pl-PL" baseline="0" smtClean="0"/>
               <a:t> </a:t>
             </a:r>
             <a:r>
@@ -6159,44 +6107,44 @@
               <a:t>understanding of how the JVM works</a:t>
             </a:r>
             <a:r>
-              <a:rPr lang="pl-PL" dirty="0" smtClean="0"/>
+              <a:rPr lang="pl-PL" smtClean="0"/>
               <a:t> (</a:t>
             </a:r>
             <a:r>
-              <a:rPr lang="pl-PL" dirty="0" err="1" smtClean="0"/>
+              <a:rPr lang="pl-PL" err="1" smtClean="0"/>
               <a:t>bytecode</a:t>
             </a:r>
             <a:r>
-              <a:rPr lang="pl-PL" dirty="0" smtClean="0"/>
+              <a:rPr lang="pl-PL" smtClean="0"/>
               <a:t>,</a:t>
             </a:r>
             <a:r>
-              <a:rPr lang="pl-PL" baseline="0" dirty="0" smtClean="0"/>
+              <a:rPr lang="pl-PL" baseline="0" smtClean="0"/>
               <a:t> </a:t>
             </a:r>
             <a:r>
-              <a:rPr lang="pl-PL" baseline="0" dirty="0" err="1" smtClean="0"/>
+              <a:rPr lang="pl-PL" baseline="0" err="1" smtClean="0"/>
               <a:t>class</a:t>
             </a:r>
             <a:r>
-              <a:rPr lang="pl-PL" baseline="0" dirty="0" smtClean="0"/>
+              <a:rPr lang="pl-PL" baseline="0" smtClean="0"/>
               <a:t> format)</a:t>
             </a:r>
-            <a:endParaRPr lang="pl-PL" dirty="0" smtClean="0"/>
+            <a:endParaRPr lang="pl-PL" smtClean="0"/>
           </a:p>
           <a:p>
             <a:pPr marL="685800" lvl="1" indent="-228600">
               <a:buFont typeface="Arial" pitchFamily="34" charset="0"/>
               <a:buChar char="•"/>
             </a:pPr>
-            <a:endParaRPr lang="pl-PL" dirty="0" smtClean="0"/>
+            <a:endParaRPr lang="pl-PL" smtClean="0"/>
           </a:p>
           <a:p>
             <a:pPr marL="228600" indent="-228600">
               <a:buAutoNum type="arabicPeriod"/>
             </a:pPr>
             <a:r>
-              <a:rPr lang="pl-PL" dirty="0" smtClean="0"/>
+              <a:rPr lang="pl-PL" smtClean="0"/>
               <a:t>CGLIB</a:t>
             </a:r>
           </a:p>
@@ -6209,7 +6157,7 @@
               <a:rPr lang="en-US" dirty="0" smtClean="0"/>
               <a:t>designed and implemented more than ten years ago</a:t>
             </a:r>
-            <a:endParaRPr lang="pl-PL" dirty="0" smtClean="0"/>
+            <a:endParaRPr lang="pl-PL" smtClean="0"/>
           </a:p>
           <a:p>
             <a:pPr marL="685800" lvl="1" indent="-228600">
@@ -6217,11 +6165,11 @@
               <a:buChar char="•"/>
             </a:pPr>
             <a:r>
-              <a:rPr lang="pl-PL" dirty="0" err="1" smtClean="0"/>
+              <a:rPr lang="pl-PL" err="1" smtClean="0"/>
               <a:t>Built</a:t>
             </a:r>
             <a:r>
-              <a:rPr lang="pl-PL" dirty="0" smtClean="0"/>
+              <a:rPr lang="pl-PL" smtClean="0"/>
               <a:t> on top of ASM</a:t>
             </a:r>
           </a:p>
@@ -6231,18 +6179,18 @@
               <a:buChar char="•"/>
             </a:pPr>
             <a:r>
-              <a:rPr lang="pl-PL" dirty="0" err="1" smtClean="0"/>
+              <a:rPr lang="pl-PL" err="1" smtClean="0"/>
               <a:t>Poor</a:t>
             </a:r>
             <a:r>
-              <a:rPr lang="pl-PL" baseline="0" dirty="0" smtClean="0"/>
+              <a:rPr lang="pl-PL" baseline="0" smtClean="0"/>
               <a:t> </a:t>
             </a:r>
             <a:r>
-              <a:rPr lang="pl-PL" baseline="0" dirty="0" err="1" smtClean="0"/>
+              <a:rPr lang="pl-PL" baseline="0" err="1" smtClean="0"/>
               <a:t>documentation</a:t>
             </a:r>
-            <a:endParaRPr lang="pl-PL" baseline="0" dirty="0" smtClean="0"/>
+            <a:endParaRPr lang="pl-PL" baseline="0" smtClean="0"/>
           </a:p>
           <a:p>
             <a:pPr marL="685800" lvl="1" indent="-228600">
@@ -6253,7 +6201,7 @@
               <a:rPr lang="en-US" dirty="0" smtClean="0"/>
               <a:t>allows the creation of Java proxies for non-interface types</a:t>
             </a:r>
-            <a:endParaRPr lang="pl-PL" baseline="0" dirty="0" smtClean="0"/>
+            <a:endParaRPr lang="pl-PL" baseline="0" smtClean="0"/>
           </a:p>
           <a:p>
             <a:pPr marL="685800" lvl="1" indent="-228600">
@@ -6261,55 +6209,55 @@
               <a:buChar char="•"/>
             </a:pPr>
             <a:r>
-              <a:rPr lang="pl-PL" baseline="0" dirty="0" err="1" smtClean="0"/>
+              <a:rPr lang="pl-PL" baseline="0" err="1" smtClean="0"/>
               <a:t>Used</a:t>
             </a:r>
             <a:r>
-              <a:rPr lang="pl-PL" baseline="0" dirty="0" smtClean="0"/>
+              <a:rPr lang="pl-PL" baseline="0" smtClean="0"/>
               <a:t> by </a:t>
             </a:r>
             <a:r>
-              <a:rPr lang="pl-PL" baseline="0" dirty="0" err="1" smtClean="0"/>
+              <a:rPr lang="pl-PL" baseline="0" err="1" smtClean="0"/>
               <a:t>hibernate</a:t>
             </a:r>
             <a:r>
-              <a:rPr lang="pl-PL" baseline="0" dirty="0" smtClean="0"/>
+              <a:rPr lang="pl-PL" baseline="0" smtClean="0"/>
               <a:t> (not </a:t>
             </a:r>
             <a:r>
-              <a:rPr lang="pl-PL" baseline="0" dirty="0" err="1" smtClean="0"/>
+              <a:rPr lang="pl-PL" baseline="0" err="1" smtClean="0"/>
               <a:t>anymore</a:t>
             </a:r>
             <a:r>
-              <a:rPr lang="pl-PL" baseline="0" dirty="0" smtClean="0"/>
+              <a:rPr lang="pl-PL" baseline="0" smtClean="0"/>
               <a:t>), spring (</a:t>
             </a:r>
             <a:r>
-              <a:rPr lang="pl-PL" baseline="0" dirty="0" err="1" smtClean="0"/>
+              <a:rPr lang="pl-PL" baseline="0" err="1" smtClean="0"/>
               <a:t>cglib-proxy</a:t>
             </a:r>
             <a:r>
-              <a:rPr lang="pl-PL" baseline="0" dirty="0" smtClean="0"/>
+              <a:rPr lang="pl-PL" baseline="0" smtClean="0"/>
               <a:t>)</a:t>
             </a:r>
-            <a:endParaRPr lang="pl-PL" dirty="0" smtClean="0"/>
+            <a:endParaRPr lang="pl-PL" smtClean="0"/>
           </a:p>
           <a:p>
             <a:pPr marL="685800" lvl="1" indent="-228600">
               <a:buFont typeface="Arial" pitchFamily="34" charset="0"/>
               <a:buChar char="•"/>
             </a:pPr>
-            <a:endParaRPr lang="pl-PL" dirty="0" smtClean="0"/>
+            <a:endParaRPr lang="pl-PL" smtClean="0"/>
           </a:p>
           <a:p>
             <a:pPr marL="228600" indent="-228600">
               <a:buAutoNum type="arabicPeriod"/>
             </a:pPr>
             <a:r>
-              <a:rPr lang="pl-PL" dirty="0" err="1" smtClean="0"/>
+              <a:rPr lang="pl-PL" err="1" smtClean="0"/>
               <a:t>Javaassist</a:t>
             </a:r>
-            <a:endParaRPr lang="pl-PL" dirty="0" smtClean="0"/>
+            <a:endParaRPr lang="pl-PL" smtClean="0"/>
           </a:p>
           <a:p>
             <a:pPr marL="685800" lvl="1" indent="-228600">
@@ -6317,18 +6265,18 @@
               <a:buChar char="•"/>
             </a:pPr>
             <a:r>
-              <a:rPr lang="pl-PL" dirty="0" err="1" smtClean="0"/>
+              <a:rPr lang="pl-PL" err="1" smtClean="0"/>
               <a:t>subproject</a:t>
             </a:r>
             <a:r>
-              <a:rPr lang="pl-PL" dirty="0" smtClean="0"/>
+              <a:rPr lang="pl-PL" smtClean="0"/>
               <a:t> of </a:t>
             </a:r>
             <a:r>
-              <a:rPr lang="pl-PL" dirty="0" err="1" smtClean="0"/>
+              <a:rPr lang="pl-PL" err="1" smtClean="0"/>
               <a:t>jboss</a:t>
             </a:r>
-            <a:endParaRPr lang="pl-PL" dirty="0" smtClean="0"/>
+            <a:endParaRPr lang="pl-PL" smtClean="0"/>
           </a:p>
           <a:p>
             <a:pPr marL="685800" lvl="1" indent="-228600">
@@ -6339,7 +6287,7 @@
               <a:rPr lang="en-US" dirty="0" smtClean="0"/>
               <a:t>both a high level and low level API</a:t>
             </a:r>
-            <a:endParaRPr lang="pl-PL" dirty="0" smtClean="0"/>
+            <a:endParaRPr lang="pl-PL" smtClean="0"/>
           </a:p>
           <a:p>
             <a:pPr marL="685800" lvl="1" indent="-228600">
@@ -6347,27 +6295,27 @@
               <a:buChar char="•"/>
             </a:pPr>
             <a:r>
-              <a:rPr lang="pl-PL" dirty="0" err="1" smtClean="0"/>
+              <a:rPr lang="pl-PL" err="1" smtClean="0"/>
               <a:t>suffered</a:t>
             </a:r>
             <a:r>
-              <a:rPr lang="pl-PL" dirty="0" smtClean="0"/>
+              <a:rPr lang="pl-PL" smtClean="0"/>
               <a:t> </a:t>
             </a:r>
             <a:r>
-              <a:rPr lang="pl-PL" dirty="0" err="1" smtClean="0"/>
+              <a:rPr lang="pl-PL" err="1" smtClean="0"/>
               <a:t>from</a:t>
             </a:r>
             <a:r>
-              <a:rPr lang="pl-PL" dirty="0" smtClean="0"/>
+              <a:rPr lang="pl-PL" smtClean="0"/>
               <a:t> </a:t>
             </a:r>
             <a:r>
-              <a:rPr lang="pl-PL" dirty="0" err="1" smtClean="0"/>
+              <a:rPr lang="pl-PL" err="1" smtClean="0"/>
               <a:t>inactivity</a:t>
             </a:r>
             <a:r>
-              <a:rPr lang="pl-PL" dirty="0" smtClean="0"/>
+              <a:rPr lang="pl-PL" smtClean="0"/>
               <a:t> 	</a:t>
             </a:r>
           </a:p>
@@ -6380,7 +6328,7 @@
               <a:rPr lang="en-US" dirty="0" smtClean="0"/>
               <a:t>may still have issues with Java 8 support</a:t>
             </a:r>
-            <a:endParaRPr lang="pl-PL" dirty="0" smtClean="0"/>
+            <a:endParaRPr lang="pl-PL" smtClean="0"/>
           </a:p>
           <a:p>
             <a:pPr marL="685800" lvl="1" indent="-228600">
@@ -6388,44 +6336,44 @@
               <a:buChar char="•"/>
             </a:pPr>
             <a:r>
-              <a:rPr lang="pl-PL" dirty="0" err="1" smtClean="0"/>
+              <a:rPr lang="pl-PL" err="1" smtClean="0"/>
               <a:t>slower</a:t>
             </a:r>
             <a:r>
-              <a:rPr lang="pl-PL" dirty="0" smtClean="0"/>
+              <a:rPr lang="pl-PL" smtClean="0"/>
               <a:t> </a:t>
             </a:r>
             <a:r>
-              <a:rPr lang="pl-PL" dirty="0" err="1" smtClean="0"/>
+              <a:rPr lang="pl-PL" err="1" smtClean="0"/>
               <a:t>than</a:t>
             </a:r>
             <a:r>
-              <a:rPr lang="pl-PL" dirty="0" smtClean="0"/>
+              <a:rPr lang="pl-PL" smtClean="0"/>
               <a:t> </a:t>
             </a:r>
             <a:r>
-              <a:rPr lang="pl-PL" dirty="0" err="1" smtClean="0"/>
+              <a:rPr lang="pl-PL" err="1" smtClean="0"/>
               <a:t>cglib</a:t>
             </a:r>
-            <a:endParaRPr lang="pl-PL" dirty="0" smtClean="0"/>
+            <a:endParaRPr lang="pl-PL" smtClean="0"/>
           </a:p>
           <a:p>
             <a:pPr marL="685800" lvl="1" indent="-228600">
               <a:buFont typeface="Arial" pitchFamily="34" charset="0"/>
               <a:buChar char="•"/>
             </a:pPr>
-            <a:endParaRPr lang="pl-PL" dirty="0" smtClean="0"/>
+            <a:endParaRPr lang="pl-PL" smtClean="0"/>
           </a:p>
           <a:p>
             <a:pPr marL="228600" indent="-228600">
               <a:buAutoNum type="arabicPeriod"/>
             </a:pPr>
             <a:r>
-              <a:rPr lang="pl-PL" dirty="0" err="1" smtClean="0"/>
+              <a:rPr lang="pl-PL" err="1" smtClean="0"/>
               <a:t>Byte</a:t>
             </a:r>
             <a:r>
-              <a:rPr lang="pl-PL" dirty="0" smtClean="0"/>
+              <a:rPr lang="pl-PL" smtClean="0"/>
               <a:t> Buddy</a:t>
             </a:r>
           </a:p>
@@ -6435,27 +6383,27 @@
               <a:buChar char="•"/>
             </a:pPr>
             <a:r>
-              <a:rPr lang="pl-PL" dirty="0" err="1" smtClean="0"/>
+              <a:rPr lang="pl-PL" err="1" smtClean="0"/>
               <a:t>quite</a:t>
             </a:r>
             <a:r>
-              <a:rPr lang="pl-PL" dirty="0" smtClean="0"/>
+              <a:rPr lang="pl-PL" smtClean="0"/>
               <a:t> </a:t>
             </a:r>
             <a:r>
-              <a:rPr lang="pl-PL" dirty="0" err="1" smtClean="0"/>
+              <a:rPr lang="pl-PL" err="1" smtClean="0"/>
               <a:t>new</a:t>
             </a:r>
             <a:r>
-              <a:rPr lang="pl-PL" dirty="0" smtClean="0"/>
+              <a:rPr lang="pl-PL" smtClean="0"/>
               <a:t> player </a:t>
             </a:r>
             <a:r>
-              <a:rPr lang="pl-PL" dirty="0" err="1" smtClean="0"/>
+              <a:rPr lang="pl-PL" err="1" smtClean="0"/>
               <a:t>built</a:t>
             </a:r>
             <a:r>
-              <a:rPr lang="pl-PL" dirty="0" smtClean="0"/>
+              <a:rPr lang="pl-PL" smtClean="0"/>
               <a:t> on top of ASM</a:t>
             </a:r>
           </a:p>
@@ -6465,26 +6413,26 @@
               <a:buChar char="•"/>
             </a:pPr>
             <a:r>
-              <a:rPr lang="pl-PL" dirty="0" err="1" smtClean="0"/>
+              <a:rPr lang="pl-PL" err="1" smtClean="0"/>
               <a:t>High-level</a:t>
             </a:r>
             <a:r>
-              <a:rPr lang="pl-PL" dirty="0" smtClean="0"/>
+              <a:rPr lang="pl-PL" smtClean="0"/>
               <a:t> </a:t>
             </a:r>
             <a:r>
-              <a:rPr lang="pl-PL" dirty="0" err="1" smtClean="0"/>
+              <a:rPr lang="pl-PL" err="1" smtClean="0"/>
               <a:t>api</a:t>
             </a:r>
             <a:r>
-              <a:rPr lang="pl-PL" dirty="0" smtClean="0"/>
+              <a:rPr lang="pl-PL" smtClean="0"/>
               <a:t>, </a:t>
             </a:r>
             <a:r>
               <a:rPr lang="en-US" dirty="0" smtClean="0"/>
               <a:t>does not require an understanding of Java byte code</a:t>
             </a:r>
-            <a:endParaRPr lang="pl-PL" dirty="0" smtClean="0"/>
+            <a:endParaRPr lang="pl-PL" smtClean="0"/>
           </a:p>
           <a:p>
             <a:pPr marL="685800" lvl="1" indent="-228600">
@@ -6492,42 +6440,42 @@
               <a:buChar char="•"/>
             </a:pPr>
             <a:r>
-              <a:rPr lang="pl-PL" dirty="0" err="1" smtClean="0"/>
+              <a:rPr lang="pl-PL" err="1" smtClean="0"/>
               <a:t>Allowes</a:t>
             </a:r>
             <a:r>
-              <a:rPr lang="pl-PL" dirty="0" smtClean="0"/>
+              <a:rPr lang="pl-PL" smtClean="0"/>
               <a:t> </a:t>
             </a:r>
             <a:r>
-              <a:rPr lang="pl-PL" dirty="0" err="1" smtClean="0"/>
+              <a:rPr lang="pl-PL" err="1" smtClean="0"/>
               <a:t>everything</a:t>
             </a:r>
             <a:r>
-              <a:rPr lang="pl-PL" baseline="0" dirty="0" smtClean="0"/>
+              <a:rPr lang="pl-PL" baseline="0" smtClean="0"/>
               <a:t> </a:t>
             </a:r>
             <a:r>
-              <a:rPr lang="pl-PL" baseline="0" dirty="0" err="1" smtClean="0"/>
+              <a:rPr lang="pl-PL" baseline="0" err="1" smtClean="0"/>
               <a:t>that</a:t>
             </a:r>
             <a:r>
-              <a:rPr lang="pl-PL" baseline="0" dirty="0" smtClean="0"/>
+              <a:rPr lang="pl-PL" baseline="0" smtClean="0"/>
               <a:t> </a:t>
             </a:r>
             <a:r>
-              <a:rPr lang="pl-PL" baseline="0" dirty="0" err="1" smtClean="0"/>
+              <a:rPr lang="pl-PL" baseline="0" err="1" smtClean="0"/>
               <a:t>cglib</a:t>
             </a:r>
             <a:r>
-              <a:rPr lang="pl-PL" baseline="0" dirty="0" smtClean="0"/>
+              <a:rPr lang="pl-PL" baseline="0" smtClean="0"/>
               <a:t> and </a:t>
             </a:r>
             <a:r>
-              <a:rPr lang="pl-PL" baseline="0" dirty="0" err="1" smtClean="0"/>
+              <a:rPr lang="pl-PL" baseline="0" err="1" smtClean="0"/>
               <a:t>javaassist</a:t>
             </a:r>
-            <a:endParaRPr lang="pl-PL" dirty="0" smtClean="0"/>
+            <a:endParaRPr lang="pl-PL" smtClean="0"/>
           </a:p>
           <a:p>
             <a:pPr marL="685800" lvl="1" indent="-228600">
@@ -6535,63 +6483,63 @@
               <a:buChar char="•"/>
             </a:pPr>
             <a:r>
-              <a:rPr lang="pl-PL" dirty="0" err="1" smtClean="0"/>
+              <a:rPr lang="pl-PL" err="1" smtClean="0"/>
               <a:t>Mockito</a:t>
             </a:r>
             <a:r>
-              <a:rPr lang="pl-PL" dirty="0" smtClean="0"/>
+              <a:rPr lang="pl-PL" smtClean="0"/>
               <a:t> </a:t>
             </a:r>
             <a:r>
-              <a:rPr lang="pl-PL" dirty="0" err="1" smtClean="0"/>
+              <a:rPr lang="pl-PL" err="1" smtClean="0"/>
               <a:t>gave</a:t>
             </a:r>
             <a:r>
-              <a:rPr lang="pl-PL" baseline="0" dirty="0" smtClean="0"/>
+              <a:rPr lang="pl-PL" baseline="0" smtClean="0"/>
               <a:t> </a:t>
             </a:r>
             <a:r>
-              <a:rPr lang="pl-PL" baseline="0" dirty="0" err="1" smtClean="0"/>
+              <a:rPr lang="pl-PL" baseline="0" err="1" smtClean="0"/>
               <a:t>up</a:t>
             </a:r>
             <a:r>
-              <a:rPr lang="pl-PL" baseline="0" dirty="0" smtClean="0"/>
+              <a:rPr lang="pl-PL" baseline="0" smtClean="0"/>
               <a:t> </a:t>
             </a:r>
             <a:r>
-              <a:rPr lang="pl-PL" baseline="0" dirty="0" err="1" smtClean="0"/>
+              <a:rPr lang="pl-PL" baseline="0" err="1" smtClean="0"/>
               <a:t>cglib</a:t>
             </a:r>
             <a:r>
-              <a:rPr lang="pl-PL" baseline="0" dirty="0" smtClean="0"/>
+              <a:rPr lang="pl-PL" baseline="0" smtClean="0"/>
               <a:t> for </a:t>
             </a:r>
             <a:r>
-              <a:rPr lang="pl-PL" baseline="0" dirty="0" err="1" smtClean="0"/>
+              <a:rPr lang="pl-PL" baseline="0" err="1" smtClean="0"/>
               <a:t>byte</a:t>
             </a:r>
             <a:r>
-              <a:rPr lang="pl-PL" baseline="0" dirty="0" smtClean="0"/>
+              <a:rPr lang="pl-PL" baseline="0" smtClean="0"/>
               <a:t> buddy</a:t>
             </a:r>
-            <a:endParaRPr lang="pl-PL" dirty="0" smtClean="0"/>
+            <a:endParaRPr lang="pl-PL" smtClean="0"/>
           </a:p>
           <a:p>
             <a:pPr marL="685800" lvl="1" indent="-228600">
               <a:buFont typeface="Arial" pitchFamily="34" charset="0"/>
               <a:buChar char="•"/>
             </a:pPr>
-            <a:endParaRPr lang="pl-PL" dirty="0" smtClean="0"/>
+            <a:endParaRPr lang="pl-PL" smtClean="0"/>
           </a:p>
           <a:p>
             <a:pPr marL="228600" indent="-228600">
               <a:buAutoNum type="arabicPeriod"/>
             </a:pPr>
             <a:r>
-              <a:rPr lang="pl-PL" dirty="0" err="1" smtClean="0"/>
+              <a:rPr lang="pl-PL" err="1" smtClean="0"/>
               <a:t>AspectJ</a:t>
             </a:r>
-            <a:endParaRPr lang="pl-PL" dirty="0" smtClean="0"/>
+            <a:endParaRPr lang="pl-PL" smtClean="0"/>
           </a:p>
           <a:p>
             <a:pPr marL="685800" lvl="1" indent="-228600">
@@ -6610,7 +6558,7 @@
               <a:rPr lang="en-US" dirty="0" smtClean="0"/>
               <a:t>(only)</a:t>
             </a:r>
-            <a:endParaRPr lang="pl-PL" dirty="0" smtClean="0"/>
+            <a:endParaRPr lang="pl-PL" smtClean="0"/>
           </a:p>
           <a:p>
             <a:pPr marL="685800" lvl="1" indent="-228600">
@@ -6618,26 +6566,26 @@
               <a:buChar char="•"/>
             </a:pPr>
             <a:r>
-              <a:rPr lang="pl-PL" dirty="0" err="1" smtClean="0"/>
+              <a:rPr lang="pl-PL" err="1" smtClean="0"/>
               <a:t>manipulation</a:t>
             </a:r>
             <a:r>
-              <a:rPr lang="pl-PL" dirty="0" smtClean="0"/>
+              <a:rPr lang="pl-PL" smtClean="0"/>
               <a:t> </a:t>
             </a:r>
             <a:r>
-              <a:rPr lang="pl-PL" dirty="0" err="1" smtClean="0"/>
+              <a:rPr lang="pl-PL" err="1" smtClean="0"/>
               <a:t>at</a:t>
             </a:r>
             <a:r>
-              <a:rPr lang="pl-PL" dirty="0" smtClean="0"/>
+              <a:rPr lang="pl-PL" smtClean="0"/>
               <a:t> </a:t>
             </a:r>
             <a:r>
-              <a:rPr lang="pl-PL" dirty="0" err="1" smtClean="0"/>
+              <a:rPr lang="pl-PL" err="1" smtClean="0"/>
               <a:t>compile-time</a:t>
             </a:r>
-            <a:endParaRPr lang="pl-PL" dirty="0"/>
+            <a:endParaRPr lang="pl-PL"/>
           </a:p>
         </p:txBody>
       </p:sp>
@@ -6659,9 +6607,9 @@
             <a:fld id="{00C4ABD6-EB69-41F8-AE27-9094148744EB}" type="slidenum">
               <a:rPr lang="en-US" smtClean="0"/>
               <a:pPr/>
-              <a:t>16</a:t>
+              <a:t>17</a:t>
             </a:fld>
-            <a:endParaRPr lang="en-US"/>
+            <a:endParaRPr lang="en-US" dirty="0"/>
           </a:p>
         </p:txBody>
       </p:sp>
@@ -6723,76 +6671,12 @@
               <a:buAutoNum type="arabicPeriod"/>
             </a:pPr>
             <a:r>
-              <a:rPr lang="pl-PL" dirty="0" err="1" smtClean="0"/>
-              <a:t>Bytecode</a:t>
-            </a:r>
-            <a:r>
               <a:rPr lang="pl-PL" dirty="0" smtClean="0"/>
-              <a:t> </a:t>
-            </a:r>
-            <a:r>
-              <a:rPr lang="pl-PL" dirty="0" err="1" smtClean="0"/>
-              <a:t>is</a:t>
-            </a:r>
-            <a:r>
-              <a:rPr lang="pl-PL" dirty="0" smtClean="0"/>
-              <a:t> part of a JVM, we </a:t>
-            </a:r>
-            <a:r>
-              <a:rPr lang="pl-PL" dirty="0" err="1" smtClean="0"/>
-              <a:t>cannot</a:t>
-            </a:r>
-            <a:r>
-              <a:rPr lang="pl-PL" dirty="0" smtClean="0"/>
-              <a:t> </a:t>
-            </a:r>
-            <a:r>
-              <a:rPr lang="pl-PL" dirty="0" err="1" smtClean="0"/>
-              <a:t>realy</a:t>
+              <a:t>Bytecode is part of a JVM, we cannot realy</a:t>
             </a:r>
             <a:r>
               <a:rPr lang="pl-PL" baseline="0" dirty="0" smtClean="0"/>
-              <a:t> </a:t>
-            </a:r>
-            <a:r>
-              <a:rPr lang="pl-PL" baseline="0" dirty="0" err="1" smtClean="0"/>
-              <a:t>understand</a:t>
-            </a:r>
-            <a:r>
-              <a:rPr lang="pl-PL" baseline="0" dirty="0" smtClean="0"/>
-              <a:t> </a:t>
-            </a:r>
-            <a:r>
-              <a:rPr lang="pl-PL" baseline="0" dirty="0" err="1" smtClean="0"/>
-              <a:t>bytecode</a:t>
-            </a:r>
-            <a:r>
-              <a:rPr lang="pl-PL" baseline="0" dirty="0" smtClean="0"/>
-              <a:t> </a:t>
-            </a:r>
-            <a:r>
-              <a:rPr lang="pl-PL" baseline="0" dirty="0" err="1" smtClean="0"/>
-              <a:t>without</a:t>
-            </a:r>
-            <a:r>
-              <a:rPr lang="pl-PL" baseline="0" dirty="0" smtClean="0"/>
-              <a:t> </a:t>
-            </a:r>
-            <a:r>
-              <a:rPr lang="pl-PL" baseline="0" dirty="0" err="1" smtClean="0"/>
-              <a:t>understanding</a:t>
-            </a:r>
-            <a:r>
-              <a:rPr lang="pl-PL" baseline="0" dirty="0" smtClean="0"/>
-              <a:t> JVM and vice </a:t>
-            </a:r>
-            <a:r>
-              <a:rPr lang="pl-PL" baseline="0" dirty="0" err="1" smtClean="0"/>
-              <a:t>versa</a:t>
-            </a:r>
-            <a:r>
-              <a:rPr lang="pl-PL" baseline="0" dirty="0" smtClean="0"/>
-              <a:t>.</a:t>
+              <a:t> understand bytecode without understanding JVM and vice versa.</a:t>
             </a:r>
             <a:endParaRPr lang="pl-PL" dirty="0" smtClean="0"/>
           </a:p>
@@ -6810,52 +6694,12 @@
               <a:buAutoNum type="arabicPeriod"/>
             </a:pPr>
             <a:r>
-              <a:rPr lang="pl-PL" dirty="0" err="1" smtClean="0"/>
-              <a:t>If</a:t>
-            </a:r>
-            <a:r>
               <a:rPr lang="pl-PL" dirty="0" smtClean="0"/>
-              <a:t> </a:t>
-            </a:r>
-            <a:r>
-              <a:rPr lang="pl-PL" dirty="0" err="1" smtClean="0"/>
-              <a:t>you</a:t>
-            </a:r>
-            <a:r>
-              <a:rPr lang="pl-PL" dirty="0" smtClean="0"/>
-              <a:t> </a:t>
-            </a:r>
-            <a:r>
-              <a:rPr lang="pl-PL" dirty="0" err="1" smtClean="0"/>
-              <a:t>realy</a:t>
+              <a:t>If you realy</a:t>
             </a:r>
             <a:r>
               <a:rPr lang="pl-PL" baseline="0" dirty="0" smtClean="0"/>
-              <a:t> </a:t>
-            </a:r>
-            <a:r>
-              <a:rPr lang="pl-PL" baseline="0" dirty="0" err="1" smtClean="0"/>
-              <a:t>need</a:t>
-            </a:r>
-            <a:r>
-              <a:rPr lang="pl-PL" baseline="0" dirty="0" smtClean="0"/>
-              <a:t> </a:t>
-            </a:r>
-            <a:r>
-              <a:rPr lang="pl-PL" baseline="0" dirty="0" err="1" smtClean="0"/>
-              <a:t>this</a:t>
-            </a:r>
-            <a:r>
-              <a:rPr lang="pl-PL" baseline="0" dirty="0" smtClean="0"/>
-              <a:t>… DSL </a:t>
-            </a:r>
-            <a:r>
-              <a:rPr lang="pl-PL" baseline="0" dirty="0" err="1" smtClean="0"/>
-              <a:t>possible</a:t>
-            </a:r>
-            <a:r>
-              <a:rPr lang="pl-PL" baseline="0" dirty="0" smtClean="0"/>
-              <a:t>. </a:t>
+              <a:t> need this… DSL possible. </a:t>
             </a:r>
           </a:p>
           <a:p>
@@ -6864,15 +6708,7 @@
             </a:pPr>
             <a:r>
               <a:rPr lang="en-US" dirty="0" smtClean="0"/>
-              <a:t>Two different java statements may produce the same byte code, and two very similar instructions can produce very different </a:t>
-            </a:r>
-            <a:r>
-              <a:rPr lang="en-US" dirty="0" err="1" smtClean="0"/>
-              <a:t>bytecode</a:t>
-            </a:r>
-            <a:r>
-              <a:rPr lang="en-US" dirty="0" smtClean="0"/>
-              <a:t>. </a:t>
+              <a:t>Two different java statements may produce the same byte code, and two very similar instructions can produce very different bytecode. </a:t>
             </a:r>
             <a:r>
               <a:rPr lang="en-US" sz="1200" b="0" i="0" kern="1200" dirty="0" smtClean="0">
@@ -6883,41 +6719,11 @@
                 <a:ea typeface="+mn-ea"/>
                 <a:cs typeface="+mn-cs"/>
               </a:rPr>
-              <a:t>In some cases, the </a:t>
-            </a:r>
-            <a:r>
-              <a:rPr lang="en-US" sz="1200" b="0" i="0" kern="1200" dirty="0" err="1" smtClean="0">
-                <a:solidFill>
-                  <a:schemeClr val="tx1"/>
-                </a:solidFill>
-                <a:latin typeface="+mn-lt"/>
-                <a:ea typeface="+mn-ea"/>
-                <a:cs typeface="+mn-cs"/>
-              </a:rPr>
-              <a:t>bytecode</a:t>
-            </a:r>
-            <a:r>
-              <a:rPr lang="en-US" sz="1200" b="0" i="0" kern="1200" dirty="0" smtClean="0">
-                <a:solidFill>
-                  <a:schemeClr val="tx1"/>
-                </a:solidFill>
-                <a:latin typeface="+mn-lt"/>
-                <a:ea typeface="+mn-ea"/>
-                <a:cs typeface="+mn-cs"/>
-              </a:rPr>
-              <a:t> generated is not what you expect. </a:t>
+              <a:t>In some cases, the bytecode generated is not what you expect. </a:t>
             </a:r>
             <a:r>
               <a:rPr lang="en-US" dirty="0" smtClean="0"/>
-              <a:t>This knowledge is crucial when debugging and doing performance and memory usage tuning. Understanding </a:t>
-            </a:r>
-            <a:r>
-              <a:rPr lang="en-US" dirty="0" err="1" smtClean="0"/>
-              <a:t>bytecode</a:t>
-            </a:r>
-            <a:r>
-              <a:rPr lang="en-US" dirty="0" smtClean="0"/>
-              <a:t> makes you a better programmer.</a:t>
+              <a:t>This knowledge is crucial when debugging and doing performance and memory usage tuning. Understanding bytecode makes you a better programmer.</a:t>
             </a:r>
           </a:p>
           <a:p>
@@ -6986,7 +6792,7 @@
               <a:pPr/>
               <a:t>3</a:t>
             </a:fld>
-            <a:endParaRPr lang="en-US"/>
+            <a:endParaRPr lang="en-US" dirty="0"/>
           </a:p>
         </p:txBody>
       </p:sp>
@@ -7136,15 +6942,7 @@
             </a:r>
             <a:r>
               <a:rPr lang="en-US" dirty="0" smtClean="0"/>
-              <a:t>ready to be initialized, but it doesn’t initialize variables or execute any VM </a:t>
-            </a:r>
-            <a:r>
-              <a:rPr lang="en-US" dirty="0" err="1" smtClean="0"/>
-              <a:t>bytecode</a:t>
-            </a:r>
-            <a:r>
-              <a:rPr lang="en-US" dirty="0" smtClean="0"/>
-              <a:t>.</a:t>
+              <a:t>ready to be initialized, but it doesn’t initialize variables or execute any VM bytecode.</a:t>
             </a:r>
             <a:endParaRPr lang="pl-PL" dirty="0" smtClean="0"/>
           </a:p>
@@ -7181,15 +6979,7 @@
             </a:pPr>
             <a:r>
               <a:rPr lang="pl-PL" dirty="0" smtClean="0"/>
-              <a:t>5. </a:t>
-            </a:r>
-            <a:r>
-              <a:rPr lang="pl-PL" dirty="0" err="1" smtClean="0"/>
-              <a:t>Init</a:t>
-            </a:r>
-            <a:r>
-              <a:rPr lang="pl-PL" dirty="0" smtClean="0"/>
-              <a:t>: i</a:t>
+              <a:t>5. Init: i</a:t>
             </a:r>
             <a:r>
               <a:rPr lang="en-US" dirty="0" smtClean="0"/>
@@ -7211,13 +7001,8 @@
             </a:pPr>
             <a:r>
               <a:rPr lang="pl-PL" dirty="0" smtClean="0"/>
-              <a:t>5. JIT </a:t>
-            </a:r>
-            <a:r>
-              <a:rPr lang="pl-PL" dirty="0" err="1" smtClean="0"/>
-              <a:t>Optimizations</a:t>
-            </a:r>
-            <a:endParaRPr lang="pl-PL" dirty="0" smtClean="0"/>
+              <a:t>5. JIT Optimizations</a:t>
+            </a:r>
           </a:p>
           <a:p>
             <a:pPr marL="685800" lvl="1" indent="-228600">
@@ -7225,10 +7010,9 @@
               <a:buChar char="•"/>
             </a:pPr>
             <a:r>
-              <a:rPr lang="pl-PL" dirty="0" err="1" smtClean="0"/>
+              <a:rPr lang="pl-PL" dirty="0" smtClean="0"/>
               <a:t>Inlining</a:t>
             </a:r>
-            <a:endParaRPr lang="pl-PL" dirty="0" smtClean="0"/>
           </a:p>
           <a:p>
             <a:pPr marL="685800" lvl="1" indent="-228600">
@@ -7236,18 +7020,13 @@
               <a:buChar char="•"/>
             </a:pPr>
             <a:r>
-              <a:rPr lang="pl-PL" dirty="0" err="1" smtClean="0"/>
+              <a:rPr lang="pl-PL" dirty="0" smtClean="0"/>
               <a:t>Loop</a:t>
             </a:r>
             <a:r>
               <a:rPr lang="pl-PL" baseline="0" dirty="0" smtClean="0"/>
-              <a:t> </a:t>
-            </a:r>
-            <a:r>
-              <a:rPr lang="pl-PL" baseline="0" dirty="0" err="1" smtClean="0"/>
-              <a:t>unrolling</a:t>
-            </a:r>
-            <a:endParaRPr lang="pl-PL" baseline="0" dirty="0" smtClean="0"/>
+              <a:t> unrolling</a:t>
+            </a:r>
           </a:p>
           <a:p>
             <a:pPr marL="685800" lvl="1" indent="-228600">
@@ -7255,18 +7034,9 @@
               <a:buChar char="•"/>
             </a:pPr>
             <a:r>
-              <a:rPr lang="pl-PL" baseline="0" dirty="0" err="1" smtClean="0"/>
-              <a:t>Escape</a:t>
-            </a:r>
-            <a:r>
               <a:rPr lang="pl-PL" baseline="0" dirty="0" smtClean="0"/>
-              <a:t> </a:t>
-            </a:r>
-            <a:r>
-              <a:rPr lang="pl-PL" baseline="0" dirty="0" err="1" smtClean="0"/>
-              <a:t>analysis</a:t>
-            </a:r>
-            <a:endParaRPr lang="pl-PL" baseline="0" dirty="0" smtClean="0"/>
+              <a:t>Escape analysis</a:t>
+            </a:r>
           </a:p>
           <a:p>
             <a:pPr marL="685800" lvl="1" indent="-228600">
@@ -7274,18 +7044,9 @@
               <a:buChar char="•"/>
             </a:pPr>
             <a:r>
-              <a:rPr lang="pl-PL" baseline="0" dirty="0" err="1" smtClean="0"/>
-              <a:t>Monomorphic</a:t>
-            </a:r>
-            <a:r>
               <a:rPr lang="pl-PL" baseline="0" dirty="0" smtClean="0"/>
-              <a:t> </a:t>
-            </a:r>
-            <a:r>
-              <a:rPr lang="pl-PL" baseline="0" dirty="0" err="1" smtClean="0"/>
-              <a:t>calls</a:t>
-            </a:r>
-            <a:endParaRPr lang="pl-PL" baseline="0" dirty="0" smtClean="0"/>
+              <a:t>Monomorphic calls</a:t>
+            </a:r>
           </a:p>
           <a:p>
             <a:pPr marL="685800" lvl="1" indent="-228600">
@@ -7356,7 +7117,7 @@
               <a:pPr/>
               <a:t>4</a:t>
             </a:fld>
-            <a:endParaRPr lang="en-US"/>
+            <a:endParaRPr lang="en-US" dirty="0"/>
           </a:p>
         </p:txBody>
       </p:sp>
@@ -7584,7 +7345,7 @@
               <a:pPr/>
               <a:t>5</a:t>
             </a:fld>
-            <a:endParaRPr lang="en-US"/>
+            <a:endParaRPr lang="en-US" dirty="0"/>
           </a:p>
         </p:txBody>
       </p:sp>
@@ -7651,10 +7412,10 @@
                 <a:ea typeface="+mn-ea"/>
                 <a:cs typeface="+mn-cs"/>
               </a:rPr>
-              <a:t>The compiled </a:t>
-            </a:r>
-            <a:r>
-              <a:rPr lang="en-US" sz="1200" kern="1200" dirty="0" err="1" smtClean="0">
+              <a:t>The compiled bytecode of any Java class can be disassembled into a human-readable listing of</a:t>
+            </a:r>
+            <a:r>
+              <a:rPr lang="pl-PL" sz="1200" kern="1200" smtClean="0">
                 <a:solidFill>
                   <a:schemeClr val="tx1"/>
                 </a:solidFill>
@@ -7662,7 +7423,7 @@
                 <a:ea typeface="+mn-ea"/>
                 <a:cs typeface="+mn-cs"/>
               </a:rPr>
-              <a:t>bytecode</a:t>
+              <a:t> </a:t>
             </a:r>
             <a:r>
               <a:rPr lang="en-US" sz="1200" kern="1200" dirty="0" smtClean="0">
@@ -7673,43 +7434,10 @@
                 <a:ea typeface="+mn-ea"/>
                 <a:cs typeface="+mn-cs"/>
               </a:rPr>
-              <a:t> of any Java class can be disassembled into a human-readable listing of</a:t>
-            </a:r>
-            <a:r>
-              <a:rPr lang="pl-PL" sz="1200" kern="1200" dirty="0" smtClean="0">
-                <a:solidFill>
-                  <a:schemeClr val="tx1"/>
-                </a:solidFill>
-                <a:latin typeface="+mn-lt"/>
-                <a:ea typeface="+mn-ea"/>
-                <a:cs typeface="+mn-cs"/>
-              </a:rPr>
-              <a:t> </a:t>
-            </a:r>
-            <a:r>
-              <a:rPr lang="en-US" sz="1200" kern="1200" dirty="0" err="1" smtClean="0">
-                <a:solidFill>
-                  <a:schemeClr val="tx1"/>
-                </a:solidFill>
-                <a:latin typeface="+mn-lt"/>
-                <a:ea typeface="+mn-ea"/>
-                <a:cs typeface="+mn-cs"/>
-              </a:rPr>
-              <a:t>bytecode</a:t>
-            </a:r>
-            <a:r>
-              <a:rPr lang="en-US" sz="1200" kern="1200" dirty="0" smtClean="0">
-                <a:solidFill>
-                  <a:schemeClr val="tx1"/>
-                </a:solidFill>
-                <a:latin typeface="+mn-lt"/>
-                <a:ea typeface="+mn-ea"/>
-                <a:cs typeface="+mn-cs"/>
-              </a:rPr>
-              <a:t> instructions</a:t>
-            </a:r>
-            <a:r>
-              <a:rPr lang="pl-PL" sz="1200" kern="1200" dirty="0" smtClean="0">
+              <a:t>bytecode instructions</a:t>
+            </a:r>
+            <a:r>
+              <a:rPr lang="pl-PL" sz="1200" kern="1200" smtClean="0">
                 <a:solidFill>
                   <a:schemeClr val="tx1"/>
                 </a:solidFill>
@@ -7731,7 +7459,7 @@
               <a:t>by using</a:t>
             </a:r>
             <a:r>
-              <a:rPr lang="pl-PL" sz="1200" kern="1200" dirty="0" smtClean="0">
+              <a:rPr lang="pl-PL" sz="1200" kern="1200" smtClean="0">
                 <a:solidFill>
                   <a:schemeClr val="tx1"/>
                 </a:solidFill>
@@ -7742,17 +7470,6 @@
               <a:t> </a:t>
             </a:r>
             <a:r>
-              <a:rPr lang="en-US" sz="1200" kern="1200" dirty="0" err="1" smtClean="0">
-                <a:solidFill>
-                  <a:schemeClr val="tx1"/>
-                </a:solidFill>
-                <a:latin typeface="+mn-lt"/>
-                <a:ea typeface="+mn-ea"/>
-                <a:cs typeface="+mn-cs"/>
-              </a:rPr>
-              <a:t>javap</a:t>
-            </a:r>
-            <a:r>
               <a:rPr lang="en-US" sz="1200" kern="1200" dirty="0" smtClean="0">
                 <a:solidFill>
                   <a:schemeClr val="tx1"/>
@@ -7761,11 +7478,11 @@
                 <a:ea typeface="+mn-ea"/>
                 <a:cs typeface="+mn-cs"/>
               </a:rPr>
-              <a:t>, a standard tool included in the Java development kit.</a:t>
-            </a:r>
-          </a:p>
-          <a:p>
-            <a:endParaRPr lang="pl-PL" dirty="0"/>
+              <a:t>javap, a standard tool included in the Java development kit.</a:t>
+            </a:r>
+          </a:p>
+          <a:p>
+            <a:endParaRPr lang="pl-PL"/>
           </a:p>
         </p:txBody>
       </p:sp>
@@ -7789,7 +7506,7 @@
               <a:pPr/>
               <a:t>6</a:t>
             </a:fld>
-            <a:endParaRPr lang="en-US"/>
+            <a:endParaRPr lang="en-US" dirty="0"/>
           </a:p>
         </p:txBody>
       </p:sp>
@@ -7854,7 +7571,7 @@
               <a:rPr lang="en-US" dirty="0" smtClean="0"/>
               <a:t>Reverse Polish or postfix notation – that is, the arguments or parameters for some command are stated before the actual command itself. For example, in Reverse Polish notation, one would say "2, 3, multiply" instead of "multiply, 2, 3" (prefix or Polish notation) or "2 multiply 3" (infix notation).</a:t>
             </a:r>
-            <a:endParaRPr lang="pl-PL" dirty="0" smtClean="0"/>
+            <a:endParaRPr lang="pl-PL" smtClean="0"/>
           </a:p>
           <a:p>
             <a:pPr marL="228600" indent="-228600">
@@ -7865,7 +7582,7 @@
               <a:t> Why reverse P</a:t>
             </a:r>
             <a:r>
-              <a:rPr lang="pl-PL" dirty="0" smtClean="0"/>
+              <a:rPr lang="pl-PL" smtClean="0"/>
               <a:t>o</a:t>
             </a:r>
             <a:r>
@@ -7873,51 +7590,51 @@
               <a:t>lish</a:t>
             </a:r>
             <a:r>
-              <a:rPr lang="en-US" dirty="0" smtClean="0"/>
+              <a:rPr lang="en-US" smtClean="0"/>
               <a:t> notation - it is easy to evaluate such expression by using a stack.</a:t>
             </a:r>
-            <a:endParaRPr lang="pl-PL" dirty="0" smtClean="0"/>
+            <a:endParaRPr lang="pl-PL" smtClean="0"/>
           </a:p>
           <a:p>
             <a:pPr marL="228600" indent="-228600">
               <a:buAutoNum type="arabicPeriod"/>
             </a:pPr>
             <a:r>
-              <a:rPr lang="en-US" dirty="0" smtClean="0"/>
+              <a:rPr lang="en-US" smtClean="0"/>
               <a:t>In RPN you can write down any expression without using brackets</a:t>
             </a:r>
-            <a:endParaRPr lang="pl-PL" dirty="0" smtClean="0"/>
+            <a:endParaRPr lang="pl-PL" smtClean="0"/>
           </a:p>
           <a:p>
             <a:pPr marL="228600" indent="-228600">
               <a:buAutoNum type="arabicPeriod"/>
             </a:pPr>
             <a:r>
-              <a:rPr lang="pl-PL" dirty="0" err="1" smtClean="0"/>
+              <a:rPr lang="pl-PL" err="1" smtClean="0"/>
               <a:t>Invented</a:t>
             </a:r>
             <a:r>
-              <a:rPr lang="pl-PL" dirty="0" smtClean="0"/>
+              <a:rPr lang="pl-PL" smtClean="0"/>
               <a:t> by </a:t>
             </a:r>
             <a:r>
-              <a:rPr lang="pl-PL" dirty="0" err="1" smtClean="0"/>
+              <a:rPr lang="pl-PL" err="1" smtClean="0"/>
               <a:t>matemetisian</a:t>
             </a:r>
             <a:r>
-              <a:rPr lang="pl-PL" baseline="0" dirty="0" smtClean="0"/>
+              <a:rPr lang="pl-PL" baseline="0" smtClean="0"/>
               <a:t> - </a:t>
             </a:r>
             <a:r>
-              <a:rPr lang="pl-PL" dirty="0" smtClean="0"/>
+              <a:rPr lang="pl-PL" smtClean="0"/>
               <a:t>Jan </a:t>
             </a:r>
             <a:r>
-              <a:rPr lang="pl-PL" dirty="0" err="1" smtClean="0"/>
+              <a:rPr lang="pl-PL" err="1" smtClean="0"/>
               <a:t>Lukasiewicz</a:t>
             </a:r>
             <a:r>
-              <a:rPr lang="pl-PL" dirty="0" smtClean="0"/>
+              <a:rPr lang="pl-PL" smtClean="0"/>
               <a:t> - 1920</a:t>
             </a:r>
           </a:p>
@@ -7925,47 +7642,43 @@
             <a:pPr marL="228600" indent="-228600">
               <a:buAutoNum type="arabicPeriod"/>
             </a:pPr>
-            <a:endParaRPr lang="pl-PL" dirty="0" smtClean="0"/>
+            <a:endParaRPr lang="pl-PL" smtClean="0"/>
           </a:p>
           <a:p>
             <a:pPr marL="228600" indent="-228600">
               <a:buAutoNum type="arabicPeriod"/>
             </a:pPr>
             <a:r>
-              <a:rPr lang="en-US" dirty="0" smtClean="0"/>
-              <a:t>JVM </a:t>
-            </a:r>
-            <a:r>
-              <a:rPr lang="en-US" dirty="0" smtClean="0"/>
-              <a:t>uses a stack for all calculations and operations. This is sometimes called the operand (or evaluation) stack.</a:t>
-            </a:r>
-            <a:endParaRPr lang="pl-PL" dirty="0" smtClean="0"/>
+              <a:rPr lang="en-US" smtClean="0"/>
+              <a:t>JVM uses a stack for all calculations and operations. This is sometimes called the operand (or evaluation) stack.</a:t>
+            </a:r>
+            <a:endParaRPr lang="pl-PL" smtClean="0"/>
           </a:p>
           <a:p>
             <a:pPr marL="228600" indent="-228600">
               <a:buAutoNum type="arabicPeriod"/>
             </a:pPr>
             <a:r>
-              <a:rPr lang="en-US" dirty="0" err="1" smtClean="0"/>
+              <a:rPr lang="en-US" err="1" smtClean="0"/>
               <a:t>Opcodes</a:t>
             </a:r>
             <a:r>
-              <a:rPr lang="en-US" dirty="0" smtClean="0"/>
+              <a:rPr lang="en-US" smtClean="0"/>
               <a:t> expect to find the stack in a given state, and transform the stack, so that the arguments are removed and results placed there instead.</a:t>
             </a:r>
-            <a:endParaRPr lang="pl-PL" dirty="0" smtClean="0"/>
+            <a:endParaRPr lang="pl-PL" smtClean="0"/>
           </a:p>
           <a:p>
             <a:pPr marL="228600" indent="-228600">
               <a:buAutoNum type="arabicPeriod"/>
             </a:pPr>
-            <a:endParaRPr lang="en-US" dirty="0" smtClean="0"/>
+            <a:endParaRPr lang="en-US" smtClean="0"/>
           </a:p>
           <a:p>
             <a:pPr marL="228600" indent="-228600">
               <a:buAutoNum type="arabicPeriod"/>
             </a:pPr>
-            <a:endParaRPr lang="en-US" dirty="0"/>
+            <a:endParaRPr lang="en-US"/>
           </a:p>
         </p:txBody>
       </p:sp>
@@ -8051,18 +7764,18 @@
               <a:buAutoNum type="arabicPeriod"/>
             </a:pPr>
             <a:r>
-              <a:rPr lang="pl-PL" b="1" dirty="0" err="1" smtClean="0"/>
+              <a:rPr lang="pl-PL" b="1" err="1" smtClean="0"/>
               <a:t>Call</a:t>
             </a:r>
             <a:r>
-              <a:rPr lang="pl-PL" b="1" dirty="0" smtClean="0"/>
+              <a:rPr lang="pl-PL" b="1" smtClean="0"/>
               <a:t> </a:t>
             </a:r>
             <a:r>
-              <a:rPr lang="pl-PL" b="1" dirty="0" err="1" smtClean="0"/>
+              <a:rPr lang="pl-PL" b="1" err="1" smtClean="0"/>
               <a:t>Stack</a:t>
             </a:r>
-            <a:endParaRPr lang="pl-PL" b="1" dirty="0" smtClean="0"/>
+            <a:endParaRPr lang="pl-PL" b="1" smtClean="0"/>
           </a:p>
           <a:p>
             <a:pPr marL="685800" marR="0" lvl="1" indent="-228600" algn="l" defTabSz="914400" rtl="0" eaLnBrk="1" fontAlgn="auto" latinLnBrk="0" hangingPunct="1">
@@ -8083,15 +7796,15 @@
               <a:defRPr/>
             </a:pPr>
             <a:r>
-              <a:rPr lang="pl-PL" dirty="0" smtClean="0"/>
+              <a:rPr lang="pl-PL" smtClean="0"/>
               <a:t>E</a:t>
             </a:r>
             <a:r>
-              <a:rPr lang="en-US" dirty="0" smtClean="0"/>
+              <a:rPr lang="en-US" smtClean="0"/>
               <a:t>ach time a method is invoked a new stack frame is created</a:t>
             </a:r>
             <a:r>
-              <a:rPr lang="pl-PL" dirty="0" smtClean="0"/>
+              <a:rPr lang="pl-PL" smtClean="0"/>
               <a:t>. </a:t>
             </a:r>
           </a:p>
@@ -8100,125 +7813,125 @@
               <a:buAutoNum type="arabicPeriod"/>
             </a:pPr>
             <a:r>
-              <a:rPr lang="en-US" dirty="0" smtClean="0"/>
+              <a:rPr lang="en-US" smtClean="0"/>
               <a:t>Each thread has its own stack that holds a frame for each method executing on that thread. </a:t>
             </a:r>
-            <a:endParaRPr lang="pl-PL" dirty="0" smtClean="0"/>
+            <a:endParaRPr lang="pl-PL" smtClean="0"/>
           </a:p>
           <a:p>
             <a:pPr marL="685800" lvl="1" indent="-228600">
               <a:buAutoNum type="arabicPeriod"/>
             </a:pPr>
             <a:r>
-              <a:rPr lang="en-US" dirty="0" smtClean="0"/>
+              <a:rPr lang="en-US" smtClean="0"/>
               <a:t>Currently executing method is at the top of the stack. </a:t>
             </a:r>
-            <a:endParaRPr lang="pl-PL" dirty="0" smtClean="0"/>
+            <a:endParaRPr lang="pl-PL" smtClean="0"/>
           </a:p>
           <a:p>
             <a:pPr marL="685800" lvl="1" indent="-228600">
               <a:buAutoNum type="arabicPeriod"/>
             </a:pPr>
             <a:r>
-              <a:rPr lang="en-US" dirty="0" smtClean="0"/>
+              <a:rPr lang="en-US" smtClean="0"/>
               <a:t>A new frame is created and added (pushed) to the top of stack for every method invocation. </a:t>
             </a:r>
-            <a:endParaRPr lang="pl-PL" dirty="0" smtClean="0"/>
+            <a:endParaRPr lang="pl-PL" smtClean="0"/>
           </a:p>
           <a:p>
             <a:pPr marL="685800" lvl="1" indent="-228600">
               <a:buAutoNum type="arabicPeriod"/>
             </a:pPr>
             <a:r>
-              <a:rPr lang="en-US" dirty="0" smtClean="0"/>
+              <a:rPr lang="en-US" smtClean="0"/>
               <a:t>The frame is removed (popped) when the method returns normally or if exception is thrown.</a:t>
             </a:r>
-            <a:endParaRPr lang="pl-PL" dirty="0" smtClean="0"/>
+            <a:endParaRPr lang="pl-PL" smtClean="0"/>
           </a:p>
           <a:p>
             <a:pPr marL="685800" lvl="1" indent="-228600">
               <a:buAutoNum type="arabicPeriod"/>
             </a:pPr>
             <a:r>
-              <a:rPr lang="en-US" dirty="0" smtClean="0"/>
+              <a:rPr lang="en-US" smtClean="0"/>
               <a:t>Frame objects may be allocated in the Heap and the memory does not need to be contiguous.</a:t>
             </a:r>
-            <a:endParaRPr lang="pl-PL" dirty="0" smtClean="0"/>
+            <a:endParaRPr lang="pl-PL" smtClean="0"/>
           </a:p>
           <a:p>
             <a:pPr marL="685800" lvl="1" indent="-228600">
               <a:buAutoNum type="arabicPeriod"/>
             </a:pPr>
             <a:r>
-              <a:rPr lang="pl-PL" dirty="0" err="1" smtClean="0"/>
+              <a:rPr lang="pl-PL" err="1" smtClean="0"/>
               <a:t>StackOverflowError</a:t>
             </a:r>
             <a:r>
-              <a:rPr lang="pl-PL" baseline="0" dirty="0" smtClean="0"/>
+              <a:rPr lang="pl-PL" baseline="0" smtClean="0"/>
               <a:t> - </a:t>
             </a:r>
             <a:r>
-              <a:rPr lang="pl-PL" dirty="0" smtClean="0"/>
+              <a:rPr lang="pl-PL" smtClean="0"/>
               <a:t>6000 – 8500 (</a:t>
             </a:r>
             <a:r>
-              <a:rPr lang="pl-PL" dirty="0" err="1" smtClean="0"/>
+              <a:rPr lang="pl-PL" err="1" smtClean="0"/>
               <a:t>depends</a:t>
             </a:r>
             <a:r>
-              <a:rPr lang="pl-PL" dirty="0" smtClean="0"/>
+              <a:rPr lang="pl-PL" smtClean="0"/>
               <a:t> on JVM, </a:t>
             </a:r>
             <a:r>
-              <a:rPr lang="pl-PL" dirty="0" err="1" smtClean="0"/>
+              <a:rPr lang="pl-PL" err="1" smtClean="0"/>
               <a:t>configuration</a:t>
             </a:r>
             <a:r>
-              <a:rPr lang="pl-PL" baseline="0" dirty="0" smtClean="0"/>
+              <a:rPr lang="pl-PL" baseline="0" smtClean="0"/>
               <a:t> and </a:t>
             </a:r>
             <a:r>
-              <a:rPr lang="pl-PL" baseline="0" dirty="0" err="1" smtClean="0"/>
+              <a:rPr lang="pl-PL" baseline="0" err="1" smtClean="0"/>
               <a:t>memory</a:t>
             </a:r>
             <a:r>
-              <a:rPr lang="pl-PL" baseline="0" dirty="0" smtClean="0"/>
+              <a:rPr lang="pl-PL" baseline="0" smtClean="0"/>
               <a:t> </a:t>
             </a:r>
             <a:r>
-              <a:rPr lang="pl-PL" baseline="0" dirty="0" err="1" smtClean="0"/>
+              <a:rPr lang="pl-PL" baseline="0" err="1" smtClean="0"/>
               <a:t>available</a:t>
             </a:r>
             <a:r>
-              <a:rPr lang="pl-PL" baseline="0" dirty="0" smtClean="0"/>
+              <a:rPr lang="pl-PL" baseline="0" smtClean="0"/>
               <a:t>)</a:t>
             </a:r>
-            <a:endParaRPr lang="pl-PL" dirty="0" smtClean="0"/>
+            <a:endParaRPr lang="pl-PL" smtClean="0"/>
           </a:p>
           <a:p>
             <a:pPr marL="228600" indent="-228600">
               <a:buAutoNum type="arabicPeriod"/>
             </a:pPr>
-            <a:endParaRPr lang="pl-PL" dirty="0" smtClean="0"/>
+            <a:endParaRPr lang="pl-PL" smtClean="0"/>
           </a:p>
           <a:p>
             <a:pPr marL="228600" indent="-228600">
               <a:buAutoNum type="arabicPeriod"/>
             </a:pPr>
             <a:r>
-              <a:rPr lang="pl-PL" b="1" dirty="0" err="1" smtClean="0"/>
+              <a:rPr lang="pl-PL" b="1" err="1" smtClean="0"/>
               <a:t>Method</a:t>
             </a:r>
             <a:r>
-              <a:rPr lang="pl-PL" b="1" baseline="0" dirty="0" smtClean="0"/>
+              <a:rPr lang="pl-PL" b="1" baseline="0" smtClean="0"/>
               <a:t> </a:t>
             </a:r>
             <a:r>
-              <a:rPr lang="pl-PL" b="1" baseline="0" dirty="0" err="1" smtClean="0"/>
+              <a:rPr lang="pl-PL" b="1" baseline="0" err="1" smtClean="0"/>
               <a:t>Frame</a:t>
             </a:r>
             <a:r>
-              <a:rPr lang="pl-PL" dirty="0" smtClean="0"/>
+              <a:rPr lang="pl-PL" smtClean="0"/>
               <a:t>:</a:t>
             </a:r>
           </a:p>
@@ -8227,26 +7940,26 @@
               <a:buAutoNum type="arabicPeriod"/>
             </a:pPr>
             <a:r>
-              <a:rPr lang="pl-PL" dirty="0" err="1" smtClean="0"/>
+              <a:rPr lang="pl-PL" err="1" smtClean="0"/>
               <a:t>Array</a:t>
             </a:r>
             <a:r>
-              <a:rPr lang="pl-PL" baseline="0" dirty="0" smtClean="0"/>
+              <a:rPr lang="pl-PL" baseline="0" smtClean="0"/>
               <a:t> of </a:t>
             </a:r>
             <a:r>
-              <a:rPr lang="pl-PL" baseline="0" dirty="0" err="1" smtClean="0"/>
+              <a:rPr lang="pl-PL" baseline="0" err="1" smtClean="0"/>
               <a:t>local</a:t>
             </a:r>
             <a:r>
-              <a:rPr lang="pl-PL" baseline="0" dirty="0" smtClean="0"/>
+              <a:rPr lang="pl-PL" baseline="0" smtClean="0"/>
               <a:t> </a:t>
             </a:r>
             <a:r>
-              <a:rPr lang="pl-PL" baseline="0" dirty="0" err="1" smtClean="0"/>
+              <a:rPr lang="pl-PL" baseline="0" err="1" smtClean="0"/>
               <a:t>variables</a:t>
             </a:r>
-            <a:endParaRPr lang="pl-PL" baseline="0" dirty="0" smtClean="0"/>
+            <a:endParaRPr lang="pl-PL" baseline="0" smtClean="0"/>
           </a:p>
           <a:p>
             <a:pPr marL="1143000" lvl="2" indent="-228600">
@@ -8254,18 +7967,18 @@
               <a:buChar char="•"/>
             </a:pPr>
             <a:r>
-              <a:rPr lang="pl-PL" dirty="0" smtClean="0"/>
+              <a:rPr lang="pl-PL" smtClean="0"/>
               <a:t>C</a:t>
             </a:r>
             <a:r>
-              <a:rPr lang="en-US" dirty="0" err="1" smtClean="0"/>
+              <a:rPr lang="en-US" err="1" smtClean="0"/>
               <a:t>ontains</a:t>
             </a:r>
             <a:r>
-              <a:rPr lang="en-US" dirty="0" smtClean="0"/>
+              <a:rPr lang="en-US" smtClean="0"/>
               <a:t> the parameters of the method and values of the local variables. </a:t>
             </a:r>
-            <a:endParaRPr lang="pl-PL" dirty="0" smtClean="0"/>
+            <a:endParaRPr lang="pl-PL" smtClean="0"/>
           </a:p>
           <a:p>
             <a:pPr marL="1143000" marR="0" lvl="2" indent="-228600" algn="l" defTabSz="914400" rtl="0" eaLnBrk="1" fontAlgn="auto" latinLnBrk="0" hangingPunct="1">
@@ -8286,26 +7999,26 @@
               <a:defRPr/>
             </a:pPr>
             <a:r>
-              <a:rPr lang="en-US" dirty="0" smtClean="0"/>
+              <a:rPr lang="en-US" smtClean="0"/>
               <a:t>If the frame is for a constructor or an instance method, </a:t>
             </a:r>
             <a:r>
-              <a:rPr lang="pl-PL" dirty="0" smtClean="0"/>
+              <a:rPr lang="pl-PL" smtClean="0"/>
               <a:t>‘</a:t>
             </a:r>
             <a:r>
-              <a:rPr lang="pl-PL" dirty="0" err="1" smtClean="0"/>
+              <a:rPr lang="pl-PL" err="1" smtClean="0"/>
               <a:t>this</a:t>
             </a:r>
             <a:r>
-              <a:rPr lang="pl-PL" dirty="0" smtClean="0"/>
+              <a:rPr lang="pl-PL" smtClean="0"/>
               <a:t>’</a:t>
             </a:r>
             <a:r>
-              <a:rPr lang="en-US" dirty="0" smtClean="0"/>
+              <a:rPr lang="en-US" smtClean="0"/>
               <a:t> reference is stored at location 0</a:t>
             </a:r>
-            <a:endParaRPr lang="pl-PL" dirty="0" smtClean="0"/>
+            <a:endParaRPr lang="pl-PL" smtClean="0"/>
           </a:p>
           <a:p>
             <a:pPr marL="1143000" marR="0" lvl="2" indent="-228600" algn="l" defTabSz="914400" rtl="0" eaLnBrk="1" fontAlgn="auto" latinLnBrk="0" hangingPunct="1">
@@ -8326,10 +8039,10 @@
               <a:defRPr/>
             </a:pPr>
             <a:r>
-              <a:rPr lang="en-US" dirty="0" smtClean="0"/>
+              <a:rPr lang="en-US" smtClean="0"/>
               <a:t>The size of the array of local variables is determined at compile time</a:t>
             </a:r>
-            <a:endParaRPr lang="pl-PL" dirty="0" smtClean="0"/>
+            <a:endParaRPr lang="pl-PL" smtClean="0"/>
           </a:p>
           <a:p>
             <a:pPr marL="1143000" marR="0" lvl="2" indent="-228600" algn="l" defTabSz="914400" rtl="0" eaLnBrk="1" fontAlgn="auto" latinLnBrk="0" hangingPunct="1">
@@ -8349,7 +8062,7 @@
               <a:tabLst/>
               <a:defRPr/>
             </a:pPr>
-            <a:endParaRPr lang="pl-PL" dirty="0" smtClean="0"/>
+            <a:endParaRPr lang="pl-PL" smtClean="0"/>
           </a:p>
           <a:p>
             <a:pPr marL="685800" marR="0" lvl="1" indent="-228600" algn="l" defTabSz="914400" rtl="0" eaLnBrk="1" fontAlgn="auto" latinLnBrk="0" hangingPunct="1">
@@ -8370,14 +8083,14 @@
               <a:defRPr/>
             </a:pPr>
             <a:r>
-              <a:rPr lang="pl-PL" dirty="0" smtClean="0"/>
+              <a:rPr lang="pl-PL" smtClean="0"/>
               <a:t>Operand </a:t>
             </a:r>
             <a:r>
-              <a:rPr lang="pl-PL" dirty="0" err="1" smtClean="0"/>
+              <a:rPr lang="pl-PL" err="1" smtClean="0"/>
               <a:t>stack</a:t>
             </a:r>
-            <a:endParaRPr lang="pl-PL" dirty="0" smtClean="0"/>
+            <a:endParaRPr lang="pl-PL" smtClean="0"/>
           </a:p>
           <a:p>
             <a:pPr marL="1143000" marR="0" lvl="2" indent="-228600" algn="l" defTabSz="914400" rtl="0" eaLnBrk="1" fontAlgn="auto" latinLnBrk="0" hangingPunct="1">
@@ -8398,10 +8111,10 @@
               <a:defRPr/>
             </a:pPr>
             <a:r>
-              <a:rPr lang="en-US" dirty="0" smtClean="0"/>
+              <a:rPr lang="en-US" smtClean="0"/>
               <a:t>LIFO stack used to push and pop values</a:t>
             </a:r>
-            <a:endParaRPr lang="pl-PL" dirty="0" smtClean="0"/>
+            <a:endParaRPr lang="pl-PL" smtClean="0"/>
           </a:p>
           <a:p>
             <a:pPr marL="1143000" marR="0" lvl="2" indent="-228600" algn="l" defTabSz="914400" rtl="0" eaLnBrk="1" fontAlgn="auto" latinLnBrk="0" hangingPunct="1">
@@ -8422,10 +8135,10 @@
               <a:defRPr/>
             </a:pPr>
             <a:r>
-              <a:rPr lang="en-US" dirty="0" smtClean="0"/>
+              <a:rPr lang="en-US" smtClean="0"/>
               <a:t>size is determined at compile time</a:t>
             </a:r>
-            <a:endParaRPr lang="pl-PL" dirty="0" smtClean="0"/>
+            <a:endParaRPr lang="pl-PL" smtClean="0"/>
           </a:p>
           <a:p>
             <a:pPr marL="1143000" marR="0" lvl="2" indent="-228600" algn="l" defTabSz="914400" rtl="0" eaLnBrk="1" fontAlgn="auto" latinLnBrk="0" hangingPunct="1">
@@ -8446,34 +8159,34 @@
               <a:defRPr/>
             </a:pPr>
             <a:r>
-              <a:rPr lang="pl-PL" dirty="0" smtClean="0"/>
+              <a:rPr lang="pl-PL" smtClean="0"/>
               <a:t>c</a:t>
             </a:r>
             <a:r>
-              <a:rPr lang="en-US" dirty="0" err="1" smtClean="0"/>
+              <a:rPr lang="en-US" err="1" smtClean="0"/>
               <a:t>ertain</a:t>
             </a:r>
             <a:r>
-              <a:rPr lang="en-US" dirty="0" smtClean="0"/>
+              <a:rPr lang="en-US" smtClean="0"/>
               <a:t> </a:t>
             </a:r>
             <a:r>
-              <a:rPr lang="en-US" dirty="0" err="1" smtClean="0"/>
+              <a:rPr lang="en-US" err="1" smtClean="0"/>
               <a:t>opcode</a:t>
             </a:r>
             <a:r>
-              <a:rPr lang="en-US" dirty="0" smtClean="0"/>
+              <a:rPr lang="en-US" smtClean="0"/>
               <a:t> instructions push values onto the operand stack; others take operands from the stack</a:t>
             </a:r>
             <a:r>
-              <a:rPr lang="pl-PL" dirty="0" smtClean="0"/>
+              <a:rPr lang="pl-PL" smtClean="0"/>
               <a:t>, </a:t>
             </a:r>
             <a:r>
-              <a:rPr lang="en-US" dirty="0" smtClean="0"/>
+              <a:rPr lang="en-US" smtClean="0"/>
               <a:t>manipulate them, and push the result. The operand stack is also used to receive return values from methods</a:t>
             </a:r>
-            <a:endParaRPr lang="pl-PL" dirty="0" smtClean="0"/>
+            <a:endParaRPr lang="pl-PL" smtClean="0"/>
           </a:p>
           <a:p>
             <a:pPr marL="1143000" marR="0" lvl="2" indent="-228600" algn="l" defTabSz="914400" rtl="0" eaLnBrk="1" fontAlgn="auto" latinLnBrk="0" hangingPunct="1">
@@ -8493,7 +8206,7 @@
               <a:tabLst/>
               <a:defRPr/>
             </a:pPr>
-            <a:endParaRPr lang="pl-PL" dirty="0" smtClean="0"/>
+            <a:endParaRPr lang="pl-PL" smtClean="0"/>
           </a:p>
           <a:p>
             <a:pPr marL="685800" marR="0" lvl="1" indent="-228600" algn="l" defTabSz="914400" rtl="0" eaLnBrk="1" fontAlgn="auto" latinLnBrk="0" hangingPunct="1">
@@ -8514,18 +8227,18 @@
               <a:defRPr/>
             </a:pPr>
             <a:r>
-              <a:rPr lang="pl-PL" dirty="0" smtClean="0"/>
+              <a:rPr lang="pl-PL" smtClean="0"/>
               <a:t>3. R</a:t>
             </a:r>
             <a:r>
-              <a:rPr lang="en-US" dirty="0" err="1" smtClean="0"/>
+              <a:rPr lang="en-US" err="1" smtClean="0"/>
               <a:t>eference</a:t>
             </a:r>
             <a:r>
-              <a:rPr lang="en-US" dirty="0" smtClean="0"/>
+              <a:rPr lang="en-US" smtClean="0"/>
               <a:t> to the runtime constant pool of the class of the current method</a:t>
             </a:r>
-            <a:endParaRPr lang="pl-PL" dirty="0" smtClean="0"/>
+            <a:endParaRPr lang="pl-PL" smtClean="0"/>
           </a:p>
           <a:p>
             <a:pPr marL="685800" marR="0" lvl="1" indent="-228600" algn="l" defTabSz="914400" rtl="0" eaLnBrk="1" fontAlgn="auto" latinLnBrk="0" hangingPunct="1">
@@ -8546,14 +8259,14 @@
               <a:defRPr/>
             </a:pPr>
             <a:r>
-              <a:rPr lang="pl-PL" dirty="0" smtClean="0"/>
+              <a:rPr lang="pl-PL" smtClean="0"/>
               <a:t>4. </a:t>
             </a:r>
             <a:r>
-              <a:rPr lang="pl-PL" dirty="0" err="1" smtClean="0"/>
+              <a:rPr lang="pl-PL" err="1" smtClean="0"/>
               <a:t>Common</a:t>
             </a:r>
-            <a:endParaRPr lang="pl-PL" dirty="0" smtClean="0"/>
+            <a:endParaRPr lang="pl-PL" smtClean="0"/>
           </a:p>
           <a:p>
             <a:pPr marL="1143000" marR="0" lvl="2" indent="-228600" algn="l" defTabSz="914400" rtl="0" eaLnBrk="1" fontAlgn="auto" latinLnBrk="0" hangingPunct="1">
@@ -8574,51 +8287,51 @@
               <a:defRPr/>
             </a:pPr>
             <a:r>
-              <a:rPr lang="pl-PL" dirty="0" smtClean="0"/>
+              <a:rPr lang="pl-PL" smtClean="0"/>
               <a:t>JVM</a:t>
             </a:r>
             <a:r>
-              <a:rPr lang="pl-PL" baseline="0" dirty="0" smtClean="0"/>
+              <a:rPr lang="pl-PL" baseline="0" smtClean="0"/>
               <a:t> </a:t>
             </a:r>
             <a:r>
-              <a:rPr lang="pl-PL" baseline="0" dirty="0" err="1" smtClean="0"/>
+              <a:rPr lang="pl-PL" baseline="0" err="1" smtClean="0"/>
               <a:t>stack</a:t>
             </a:r>
             <a:r>
-              <a:rPr lang="pl-PL" baseline="0" dirty="0" smtClean="0"/>
+              <a:rPr lang="pl-PL" baseline="0" smtClean="0"/>
               <a:t> </a:t>
             </a:r>
             <a:r>
-              <a:rPr lang="pl-PL" baseline="0" dirty="0" err="1" smtClean="0"/>
+              <a:rPr lang="pl-PL" baseline="0" err="1" smtClean="0"/>
               <a:t>slots</a:t>
             </a:r>
             <a:r>
-              <a:rPr lang="pl-PL" baseline="0" dirty="0" smtClean="0"/>
+              <a:rPr lang="pl-PL" baseline="0" smtClean="0"/>
               <a:t> (and </a:t>
             </a:r>
             <a:r>
-              <a:rPr lang="pl-PL" baseline="0" dirty="0" err="1" smtClean="0"/>
+              <a:rPr lang="pl-PL" baseline="0" err="1" smtClean="0"/>
               <a:t>local</a:t>
             </a:r>
             <a:r>
-              <a:rPr lang="pl-PL" baseline="0" dirty="0" smtClean="0"/>
+              <a:rPr lang="pl-PL" baseline="0" smtClean="0"/>
               <a:t> </a:t>
             </a:r>
             <a:r>
-              <a:rPr lang="pl-PL" baseline="0" dirty="0" err="1" smtClean="0"/>
+              <a:rPr lang="pl-PL" baseline="0" err="1" smtClean="0"/>
               <a:t>vars</a:t>
             </a:r>
             <a:r>
-              <a:rPr lang="pl-PL" baseline="0" dirty="0" smtClean="0"/>
+              <a:rPr lang="pl-PL" baseline="0" smtClean="0"/>
               <a:t>) </a:t>
             </a:r>
             <a:r>
-              <a:rPr lang="pl-PL" baseline="0" dirty="0" err="1" smtClean="0"/>
+              <a:rPr lang="pl-PL" baseline="0" err="1" smtClean="0"/>
               <a:t>are</a:t>
             </a:r>
             <a:r>
-              <a:rPr lang="pl-PL" baseline="0" dirty="0" smtClean="0"/>
+              <a:rPr lang="pl-PL" baseline="0" smtClean="0"/>
               <a:t> 32-bit</a:t>
             </a:r>
           </a:p>
@@ -8641,71 +8354,71 @@
               <a:defRPr/>
             </a:pPr>
             <a:r>
-              <a:rPr lang="pl-PL" baseline="0" dirty="0" smtClean="0"/>
+              <a:rPr lang="pl-PL" baseline="0" smtClean="0"/>
               <a:t>64-bit </a:t>
             </a:r>
             <a:r>
-              <a:rPr lang="pl-PL" baseline="0" dirty="0" err="1" smtClean="0"/>
+              <a:rPr lang="pl-PL" baseline="0" err="1" smtClean="0"/>
               <a:t>values</a:t>
             </a:r>
             <a:r>
-              <a:rPr lang="pl-PL" baseline="0" dirty="0" smtClean="0"/>
+              <a:rPr lang="pl-PL" baseline="0" smtClean="0"/>
               <a:t> (double, long) </a:t>
             </a:r>
             <a:r>
-              <a:rPr lang="pl-PL" baseline="0" dirty="0" err="1" smtClean="0"/>
+              <a:rPr lang="pl-PL" baseline="0" err="1" smtClean="0"/>
               <a:t>takes</a:t>
             </a:r>
             <a:r>
-              <a:rPr lang="pl-PL" baseline="0" dirty="0" smtClean="0"/>
+              <a:rPr lang="pl-PL" baseline="0" smtClean="0"/>
               <a:t> </a:t>
             </a:r>
             <a:r>
-              <a:rPr lang="pl-PL" baseline="0" dirty="0" err="1" smtClean="0"/>
+              <a:rPr lang="pl-PL" baseline="0" err="1" smtClean="0"/>
               <a:t>up</a:t>
             </a:r>
             <a:r>
-              <a:rPr lang="pl-PL" baseline="0" dirty="0" smtClean="0"/>
+              <a:rPr lang="pl-PL" baseline="0" smtClean="0"/>
               <a:t> </a:t>
             </a:r>
             <a:r>
-              <a:rPr lang="pl-PL" baseline="0" dirty="0" err="1" smtClean="0"/>
+              <a:rPr lang="pl-PL" baseline="0" err="1" smtClean="0"/>
               <a:t>two</a:t>
             </a:r>
             <a:r>
-              <a:rPr lang="pl-PL" baseline="0" dirty="0" smtClean="0"/>
+              <a:rPr lang="pl-PL" baseline="0" smtClean="0"/>
               <a:t> </a:t>
             </a:r>
             <a:r>
-              <a:rPr lang="pl-PL" baseline="0" dirty="0" err="1" smtClean="0"/>
+              <a:rPr lang="pl-PL" baseline="0" err="1" smtClean="0"/>
               <a:t>slots</a:t>
             </a:r>
             <a:r>
-              <a:rPr lang="pl-PL" baseline="0" dirty="0" smtClean="0"/>
+              <a:rPr lang="pl-PL" baseline="0" smtClean="0"/>
               <a:t> and </a:t>
             </a:r>
             <a:r>
-              <a:rPr lang="pl-PL" baseline="0" dirty="0" err="1" smtClean="0"/>
+              <a:rPr lang="pl-PL" baseline="0" err="1" smtClean="0"/>
               <a:t>updates</a:t>
             </a:r>
             <a:r>
-              <a:rPr lang="pl-PL" baseline="0" dirty="0" smtClean="0"/>
+              <a:rPr lang="pl-PL" baseline="0" smtClean="0"/>
               <a:t> </a:t>
             </a:r>
             <a:r>
-              <a:rPr lang="pl-PL" baseline="0" dirty="0" err="1" smtClean="0"/>
+              <a:rPr lang="pl-PL" baseline="0" err="1" smtClean="0"/>
               <a:t>are</a:t>
             </a:r>
             <a:r>
-              <a:rPr lang="pl-PL" baseline="0" dirty="0" smtClean="0"/>
+              <a:rPr lang="pl-PL" baseline="0" smtClean="0"/>
               <a:t> not </a:t>
             </a:r>
             <a:r>
-              <a:rPr lang="pl-PL" baseline="0" dirty="0" err="1" smtClean="0"/>
+              <a:rPr lang="pl-PL" baseline="0" err="1" smtClean="0"/>
               <a:t>atomic</a:t>
             </a:r>
             <a:r>
-              <a:rPr lang="pl-PL" baseline="0" dirty="0" smtClean="0"/>
+              <a:rPr lang="pl-PL" baseline="0" smtClean="0"/>
               <a:t>!</a:t>
             </a:r>
           </a:p>
@@ -8728,46 +8441,46 @@
               <a:defRPr/>
             </a:pPr>
             <a:r>
-              <a:rPr lang="pl-PL" baseline="0" dirty="0" err="1" smtClean="0"/>
+              <a:rPr lang="pl-PL" baseline="0" err="1" smtClean="0"/>
               <a:t>Boolean</a:t>
             </a:r>
             <a:r>
-              <a:rPr lang="pl-PL" baseline="0" dirty="0" smtClean="0"/>
+              <a:rPr lang="pl-PL" baseline="0" smtClean="0"/>
               <a:t> </a:t>
             </a:r>
             <a:r>
-              <a:rPr lang="pl-PL" baseline="0" dirty="0" err="1" smtClean="0"/>
+              <a:rPr lang="pl-PL" baseline="0" err="1" smtClean="0"/>
               <a:t>is</a:t>
             </a:r>
             <a:r>
-              <a:rPr lang="pl-PL" baseline="0" dirty="0" smtClean="0"/>
+              <a:rPr lang="pl-PL" baseline="0" smtClean="0"/>
               <a:t> </a:t>
             </a:r>
             <a:r>
-              <a:rPr lang="pl-PL" baseline="0" dirty="0" err="1" smtClean="0"/>
+              <a:rPr lang="pl-PL" baseline="0" err="1" smtClean="0"/>
               <a:t>internally</a:t>
             </a:r>
             <a:r>
-              <a:rPr lang="pl-PL" baseline="0" dirty="0" smtClean="0"/>
+              <a:rPr lang="pl-PL" baseline="0" smtClean="0"/>
               <a:t> </a:t>
             </a:r>
             <a:r>
-              <a:rPr lang="pl-PL" baseline="0" dirty="0" err="1" smtClean="0"/>
+              <a:rPr lang="pl-PL" baseline="0" err="1" smtClean="0"/>
               <a:t>represented</a:t>
             </a:r>
             <a:r>
-              <a:rPr lang="pl-PL" baseline="0" dirty="0" smtClean="0"/>
+              <a:rPr lang="pl-PL" baseline="0" smtClean="0"/>
               <a:t> by 0 </a:t>
             </a:r>
             <a:r>
-              <a:rPr lang="pl-PL" baseline="0" dirty="0" err="1" smtClean="0"/>
+              <a:rPr lang="pl-PL" baseline="0" err="1" smtClean="0"/>
               <a:t>or</a:t>
             </a:r>
             <a:r>
-              <a:rPr lang="pl-PL" baseline="0" dirty="0" smtClean="0"/>
+              <a:rPr lang="pl-PL" baseline="0" smtClean="0"/>
               <a:t> 1</a:t>
             </a:r>
-            <a:endParaRPr lang="pl-PL" dirty="0" smtClean="0"/>
+            <a:endParaRPr lang="pl-PL" smtClean="0"/>
           </a:p>
           <a:p>
             <a:pPr marL="685800" marR="0" lvl="1" indent="-228600" algn="l" defTabSz="914400" rtl="0" eaLnBrk="1" fontAlgn="auto" latinLnBrk="0" hangingPunct="1">
@@ -8787,7 +8500,7 @@
               <a:tabLst/>
               <a:defRPr/>
             </a:pPr>
-            <a:endParaRPr lang="pl-PL" dirty="0" smtClean="0"/>
+            <a:endParaRPr lang="pl-PL" smtClean="0"/>
           </a:p>
           <a:p>
             <a:pPr marL="228600" marR="0" lvl="0" indent="-228600" algn="l" defTabSz="914400" rtl="0" eaLnBrk="1" fontAlgn="auto" latinLnBrk="0" hangingPunct="1">
@@ -8807,7 +8520,7 @@
               <a:tabLst/>
               <a:defRPr/>
             </a:pPr>
-            <a:endParaRPr lang="pl-PL" dirty="0" smtClean="0"/>
+            <a:endParaRPr lang="pl-PL" smtClean="0"/>
           </a:p>
           <a:p>
             <a:pPr marL="228600" marR="0" lvl="0" indent="-228600" algn="l" defTabSz="914400" rtl="0" eaLnBrk="1" fontAlgn="auto" latinLnBrk="0" hangingPunct="1">
@@ -8827,7 +8540,7 @@
               <a:tabLst/>
               <a:defRPr/>
             </a:pPr>
-            <a:endParaRPr lang="pl-PL" dirty="0" smtClean="0"/>
+            <a:endParaRPr lang="pl-PL" smtClean="0"/>
           </a:p>
           <a:p>
             <a:pPr marL="228600" marR="0" lvl="0" indent="-228600" algn="l" defTabSz="914400" rtl="0" eaLnBrk="1" fontAlgn="auto" latinLnBrk="0" hangingPunct="1">
@@ -8847,7 +8560,7 @@
               <a:tabLst/>
               <a:defRPr/>
             </a:pPr>
-            <a:endParaRPr lang="pl-PL" dirty="0" smtClean="0"/>
+            <a:endParaRPr lang="pl-PL" smtClean="0"/>
           </a:p>
           <a:p>
             <a:pPr marL="685800" marR="0" lvl="1" indent="-228600" algn="l" defTabSz="914400" rtl="0" eaLnBrk="1" fontAlgn="auto" latinLnBrk="0" hangingPunct="1">
@@ -8867,14 +8580,14 @@
               <a:tabLst/>
               <a:defRPr/>
             </a:pPr>
-            <a:endParaRPr lang="pl-PL" dirty="0" smtClean="0"/>
+            <a:endParaRPr lang="pl-PL" smtClean="0"/>
           </a:p>
           <a:p>
             <a:pPr marL="228600" indent="-228600">
               <a:buFont typeface="Arial" pitchFamily="34" charset="0"/>
               <a:buChar char="•"/>
             </a:pPr>
-            <a:endParaRPr lang="pl-PL" dirty="0" smtClean="0"/>
+            <a:endParaRPr lang="pl-PL" smtClean="0"/>
           </a:p>
         </p:txBody>
       </p:sp>
@@ -8896,7 +8609,7 @@
             <a:fld id="{00C4ABD6-EB69-41F8-AE27-9094148744EB}" type="slidenum">
               <a:rPr lang="en-US" smtClean="0"/>
               <a:pPr/>
-              <a:t>8</a:t>
+              <a:t>9</a:t>
             </a:fld>
             <a:endParaRPr lang="en-US"/>
           </a:p>
@@ -8957,10 +8670,10 @@
           <a:lstStyle/>
           <a:p>
             <a:r>
-              <a:rPr lang="en-US" dirty="0" smtClean="0"/>
+              <a:rPr lang="en-US" smtClean="0"/>
               <a:t>The family of load and store opcodes is concerned with loading values onto the stack, or retrieving them.</a:t>
             </a:r>
-            <a:endParaRPr lang="en-US" dirty="0"/>
+            <a:endParaRPr lang="en-US"/>
           </a:p>
         </p:txBody>
       </p:sp>
@@ -8982,7 +8695,7 @@
             <a:fld id="{00C4ABD6-EB69-41F8-AE27-9094148744EB}" type="slidenum">
               <a:rPr lang="en-US" smtClean="0"/>
               <a:pPr/>
-              <a:t>10</a:t>
+              <a:t>11</a:t>
             </a:fld>
             <a:endParaRPr lang="en-US"/>
           </a:p>
@@ -9043,10 +8756,10 @@
           <a:lstStyle/>
           <a:p>
             <a:r>
-              <a:rPr lang="en-US" dirty="0" smtClean="0"/>
+              <a:rPr lang="en-US" smtClean="0"/>
               <a:t>These opcodes perform arithmetic on the stack.</a:t>
             </a:r>
-            <a:endParaRPr lang="en-US" dirty="0"/>
+            <a:endParaRPr lang="en-US"/>
           </a:p>
         </p:txBody>
       </p:sp>
@@ -9068,7 +8781,7 @@
             <a:fld id="{00C4ABD6-EB69-41F8-AE27-9094148744EB}" type="slidenum">
               <a:rPr lang="en-US" smtClean="0"/>
               <a:pPr/>
-              <a:t>11</a:t>
+              <a:t>12</a:t>
             </a:fld>
             <a:endParaRPr lang="en-US"/>
           </a:p>
@@ -9264,7 +8977,7 @@
             <a:fld id="{1D8BD707-D9CF-40AE-B4C6-C98DA3205C09}" type="datetimeFigureOut">
               <a:rPr lang="en-US" smtClean="0"/>
               <a:pPr/>
-              <a:t>11/8/2016</a:t>
+              <a:t>11/16/2016</a:t>
             </a:fld>
             <a:endParaRPr lang="en-US"/>
           </a:p>
@@ -9431,7 +9144,7 @@
             <a:fld id="{1D8BD707-D9CF-40AE-B4C6-C98DA3205C09}" type="datetimeFigureOut">
               <a:rPr lang="en-US" smtClean="0"/>
               <a:pPr/>
-              <a:t>11/8/2016</a:t>
+              <a:t>11/16/2016</a:t>
             </a:fld>
             <a:endParaRPr lang="en-US"/>
           </a:p>
@@ -9608,7 +9321,7 @@
             <a:fld id="{1D8BD707-D9CF-40AE-B4C6-C98DA3205C09}" type="datetimeFigureOut">
               <a:rPr lang="en-US" smtClean="0"/>
               <a:pPr/>
-              <a:t>11/8/2016</a:t>
+              <a:t>11/16/2016</a:t>
             </a:fld>
             <a:endParaRPr lang="en-US"/>
           </a:p>
@@ -9775,7 +9488,7 @@
             <a:fld id="{1D8BD707-D9CF-40AE-B4C6-C98DA3205C09}" type="datetimeFigureOut">
               <a:rPr lang="en-US" smtClean="0"/>
               <a:pPr/>
-              <a:t>11/8/2016</a:t>
+              <a:t>11/16/2016</a:t>
             </a:fld>
             <a:endParaRPr lang="en-US"/>
           </a:p>
@@ -10018,7 +9731,7 @@
             <a:fld id="{1D8BD707-D9CF-40AE-B4C6-C98DA3205C09}" type="datetimeFigureOut">
               <a:rPr lang="en-US" smtClean="0"/>
               <a:pPr/>
-              <a:t>11/8/2016</a:t>
+              <a:t>11/16/2016</a:t>
             </a:fld>
             <a:endParaRPr lang="en-US"/>
           </a:p>
@@ -10303,7 +10016,7 @@
             <a:fld id="{1D8BD707-D9CF-40AE-B4C6-C98DA3205C09}" type="datetimeFigureOut">
               <a:rPr lang="en-US" smtClean="0"/>
               <a:pPr/>
-              <a:t>11/8/2016</a:t>
+              <a:t>11/16/2016</a:t>
             </a:fld>
             <a:endParaRPr lang="en-US"/>
           </a:p>
@@ -10722,7 +10435,7 @@
             <a:fld id="{1D8BD707-D9CF-40AE-B4C6-C98DA3205C09}" type="datetimeFigureOut">
               <a:rPr lang="en-US" smtClean="0"/>
               <a:pPr/>
-              <a:t>11/8/2016</a:t>
+              <a:t>11/16/2016</a:t>
             </a:fld>
             <a:endParaRPr lang="en-US"/>
           </a:p>
@@ -10837,7 +10550,7 @@
             <a:fld id="{1D8BD707-D9CF-40AE-B4C6-C98DA3205C09}" type="datetimeFigureOut">
               <a:rPr lang="en-US" smtClean="0"/>
               <a:pPr/>
-              <a:t>11/8/2016</a:t>
+              <a:t>11/16/2016</a:t>
             </a:fld>
             <a:endParaRPr lang="en-US"/>
           </a:p>
@@ -10929,7 +10642,7 @@
             <a:fld id="{1D8BD707-D9CF-40AE-B4C6-C98DA3205C09}" type="datetimeFigureOut">
               <a:rPr lang="en-US" smtClean="0"/>
               <a:pPr/>
-              <a:t>11/8/2016</a:t>
+              <a:t>11/16/2016</a:t>
             </a:fld>
             <a:endParaRPr lang="en-US"/>
           </a:p>
@@ -11203,7 +10916,7 @@
             <a:fld id="{1D8BD707-D9CF-40AE-B4C6-C98DA3205C09}" type="datetimeFigureOut">
               <a:rPr lang="en-US" smtClean="0"/>
               <a:pPr/>
-              <a:t>11/8/2016</a:t>
+              <a:t>11/16/2016</a:t>
             </a:fld>
             <a:endParaRPr lang="en-US"/>
           </a:p>
@@ -11453,7 +11166,7 @@
             <a:fld id="{1D8BD707-D9CF-40AE-B4C6-C98DA3205C09}" type="datetimeFigureOut">
               <a:rPr lang="en-US" smtClean="0"/>
               <a:pPr/>
-              <a:t>11/8/2016</a:t>
+              <a:t>11/16/2016</a:t>
             </a:fld>
             <a:endParaRPr lang="en-US"/>
           </a:p>
@@ -11663,7 +11376,7 @@
             <a:fld id="{1D8BD707-D9CF-40AE-B4C6-C98DA3205C09}" type="datetimeFigureOut">
               <a:rPr lang="en-US" smtClean="0"/>
               <a:pPr/>
-              <a:t>11/8/2016</a:t>
+              <a:t>11/16/2016</a:t>
             </a:fld>
             <a:endParaRPr lang="en-US"/>
           </a:p>
@@ -12103,6 +11816,143 @@
       </p:grpSpPr>
       <p:sp>
         <p:nvSpPr>
+          <p:cNvPr id="2" name="Tytuł 1"/>
+          <p:cNvSpPr>
+            <a:spLocks noGrp="1"/>
+          </p:cNvSpPr>
+          <p:nvPr>
+            <p:ph type="title"/>
+          </p:nvPr>
+        </p:nvSpPr>
+        <p:spPr/>
+        <p:txBody>
+          <a:bodyPr/>
+          <a:lstStyle/>
+          <a:p>
+            <a:r>
+              <a:rPr lang="pl-PL" dirty="0" smtClean="0"/>
+              <a:t>Bytecode </a:t>
+            </a:r>
+            <a:r>
+              <a:rPr lang="pl-PL" dirty="0" smtClean="0"/>
+              <a:t>Instruction</a:t>
+            </a:r>
+            <a:r>
+              <a:rPr lang="en-US" dirty="0" smtClean="0"/>
+              <a:t>s</a:t>
+            </a:r>
+            <a:endParaRPr lang="pl-PL" dirty="0"/>
+          </a:p>
+        </p:txBody>
+      </p:sp>
+      <p:sp>
+        <p:nvSpPr>
+          <p:cNvPr id="3" name="Symbol zastępczy zawartości 2"/>
+          <p:cNvSpPr>
+            <a:spLocks noGrp="1"/>
+          </p:cNvSpPr>
+          <p:nvPr>
+            <p:ph idx="1"/>
+          </p:nvPr>
+        </p:nvSpPr>
+        <p:spPr/>
+        <p:txBody>
+          <a:bodyPr/>
+          <a:lstStyle/>
+          <a:p>
+            <a:r>
+              <a:rPr lang="en-US" dirty="0" smtClean="0"/>
+              <a:t>Contains t</a:t>
+            </a:r>
+            <a:r>
+              <a:rPr lang="pl-PL" dirty="0" smtClean="0"/>
+              <a:t>ype </a:t>
+            </a:r>
+            <a:r>
+              <a:rPr lang="pl-PL" dirty="0" smtClean="0"/>
+              <a:t>prefix: IADD, LADD, DADD</a:t>
+            </a:r>
+          </a:p>
+          <a:p>
+            <a:r>
+              <a:rPr lang="pl-PL" dirty="0" smtClean="0"/>
+              <a:t>Short form: ILOAD_1, ILOAD_2</a:t>
+            </a:r>
+          </a:p>
+          <a:p>
+            <a:r>
+              <a:rPr lang="pl-PL" dirty="0" smtClean="0"/>
+              <a:t>Instructions families:</a:t>
+            </a:r>
+          </a:p>
+          <a:p>
+            <a:pPr lvl="1"/>
+            <a:r>
+              <a:rPr lang="pl-PL" dirty="0" smtClean="0"/>
+              <a:t>Stack load and store opcodes</a:t>
+            </a:r>
+          </a:p>
+          <a:p>
+            <a:pPr lvl="1"/>
+            <a:r>
+              <a:rPr lang="pl-PL" dirty="0" smtClean="0"/>
+              <a:t>Arithmetic opcodes</a:t>
+            </a:r>
+          </a:p>
+          <a:p>
+            <a:pPr lvl="1"/>
+            <a:r>
+              <a:rPr lang="pl-PL" dirty="0" smtClean="0"/>
+              <a:t>Control flow opcodes</a:t>
+            </a:r>
+          </a:p>
+          <a:p>
+            <a:pPr lvl="1"/>
+            <a:r>
+              <a:rPr lang="pl-PL" dirty="0" smtClean="0"/>
+              <a:t>Invocation opcodes</a:t>
+            </a:r>
+          </a:p>
+          <a:p>
+            <a:pPr lvl="1"/>
+            <a:r>
+              <a:rPr lang="pl-PL" dirty="0" smtClean="0"/>
+              <a:t>…</a:t>
+            </a:r>
+          </a:p>
+          <a:p>
+            <a:pPr lvl="1"/>
+            <a:endParaRPr lang="pl-PL" dirty="0"/>
+          </a:p>
+        </p:txBody>
+      </p:sp>
+    </p:spTree>
+  </p:cSld>
+  <p:clrMapOvr>
+    <a:masterClrMapping/>
+  </p:clrMapOvr>
+</p:sld>
+</file>
+
+<file path=ppt/slides/slide11.xml><?xml version="1.0" encoding="utf-8"?>
+<p:sld xmlns:a="http://schemas.openxmlformats.org/drawingml/2006/main" xmlns:r="http://schemas.openxmlformats.org/officeDocument/2006/relationships" xmlns:p="http://schemas.openxmlformats.org/presentationml/2006/main">
+  <p:cSld>
+    <p:spTree>
+      <p:nvGrpSpPr>
+        <p:cNvPr id="1" name=""/>
+        <p:cNvGrpSpPr/>
+        <p:nvPr/>
+      </p:nvGrpSpPr>
+      <p:grpSpPr>
+        <a:xfrm>
+          <a:off x="0" y="0"/>
+          <a:ext cx="0" cy="0"/>
+          <a:chOff x="0" y="0"/>
+          <a:chExt cx="0" cy="0"/>
+        </a:xfrm>
+      </p:grpSpPr>
+      <p:sp>
+        <p:nvSpPr>
           <p:cNvPr id="2" name="Title 1"/>
           <p:cNvSpPr>
             <a:spLocks noGrp="1"/>
@@ -12121,7 +11971,7 @@
               <a:t>Load and store </a:t>
             </a:r>
             <a:r>
-              <a:rPr lang="en-US" dirty="0" err="1" smtClean="0"/>
+              <a:rPr lang="en-US" dirty="0" smtClean="0"/>
               <a:t>opcodes</a:t>
             </a:r>
             <a:endParaRPr lang="en-US" dirty="0" smtClean="0"/>
@@ -12143,7 +11993,7 @@
           <a:bodyPr/>
           <a:lstStyle/>
           <a:p>
-            <a:endParaRPr lang="en-US" dirty="0"/>
+            <a:endParaRPr lang="en-US"/>
           </a:p>
         </p:txBody>
       </p:sp>
@@ -12179,7 +12029,7 @@
 </p:sld>
 </file>
 
-<file path=ppt/slides/slide11.xml><?xml version="1.0" encoding="utf-8"?>
+<file path=ppt/slides/slide12.xml><?xml version="1.0" encoding="utf-8"?>
 <p:sld xmlns:a="http://schemas.openxmlformats.org/drawingml/2006/main" xmlns:r="http://schemas.openxmlformats.org/officeDocument/2006/relationships" xmlns:p="http://schemas.openxmlformats.org/presentationml/2006/main">
   <p:cSld>
     <p:spTree>
@@ -12216,7 +12066,7 @@
               <a:t>Arithmetic </a:t>
             </a:r>
             <a:r>
-              <a:rPr lang="en-US" dirty="0" err="1" smtClean="0"/>
+              <a:rPr lang="en-US" dirty="0" smtClean="0"/>
               <a:t>opcodes</a:t>
             </a:r>
             <a:endParaRPr lang="en-US" dirty="0" smtClean="0"/>
@@ -12238,7 +12088,7 @@
           <a:bodyPr/>
           <a:lstStyle/>
           <a:p>
-            <a:endParaRPr lang="en-US" dirty="0"/>
+            <a:endParaRPr lang="en-US"/>
           </a:p>
         </p:txBody>
       </p:sp>
@@ -12274,7 +12124,7 @@
 </p:sld>
 </file>
 
-<file path=ppt/slides/slide12.xml><?xml version="1.0" encoding="utf-8"?>
+<file path=ppt/slides/slide13.xml><?xml version="1.0" encoding="utf-8"?>
 <p:sld xmlns:a="http://schemas.openxmlformats.org/drawingml/2006/main" xmlns:r="http://schemas.openxmlformats.org/officeDocument/2006/relationships" xmlns:p="http://schemas.openxmlformats.org/presentationml/2006/main">
   <p:cSld>
     <p:spTree>
@@ -12307,14 +12157,14 @@
           <a:lstStyle/>
           <a:p>
             <a:r>
-              <a:rPr lang="en-US" dirty="0" smtClean="0"/>
+              <a:rPr lang="en-US" smtClean="0"/>
               <a:t>Execution control </a:t>
             </a:r>
             <a:r>
-              <a:rPr lang="en-US" dirty="0" err="1" smtClean="0"/>
+              <a:rPr lang="en-US" err="1" smtClean="0"/>
               <a:t>opcodes</a:t>
             </a:r>
-            <a:endParaRPr lang="en-US" dirty="0" smtClean="0"/>
+            <a:endParaRPr lang="en-US" smtClean="0"/>
           </a:p>
         </p:txBody>
       </p:sp>
@@ -12333,7 +12183,7 @@
           <a:bodyPr/>
           <a:lstStyle/>
           <a:p>
-            <a:endParaRPr lang="en-US" dirty="0"/>
+            <a:endParaRPr lang="en-US"/>
           </a:p>
         </p:txBody>
       </p:sp>
@@ -12369,7 +12219,7 @@
 </p:sld>
 </file>
 
-<file path=ppt/slides/slide13.xml><?xml version="1.0" encoding="utf-8"?>
+<file path=ppt/slides/slide14.xml><?xml version="1.0" encoding="utf-8"?>
 <p:sld xmlns:a="http://schemas.openxmlformats.org/drawingml/2006/main" xmlns:r="http://schemas.openxmlformats.org/officeDocument/2006/relationships" xmlns:p="http://schemas.openxmlformats.org/presentationml/2006/main">
   <p:cSld>
     <p:spTree>
@@ -12402,14 +12252,14 @@
           <a:lstStyle/>
           <a:p>
             <a:r>
-              <a:rPr lang="en-US" dirty="0" smtClean="0"/>
+              <a:rPr lang="en-US" smtClean="0"/>
               <a:t>Invocation </a:t>
             </a:r>
             <a:r>
-              <a:rPr lang="en-US" dirty="0" err="1" smtClean="0"/>
+              <a:rPr lang="en-US" err="1" smtClean="0"/>
               <a:t>opcodes</a:t>
             </a:r>
-            <a:endParaRPr lang="en-US" dirty="0" smtClean="0"/>
+            <a:endParaRPr lang="en-US" smtClean="0"/>
           </a:p>
         </p:txBody>
       </p:sp>
@@ -12428,7 +12278,7 @@
           <a:bodyPr/>
           <a:lstStyle/>
           <a:p>
-            <a:endParaRPr lang="en-US" dirty="0"/>
+            <a:endParaRPr lang="en-US"/>
           </a:p>
         </p:txBody>
       </p:sp>
@@ -12464,244 +12314,6 @@
 </p:sld>
 </file>
 
-<file path=ppt/slides/slide14.xml><?xml version="1.0" encoding="utf-8"?>
-<p:sld xmlns:a="http://schemas.openxmlformats.org/drawingml/2006/main" xmlns:r="http://schemas.openxmlformats.org/officeDocument/2006/relationships" xmlns:p="http://schemas.openxmlformats.org/presentationml/2006/main">
-  <p:cSld>
-    <p:spTree>
-      <p:nvGrpSpPr>
-        <p:cNvPr id="1" name=""/>
-        <p:cNvGrpSpPr/>
-        <p:nvPr/>
-      </p:nvGrpSpPr>
-      <p:grpSpPr>
-        <a:xfrm>
-          <a:off x="0" y="0"/>
-          <a:ext cx="0" cy="0"/>
-          <a:chOff x="0" y="0"/>
-          <a:chExt cx="0" cy="0"/>
-        </a:xfrm>
-      </p:grpSpPr>
-      <p:sp>
-        <p:nvSpPr>
-          <p:cNvPr id="2" name="Title 1"/>
-          <p:cNvSpPr>
-            <a:spLocks noGrp="1"/>
-          </p:cNvSpPr>
-          <p:nvPr>
-            <p:ph type="title"/>
-          </p:nvPr>
-        </p:nvSpPr>
-        <p:spPr/>
-        <p:txBody>
-          <a:bodyPr>
-            <a:normAutofit fontScale="90000"/>
-          </a:bodyPr>
-          <a:lstStyle/>
-          <a:p>
-            <a:r>
-              <a:rPr lang="en-US" dirty="0" err="1" smtClean="0"/>
-              <a:t>Bytecode</a:t>
-            </a:r>
-            <a:r>
-              <a:rPr lang="en-US" dirty="0" smtClean="0"/>
-              <a:t> manipulation (instrumentation, weaving)</a:t>
-            </a:r>
-            <a:endParaRPr lang="en-US" dirty="0"/>
-          </a:p>
-        </p:txBody>
-      </p:sp>
-      <p:sp>
-        <p:nvSpPr>
-          <p:cNvPr id="3" name="Content Placeholder 2"/>
-          <p:cNvSpPr>
-            <a:spLocks noGrp="1"/>
-          </p:cNvSpPr>
-          <p:nvPr>
-            <p:ph idx="1"/>
-          </p:nvPr>
-        </p:nvSpPr>
-        <p:spPr/>
-        <p:txBody>
-          <a:bodyPr/>
-          <a:lstStyle/>
-          <a:p>
-            <a:r>
-              <a:rPr lang="pl-PL" dirty="0" err="1" smtClean="0"/>
-              <a:t>Process</a:t>
-            </a:r>
-            <a:r>
-              <a:rPr lang="pl-PL" dirty="0" smtClean="0"/>
-              <a:t> </a:t>
-            </a:r>
-            <a:r>
-              <a:rPr lang="en-US" dirty="0" smtClean="0"/>
-              <a:t>where new functionality is added to a program by modifying the </a:t>
-            </a:r>
-            <a:r>
-              <a:rPr lang="en-US" dirty="0" err="1" smtClean="0"/>
-              <a:t>bytecode</a:t>
-            </a:r>
-            <a:r>
-              <a:rPr lang="pl-PL" dirty="0" smtClean="0"/>
-              <a:t>.</a:t>
-            </a:r>
-            <a:endParaRPr lang="en-US" dirty="0" smtClean="0"/>
-          </a:p>
-          <a:p>
-            <a:r>
-              <a:rPr lang="pl-PL" b="1" dirty="0" err="1" smtClean="0"/>
-              <a:t>Compile-time</a:t>
-            </a:r>
-            <a:r>
-              <a:rPr lang="pl-PL" dirty="0" smtClean="0"/>
-              <a:t> (</a:t>
-            </a:r>
-            <a:r>
-              <a:rPr lang="pl-PL" dirty="0" err="1" smtClean="0"/>
-              <a:t>hibernate</a:t>
-            </a:r>
-            <a:r>
-              <a:rPr lang="pl-PL" dirty="0" smtClean="0"/>
-              <a:t> </a:t>
-            </a:r>
-            <a:r>
-              <a:rPr lang="pl-PL" dirty="0" err="1" smtClean="0"/>
-              <a:t>bytecode-enhancements</a:t>
-            </a:r>
-            <a:r>
-              <a:rPr lang="pl-PL" dirty="0" smtClean="0"/>
-              <a:t>, </a:t>
-            </a:r>
-            <a:r>
-              <a:rPr lang="pl-PL" dirty="0" err="1" smtClean="0"/>
-              <a:t>AspectJ</a:t>
-            </a:r>
-            <a:r>
-              <a:rPr lang="pl-PL" dirty="0" smtClean="0"/>
-              <a:t>, </a:t>
-            </a:r>
-            <a:r>
-              <a:rPr lang="pl-PL" dirty="0" err="1" smtClean="0"/>
-              <a:t>project</a:t>
-            </a:r>
-            <a:r>
-              <a:rPr lang="pl-PL" dirty="0" smtClean="0"/>
-              <a:t> </a:t>
-            </a:r>
-            <a:r>
-              <a:rPr lang="pl-PL" dirty="0" err="1" smtClean="0"/>
-              <a:t>lambok</a:t>
-            </a:r>
-            <a:r>
-              <a:rPr lang="pl-PL" dirty="0" smtClean="0"/>
-              <a:t>)</a:t>
-            </a:r>
-          </a:p>
-          <a:p>
-            <a:r>
-              <a:rPr lang="pl-PL" b="1" dirty="0" smtClean="0"/>
-              <a:t>Run-time</a:t>
-            </a:r>
-            <a:r>
-              <a:rPr lang="pl-PL" dirty="0" smtClean="0"/>
-              <a:t> – </a:t>
-            </a:r>
-            <a:r>
-              <a:rPr lang="pl-PL" dirty="0" err="1" smtClean="0"/>
-              <a:t>using</a:t>
-            </a:r>
-            <a:r>
-              <a:rPr lang="pl-PL" dirty="0" smtClean="0"/>
-              <a:t> </a:t>
-            </a:r>
-            <a:r>
-              <a:rPr lang="pl-PL" dirty="0" err="1" smtClean="0"/>
-              <a:t>java</a:t>
-            </a:r>
-            <a:r>
-              <a:rPr lang="pl-PL" dirty="0" smtClean="0"/>
-              <a:t> </a:t>
-            </a:r>
-            <a:r>
-              <a:rPr lang="pl-PL" dirty="0" err="1" smtClean="0"/>
-              <a:t>agents</a:t>
-            </a:r>
-            <a:r>
-              <a:rPr lang="pl-PL" dirty="0" smtClean="0"/>
-              <a:t> </a:t>
-            </a:r>
-            <a:r>
-              <a:rPr lang="pl-PL" dirty="0" err="1" smtClean="0"/>
-              <a:t>or</a:t>
-            </a:r>
-            <a:r>
-              <a:rPr lang="pl-PL" dirty="0" smtClean="0"/>
-              <a:t> </a:t>
-            </a:r>
-            <a:r>
-              <a:rPr lang="pl-PL" dirty="0" err="1" smtClean="0"/>
-              <a:t>custom</a:t>
-            </a:r>
-            <a:r>
-              <a:rPr lang="pl-PL" dirty="0" smtClean="0"/>
-              <a:t> </a:t>
-            </a:r>
-            <a:r>
-              <a:rPr lang="pl-PL" dirty="0" err="1" smtClean="0"/>
-              <a:t>class</a:t>
-            </a:r>
-            <a:r>
-              <a:rPr lang="pl-PL" dirty="0" smtClean="0"/>
-              <a:t> </a:t>
-            </a:r>
-            <a:r>
-              <a:rPr lang="pl-PL" dirty="0" err="1" smtClean="0"/>
-              <a:t>loader</a:t>
-            </a:r>
-            <a:r>
-              <a:rPr lang="pl-PL" dirty="0" smtClean="0"/>
-              <a:t> </a:t>
-            </a:r>
-            <a:r>
-              <a:rPr lang="pl-PL" dirty="0" smtClean="0"/>
-              <a:t>(</a:t>
-            </a:r>
-            <a:r>
-              <a:rPr lang="pl-PL" dirty="0" err="1" smtClean="0"/>
-              <a:t>profilers</a:t>
-            </a:r>
-            <a:r>
-              <a:rPr lang="pl-PL" dirty="0" smtClean="0"/>
-              <a:t>, </a:t>
-            </a:r>
-            <a:r>
-              <a:rPr lang="pl-PL" dirty="0" err="1" smtClean="0"/>
-              <a:t>coverage</a:t>
-            </a:r>
-            <a:r>
-              <a:rPr lang="pl-PL" dirty="0" smtClean="0"/>
-              <a:t> </a:t>
-            </a:r>
-            <a:r>
-              <a:rPr lang="pl-PL" dirty="0" err="1" smtClean="0"/>
-              <a:t>tools</a:t>
-            </a:r>
-            <a:r>
-              <a:rPr lang="pl-PL" dirty="0" smtClean="0"/>
-              <a:t>, spring AOP)</a:t>
-            </a:r>
-            <a:endParaRPr lang="en-US" dirty="0"/>
-          </a:p>
-        </p:txBody>
-      </p:sp>
-    </p:spTree>
-  </p:cSld>
-  <p:clrMapOvr>
-    <a:masterClrMapping/>
-  </p:clrMapOvr>
-</p:sld>
-</file>
-
 <file path=ppt/slides/slide15.xml><?xml version="1.0" encoding="utf-8"?>
 <p:sld xmlns:a="http://schemas.openxmlformats.org/drawingml/2006/main" xmlns:r="http://schemas.openxmlformats.org/officeDocument/2006/relationships" xmlns:p="http://schemas.openxmlformats.org/presentationml/2006/main">
   <p:cSld>
@@ -12721,7 +12333,7 @@
       </p:grpSpPr>
       <p:sp>
         <p:nvSpPr>
-          <p:cNvPr id="2" name="Tytuł 1"/>
+          <p:cNvPr id="2" name="Title 1"/>
           <p:cNvSpPr>
             <a:spLocks noGrp="1"/>
           </p:cNvSpPr>
@@ -12731,20 +12343,26 @@
         </p:nvSpPr>
         <p:spPr/>
         <p:txBody>
-          <a:bodyPr/>
+          <a:bodyPr>
+            <a:normAutofit fontScale="90000"/>
+          </a:bodyPr>
           <a:lstStyle/>
           <a:p>
             <a:r>
-              <a:rPr lang="pl-PL" dirty="0" smtClean="0"/>
-              <a:t>Java Agent Framework</a:t>
-            </a:r>
-            <a:endParaRPr lang="pl-PL" dirty="0"/>
-          </a:p>
-        </p:txBody>
-      </p:sp>
-      <p:sp>
-        <p:nvSpPr>
-          <p:cNvPr id="3" name="Symbol zastępczy zawartości 2"/>
+              <a:rPr lang="en-US" dirty="0" smtClean="0"/>
+              <a:t>Bytecode </a:t>
+            </a:r>
+            <a:r>
+              <a:rPr lang="en-US" dirty="0" smtClean="0"/>
+              <a:t>manipulation (instrumentation, weaving)</a:t>
+            </a:r>
+            <a:endParaRPr lang="en-US" dirty="0"/>
+          </a:p>
+        </p:txBody>
+      </p:sp>
+      <p:sp>
+        <p:nvSpPr>
+          <p:cNvPr id="3" name="Content Placeholder 2"/>
           <p:cNvSpPr>
             <a:spLocks noGrp="1"/>
           </p:cNvSpPr>
@@ -12759,118 +12377,38 @@
           <a:p>
             <a:r>
               <a:rPr lang="pl-PL" dirty="0" smtClean="0"/>
-              <a:t>Since</a:t>
+              <a:t>Process </a:t>
             </a:r>
             <a:r>
               <a:rPr lang="en-US" dirty="0" smtClean="0"/>
-              <a:t> JDK</a:t>
+              <a:t>where new functionality is added to a program by modifying the bytecode</a:t>
             </a:r>
             <a:r>
               <a:rPr lang="pl-PL" dirty="0" smtClean="0"/>
-              <a:t> 1.5 (</a:t>
-            </a:r>
-            <a:r>
-              <a:rPr lang="en-US" sz="2000" dirty="0" err="1" smtClean="0">
-                <a:latin typeface="Consolas" pitchFamily="49" charset="0"/>
-                <a:cs typeface="Consolas" pitchFamily="49" charset="0"/>
-              </a:rPr>
-              <a:t>java.lang.instrument</a:t>
+              <a:t>.</a:t>
+            </a:r>
+            <a:endParaRPr lang="en-US" dirty="0" smtClean="0"/>
+          </a:p>
+          <a:p>
+            <a:r>
+              <a:rPr lang="pl-PL" b="1" dirty="0" smtClean="0"/>
+              <a:t>Compile-time</a:t>
             </a:r>
             <a:r>
               <a:rPr lang="pl-PL" dirty="0" smtClean="0"/>
-              <a:t>)</a:t>
-            </a:r>
-          </a:p>
-          <a:p>
-            <a:r>
-              <a:rPr lang="en-US" dirty="0" smtClean="0"/>
-              <a:t> </a:t>
+              <a:t> (hibernate bytecode-enhancements, AspectJ, project lambok)</a:t>
+            </a:r>
+          </a:p>
+          <a:p>
+            <a:r>
+              <a:rPr lang="pl-PL" b="1" dirty="0" smtClean="0"/>
+              <a:t>Run-time</a:t>
             </a:r>
             <a:r>
               <a:rPr lang="pl-PL" dirty="0" smtClean="0"/>
-              <a:t>A</a:t>
-            </a:r>
-            <a:r>
-              <a:rPr lang="en-US" dirty="0" err="1" smtClean="0"/>
-              <a:t>llow</a:t>
-            </a:r>
-            <a:r>
-              <a:rPr lang="en-US" dirty="0" smtClean="0"/>
-              <a:t> us to operate on classes before (and even after) they are </a:t>
-            </a:r>
-            <a:r>
-              <a:rPr lang="pl-PL" dirty="0" err="1" smtClean="0"/>
-              <a:t>loaded</a:t>
-            </a:r>
-            <a:endParaRPr lang="pl-PL" dirty="0" smtClean="0"/>
-          </a:p>
-          <a:p>
-            <a:r>
-              <a:rPr lang="en-US" dirty="0" smtClean="0"/>
-              <a:t>Enabling the agent for a specific application</a:t>
-            </a:r>
-            <a:r>
-              <a:rPr lang="pl-PL" dirty="0" smtClean="0"/>
-              <a:t>: </a:t>
-            </a:r>
-          </a:p>
-          <a:p>
-            <a:pPr>
-              <a:buNone/>
-            </a:pPr>
-            <a:r>
-              <a:rPr lang="pl-PL" sz="2000" dirty="0" smtClean="0">
-                <a:latin typeface="Consolas" pitchFamily="49" charset="0"/>
-                <a:cs typeface="Consolas" pitchFamily="49" charset="0"/>
-              </a:rPr>
-              <a:t>	</a:t>
-            </a:r>
-            <a:r>
-              <a:rPr lang="pl-PL" sz="2000" dirty="0" err="1" smtClean="0">
-                <a:latin typeface="Consolas" pitchFamily="49" charset="0"/>
-                <a:cs typeface="Consolas" pitchFamily="49" charset="0"/>
-              </a:rPr>
-              <a:t>java</a:t>
-            </a:r>
-            <a:r>
-              <a:rPr lang="pl-PL" sz="2000" dirty="0" smtClean="0">
-                <a:latin typeface="Consolas" pitchFamily="49" charset="0"/>
-                <a:cs typeface="Consolas" pitchFamily="49" charset="0"/>
-              </a:rPr>
-              <a:t> -</a:t>
-            </a:r>
-            <a:r>
-              <a:rPr lang="pl-PL" sz="2000" dirty="0" err="1" smtClean="0">
-                <a:latin typeface="Consolas" pitchFamily="49" charset="0"/>
-                <a:cs typeface="Consolas" pitchFamily="49" charset="0"/>
-              </a:rPr>
-              <a:t>javaagent:myagent.jar</a:t>
-            </a:r>
-            <a:r>
-              <a:rPr lang="pl-PL" sz="2000" dirty="0" smtClean="0">
-                <a:latin typeface="Consolas" pitchFamily="49" charset="0"/>
-                <a:cs typeface="Consolas" pitchFamily="49" charset="0"/>
-              </a:rPr>
-              <a:t> </a:t>
-            </a:r>
-            <a:r>
-              <a:rPr lang="pl-PL" sz="2000" dirty="0" err="1" smtClean="0">
-                <a:latin typeface="Consolas" pitchFamily="49" charset="0"/>
-                <a:cs typeface="Consolas" pitchFamily="49" charset="0"/>
-              </a:rPr>
-              <a:t>yourapp.MainClass</a:t>
-            </a:r>
-            <a:endParaRPr lang="en-US" sz="2000" dirty="0" smtClean="0">
-              <a:latin typeface="Consolas" pitchFamily="49" charset="0"/>
-              <a:cs typeface="Consolas" pitchFamily="49" charset="0"/>
-            </a:endParaRPr>
-          </a:p>
-          <a:p>
-            <a:r>
-              <a:rPr lang="pl-PL" dirty="0" err="1" smtClean="0"/>
-              <a:t>Example</a:t>
-            </a:r>
-            <a:endParaRPr lang="pl-PL" dirty="0"/>
+              <a:t> – using java agents or custom class loader (profilers, coverage tools, spring AOP)</a:t>
+            </a:r>
+            <a:endParaRPr lang="en-US" dirty="0"/>
           </a:p>
         </p:txBody>
       </p:sp>
@@ -12901,7 +12439,7 @@
       </p:grpSpPr>
       <p:sp>
         <p:nvSpPr>
-          <p:cNvPr id="2" name="Title 1"/>
+          <p:cNvPr id="2" name="Tytuł 1"/>
           <p:cNvSpPr>
             <a:spLocks noGrp="1"/>
           </p:cNvSpPr>
@@ -12915,32 +12453,16 @@
           <a:lstStyle/>
           <a:p>
             <a:r>
-              <a:rPr lang="pl-PL" dirty="0" err="1" smtClean="0"/>
-              <a:t>Bytecode</a:t>
-            </a:r>
-            <a:r>
-              <a:rPr lang="pl-PL" dirty="0" smtClean="0"/>
-              <a:t> </a:t>
-            </a:r>
-            <a:r>
-              <a:rPr lang="pl-PL" dirty="0" err="1" smtClean="0"/>
-              <a:t>manipulation</a:t>
-            </a:r>
-            <a:r>
-              <a:rPr lang="pl-PL" dirty="0" smtClean="0"/>
-              <a:t> </a:t>
-            </a:r>
-            <a:r>
-              <a:rPr lang="pl-PL" dirty="0" err="1" smtClean="0"/>
-              <a:t>libraries</a:t>
-            </a:r>
-            <a:endParaRPr lang="en-US" dirty="0"/>
-          </a:p>
-        </p:txBody>
-      </p:sp>
-      <p:sp>
-        <p:nvSpPr>
-          <p:cNvPr id="3" name="Content Placeholder 2"/>
+              <a:rPr lang="pl-PL" smtClean="0"/>
+              <a:t>Java Agent Framework</a:t>
+            </a:r>
+            <a:endParaRPr lang="pl-PL"/>
+          </a:p>
+        </p:txBody>
+      </p:sp>
+      <p:sp>
+        <p:nvSpPr>
+          <p:cNvPr id="3" name="Symbol zastępczy zawartości 2"/>
           <p:cNvSpPr>
             <a:spLocks noGrp="1"/>
           </p:cNvSpPr>
@@ -12955,66 +12477,22 @@
           <a:p>
             <a:r>
               <a:rPr lang="pl-PL" dirty="0" smtClean="0"/>
-              <a:t>ASM</a:t>
-            </a:r>
-          </a:p>
-          <a:p>
-            <a:pPr lvl="1"/>
+              <a:t>Since</a:t>
+            </a:r>
+            <a:r>
+              <a:rPr lang="en-US" dirty="0" smtClean="0"/>
+              <a:t> JDK</a:t>
+            </a:r>
             <a:r>
               <a:rPr lang="pl-PL" dirty="0" smtClean="0"/>
-              <a:t>D</a:t>
-            </a:r>
-            <a:r>
-              <a:rPr lang="en-US" dirty="0" err="1" smtClean="0"/>
-              <a:t>esigned</a:t>
-            </a:r>
-            <a:r>
-              <a:rPr lang="en-US" dirty="0" smtClean="0"/>
-              <a:t> </a:t>
-            </a:r>
-            <a:r>
-              <a:rPr lang="en-US" dirty="0" smtClean="0"/>
-              <a:t>to be as fast and as small as possible</a:t>
-            </a:r>
-            <a:endParaRPr lang="pl-PL" dirty="0" smtClean="0"/>
-          </a:p>
-          <a:p>
-            <a:pPr lvl="1"/>
-            <a:r>
-              <a:rPr lang="pl-PL" dirty="0" err="1" smtClean="0"/>
-              <a:t>Bytecode</a:t>
-            </a:r>
-            <a:r>
-              <a:rPr lang="pl-PL" dirty="0" smtClean="0"/>
-              <a:t> </a:t>
-            </a:r>
-            <a:r>
-              <a:rPr lang="pl-PL" dirty="0" err="1" smtClean="0"/>
-              <a:t>outline</a:t>
-            </a:r>
-            <a:r>
-              <a:rPr lang="pl-PL" dirty="0" smtClean="0"/>
-              <a:t> </a:t>
-            </a:r>
-            <a:r>
-              <a:rPr lang="pl-PL" dirty="0" err="1" smtClean="0"/>
-              <a:t>plugin</a:t>
-            </a:r>
-            <a:r>
-              <a:rPr lang="pl-PL" dirty="0" smtClean="0"/>
-              <a:t> (</a:t>
-            </a:r>
-            <a:r>
-              <a:rPr lang="pl-PL" dirty="0" err="1" smtClean="0"/>
-              <a:t>Eclipse</a:t>
-            </a:r>
-            <a:r>
-              <a:rPr lang="pl-PL" dirty="0" smtClean="0"/>
-              <a:t>, </a:t>
-            </a:r>
-            <a:r>
-              <a:rPr lang="pl-PL" dirty="0" err="1" smtClean="0"/>
-              <a:t>Intellij</a:t>
+              <a:t> 1.5 (</a:t>
+            </a:r>
+            <a:r>
+              <a:rPr lang="en-US" sz="2000" dirty="0" smtClean="0">
+                <a:latin typeface="Consolas" pitchFamily="49" charset="0"/>
+                <a:cs typeface="Consolas" pitchFamily="49" charset="0"/>
+              </a:rPr>
+              <a:t>java.lang.instrument</a:t>
             </a:r>
             <a:r>
               <a:rPr lang="pl-PL" dirty="0" smtClean="0"/>
@@ -13023,30 +12501,50 @@
           </a:p>
           <a:p>
             <a:r>
+              <a:rPr lang="en-US" dirty="0" smtClean="0"/>
+              <a:t>Allow </a:t>
+            </a:r>
+            <a:r>
+              <a:rPr lang="en-US" dirty="0" smtClean="0"/>
+              <a:t>us to operate on classes before (and even after) they are </a:t>
+            </a:r>
+            <a:r>
               <a:rPr lang="pl-PL" dirty="0" smtClean="0"/>
-              <a:t>CGLIB</a:t>
-            </a:r>
-          </a:p>
-          <a:p>
-            <a:r>
-              <a:rPr lang="pl-PL" dirty="0" err="1" smtClean="0"/>
-              <a:t>Javaassist</a:t>
-            </a:r>
-            <a:endParaRPr lang="pl-PL" dirty="0" smtClean="0"/>
-          </a:p>
-          <a:p>
-            <a:r>
-              <a:rPr lang="pl-PL" dirty="0" err="1" smtClean="0"/>
-              <a:t>ByteBuddy</a:t>
-            </a:r>
-            <a:endParaRPr lang="pl-PL" dirty="0" smtClean="0"/>
-          </a:p>
-          <a:p>
-            <a:r>
-              <a:rPr lang="pl-PL" dirty="0" err="1" smtClean="0"/>
-              <a:t>AspectJ</a:t>
-            </a:r>
-            <a:endParaRPr lang="en-US" dirty="0"/>
+              <a:t>loaded</a:t>
+            </a:r>
+          </a:p>
+          <a:p>
+            <a:r>
+              <a:rPr lang="en-US" dirty="0" smtClean="0"/>
+              <a:t>Enabling the agent for a specific application</a:t>
+            </a:r>
+            <a:r>
+              <a:rPr lang="pl-PL" dirty="0" smtClean="0"/>
+              <a:t>: </a:t>
+            </a:r>
+          </a:p>
+          <a:p>
+            <a:pPr>
+              <a:buNone/>
+            </a:pPr>
+            <a:r>
+              <a:rPr lang="pl-PL" sz="2000" dirty="0" smtClean="0">
+                <a:latin typeface="Consolas" pitchFamily="49" charset="0"/>
+                <a:cs typeface="Consolas" pitchFamily="49" charset="0"/>
+              </a:rPr>
+              <a:t>	java -javaagent:myagent.jar yourapp.MainClass</a:t>
+            </a:r>
+            <a:endParaRPr lang="en-US" sz="2000" dirty="0" smtClean="0">
+              <a:latin typeface="Consolas" pitchFamily="49" charset="0"/>
+              <a:cs typeface="Consolas" pitchFamily="49" charset="0"/>
+            </a:endParaRPr>
+          </a:p>
+          <a:p>
+            <a:r>
+              <a:rPr lang="pl-PL" dirty="0" smtClean="0"/>
+              <a:t>Example</a:t>
+            </a:r>
+            <a:endParaRPr lang="pl-PL" dirty="0"/>
           </a:p>
         </p:txBody>
       </p:sp>
@@ -13087,22 +12585,12 @@
         </p:nvSpPr>
         <p:spPr/>
         <p:txBody>
-          <a:bodyPr>
-            <a:normAutofit/>
-          </a:bodyPr>
+          <a:bodyPr/>
           <a:lstStyle/>
           <a:p>
             <a:r>
-              <a:rPr lang="pl-PL" dirty="0" err="1" smtClean="0"/>
-              <a:t>Bytecode</a:t>
-            </a:r>
-            <a:r>
               <a:rPr lang="pl-PL" dirty="0" smtClean="0"/>
-              <a:t> e</a:t>
-            </a:r>
-            <a:r>
-              <a:rPr lang="en-US" dirty="0" err="1" smtClean="0"/>
-              <a:t>xamples</a:t>
+              <a:t>Bytecode manipulation libraries</a:t>
             </a:r>
             <a:endParaRPr lang="en-US" dirty="0"/>
           </a:p>
@@ -13124,69 +12612,169 @@
           <a:lstStyle/>
           <a:p>
             <a:r>
-              <a:rPr lang="pl-PL" dirty="0" err="1" smtClean="0"/>
-              <a:t>Empty</a:t>
-            </a:r>
-            <a:r>
               <a:rPr lang="pl-PL" dirty="0" smtClean="0"/>
-              <a:t> </a:t>
-            </a:r>
-            <a:r>
-              <a:rPr lang="pl-PL" dirty="0" err="1" smtClean="0"/>
+              <a:t>ASM</a:t>
+            </a:r>
+          </a:p>
+          <a:p>
+            <a:pPr lvl="1"/>
+            <a:r>
+              <a:rPr lang="en-US" dirty="0" smtClean="0"/>
+              <a:t>Designed </a:t>
+            </a:r>
+            <a:r>
+              <a:rPr lang="en-US" dirty="0" smtClean="0"/>
+              <a:t>to be as fast and as small as possible</a:t>
+            </a:r>
+            <a:endParaRPr lang="pl-PL" dirty="0" smtClean="0"/>
+          </a:p>
+          <a:p>
+            <a:pPr lvl="1"/>
+            <a:r>
+              <a:rPr lang="pl-PL" dirty="0" smtClean="0"/>
+              <a:t>Bytecode outline plugin (Eclipse, Intellij)</a:t>
+            </a:r>
+          </a:p>
+          <a:p>
+            <a:r>
+              <a:rPr lang="pl-PL" dirty="0" smtClean="0"/>
+              <a:t>CGLIB</a:t>
+            </a:r>
+          </a:p>
+          <a:p>
+            <a:r>
+              <a:rPr lang="pl-PL" dirty="0" smtClean="0"/>
+              <a:t>Javaassist</a:t>
+            </a:r>
+          </a:p>
+          <a:p>
+            <a:r>
+              <a:rPr lang="pl-PL" dirty="0" smtClean="0"/>
+              <a:t>ByteBuddy</a:t>
+            </a:r>
+          </a:p>
+          <a:p>
+            <a:r>
+              <a:rPr lang="pl-PL" dirty="0" smtClean="0"/>
+              <a:t>AspectJ</a:t>
+            </a:r>
+            <a:endParaRPr lang="en-US" dirty="0"/>
+          </a:p>
+        </p:txBody>
+      </p:sp>
+    </p:spTree>
+  </p:cSld>
+  <p:clrMapOvr>
+    <a:masterClrMapping/>
+  </p:clrMapOvr>
+</p:sld>
+</file>
+
+<file path=ppt/slides/slide18.xml><?xml version="1.0" encoding="utf-8"?>
+<p:sld xmlns:a="http://schemas.openxmlformats.org/drawingml/2006/main" xmlns:r="http://schemas.openxmlformats.org/officeDocument/2006/relationships" xmlns:p="http://schemas.openxmlformats.org/presentationml/2006/main">
+  <p:cSld>
+    <p:spTree>
+      <p:nvGrpSpPr>
+        <p:cNvPr id="1" name=""/>
+        <p:cNvGrpSpPr/>
+        <p:nvPr/>
+      </p:nvGrpSpPr>
+      <p:grpSpPr>
+        <a:xfrm>
+          <a:off x="0" y="0"/>
+          <a:ext cx="0" cy="0"/>
+          <a:chOff x="0" y="0"/>
+          <a:chExt cx="0" cy="0"/>
+        </a:xfrm>
+      </p:grpSpPr>
+      <p:sp>
+        <p:nvSpPr>
+          <p:cNvPr id="2" name="Title 1"/>
+          <p:cNvSpPr>
+            <a:spLocks noGrp="1"/>
+          </p:cNvSpPr>
+          <p:nvPr>
+            <p:ph type="title"/>
+          </p:nvPr>
+        </p:nvSpPr>
+        <p:spPr/>
+        <p:txBody>
+          <a:bodyPr>
+            <a:normAutofit/>
+          </a:bodyPr>
+          <a:lstStyle/>
+          <a:p>
+            <a:r>
+              <a:rPr lang="pl-PL" dirty="0" smtClean="0"/>
+              <a:t>Bytecode </a:t>
+            </a:r>
+            <a:r>
+              <a:rPr lang="en-US" dirty="0" smtClean="0"/>
+              <a:t>examples</a:t>
+            </a:r>
+            <a:endParaRPr lang="en-US" dirty="0"/>
+          </a:p>
+        </p:txBody>
+      </p:sp>
+      <p:sp>
+        <p:nvSpPr>
+          <p:cNvPr id="3" name="Content Placeholder 2"/>
+          <p:cNvSpPr>
+            <a:spLocks noGrp="1"/>
+          </p:cNvSpPr>
+          <p:nvPr>
+            <p:ph idx="1"/>
+          </p:nvPr>
+        </p:nvSpPr>
+        <p:spPr/>
+        <p:txBody>
+          <a:bodyPr/>
+          <a:lstStyle/>
+          <a:p>
+            <a:r>
+              <a:rPr lang="en-US" dirty="0" smtClean="0"/>
+              <a:t>E</a:t>
+            </a:r>
+            <a:r>
+              <a:rPr lang="pl-PL" dirty="0" smtClean="0"/>
+              <a:t>mpty </a:t>
+            </a:r>
+            <a:r>
+              <a:rPr lang="en-US" smtClean="0"/>
               <a:t>class</a:t>
             </a:r>
             <a:endParaRPr lang="pl-PL" dirty="0" smtClean="0"/>
           </a:p>
           <a:p>
             <a:r>
-              <a:rPr lang="pl-PL" dirty="0" err="1" smtClean="0"/>
-              <a:t>Empty</a:t>
-            </a:r>
-            <a:r>
               <a:rPr lang="pl-PL" dirty="0" smtClean="0"/>
-              <a:t> </a:t>
-            </a:r>
-            <a:r>
-              <a:rPr lang="pl-PL" dirty="0" err="1" smtClean="0"/>
-              <a:t>method</a:t>
-            </a:r>
-            <a:endParaRPr lang="pl-PL" dirty="0" smtClean="0"/>
-          </a:p>
-          <a:p>
-            <a:r>
-              <a:rPr lang="pl-PL" dirty="0" err="1" smtClean="0"/>
-              <a:t>String</a:t>
-            </a:r>
+              <a:t>Empty method</a:t>
+            </a:r>
+          </a:p>
+          <a:p>
             <a:r>
               <a:rPr lang="pl-PL" dirty="0" smtClean="0"/>
-              <a:t> </a:t>
-            </a:r>
-            <a:r>
-              <a:rPr lang="pl-PL" dirty="0" err="1" smtClean="0"/>
-              <a:t>concatenation</a:t>
-            </a:r>
-            <a:endParaRPr lang="pl-PL" dirty="0" smtClean="0"/>
-          </a:p>
-          <a:p>
-            <a:r>
-              <a:rPr lang="pl-PL" dirty="0" err="1" smtClean="0"/>
+              <a:t>String concatenation</a:t>
+            </a:r>
+          </a:p>
+          <a:p>
+            <a:r>
+              <a:rPr lang="pl-PL" dirty="0" smtClean="0"/>
               <a:t>Boxing</a:t>
             </a:r>
-            <a:endParaRPr lang="pl-PL" dirty="0" smtClean="0"/>
-          </a:p>
-          <a:p>
-            <a:r>
-              <a:rPr lang="pl-PL" dirty="0" err="1" smtClean="0"/>
+          </a:p>
+          <a:p>
+            <a:r>
+              <a:rPr lang="pl-PL" dirty="0" smtClean="0"/>
               <a:t>Initialization</a:t>
             </a:r>
             <a:endParaRPr lang="en-US" dirty="0" smtClean="0"/>
           </a:p>
           <a:p>
             <a:r>
-              <a:rPr lang="pl-PL" dirty="0" err="1" smtClean="0"/>
+              <a:rPr lang="pl-PL" dirty="0" smtClean="0"/>
               <a:t>Synchronization</a:t>
             </a:r>
-            <a:endParaRPr lang="pl-PL" dirty="0" smtClean="0"/>
           </a:p>
         </p:txBody>
       </p:sp>
@@ -13231,7 +12819,7 @@
           <a:lstStyle/>
           <a:p>
             <a:r>
-              <a:rPr lang="en-US" dirty="0" err="1" smtClean="0"/>
+              <a:rPr lang="en-US" dirty="0" smtClean="0"/>
               <a:t>Bytecode</a:t>
             </a:r>
             <a:endParaRPr lang="en-US" dirty="0"/>
@@ -13256,16 +12844,12 @@
           <a:lstStyle/>
           <a:p>
             <a:r>
-              <a:rPr lang="pl-PL" dirty="0" smtClean="0"/>
-              <a:t>I</a:t>
-            </a:r>
-            <a:r>
-              <a:rPr lang="en-US" dirty="0" err="1" smtClean="0"/>
-              <a:t>ntermediate</a:t>
-            </a:r>
-            <a:r>
               <a:rPr lang="en-US" dirty="0" smtClean="0"/>
-              <a:t> language between Java</a:t>
+              <a:t>Intermediate </a:t>
+            </a:r>
+            <a:r>
+              <a:rPr lang="en-US" dirty="0" smtClean="0"/>
+              <a:t>language between Java</a:t>
             </a:r>
             <a:r>
               <a:rPr lang="pl-PL" dirty="0" smtClean="0"/>
@@ -13277,31 +12861,7 @@
             </a:r>
             <a:r>
               <a:rPr lang="pl-PL" dirty="0" smtClean="0"/>
-              <a:t> - "</a:t>
-            </a:r>
-            <a:r>
-              <a:rPr lang="pl-PL" dirty="0" err="1" smtClean="0"/>
-              <a:t>Write</a:t>
-            </a:r>
-            <a:r>
-              <a:rPr lang="pl-PL" dirty="0" smtClean="0"/>
-              <a:t> </a:t>
-            </a:r>
-            <a:r>
-              <a:rPr lang="pl-PL" dirty="0" err="1" smtClean="0"/>
-              <a:t>once</a:t>
-            </a:r>
-            <a:r>
-              <a:rPr lang="pl-PL" dirty="0" smtClean="0"/>
-              <a:t>, run </a:t>
-            </a:r>
-            <a:r>
-              <a:rPr lang="pl-PL" dirty="0" err="1" smtClean="0"/>
-              <a:t>anywhere</a:t>
-            </a:r>
-            <a:r>
-              <a:rPr lang="pl-PL" dirty="0" smtClean="0"/>
-              <a:t>"</a:t>
+              <a:t> - "Write once, run anywhere"</a:t>
             </a:r>
           </a:p>
           <a:p>
@@ -13314,15 +12874,11 @@
               <a:t>ne-byte </a:t>
             </a:r>
             <a:r>
-              <a:rPr lang="pl-PL" dirty="0" err="1" smtClean="0"/>
-              <a:t>instructions</a:t>
-            </a:r>
-            <a:r>
               <a:rPr lang="pl-PL" dirty="0" smtClean="0"/>
-              <a:t> (</a:t>
-            </a:r>
-            <a:r>
-              <a:rPr lang="en-US" i="1" dirty="0" err="1" smtClean="0"/>
+              <a:t>instructions (</a:t>
+            </a:r>
+            <a:r>
+              <a:rPr lang="en-US" i="1" dirty="0" smtClean="0"/>
               <a:t>opcode</a:t>
             </a:r>
             <a:r>
@@ -13334,23 +12890,7 @@
           <a:p>
             <a:r>
               <a:rPr lang="pl-PL" dirty="0" smtClean="0"/>
-              <a:t>256 </a:t>
-            </a:r>
-            <a:r>
-              <a:rPr lang="pl-PL" dirty="0" err="1" smtClean="0"/>
-              <a:t>possible</a:t>
-            </a:r>
-            <a:r>
-              <a:rPr lang="pl-PL" dirty="0" smtClean="0"/>
-              <a:t> </a:t>
-            </a:r>
-            <a:r>
-              <a:rPr lang="pl-PL" dirty="0" err="1" smtClean="0"/>
-              <a:t>opcodes</a:t>
-            </a:r>
-            <a:r>
-              <a:rPr lang="pl-PL" dirty="0" smtClean="0"/>
-              <a:t> (</a:t>
+              <a:t>256 possible opcodes (</a:t>
             </a:r>
             <a:r>
               <a:rPr lang="en-US" dirty="0" smtClean="0"/>
@@ -13365,66 +12905,14 @@
               <a:t> </a:t>
             </a:r>
             <a:r>
-              <a:rPr lang="pl-PL" dirty="0" err="1" smtClean="0"/>
-              <a:t>in</a:t>
-            </a:r>
-            <a:r>
               <a:rPr lang="pl-PL" dirty="0" smtClean="0"/>
-              <a:t> </a:t>
-            </a:r>
-            <a:r>
-              <a:rPr lang="pl-PL" dirty="0" err="1" smtClean="0"/>
-              <a:t>use</a:t>
-            </a:r>
+              <a:t>in use)</a:t>
+            </a:r>
+          </a:p>
+          <a:p>
             <a:r>
               <a:rPr lang="pl-PL" dirty="0" smtClean="0"/>
-              <a:t>)</a:t>
-            </a:r>
-          </a:p>
-          <a:p>
-            <a:r>
-              <a:rPr lang="pl-PL" dirty="0" smtClean="0"/>
-              <a:t>Not many </a:t>
-            </a:r>
-            <a:r>
-              <a:rPr lang="pl-PL" dirty="0" err="1" smtClean="0"/>
-              <a:t>changes</a:t>
-            </a:r>
-            <a:r>
-              <a:rPr lang="pl-PL" dirty="0" smtClean="0"/>
-              <a:t> </a:t>
-            </a:r>
-            <a:r>
-              <a:rPr lang="pl-PL" dirty="0" err="1" smtClean="0"/>
-              <a:t>since</a:t>
-            </a:r>
-            <a:r>
-              <a:rPr lang="pl-PL" dirty="0" smtClean="0"/>
-              <a:t> </a:t>
-            </a:r>
-            <a:r>
-              <a:rPr lang="pl-PL" dirty="0" smtClean="0"/>
-              <a:t>JDK1.0 </a:t>
-            </a:r>
-            <a:r>
-              <a:rPr lang="pl-PL" dirty="0" smtClean="0"/>
-              <a:t>(</a:t>
-            </a:r>
-            <a:r>
-              <a:rPr lang="pl-PL" dirty="0" err="1" smtClean="0"/>
-              <a:t>last</a:t>
-            </a:r>
-            <a:r>
-              <a:rPr lang="pl-PL" dirty="0" smtClean="0"/>
-              <a:t> INVOKEDYNAMIC </a:t>
-            </a:r>
-            <a:r>
-              <a:rPr lang="pl-PL" dirty="0" err="1" smtClean="0"/>
-              <a:t>in</a:t>
-            </a:r>
-            <a:r>
-              <a:rPr lang="pl-PL" dirty="0" smtClean="0"/>
-              <a:t> Java 7)</a:t>
+              <a:t>Not many changes since JDK1.0 (last INVOKEDYNAMIC in Java 7)</a:t>
             </a:r>
             <a:endParaRPr lang="en-US" dirty="0" smtClean="0"/>
           </a:p>
@@ -13507,57 +12995,25 @@
           <a:lstStyle/>
           <a:p>
             <a:r>
+              <a:rPr lang="en-US" dirty="0" smtClean="0"/>
+              <a:t>Better </a:t>
+            </a:r>
+            <a:r>
+              <a:rPr lang="en-US" dirty="0" smtClean="0"/>
+              <a:t>understanding of the JVM</a:t>
+            </a:r>
+            <a:endParaRPr lang="pl-PL" dirty="0" smtClean="0"/>
+          </a:p>
+          <a:p>
+            <a:r>
               <a:rPr lang="pl-PL" dirty="0" smtClean="0"/>
-              <a:t>G</a:t>
-            </a:r>
-            <a:r>
-              <a:rPr lang="en-US" dirty="0" err="1" smtClean="0"/>
-              <a:t>ives</a:t>
-            </a:r>
-            <a:r>
-              <a:rPr lang="en-US" dirty="0" smtClean="0"/>
-              <a:t> </a:t>
-            </a:r>
+              <a:t>Many libraries manipulate bytecode</a:t>
+            </a:r>
+            <a:endParaRPr lang="en-US" dirty="0" smtClean="0"/>
+          </a:p>
+          <a:p>
             <a:r>
               <a:rPr lang="pl-PL" dirty="0" smtClean="0"/>
-              <a:t>a </a:t>
-            </a:r>
-            <a:r>
-              <a:rPr lang="en-US" dirty="0" smtClean="0"/>
-              <a:t>better understanding of the JVM</a:t>
-            </a:r>
-            <a:endParaRPr lang="pl-PL" dirty="0" smtClean="0"/>
-          </a:p>
-          <a:p>
-            <a:r>
-              <a:rPr lang="pl-PL" dirty="0" smtClean="0"/>
-              <a:t>Many </a:t>
-            </a:r>
-            <a:r>
-              <a:rPr lang="pl-PL" dirty="0" err="1" smtClean="0"/>
-              <a:t>libraries</a:t>
-            </a:r>
-            <a:r>
-              <a:rPr lang="pl-PL" dirty="0" smtClean="0"/>
-              <a:t> </a:t>
-            </a:r>
-            <a:r>
-              <a:rPr lang="pl-PL" dirty="0" err="1" smtClean="0"/>
-              <a:t>manipulate</a:t>
-            </a:r>
-            <a:r>
-              <a:rPr lang="pl-PL" dirty="0" smtClean="0"/>
-              <a:t> </a:t>
-            </a:r>
-            <a:r>
-              <a:rPr lang="pl-PL" dirty="0" err="1" smtClean="0"/>
-              <a:t>bytecode</a:t>
-            </a:r>
-            <a:endParaRPr lang="en-US" dirty="0" smtClean="0"/>
-          </a:p>
-          <a:p>
-            <a:r>
-              <a:rPr lang="pl-PL" dirty="0" err="1" smtClean="0"/>
               <a:t>Build</a:t>
             </a:r>
             <a:r>
@@ -13575,7 +13031,7 @@
           </a:p>
           <a:p>
             <a:r>
-              <a:rPr lang="pl-PL" dirty="0" err="1" smtClean="0"/>
+              <a:rPr lang="pl-PL" dirty="0" smtClean="0"/>
               <a:t>Build</a:t>
             </a:r>
             <a:r>
@@ -13586,76 +13042,17 @@
           <a:p>
             <a:r>
               <a:rPr lang="en-US" dirty="0" smtClean="0"/>
-              <a:t>Understanding </a:t>
-            </a:r>
-            <a:r>
-              <a:rPr lang="en-US" dirty="0" err="1" smtClean="0"/>
-              <a:t>bytecode</a:t>
-            </a:r>
-            <a:r>
-              <a:rPr lang="en-US" dirty="0" smtClean="0"/>
-              <a:t> makes you a better programmer</a:t>
+              <a:t>Understanding bytecode makes you a better programmer</a:t>
             </a:r>
             <a:endParaRPr lang="pl-PL" dirty="0" smtClean="0"/>
           </a:p>
           <a:p>
-            <a:r>
-              <a:rPr lang="pl-PL" dirty="0" err="1" smtClean="0">
-                <a:sym typeface="Wingdings" pitchFamily="2" charset="2"/>
-              </a:rPr>
-              <a:t>It</a:t>
-            </a:r>
             <a:r>
               <a:rPr lang="pl-PL" dirty="0" smtClean="0">
                 <a:sym typeface="Wingdings" pitchFamily="2" charset="2"/>
               </a:rPr>
-              <a:t> </a:t>
-            </a:r>
-            <a:r>
-              <a:rPr lang="pl-PL" dirty="0" err="1" smtClean="0">
-                <a:sym typeface="Wingdings" pitchFamily="2" charset="2"/>
-              </a:rPr>
-              <a:t>is</a:t>
-            </a:r>
-            <a:r>
-              <a:rPr lang="pl-PL" dirty="0" smtClean="0">
-                <a:sym typeface="Wingdings" pitchFamily="2" charset="2"/>
-              </a:rPr>
-              <a:t> </a:t>
-            </a:r>
-            <a:r>
-              <a:rPr lang="pl-PL" dirty="0" err="1" smtClean="0">
-                <a:sym typeface="Wingdings" pitchFamily="2" charset="2"/>
-              </a:rPr>
-              <a:t>easy</a:t>
-            </a:r>
-            <a:r>
-              <a:rPr lang="pl-PL" dirty="0" smtClean="0">
-                <a:sym typeface="Wingdings" pitchFamily="2" charset="2"/>
-              </a:rPr>
-              <a:t> and </a:t>
-            </a:r>
-            <a:r>
-              <a:rPr lang="pl-PL" dirty="0" err="1" smtClean="0">
-                <a:sym typeface="Wingdings" pitchFamily="2" charset="2"/>
-              </a:rPr>
-              <a:t>it’s</a:t>
-            </a:r>
-            <a:r>
-              <a:rPr lang="pl-PL" dirty="0" smtClean="0">
-                <a:sym typeface="Wingdings" pitchFamily="2" charset="2"/>
-              </a:rPr>
-              <a:t> </a:t>
-            </a:r>
-            <a:r>
-              <a:rPr lang="pl-PL" dirty="0" err="1" smtClean="0">
-                <a:sym typeface="Wingdings" pitchFamily="2" charset="2"/>
-              </a:rPr>
-              <a:t>fun</a:t>
-            </a:r>
-            <a:endParaRPr lang="pl-PL" dirty="0" smtClean="0">
-              <a:sym typeface="Wingdings" pitchFamily="2" charset="2"/>
-            </a:endParaRPr>
+              <a:t>It is easy and it’s fun</a:t>
+            </a:r>
           </a:p>
           <a:p>
             <a:endParaRPr lang="en-US" dirty="0"/>
@@ -13747,12 +13144,8 @@
           </a:p>
           <a:p>
             <a:r>
-              <a:rPr lang="pl-PL" dirty="0" smtClean="0"/>
-              <a:t>E</a:t>
-            </a:r>
-            <a:r>
-              <a:rPr lang="en-US" dirty="0" err="1" smtClean="0"/>
-              <a:t>xecution</a:t>
+              <a:rPr lang="en-US" dirty="0" smtClean="0"/>
+              <a:t>Execution</a:t>
             </a:r>
             <a:endParaRPr lang="en-US" dirty="0" smtClean="0"/>
           </a:p>
@@ -14258,7 +13651,7 @@
           <a:lstStyle/>
           <a:p>
             <a:pPr algn="ctr"/>
-            <a:endParaRPr lang="en-US"/>
+            <a:endParaRPr lang="en-US" dirty="0"/>
           </a:p>
         </p:txBody>
       </p:sp>
@@ -14454,7 +13847,7 @@
           <a:lstStyle/>
           <a:p>
             <a:pPr algn="ctr"/>
-            <a:endParaRPr lang="en-US"/>
+            <a:endParaRPr lang="en-US" dirty="0"/>
           </a:p>
         </p:txBody>
       </p:sp>
@@ -14787,47 +14180,15 @@
           </a:p>
           <a:p>
             <a:r>
-              <a:rPr lang="pl-PL" dirty="0" err="1" smtClean="0"/>
-              <a:t>Usage</a:t>
-            </a:r>
-            <a:r>
-              <a:rPr lang="pl-PL" dirty="0" smtClean="0"/>
-              <a:t>: </a:t>
-            </a:r>
-            <a:r>
-              <a:rPr lang="pl-PL" sz="2000" dirty="0" err="1" smtClean="0">
-                <a:latin typeface="Consolas" pitchFamily="49" charset="0"/>
-                <a:cs typeface="Consolas" pitchFamily="49" charset="0"/>
-              </a:rPr>
-              <a:t>javap</a:t>
+              <a:rPr lang="en-US" dirty="0" smtClean="0"/>
+              <a:t>Example: </a:t>
             </a:r>
             <a:r>
               <a:rPr lang="pl-PL" sz="2000" dirty="0" smtClean="0">
                 <a:latin typeface="Consolas" pitchFamily="49" charset="0"/>
                 <a:cs typeface="Consolas" pitchFamily="49" charset="0"/>
               </a:rPr>
-              <a:t> –</a:t>
-            </a:r>
-            <a:r>
-              <a:rPr lang="pl-PL" sz="2000" dirty="0" err="1" smtClean="0">
-                <a:latin typeface="Consolas" pitchFamily="49" charset="0"/>
-                <a:cs typeface="Consolas" pitchFamily="49" charset="0"/>
-              </a:rPr>
-              <a:t>verbose</a:t>
-            </a:r>
-            <a:r>
-              <a:rPr lang="pl-PL" sz="2000" dirty="0" smtClean="0">
-                <a:latin typeface="Consolas" pitchFamily="49" charset="0"/>
-                <a:cs typeface="Consolas" pitchFamily="49" charset="0"/>
-              </a:rPr>
-              <a:t> &lt;</a:t>
-            </a:r>
-            <a:r>
-              <a:rPr lang="pl-PL" sz="2000" dirty="0" err="1" smtClean="0">
-                <a:latin typeface="Consolas" pitchFamily="49" charset="0"/>
-                <a:cs typeface="Consolas" pitchFamily="49" charset="0"/>
-              </a:rPr>
-              <a:t>class-file</a:t>
+              <a:t>javap –verbose &lt;class-file</a:t>
             </a:r>
             <a:r>
               <a:rPr lang="pl-PL" sz="2000" dirty="0" smtClean="0">
@@ -14836,15 +14197,8 @@
               </a:rPr>
               <a:t>&gt;</a:t>
             </a:r>
-          </a:p>
-          <a:p>
-            <a:r>
-              <a:rPr lang="pl-PL" dirty="0" err="1" smtClean="0">
-                <a:cs typeface="Consolas" pitchFamily="49" charset="0"/>
-              </a:rPr>
-              <a:t>Example</a:t>
-            </a:r>
-            <a:endParaRPr lang="en-US" dirty="0">
+            <a:endParaRPr lang="pl-PL" sz="2000" dirty="0" smtClean="0">
+              <a:latin typeface="Consolas" pitchFamily="49" charset="0"/>
               <a:cs typeface="Consolas" pitchFamily="49" charset="0"/>
             </a:endParaRPr>
           </a:p>
@@ -14891,12 +14245,8 @@
           <a:lstStyle/>
           <a:p>
             <a:r>
-              <a:rPr lang="en-US" dirty="0" err="1" smtClean="0"/>
-              <a:t>Bytecode</a:t>
-            </a:r>
-            <a:r>
               <a:rPr lang="en-US" dirty="0" smtClean="0"/>
-              <a:t> execution model</a:t>
+              <a:t>Bytecode execution model</a:t>
             </a:r>
             <a:endParaRPr lang="en-US" dirty="0"/>
           </a:p>
@@ -14936,28 +14286,44 @@
           </a:p>
           <a:p>
             <a:r>
-              <a:rPr lang="pl-PL" dirty="0" err="1" smtClean="0"/>
-              <a:t>Reverse</a:t>
+              <a:rPr lang="en-US" dirty="0" smtClean="0"/>
+              <a:t>Re</a:t>
             </a:r>
             <a:r>
               <a:rPr lang="pl-PL" dirty="0" smtClean="0"/>
-              <a:t> </a:t>
-            </a:r>
-            <a:r>
-              <a:rPr lang="pl-PL" dirty="0" err="1" smtClean="0"/>
-              <a:t>Polish</a:t>
+              <a:t>verse </a:t>
+            </a:r>
+            <a:r>
+              <a:rPr lang="en-US" dirty="0" smtClean="0"/>
+              <a:t>Po</a:t>
             </a:r>
             <a:r>
               <a:rPr lang="pl-PL" dirty="0" smtClean="0"/>
-              <a:t> </a:t>
-            </a:r>
-            <a:r>
-              <a:rPr lang="pl-PL" dirty="0" err="1" smtClean="0"/>
-              <a:t>Notation</a:t>
+              <a:t>lish </a:t>
+            </a:r>
+            <a:r>
+              <a:rPr lang="en-US" dirty="0" smtClean="0"/>
+              <a:t>No</a:t>
             </a:r>
             <a:r>
               <a:rPr lang="pl-PL" dirty="0" smtClean="0"/>
-              <a:t>: 1</a:t>
+              <a:t>tation</a:t>
+            </a:r>
+            <a:r>
+              <a:rPr lang="pl-PL" dirty="0" smtClean="0"/>
+              <a:t>: </a:t>
+            </a:r>
+            <a:r>
+              <a:rPr lang="pl-PL" dirty="0" smtClean="0">
+                <a:effectLst>
+                  <a:outerShdw blurRad="38100" dist="38100" dir="2700000" algn="tl">
+                    <a:srgbClr val="000000">
+                      <a:alpha val="43137"/>
+                    </a:srgbClr>
+                  </a:outerShdw>
+                </a:effectLst>
+              </a:rPr>
+              <a:t>1</a:t>
             </a:r>
             <a:r>
               <a:rPr lang="pl-PL" dirty="0" smtClean="0">
@@ -14976,16 +14342,12 @@
           </a:p>
           <a:p>
             <a:r>
-              <a:rPr lang="pl-PL" dirty="0" smtClean="0"/>
-              <a:t>E</a:t>
-            </a:r>
-            <a:r>
-              <a:rPr lang="en-US" dirty="0" err="1" smtClean="0"/>
-              <a:t>asy</a:t>
-            </a:r>
-            <a:r>
               <a:rPr lang="en-US" dirty="0" smtClean="0"/>
-              <a:t> to evaluate by using a stack</a:t>
+              <a:t>Easy </a:t>
+            </a:r>
+            <a:r>
+              <a:rPr lang="en-US" dirty="0" smtClean="0"/>
+              <a:t>to evaluate by using a stack</a:t>
             </a:r>
             <a:r>
               <a:rPr lang="pl-PL" dirty="0" smtClean="0"/>
@@ -15110,10 +14472,10 @@
           <a:p>
             <a:pPr algn="ctr"/>
             <a:r>
-              <a:rPr lang="pl-PL" dirty="0" smtClean="0"/>
+              <a:rPr lang="pl-PL" smtClean="0"/>
               <a:t>1</a:t>
             </a:r>
-            <a:endParaRPr lang="pl-PL" dirty="0"/>
+            <a:endParaRPr lang="pl-PL"/>
           </a:p>
         </p:txBody>
       </p:sp>
@@ -15154,10 +14516,10 @@
           <a:p>
             <a:pPr algn="ctr"/>
             <a:r>
-              <a:rPr lang="pl-PL" dirty="0" smtClean="0"/>
+              <a:rPr lang="pl-PL" smtClean="0"/>
               <a:t>1</a:t>
             </a:r>
-            <a:endParaRPr lang="pl-PL" dirty="0"/>
+            <a:endParaRPr lang="pl-PL"/>
           </a:p>
         </p:txBody>
       </p:sp>
@@ -15198,10 +14560,10 @@
           <a:p>
             <a:pPr algn="ctr"/>
             <a:r>
-              <a:rPr lang="pl-PL" dirty="0" smtClean="0"/>
+              <a:rPr lang="pl-PL" smtClean="0"/>
               <a:t>2</a:t>
             </a:r>
-            <a:endParaRPr lang="pl-PL" dirty="0"/>
+            <a:endParaRPr lang="pl-PL"/>
           </a:p>
         </p:txBody>
       </p:sp>
@@ -15330,10 +14692,10 @@
           <a:p>
             <a:pPr algn="ctr"/>
             <a:r>
-              <a:rPr lang="pl-PL" dirty="0" smtClean="0"/>
+              <a:rPr lang="pl-PL" smtClean="0"/>
               <a:t>1</a:t>
             </a:r>
-            <a:endParaRPr lang="pl-PL" dirty="0"/>
+            <a:endParaRPr lang="pl-PL"/>
           </a:p>
         </p:txBody>
       </p:sp>
@@ -15374,10 +14736,10 @@
           <a:p>
             <a:pPr algn="ctr"/>
             <a:r>
-              <a:rPr lang="pl-PL" dirty="0" smtClean="0"/>
+              <a:rPr lang="pl-PL" smtClean="0"/>
               <a:t>1</a:t>
             </a:r>
-            <a:endParaRPr lang="pl-PL" dirty="0"/>
+            <a:endParaRPr lang="pl-PL"/>
           </a:p>
         </p:txBody>
       </p:sp>
@@ -15418,10 +14780,10 @@
           <a:p>
             <a:pPr algn="ctr"/>
             <a:r>
-              <a:rPr lang="pl-PL" dirty="0" smtClean="0"/>
+              <a:rPr lang="pl-PL" smtClean="0"/>
               <a:t>6</a:t>
             </a:r>
-            <a:endParaRPr lang="pl-PL" dirty="0"/>
+            <a:endParaRPr lang="pl-PL"/>
           </a:p>
         </p:txBody>
       </p:sp>
@@ -15462,10 +14824,10 @@
           <a:p>
             <a:pPr algn="ctr"/>
             <a:r>
-              <a:rPr lang="pl-PL" dirty="0" smtClean="0"/>
+              <a:rPr lang="pl-PL" smtClean="0"/>
               <a:t>7</a:t>
             </a:r>
-            <a:endParaRPr lang="pl-PL" dirty="0"/>
+            <a:endParaRPr lang="pl-PL"/>
           </a:p>
         </p:txBody>
       </p:sp>
@@ -15510,40 +14872,505 @@
           <a:lstStyle/>
           <a:p>
             <a:r>
-              <a:rPr lang="pl-PL" dirty="0" err="1" smtClean="0"/>
-              <a:t>Method</a:t>
+              <a:rPr lang="en-US" dirty="0" smtClean="0"/>
+              <a:t>RPN – method call example</a:t>
+            </a:r>
+            <a:endParaRPr lang="en-US" dirty="0"/>
+          </a:p>
+        </p:txBody>
+      </p:sp>
+      <p:sp>
+        <p:nvSpPr>
+          <p:cNvPr id="3" name="Content Placeholder 2"/>
+          <p:cNvSpPr>
+            <a:spLocks noGrp="1"/>
+          </p:cNvSpPr>
+          <p:nvPr>
+            <p:ph idx="1"/>
+          </p:nvPr>
+        </p:nvSpPr>
+        <p:spPr/>
+        <p:txBody>
+          <a:bodyPr/>
+          <a:lstStyle/>
+          <a:p>
+            <a:r>
+              <a:rPr lang="en-US" dirty="0" smtClean="0"/>
+              <a:t>Expression:</a:t>
+            </a:r>
+            <a:r>
+              <a:rPr lang="en-US" dirty="0" smtClean="0">
+                <a:effectLst>
+                  <a:outerShdw blurRad="38100" dist="38100" dir="2700000" algn="tl">
+                    <a:srgbClr val="000000">
+                      <a:alpha val="43137"/>
+                    </a:srgbClr>
+                  </a:outerShdw>
+                </a:effectLst>
+              </a:rPr>
+              <a:t> </a:t>
+            </a:r>
+            <a:r>
+              <a:rPr lang="en-US" dirty="0" err="1" smtClean="0">
+                <a:effectLst>
+                  <a:outerShdw blurRad="38100" dist="38100" dir="2700000" algn="tl">
+                    <a:srgbClr val="000000">
+                      <a:alpha val="43137"/>
+                    </a:srgbClr>
+                  </a:outerShdw>
+                </a:effectLst>
+              </a:rPr>
+              <a:t>this.add</a:t>
+            </a:r>
+            <a:r>
+              <a:rPr lang="en-US" dirty="0" smtClean="0">
+                <a:effectLst>
+                  <a:outerShdw blurRad="38100" dist="38100" dir="2700000" algn="tl">
+                    <a:srgbClr val="000000">
+                      <a:alpha val="43137"/>
+                    </a:srgbClr>
+                  </a:outerShdw>
+                </a:effectLst>
+              </a:rPr>
+              <a:t>(1, 2)</a:t>
+            </a:r>
+          </a:p>
+          <a:p>
+            <a:r>
+              <a:rPr lang="en-US" dirty="0" smtClean="0"/>
+              <a:t>Reverse Polish Notation: </a:t>
+            </a:r>
+            <a:r>
+              <a:rPr lang="en-US" dirty="0" smtClean="0">
+                <a:effectLst>
+                  <a:outerShdw blurRad="38100" dist="38100" dir="2700000" algn="tl">
+                    <a:srgbClr val="000000">
+                      <a:alpha val="43137"/>
+                    </a:srgbClr>
+                  </a:outerShdw>
+                </a:effectLst>
+              </a:rPr>
+              <a:t>this 1 2 add</a:t>
+            </a:r>
+          </a:p>
+          <a:p>
+            <a:r>
+              <a:rPr lang="en-US" dirty="0" smtClean="0"/>
+              <a:t>Stack operations:</a:t>
+            </a:r>
+          </a:p>
+          <a:p>
+            <a:pPr lvl="1">
+              <a:buFont typeface="Courier New" pitchFamily="49" charset="0"/>
+              <a:buChar char="o"/>
+            </a:pPr>
+            <a:r>
+              <a:rPr lang="en-US" sz="2000" dirty="0" smtClean="0">
+                <a:latin typeface="Consolas" pitchFamily="49" charset="0"/>
+              </a:rPr>
+              <a:t>PUSH this (ALOAD 0)</a:t>
+            </a:r>
+          </a:p>
+          <a:p>
+            <a:pPr lvl="1">
+              <a:buFont typeface="Courier New" pitchFamily="49" charset="0"/>
+              <a:buChar char="o"/>
+            </a:pPr>
+            <a:r>
+              <a:rPr lang="en-US" sz="2000" dirty="0" smtClean="0">
+                <a:latin typeface="Consolas" pitchFamily="49" charset="0"/>
+              </a:rPr>
+              <a:t>PUSH 1    (ICONST_1)</a:t>
+            </a:r>
+          </a:p>
+          <a:p>
+            <a:pPr lvl="1">
+              <a:buFont typeface="Courier New" pitchFamily="49" charset="0"/>
+              <a:buChar char="o"/>
+            </a:pPr>
+            <a:r>
+              <a:rPr lang="en-US" sz="2000" dirty="0" smtClean="0">
+                <a:latin typeface="Consolas" pitchFamily="49" charset="0"/>
+              </a:rPr>
+              <a:t>PUSH 2    (ICONST_2) </a:t>
+            </a:r>
+          </a:p>
+          <a:p>
+            <a:pPr lvl="1">
+              <a:buFont typeface="Courier New" pitchFamily="49" charset="0"/>
+              <a:buChar char="o"/>
+            </a:pPr>
+            <a:r>
+              <a:rPr lang="en-US" sz="2000" dirty="0" smtClean="0">
+                <a:latin typeface="Consolas" pitchFamily="49" charset="0"/>
+              </a:rPr>
+              <a:t>ADD       (INVOKESPECIAL #2)</a:t>
+            </a:r>
+            <a:endParaRPr lang="en-US" sz="2000" dirty="0">
+              <a:latin typeface="Consolas" pitchFamily="49" charset="0"/>
+            </a:endParaRPr>
+          </a:p>
+        </p:txBody>
+      </p:sp>
+      <p:sp>
+        <p:nvSpPr>
+          <p:cNvPr id="4" name="Prostokąt 3"/>
+          <p:cNvSpPr/>
+          <p:nvPr/>
+        </p:nvSpPr>
+        <p:spPr>
+          <a:xfrm>
+            <a:off x="5410200" y="3352800"/>
+            <a:ext cx="533400" cy="304800"/>
+          </a:xfrm>
+          <a:prstGeom prst="rect">
+            <a:avLst/>
+          </a:prstGeom>
+        </p:spPr>
+        <p:style>
+          <a:lnRef idx="2">
+            <a:schemeClr val="accent1">
+              <a:shade val="50000"/>
+            </a:schemeClr>
+          </a:lnRef>
+          <a:fillRef idx="1">
+            <a:schemeClr val="accent1"/>
+          </a:fillRef>
+          <a:effectRef idx="0">
+            <a:schemeClr val="accent1"/>
+          </a:effectRef>
+          <a:fontRef idx="minor">
+            <a:schemeClr val="lt1"/>
+          </a:fontRef>
+        </p:style>
+        <p:txBody>
+          <a:bodyPr rtlCol="0" anchor="ctr"/>
+          <a:lstStyle/>
+          <a:p>
+            <a:pPr algn="ctr"/>
+            <a:r>
+              <a:rPr lang="en-US" dirty="0" smtClean="0"/>
+              <a:t>this</a:t>
+            </a:r>
+            <a:endParaRPr lang="pl-PL" dirty="0"/>
+          </a:p>
+        </p:txBody>
+      </p:sp>
+      <p:sp>
+        <p:nvSpPr>
+          <p:cNvPr id="5" name="Prostokąt 9"/>
+          <p:cNvSpPr/>
+          <p:nvPr/>
+        </p:nvSpPr>
+        <p:spPr>
+          <a:xfrm>
+            <a:off x="5791200" y="3733800"/>
+            <a:ext cx="533400" cy="304800"/>
+          </a:xfrm>
+          <a:prstGeom prst="rect">
+            <a:avLst/>
+          </a:prstGeom>
+        </p:spPr>
+        <p:style>
+          <a:lnRef idx="2">
+            <a:schemeClr val="accent1">
+              <a:shade val="50000"/>
+            </a:schemeClr>
+          </a:lnRef>
+          <a:fillRef idx="1">
+            <a:schemeClr val="accent1"/>
+          </a:fillRef>
+          <a:effectRef idx="0">
+            <a:schemeClr val="accent1"/>
+          </a:effectRef>
+          <a:fontRef idx="minor">
+            <a:schemeClr val="lt1"/>
+          </a:fontRef>
+        </p:style>
+        <p:txBody>
+          <a:bodyPr rtlCol="0" anchor="ctr"/>
+          <a:lstStyle/>
+          <a:p>
+            <a:pPr algn="ctr"/>
+            <a:r>
+              <a:rPr lang="en-US" dirty="0" smtClean="0"/>
+              <a:t>this</a:t>
+            </a:r>
+            <a:endParaRPr lang="pl-PL" dirty="0"/>
+          </a:p>
+        </p:txBody>
+      </p:sp>
+      <p:sp>
+        <p:nvSpPr>
+          <p:cNvPr id="6" name="Prostokąt 10"/>
+          <p:cNvSpPr/>
+          <p:nvPr/>
+        </p:nvSpPr>
+        <p:spPr>
+          <a:xfrm>
+            <a:off x="5410200" y="3733800"/>
+            <a:ext cx="381000" cy="304800"/>
+          </a:xfrm>
+          <a:prstGeom prst="rect">
+            <a:avLst/>
+          </a:prstGeom>
+        </p:spPr>
+        <p:style>
+          <a:lnRef idx="2">
+            <a:schemeClr val="accent1">
+              <a:shade val="50000"/>
+            </a:schemeClr>
+          </a:lnRef>
+          <a:fillRef idx="1">
+            <a:schemeClr val="accent1"/>
+          </a:fillRef>
+          <a:effectRef idx="0">
+            <a:schemeClr val="accent1"/>
+          </a:effectRef>
+          <a:fontRef idx="minor">
+            <a:schemeClr val="lt1"/>
+          </a:fontRef>
+        </p:style>
+        <p:txBody>
+          <a:bodyPr rtlCol="0" anchor="ctr"/>
+          <a:lstStyle/>
+          <a:p>
+            <a:pPr algn="ctr"/>
+            <a:r>
+              <a:rPr lang="en-US" dirty="0" smtClean="0"/>
+              <a:t>1</a:t>
+            </a:r>
+            <a:endParaRPr lang="pl-PL" dirty="0"/>
+          </a:p>
+        </p:txBody>
+      </p:sp>
+      <p:sp>
+        <p:nvSpPr>
+          <p:cNvPr id="7" name="Prostokąt 11"/>
+          <p:cNvSpPr/>
+          <p:nvPr/>
+        </p:nvSpPr>
+        <p:spPr>
+          <a:xfrm>
+            <a:off x="5791200" y="4114800"/>
+            <a:ext cx="381000" cy="304800"/>
+          </a:xfrm>
+          <a:prstGeom prst="rect">
+            <a:avLst/>
+          </a:prstGeom>
+        </p:spPr>
+        <p:style>
+          <a:lnRef idx="2">
+            <a:schemeClr val="accent1">
+              <a:shade val="50000"/>
+            </a:schemeClr>
+          </a:lnRef>
+          <a:fillRef idx="1">
+            <a:schemeClr val="accent1"/>
+          </a:fillRef>
+          <a:effectRef idx="0">
+            <a:schemeClr val="accent1"/>
+          </a:effectRef>
+          <a:fontRef idx="minor">
+            <a:schemeClr val="lt1"/>
+          </a:fontRef>
+        </p:style>
+        <p:txBody>
+          <a:bodyPr rtlCol="0" anchor="ctr"/>
+          <a:lstStyle/>
+          <a:p>
+            <a:pPr algn="ctr"/>
+            <a:r>
+              <a:rPr lang="en-US" dirty="0" smtClean="0"/>
+              <a:t>1</a:t>
+            </a:r>
+            <a:endParaRPr lang="pl-PL" dirty="0"/>
+          </a:p>
+        </p:txBody>
+      </p:sp>
+      <p:sp>
+        <p:nvSpPr>
+          <p:cNvPr id="8" name="Prostokąt 12"/>
+          <p:cNvSpPr/>
+          <p:nvPr/>
+        </p:nvSpPr>
+        <p:spPr>
+          <a:xfrm>
+            <a:off x="5410200" y="4114800"/>
+            <a:ext cx="381000" cy="304800"/>
+          </a:xfrm>
+          <a:prstGeom prst="rect">
+            <a:avLst/>
+          </a:prstGeom>
+        </p:spPr>
+        <p:style>
+          <a:lnRef idx="2">
+            <a:schemeClr val="accent1">
+              <a:shade val="50000"/>
+            </a:schemeClr>
+          </a:lnRef>
+          <a:fillRef idx="1">
+            <a:schemeClr val="accent1"/>
+          </a:fillRef>
+          <a:effectRef idx="0">
+            <a:schemeClr val="accent1"/>
+          </a:effectRef>
+          <a:fontRef idx="minor">
+            <a:schemeClr val="lt1"/>
+          </a:fontRef>
+        </p:style>
+        <p:txBody>
+          <a:bodyPr rtlCol="0" anchor="ctr"/>
+          <a:lstStyle/>
+          <a:p>
+            <a:pPr algn="ctr"/>
+            <a:r>
+              <a:rPr lang="en-US" dirty="0" smtClean="0"/>
+              <a:t>2</a:t>
+            </a:r>
+            <a:endParaRPr lang="pl-PL" dirty="0"/>
+          </a:p>
+        </p:txBody>
+      </p:sp>
+      <p:sp>
+        <p:nvSpPr>
+          <p:cNvPr id="9" name="Prostokąt 13"/>
+          <p:cNvSpPr/>
+          <p:nvPr/>
+        </p:nvSpPr>
+        <p:spPr>
+          <a:xfrm>
+            <a:off x="6172200" y="4114800"/>
+            <a:ext cx="533400" cy="304800"/>
+          </a:xfrm>
+          <a:prstGeom prst="rect">
+            <a:avLst/>
+          </a:prstGeom>
+        </p:spPr>
+        <p:style>
+          <a:lnRef idx="2">
+            <a:schemeClr val="accent1">
+              <a:shade val="50000"/>
+            </a:schemeClr>
+          </a:lnRef>
+          <a:fillRef idx="1">
+            <a:schemeClr val="accent1"/>
+          </a:fillRef>
+          <a:effectRef idx="0">
+            <a:schemeClr val="accent1"/>
+          </a:effectRef>
+          <a:fontRef idx="minor">
+            <a:schemeClr val="lt1"/>
+          </a:fontRef>
+        </p:style>
+        <p:txBody>
+          <a:bodyPr rtlCol="0" anchor="ctr"/>
+          <a:lstStyle/>
+          <a:p>
+            <a:pPr algn="ctr"/>
+            <a:r>
+              <a:rPr lang="en-US" dirty="0" smtClean="0"/>
+              <a:t>this</a:t>
+            </a:r>
+            <a:endParaRPr lang="pl-PL" dirty="0"/>
+          </a:p>
+        </p:txBody>
+      </p:sp>
+      <p:sp>
+        <p:nvSpPr>
+          <p:cNvPr id="12" name="Prostokąt 16"/>
+          <p:cNvSpPr/>
+          <p:nvPr/>
+        </p:nvSpPr>
+        <p:spPr>
+          <a:xfrm>
+            <a:off x="5410200" y="4495800"/>
+            <a:ext cx="381000" cy="304800"/>
+          </a:xfrm>
+          <a:prstGeom prst="rect">
+            <a:avLst/>
+          </a:prstGeom>
+        </p:spPr>
+        <p:style>
+          <a:lnRef idx="2">
+            <a:schemeClr val="accent1">
+              <a:shade val="50000"/>
+            </a:schemeClr>
+          </a:lnRef>
+          <a:fillRef idx="1">
+            <a:schemeClr val="accent1"/>
+          </a:fillRef>
+          <a:effectRef idx="0">
+            <a:schemeClr val="accent1"/>
+          </a:effectRef>
+          <a:fontRef idx="minor">
+            <a:schemeClr val="lt1"/>
+          </a:fontRef>
+        </p:style>
+        <p:txBody>
+          <a:bodyPr rtlCol="0" anchor="ctr"/>
+          <a:lstStyle/>
+          <a:p>
+            <a:pPr algn="ctr"/>
+            <a:r>
+              <a:rPr lang="en-US" dirty="0" smtClean="0"/>
+              <a:t>3</a:t>
+            </a:r>
+            <a:endParaRPr lang="pl-PL" dirty="0"/>
+          </a:p>
+        </p:txBody>
+      </p:sp>
+    </p:spTree>
+  </p:cSld>
+  <p:clrMapOvr>
+    <a:masterClrMapping/>
+  </p:clrMapOvr>
+</p:sld>
+</file>
+
+<file path=ppt/slides/slide9.xml><?xml version="1.0" encoding="utf-8"?>
+<p:sld xmlns:a="http://schemas.openxmlformats.org/drawingml/2006/main" xmlns:r="http://schemas.openxmlformats.org/officeDocument/2006/relationships" xmlns:p="http://schemas.openxmlformats.org/presentationml/2006/main">
+  <p:cSld>
+    <p:spTree>
+      <p:nvGrpSpPr>
+        <p:cNvPr id="1" name=""/>
+        <p:cNvGrpSpPr/>
+        <p:nvPr/>
+      </p:nvGrpSpPr>
+      <p:grpSpPr>
+        <a:xfrm>
+          <a:off x="0" y="0"/>
+          <a:ext cx="0" cy="0"/>
+          <a:chOff x="0" y="0"/>
+          <a:chExt cx="0" cy="0"/>
+        </a:xfrm>
+      </p:grpSpPr>
+      <p:sp>
+        <p:nvSpPr>
+          <p:cNvPr id="2" name="Title 1"/>
+          <p:cNvSpPr>
+            <a:spLocks noGrp="1"/>
+          </p:cNvSpPr>
+          <p:nvPr>
+            <p:ph type="title"/>
+          </p:nvPr>
+        </p:nvSpPr>
+        <p:spPr/>
+        <p:txBody>
+          <a:bodyPr/>
+          <a:lstStyle/>
+          <a:p>
+            <a:r>
+              <a:rPr lang="en-US" dirty="0" smtClean="0"/>
+              <a:t>Me</a:t>
             </a:r>
             <a:r>
               <a:rPr lang="pl-PL" dirty="0" smtClean="0"/>
-              <a:t> </a:t>
-            </a:r>
-            <a:r>
-              <a:rPr lang="pl-PL" dirty="0" err="1" smtClean="0"/>
-              <a:t>call</a:t>
+              <a:t>thod </a:t>
             </a:r>
             <a:r>
               <a:rPr lang="pl-PL" dirty="0" smtClean="0"/>
-              <a:t> </a:t>
-            </a:r>
-            <a:r>
-              <a:rPr lang="pl-PL" dirty="0" err="1" smtClean="0"/>
-              <a:t>stack</a:t>
-            </a:r>
-            <a:r>
-              <a:rPr lang="pl-PL" dirty="0" smtClean="0"/>
-              <a:t>, </a:t>
-            </a:r>
-            <a:r>
-              <a:rPr lang="pl-PL" dirty="0" err="1" smtClean="0"/>
-              <a:t>method</a:t>
-            </a:r>
-            <a:r>
-              <a:rPr lang="pl-PL" dirty="0" smtClean="0"/>
-              <a:t> </a:t>
-            </a:r>
-            <a:r>
-              <a:rPr lang="pl-PL" dirty="0" err="1" smtClean="0"/>
-              <a:t>frame</a:t>
+              <a:t>call stack, method frame</a:t>
             </a:r>
             <a:endParaRPr lang="en-US" dirty="0"/>
           </a:p>
@@ -15586,10 +15413,10 @@
           <a:p>
             <a:pPr algn="ctr"/>
             <a:r>
-              <a:rPr lang="pl-PL" dirty="0" smtClean="0"/>
+              <a:rPr lang="pl-PL" smtClean="0"/>
               <a:t>32bit</a:t>
             </a:r>
-            <a:endParaRPr lang="pl-PL" dirty="0"/>
+            <a:endParaRPr lang="pl-PL"/>
           </a:p>
         </p:txBody>
       </p:sp>
@@ -15659,7 +15486,7 @@
           <a:lstStyle/>
           <a:p>
             <a:pPr algn="ctr"/>
-            <a:endParaRPr lang="pl-PL" dirty="0"/>
+            <a:endParaRPr lang="pl-PL"/>
           </a:p>
         </p:txBody>
       </p:sp>
@@ -15699,7 +15526,7 @@
           <a:lstStyle/>
           <a:p>
             <a:pPr algn="ctr"/>
-            <a:endParaRPr lang="pl-PL" dirty="0"/>
+            <a:endParaRPr lang="pl-PL"/>
           </a:p>
         </p:txBody>
       </p:sp>
@@ -15739,7 +15566,7 @@
           <a:lstStyle/>
           <a:p>
             <a:pPr algn="ctr"/>
-            <a:endParaRPr lang="pl-PL" dirty="0"/>
+            <a:endParaRPr lang="pl-PL"/>
           </a:p>
         </p:txBody>
       </p:sp>
@@ -15844,18 +15671,18 @@
           <a:lstStyle/>
           <a:p>
             <a:r>
-              <a:rPr lang="pl-PL" sz="1200" dirty="0" err="1" smtClean="0"/>
+              <a:rPr lang="pl-PL" sz="1200" err="1" smtClean="0"/>
               <a:t>Local</a:t>
             </a:r>
             <a:r>
-              <a:rPr lang="pl-PL" sz="1200" dirty="0" smtClean="0"/>
+              <a:rPr lang="pl-PL" sz="1200" smtClean="0"/>
               <a:t> </a:t>
             </a:r>
             <a:r>
-              <a:rPr lang="pl-PL" sz="1200" dirty="0" err="1" smtClean="0"/>
+              <a:rPr lang="pl-PL" sz="1200" err="1" smtClean="0"/>
               <a:t>variables</a:t>
             </a:r>
-            <a:endParaRPr lang="pl-PL" sz="1200" dirty="0"/>
+            <a:endParaRPr lang="pl-PL" sz="1200"/>
           </a:p>
         </p:txBody>
       </p:sp>
@@ -15920,18 +15747,18 @@
           <a:lstStyle/>
           <a:p>
             <a:r>
-              <a:rPr lang="pl-PL" sz="1200" dirty="0" err="1" smtClean="0"/>
+              <a:rPr lang="pl-PL" sz="1200" err="1" smtClean="0"/>
               <a:t>Method</a:t>
             </a:r>
             <a:r>
-              <a:rPr lang="pl-PL" sz="1200" dirty="0" smtClean="0"/>
+              <a:rPr lang="pl-PL" sz="1200" smtClean="0"/>
               <a:t>  </a:t>
             </a:r>
             <a:r>
-              <a:rPr lang="pl-PL" sz="1200" dirty="0" err="1" smtClean="0"/>
+              <a:rPr lang="pl-PL" sz="1200" err="1" smtClean="0"/>
               <a:t>parameters</a:t>
             </a:r>
-            <a:endParaRPr lang="pl-PL" sz="1200" dirty="0"/>
+            <a:endParaRPr lang="pl-PL" sz="1200"/>
           </a:p>
         </p:txBody>
       </p:sp>
@@ -15996,10 +15823,10 @@
           <a:lstStyle/>
           <a:p>
             <a:r>
-              <a:rPr lang="pl-PL" sz="1200" dirty="0" err="1" smtClean="0"/>
+              <a:rPr lang="pl-PL" sz="1200" err="1" smtClean="0"/>
               <a:t>This</a:t>
             </a:r>
-            <a:endParaRPr lang="pl-PL" sz="1200" dirty="0"/>
+            <a:endParaRPr lang="pl-PL" sz="1200"/>
           </a:p>
         </p:txBody>
       </p:sp>
@@ -16039,7 +15866,7 @@
           <a:lstStyle/>
           <a:p>
             <a:pPr algn="ctr"/>
-            <a:endParaRPr lang="pl-PL" dirty="0"/>
+            <a:endParaRPr lang="pl-PL"/>
           </a:p>
         </p:txBody>
       </p:sp>
@@ -16080,10 +15907,10 @@
           <a:p>
             <a:pPr algn="ctr"/>
             <a:r>
-              <a:rPr lang="pl-PL" dirty="0" smtClean="0"/>
+              <a:rPr lang="pl-PL" smtClean="0"/>
               <a:t>32bit</a:t>
             </a:r>
-            <a:endParaRPr lang="pl-PL" dirty="0"/>
+            <a:endParaRPr lang="pl-PL"/>
           </a:p>
         </p:txBody>
       </p:sp>
@@ -16203,7 +16030,7 @@
           <a:lstStyle/>
           <a:p>
             <a:pPr algn="ctr"/>
-            <a:endParaRPr lang="pl-PL" dirty="0"/>
+            <a:endParaRPr lang="pl-PL"/>
           </a:p>
         </p:txBody>
       </p:sp>
@@ -16268,26 +16095,26 @@
           <a:lstStyle/>
           <a:p>
             <a:r>
-              <a:rPr lang="pl-PL" dirty="0" err="1" smtClean="0"/>
+              <a:rPr lang="pl-PL" err="1" smtClean="0"/>
               <a:t>Array</a:t>
             </a:r>
             <a:r>
-              <a:rPr lang="pl-PL" dirty="0" smtClean="0"/>
+              <a:rPr lang="pl-PL" smtClean="0"/>
               <a:t> of </a:t>
             </a:r>
             <a:r>
-              <a:rPr lang="pl-PL" dirty="0" err="1" smtClean="0"/>
+              <a:rPr lang="pl-PL" err="1" smtClean="0"/>
               <a:t>local</a:t>
             </a:r>
             <a:r>
-              <a:rPr lang="pl-PL" dirty="0" smtClean="0"/>
+              <a:rPr lang="pl-PL" smtClean="0"/>
               <a:t> </a:t>
             </a:r>
             <a:r>
-              <a:rPr lang="pl-PL" dirty="0" err="1" smtClean="0"/>
+              <a:rPr lang="pl-PL" err="1" smtClean="0"/>
               <a:t>variables</a:t>
             </a:r>
-            <a:endParaRPr lang="pl-PL" dirty="0"/>
+            <a:endParaRPr lang="pl-PL"/>
           </a:p>
         </p:txBody>
       </p:sp>
@@ -16314,14 +16141,14 @@
           <a:lstStyle/>
           <a:p>
             <a:r>
-              <a:rPr lang="pl-PL" dirty="0" smtClean="0"/>
+              <a:rPr lang="pl-PL" smtClean="0"/>
               <a:t>Operand </a:t>
             </a:r>
             <a:r>
-              <a:rPr lang="pl-PL" dirty="0" err="1" smtClean="0"/>
+              <a:rPr lang="pl-PL" err="1" smtClean="0"/>
               <a:t>stack</a:t>
             </a:r>
-            <a:endParaRPr lang="pl-PL" dirty="0"/>
+            <a:endParaRPr lang="pl-PL"/>
           </a:p>
         </p:txBody>
       </p:sp>
@@ -16381,10 +16208,10 @@
           <a:lstStyle/>
           <a:p>
             <a:r>
-              <a:rPr lang="pl-PL" sz="1200" dirty="0" smtClean="0"/>
+              <a:rPr lang="pl-PL" sz="1200" smtClean="0"/>
               <a:t>Growth</a:t>
             </a:r>
-            <a:endParaRPr lang="pl-PL" sz="1200" dirty="0"/>
+            <a:endParaRPr lang="pl-PL" sz="1200"/>
           </a:p>
         </p:txBody>
       </p:sp>
@@ -16500,18 +16327,18 @@
           <a:p>
             <a:pPr algn="ctr"/>
             <a:r>
-              <a:rPr lang="pl-PL" dirty="0" err="1" smtClean="0"/>
+              <a:rPr lang="pl-PL" err="1" smtClean="0"/>
               <a:t>Constant</a:t>
             </a:r>
             <a:r>
-              <a:rPr lang="pl-PL" dirty="0" smtClean="0"/>
+              <a:rPr lang="pl-PL" smtClean="0"/>
               <a:t> </a:t>
             </a:r>
             <a:r>
-              <a:rPr lang="pl-PL" dirty="0" err="1" smtClean="0"/>
+              <a:rPr lang="pl-PL" err="1" smtClean="0"/>
               <a:t>Pool</a:t>
             </a:r>
-            <a:endParaRPr lang="pl-PL" dirty="0"/>
+            <a:endParaRPr lang="pl-PL"/>
           </a:p>
         </p:txBody>
       </p:sp>
@@ -16552,14 +16379,14 @@
           <a:p>
             <a:pPr algn="ctr"/>
             <a:r>
-              <a:rPr lang="pl-PL" dirty="0" err="1" smtClean="0"/>
+              <a:rPr lang="pl-PL" err="1" smtClean="0"/>
               <a:t>main</a:t>
             </a:r>
             <a:r>
-              <a:rPr lang="pl-PL" dirty="0" smtClean="0"/>
+              <a:rPr lang="pl-PL" smtClean="0"/>
               <a:t>()</a:t>
             </a:r>
-            <a:endParaRPr lang="pl-PL" dirty="0"/>
+            <a:endParaRPr lang="pl-PL"/>
           </a:p>
         </p:txBody>
       </p:sp>
@@ -16600,10 +16427,10 @@
           <a:p>
             <a:pPr algn="ctr"/>
             <a:r>
-              <a:rPr lang="pl-PL" dirty="0" smtClean="0"/>
+              <a:rPr lang="pl-PL" smtClean="0"/>
               <a:t>method1()</a:t>
             </a:r>
-            <a:endParaRPr lang="pl-PL" dirty="0"/>
+            <a:endParaRPr lang="pl-PL"/>
           </a:p>
         </p:txBody>
       </p:sp>
@@ -16644,10 +16471,10 @@
           <a:p>
             <a:pPr algn="ctr"/>
             <a:r>
-              <a:rPr lang="pl-PL" dirty="0" smtClean="0"/>
+              <a:rPr lang="pl-PL" smtClean="0"/>
               <a:t>method2()</a:t>
             </a:r>
-            <a:endParaRPr lang="pl-PL" dirty="0"/>
+            <a:endParaRPr lang="pl-PL"/>
           </a:p>
         </p:txBody>
       </p:sp>
@@ -16688,10 +16515,10 @@
           <a:p>
             <a:pPr algn="ctr"/>
             <a:r>
-              <a:rPr lang="pl-PL" dirty="0" smtClean="0"/>
+              <a:rPr lang="pl-PL" smtClean="0"/>
               <a:t>method3()</a:t>
             </a:r>
-            <a:endParaRPr lang="pl-PL" dirty="0"/>
+            <a:endParaRPr lang="pl-PL"/>
           </a:p>
         </p:txBody>
       </p:sp>
@@ -16893,20 +16720,20 @@
           <a:lstStyle/>
           <a:p>
             <a:r>
-              <a:rPr lang="pl-PL" sz="1200" dirty="0" err="1" smtClean="0"/>
+              <a:rPr lang="pl-PL" sz="1200" err="1" smtClean="0"/>
               <a:t>Method</a:t>
             </a:r>
             <a:r>
-              <a:rPr lang="pl-PL" sz="1200" dirty="0" smtClean="0"/>
+              <a:rPr lang="pl-PL" sz="1200" smtClean="0"/>
               <a:t> </a:t>
             </a:r>
           </a:p>
           <a:p>
             <a:r>
-              <a:rPr lang="pl-PL" sz="1200" dirty="0" err="1" smtClean="0"/>
+              <a:rPr lang="pl-PL" sz="1200" err="1" smtClean="0"/>
               <a:t>call</a:t>
             </a:r>
-            <a:endParaRPr lang="pl-PL" sz="1200" dirty="0"/>
+            <a:endParaRPr lang="pl-PL" sz="1200"/>
           </a:p>
         </p:txBody>
       </p:sp>
@@ -16933,21 +16760,21 @@
           <a:lstStyle/>
           <a:p>
             <a:r>
-              <a:rPr lang="pl-PL" sz="1200" dirty="0" smtClean="0"/>
+              <a:rPr lang="pl-PL" sz="1200" smtClean="0"/>
               <a:t>Return </a:t>
             </a:r>
             <a:r>
-              <a:rPr lang="pl-PL" sz="1200" dirty="0" err="1" smtClean="0"/>
+              <a:rPr lang="pl-PL" sz="1200" err="1" smtClean="0"/>
               <a:t>or</a:t>
             </a:r>
-            <a:endParaRPr lang="pl-PL" sz="1200" dirty="0" smtClean="0"/>
-          </a:p>
-          <a:p>
-            <a:r>
-              <a:rPr lang="pl-PL" sz="1200" dirty="0" err="1" smtClean="0"/>
+            <a:endParaRPr lang="pl-PL" sz="1200" smtClean="0"/>
+          </a:p>
+          <a:p>
+            <a:r>
+              <a:rPr lang="pl-PL" sz="1200" err="1" smtClean="0"/>
               <a:t>Exception</a:t>
             </a:r>
-            <a:endParaRPr lang="pl-PL" sz="1200" dirty="0"/>
+            <a:endParaRPr lang="pl-PL" sz="1200"/>
           </a:p>
         </p:txBody>
       </p:sp>
@@ -17012,10 +16839,10 @@
           <a:lstStyle/>
           <a:p>
             <a:r>
-              <a:rPr lang="pl-PL" dirty="0" err="1" smtClean="0"/>
+              <a:rPr lang="pl-PL" err="1" smtClean="0"/>
               <a:t>Frame</a:t>
             </a:r>
-            <a:endParaRPr lang="pl-PL" dirty="0"/>
+            <a:endParaRPr lang="pl-PL"/>
           </a:p>
         </p:txBody>
       </p:sp>
@@ -17042,227 +16869,10 @@
           <a:lstStyle/>
           <a:p>
             <a:r>
-              <a:rPr lang="pl-PL" dirty="0" smtClean="0"/>
+              <a:rPr lang="pl-PL" smtClean="0"/>
               <a:t>Thread-1</a:t>
             </a:r>
-            <a:endParaRPr lang="pl-PL" dirty="0"/>
-          </a:p>
-        </p:txBody>
-      </p:sp>
-    </p:spTree>
-  </p:cSld>
-  <p:clrMapOvr>
-    <a:masterClrMapping/>
-  </p:clrMapOvr>
-</p:sld>
-</file>
-
-<file path=ppt/slides/slide9.xml><?xml version="1.0" encoding="utf-8"?>
-<p:sld xmlns:a="http://schemas.openxmlformats.org/drawingml/2006/main" xmlns:r="http://schemas.openxmlformats.org/officeDocument/2006/relationships" xmlns:p="http://schemas.openxmlformats.org/presentationml/2006/main">
-  <p:cSld>
-    <p:spTree>
-      <p:nvGrpSpPr>
-        <p:cNvPr id="1" name=""/>
-        <p:cNvGrpSpPr/>
-        <p:nvPr/>
-      </p:nvGrpSpPr>
-      <p:grpSpPr>
-        <a:xfrm>
-          <a:off x="0" y="0"/>
-          <a:ext cx="0" cy="0"/>
-          <a:chOff x="0" y="0"/>
-          <a:chExt cx="0" cy="0"/>
-        </a:xfrm>
-      </p:grpSpPr>
-      <p:sp>
-        <p:nvSpPr>
-          <p:cNvPr id="2" name="Tytuł 1"/>
-          <p:cNvSpPr>
-            <a:spLocks noGrp="1"/>
-          </p:cNvSpPr>
-          <p:nvPr>
-            <p:ph type="title"/>
-          </p:nvPr>
-        </p:nvSpPr>
-        <p:spPr/>
-        <p:txBody>
-          <a:bodyPr/>
-          <a:lstStyle/>
-          <a:p>
-            <a:r>
-              <a:rPr lang="pl-PL" dirty="0" err="1" smtClean="0"/>
-              <a:t>Bytecode</a:t>
-            </a:r>
-            <a:r>
-              <a:rPr lang="pl-PL" dirty="0" smtClean="0"/>
-              <a:t> </a:t>
-            </a:r>
-            <a:r>
-              <a:rPr lang="pl-PL" dirty="0" err="1" smtClean="0"/>
-              <a:t>Instructions</a:t>
-            </a:r>
-            <a:endParaRPr lang="pl-PL" dirty="0"/>
-          </a:p>
-        </p:txBody>
-      </p:sp>
-      <p:sp>
-        <p:nvSpPr>
-          <p:cNvPr id="3" name="Symbol zastępczy zawartości 2"/>
-          <p:cNvSpPr>
-            <a:spLocks noGrp="1"/>
-          </p:cNvSpPr>
-          <p:nvPr>
-            <p:ph idx="1"/>
-          </p:nvPr>
-        </p:nvSpPr>
-        <p:spPr/>
-        <p:txBody>
-          <a:bodyPr/>
-          <a:lstStyle/>
-          <a:p>
-            <a:r>
-              <a:rPr lang="pl-PL" dirty="0" err="1" smtClean="0"/>
-              <a:t>Type</a:t>
-            </a:r>
-            <a:r>
-              <a:rPr lang="pl-PL" dirty="0" smtClean="0"/>
-              <a:t> </a:t>
-            </a:r>
-            <a:r>
-              <a:rPr lang="pl-PL" dirty="0" err="1" smtClean="0"/>
-              <a:t>prefix</a:t>
-            </a:r>
-            <a:r>
-              <a:rPr lang="pl-PL" dirty="0" smtClean="0"/>
-              <a:t>: IADD, LADD, DADD</a:t>
-            </a:r>
-          </a:p>
-          <a:p>
-            <a:r>
-              <a:rPr lang="pl-PL" dirty="0" err="1" smtClean="0"/>
-              <a:t>Short</a:t>
-            </a:r>
-            <a:r>
-              <a:rPr lang="pl-PL" dirty="0" smtClean="0"/>
-              <a:t> form: ILOAD_1, ILOAD_2</a:t>
-            </a:r>
-          </a:p>
-          <a:p>
-            <a:r>
-              <a:rPr lang="pl-PL" dirty="0" err="1" smtClean="0"/>
-              <a:t>Instructions</a:t>
-            </a:r>
-            <a:r>
-              <a:rPr lang="pl-PL" dirty="0" smtClean="0"/>
-              <a:t> </a:t>
-            </a:r>
-            <a:r>
-              <a:rPr lang="pl-PL" dirty="0" err="1" smtClean="0"/>
-              <a:t>families</a:t>
-            </a:r>
-            <a:r>
-              <a:rPr lang="pl-PL" dirty="0" smtClean="0"/>
-              <a:t>:</a:t>
-            </a:r>
-          </a:p>
-          <a:p>
-            <a:pPr lvl="1"/>
-            <a:r>
-              <a:rPr lang="pl-PL" dirty="0" err="1" smtClean="0"/>
-              <a:t>Stack</a:t>
-            </a:r>
-            <a:r>
-              <a:rPr lang="pl-PL" dirty="0" smtClean="0"/>
-              <a:t> </a:t>
-            </a:r>
-            <a:r>
-              <a:rPr lang="pl-PL" dirty="0" err="1" smtClean="0"/>
-              <a:t>load</a:t>
-            </a:r>
-            <a:r>
-              <a:rPr lang="pl-PL" dirty="0" smtClean="0"/>
-              <a:t> and </a:t>
-            </a:r>
-            <a:r>
-              <a:rPr lang="pl-PL" dirty="0" err="1" smtClean="0"/>
-              <a:t>store</a:t>
-            </a:r>
-            <a:r>
-              <a:rPr lang="pl-PL" dirty="0" smtClean="0"/>
-              <a:t> </a:t>
-            </a:r>
-            <a:r>
-              <a:rPr lang="pl-PL" dirty="0" err="1" smtClean="0"/>
-              <a:t>opcodes</a:t>
-            </a:r>
-            <a:endParaRPr lang="pl-PL" dirty="0" smtClean="0"/>
-          </a:p>
-          <a:p>
-            <a:pPr lvl="1"/>
-            <a:r>
-              <a:rPr lang="pl-PL" dirty="0" err="1" smtClean="0"/>
-              <a:t>Arithmetic</a:t>
-            </a:r>
-            <a:r>
-              <a:rPr lang="pl-PL" dirty="0" smtClean="0"/>
-              <a:t> </a:t>
-            </a:r>
-            <a:r>
-              <a:rPr lang="pl-PL" dirty="0" err="1" smtClean="0"/>
-              <a:t>opcodes</a:t>
-            </a:r>
-            <a:endParaRPr lang="pl-PL" dirty="0" smtClean="0"/>
-          </a:p>
-          <a:p>
-            <a:pPr lvl="1"/>
-            <a:r>
-              <a:rPr lang="pl-PL" dirty="0" err="1" smtClean="0"/>
-              <a:t>Control</a:t>
-            </a:r>
-            <a:r>
-              <a:rPr lang="pl-PL" dirty="0" smtClean="0"/>
-              <a:t> </a:t>
-            </a:r>
-            <a:r>
-              <a:rPr lang="pl-PL" dirty="0" err="1" smtClean="0"/>
-              <a:t>flow</a:t>
-            </a:r>
-            <a:r>
-              <a:rPr lang="pl-PL" dirty="0" smtClean="0"/>
-              <a:t> </a:t>
-            </a:r>
-            <a:r>
-              <a:rPr lang="pl-PL" dirty="0" err="1" smtClean="0"/>
-              <a:t>opcodes</a:t>
-            </a:r>
-            <a:endParaRPr lang="pl-PL" dirty="0" smtClean="0"/>
-          </a:p>
-          <a:p>
-            <a:pPr lvl="1"/>
-            <a:r>
-              <a:rPr lang="pl-PL" dirty="0" err="1" smtClean="0"/>
-              <a:t>Invocation</a:t>
-            </a:r>
-            <a:r>
-              <a:rPr lang="pl-PL" dirty="0" smtClean="0"/>
-              <a:t> </a:t>
-            </a:r>
-            <a:r>
-              <a:rPr lang="pl-PL" dirty="0" err="1" smtClean="0"/>
-              <a:t>opcodes</a:t>
-            </a:r>
-            <a:endParaRPr lang="pl-PL" dirty="0" smtClean="0"/>
-          </a:p>
-          <a:p>
-            <a:pPr lvl="1"/>
-            <a:r>
-              <a:rPr lang="pl-PL" dirty="0" smtClean="0"/>
-              <a:t>…</a:t>
-            </a:r>
-          </a:p>
-          <a:p>
-            <a:pPr lvl="1"/>
-            <a:endParaRPr lang="pl-PL" dirty="0"/>
+            <a:endParaRPr lang="pl-PL"/>
           </a:p>
         </p:txBody>
       </p:sp>

--- a/java_bytecode/bytecode.pptx
+++ b/java_bytecode/bytecode.pptx
@@ -5348,50 +5348,8 @@
           <a:p>
             <a:r>
               <a:rPr lang="en-US" dirty="0" smtClean="0"/>
-              <a:t>Bytecode is an intermediate representation of a program—halfway between human readable</a:t>
-            </a:r>
-            <a:r>
-              <a:rPr lang="pl-PL" smtClean="0"/>
-              <a:t> </a:t>
-            </a:r>
-            <a:r>
-              <a:rPr lang="pl-PL" err="1" smtClean="0"/>
-              <a:t>java</a:t>
-            </a:r>
-            <a:r>
-              <a:rPr lang="en-US" dirty="0" smtClean="0"/>
-              <a:t> source and machine code.</a:t>
-            </a:r>
-            <a:endParaRPr lang="pl-PL" smtClean="0"/>
-          </a:p>
-          <a:p>
-            <a:pPr marL="0" marR="0" indent="0" algn="l" defTabSz="914400" rtl="0" eaLnBrk="1" fontAlgn="auto" latinLnBrk="0" hangingPunct="1">
-              <a:lnSpc>
-                <a:spcPct val="100000"/>
-              </a:lnSpc>
-              <a:spcBef>
-                <a:spcPts val="0"/>
-              </a:spcBef>
-              <a:spcAft>
-                <a:spcPts val="0"/>
-              </a:spcAft>
-              <a:buClrTx/>
-              <a:buSzTx/>
-              <a:buFontTx/>
-              <a:buNone/>
-              <a:tabLst/>
-              <a:defRPr/>
-            </a:pPr>
-            <a:r>
-              <a:rPr lang="en-US" dirty="0" smtClean="0"/>
-              <a:t>JVM bytecode consists of a sequence of operation codes (opcodes), possibly with some arguments following each instruction.</a:t>
-            </a:r>
-            <a:endParaRPr lang="pl-PL" smtClean="0"/>
-          </a:p>
-          <a:p>
-            <a:endParaRPr lang="pl-PL" smtClean="0"/>
-          </a:p>
-          <a:p>
+              <a:t>Good overview: http://www.cubrid.org/blog/dev-platform/understanding-jvm-internals/</a:t>
+            </a:r>
             <a:endParaRPr lang="en-US" dirty="0"/>
           </a:p>
         </p:txBody>
@@ -5414,9 +5372,9 @@
             <a:fld id="{00C4ABD6-EB69-41F8-AE27-9094148744EB}" type="slidenum">
               <a:rPr lang="en-US" smtClean="0"/>
               <a:pPr/>
-              <a:t>2</a:t>
+              <a:t>1</a:t>
             </a:fld>
-            <a:endParaRPr lang="en-US" dirty="0"/>
+            <a:endParaRPr lang="en-US"/>
           </a:p>
         </p:txBody>
       </p:sp>
@@ -5476,7 +5434,7 @@
           <a:p>
             <a:r>
               <a:rPr lang="en-US" smtClean="0"/>
-              <a:t>High-level languages control constructs aren’t present in JVM bytecode (while, do-while)</a:t>
+              <a:t>These opcodes perform arithmetic on the stack.</a:t>
             </a:r>
             <a:endParaRPr lang="en-US"/>
           </a:p>
@@ -5500,7 +5458,7 @@
             <a:fld id="{00C4ABD6-EB69-41F8-AE27-9094148744EB}" type="slidenum">
               <a:rPr lang="en-US" smtClean="0"/>
               <a:pPr/>
-              <a:t>13</a:t>
+              <a:t>12</a:t>
             </a:fld>
             <a:endParaRPr lang="en-US"/>
           </a:p>
@@ -5533,7 +5491,7 @@
       </p:grpSpPr>
       <p:sp>
         <p:nvSpPr>
-          <p:cNvPr id="2" name="Symbol zastępczy obrazu slajdu 1"/>
+          <p:cNvPr id="2" name="Slide Image Placeholder 1"/>
           <p:cNvSpPr>
             <a:spLocks noGrp="1" noRot="1" noChangeAspect="1"/>
           </p:cNvSpPr>
@@ -5545,7 +5503,7 @@
       </p:sp>
       <p:sp>
         <p:nvSpPr>
-          <p:cNvPr id="3" name="Symbol zastępczy notatek 2"/>
+          <p:cNvPr id="3" name="Notes Placeholder 2"/>
           <p:cNvSpPr>
             <a:spLocks noGrp="1"/>
           </p:cNvSpPr>
@@ -5562,22 +5520,15 @@
           <a:p>
             <a:r>
               <a:rPr lang="en-US" smtClean="0"/>
-              <a:t>There are several ways to “hook” this instrumentation mechanism into the JVM.</a:t>
-            </a:r>
-            <a:endParaRPr lang="pl-PL" smtClean="0"/>
-          </a:p>
-          <a:p>
-            <a:r>
-              <a:rPr lang="en-US" smtClean="0"/>
-              <a:t>You could implement your own special-purpose class loader and load parts of the code with it</a:t>
-            </a:r>
-            <a:endParaRPr lang="pl-PL"/>
-          </a:p>
-        </p:txBody>
-      </p:sp>
-      <p:sp>
-        <p:nvSpPr>
-          <p:cNvPr id="4" name="Symbol zastępczy numeru slajdu 3"/>
+              <a:t>High-level languages control constructs aren’t present in JVM bytecode (while, do-while)</a:t>
+            </a:r>
+            <a:endParaRPr lang="en-US"/>
+          </a:p>
+        </p:txBody>
+      </p:sp>
+      <p:sp>
+        <p:nvSpPr>
+          <p:cNvPr id="4" name="Slide Number Placeholder 3"/>
           <p:cNvSpPr>
             <a:spLocks noGrp="1"/>
           </p:cNvSpPr>
@@ -5593,7 +5544,7 @@
             <a:fld id="{00C4ABD6-EB69-41F8-AE27-9094148744EB}" type="slidenum">
               <a:rPr lang="en-US" smtClean="0"/>
               <a:pPr/>
-              <a:t>15</a:t>
+              <a:t>13</a:t>
             </a:fld>
             <a:endParaRPr lang="en-US"/>
           </a:p>
@@ -5654,216 +5605,17 @@
           <a:lstStyle/>
           <a:p>
             <a:r>
-              <a:rPr lang="en-US" sz="1200" kern="1200" dirty="0" smtClean="0">
-                <a:solidFill>
-                  <a:schemeClr val="tx1"/>
-                </a:solidFill>
-                <a:latin typeface="+mn-lt"/>
-                <a:ea typeface="+mn-ea"/>
-                <a:cs typeface="+mn-cs"/>
-              </a:rPr>
-              <a:t>Available since the Java version 1.5.0, the package</a:t>
-            </a:r>
-            <a:r>
-              <a:rPr lang="pl-PL" sz="1200" kern="1200" dirty="0" smtClean="0">
-                <a:solidFill>
-                  <a:schemeClr val="tx1"/>
-                </a:solidFill>
-                <a:latin typeface="+mn-lt"/>
-                <a:ea typeface="+mn-ea"/>
-                <a:cs typeface="+mn-cs"/>
-              </a:rPr>
-              <a:t> </a:t>
-            </a:r>
-            <a:r>
-              <a:rPr lang="en-US" sz="1200" kern="1200" dirty="0" smtClean="0">
-                <a:solidFill>
-                  <a:schemeClr val="tx1"/>
-                </a:solidFill>
-                <a:latin typeface="+mn-lt"/>
-                <a:ea typeface="+mn-ea"/>
-                <a:cs typeface="+mn-cs"/>
-              </a:rPr>
-              <a:t>java.lang.instrument defines a standard API for </a:t>
-            </a:r>
-            <a:r>
-              <a:rPr lang="en-US" sz="1200" kern="1200" dirty="0" err="1" smtClean="0">
-                <a:solidFill>
-                  <a:schemeClr val="tx1"/>
-                </a:solidFill>
-                <a:latin typeface="+mn-lt"/>
-                <a:ea typeface="+mn-ea"/>
-                <a:cs typeface="+mn-cs"/>
-              </a:rPr>
-              <a:t>instrumenting</a:t>
-            </a:r>
-            <a:r>
-              <a:rPr lang="en-US" sz="1200" kern="1200" dirty="0" smtClean="0">
-                <a:solidFill>
-                  <a:schemeClr val="tx1"/>
-                </a:solidFill>
-                <a:latin typeface="+mn-lt"/>
-                <a:ea typeface="+mn-ea"/>
-                <a:cs typeface="+mn-cs"/>
-              </a:rPr>
-              <a:t> the bytecode of classes before they’re loaded</a:t>
-            </a:r>
-            <a:r>
-              <a:rPr lang="pl-PL" sz="1200" kern="1200" dirty="0" smtClean="0">
-                <a:solidFill>
-                  <a:schemeClr val="tx1"/>
-                </a:solidFill>
-                <a:latin typeface="+mn-lt"/>
-                <a:ea typeface="+mn-ea"/>
-                <a:cs typeface="+mn-cs"/>
-              </a:rPr>
-              <a:t> </a:t>
-            </a:r>
-            <a:r>
-              <a:rPr lang="en-US" sz="1200" kern="1200" dirty="0" smtClean="0">
-                <a:solidFill>
-                  <a:schemeClr val="tx1"/>
-                </a:solidFill>
-                <a:latin typeface="+mn-lt"/>
-                <a:ea typeface="+mn-ea"/>
-                <a:cs typeface="+mn-cs"/>
-              </a:rPr>
-              <a:t>by the virtual machine</a:t>
-            </a:r>
-            <a:r>
-              <a:rPr lang="pl-PL" sz="1200" kern="1200" dirty="0" smtClean="0">
-                <a:solidFill>
-                  <a:schemeClr val="tx1"/>
-                </a:solidFill>
-                <a:latin typeface="+mn-lt"/>
-                <a:ea typeface="+mn-ea"/>
-                <a:cs typeface="+mn-cs"/>
-              </a:rPr>
-              <a:t>.</a:t>
-            </a:r>
-          </a:p>
-          <a:p>
-            <a:r>
-              <a:rPr lang="pl-PL" sz="1200" kern="1200" dirty="0" smtClean="0">
-                <a:solidFill>
-                  <a:schemeClr val="tx1"/>
-                </a:solidFill>
-                <a:latin typeface="+mn-lt"/>
-                <a:ea typeface="+mn-ea"/>
-                <a:cs typeface="+mn-cs"/>
-              </a:rPr>
-              <a:t>F</a:t>
-            </a:r>
-            <a:r>
-              <a:rPr lang="en-US" sz="1200" kern="1200" dirty="0" err="1" smtClean="0">
-                <a:solidFill>
-                  <a:schemeClr val="tx1"/>
-                </a:solidFill>
-                <a:latin typeface="+mn-lt"/>
-                <a:ea typeface="+mn-ea"/>
-                <a:cs typeface="+mn-cs"/>
-              </a:rPr>
-              <a:t>ollowing</a:t>
-            </a:r>
-            <a:r>
-              <a:rPr lang="en-US" sz="1200" kern="1200" dirty="0" smtClean="0">
-                <a:solidFill>
-                  <a:schemeClr val="tx1"/>
-                </a:solidFill>
-                <a:latin typeface="+mn-lt"/>
-                <a:ea typeface="+mn-ea"/>
-                <a:cs typeface="+mn-cs"/>
-              </a:rPr>
-              <a:t> line in the manifest file:</a:t>
-            </a:r>
-            <a:r>
-              <a:rPr lang="pl-PL" sz="1200" kern="1200" dirty="0" smtClean="0">
-                <a:solidFill>
-                  <a:schemeClr val="tx1"/>
-                </a:solidFill>
-                <a:latin typeface="+mn-lt"/>
-                <a:ea typeface="+mn-ea"/>
-                <a:cs typeface="+mn-cs"/>
-              </a:rPr>
-              <a:t> </a:t>
-            </a:r>
-            <a:r>
-              <a:rPr lang="en-US" sz="1200" kern="1200" dirty="0" err="1" smtClean="0">
-                <a:solidFill>
-                  <a:schemeClr val="tx1"/>
-                </a:solidFill>
-                <a:latin typeface="+mn-lt"/>
-                <a:ea typeface="+mn-ea"/>
-                <a:cs typeface="+mn-cs"/>
-              </a:rPr>
-              <a:t>Premain</a:t>
-            </a:r>
-            <a:r>
-              <a:rPr lang="en-US" sz="1200" kern="1200" dirty="0" smtClean="0">
-                <a:solidFill>
-                  <a:schemeClr val="tx1"/>
-                </a:solidFill>
-                <a:latin typeface="+mn-lt"/>
-                <a:ea typeface="+mn-ea"/>
-                <a:cs typeface="+mn-cs"/>
-              </a:rPr>
-              <a:t>-Class: </a:t>
-            </a:r>
-            <a:r>
-              <a:rPr lang="en-US" sz="1200" kern="1200" dirty="0" err="1" smtClean="0">
-                <a:solidFill>
-                  <a:schemeClr val="tx1"/>
-                </a:solidFill>
-                <a:latin typeface="+mn-lt"/>
-                <a:ea typeface="+mn-ea"/>
-                <a:cs typeface="+mn-cs"/>
-              </a:rPr>
-              <a:t>asm.Agent</a:t>
-            </a:r>
-            <a:endParaRPr lang="pl-PL" sz="1200" kern="1200" dirty="0" smtClean="0">
-              <a:solidFill>
-                <a:schemeClr val="tx1"/>
-              </a:solidFill>
-              <a:latin typeface="+mn-lt"/>
-              <a:ea typeface="+mn-ea"/>
-              <a:cs typeface="+mn-cs"/>
-            </a:endParaRPr>
-          </a:p>
-          <a:p>
-            <a:endParaRPr lang="pl-PL" sz="1200" kern="1200" dirty="0" smtClean="0">
-              <a:solidFill>
-                <a:schemeClr val="tx1"/>
-              </a:solidFill>
-              <a:latin typeface="+mn-lt"/>
-              <a:ea typeface="+mn-ea"/>
-              <a:cs typeface="+mn-cs"/>
-            </a:endParaRPr>
-          </a:p>
-          <a:p>
-            <a:r>
-              <a:rPr lang="en-US" sz="1200" kern="1200" dirty="0" smtClean="0">
-                <a:solidFill>
-                  <a:schemeClr val="tx1"/>
-                </a:solidFill>
-                <a:latin typeface="+mn-lt"/>
-                <a:ea typeface="+mn-ea"/>
-                <a:cs typeface="+mn-cs"/>
-              </a:rPr>
-              <a:t>http://blog.javabenchmark.org/2013/05/java-instrumentation-tutorial.html</a:t>
-            </a:r>
-          </a:p>
-          <a:p>
-            <a:endParaRPr lang="en-US" sz="1200" kern="1200" dirty="0" smtClean="0">
-              <a:solidFill>
-                <a:schemeClr val="tx1"/>
-              </a:solidFill>
-              <a:latin typeface="+mn-lt"/>
-              <a:ea typeface="+mn-ea"/>
-              <a:cs typeface="+mn-cs"/>
-            </a:endParaRPr>
-          </a:p>
-          <a:p>
-            <a:endParaRPr lang="pl-PL" dirty="0"/>
+              <a:rPr lang="en-US" smtClean="0"/>
+              <a:t>There are several ways to “hook” this instrumentation mechanism into the JVM.</a:t>
+            </a:r>
+            <a:endParaRPr lang="pl-PL" smtClean="0"/>
+          </a:p>
+          <a:p>
+            <a:r>
+              <a:rPr lang="en-US" smtClean="0"/>
+              <a:t>You could implement your own special-purpose class loader and load parts of the code with it</a:t>
+            </a:r>
+            <a:endParaRPr lang="pl-PL"/>
           </a:p>
         </p:txBody>
       </p:sp>
@@ -5885,7 +5637,7 @@
             <a:fld id="{00C4ABD6-EB69-41F8-AE27-9094148744EB}" type="slidenum">
               <a:rPr lang="en-US" smtClean="0"/>
               <a:pPr/>
-              <a:t>16</a:t>
+              <a:t>15</a:t>
             </a:fld>
             <a:endParaRPr lang="en-US"/>
           </a:p>
@@ -5941,6 +5693,362 @@
         <p:spPr/>
         <p:txBody>
           <a:bodyPr>
+            <a:normAutofit/>
+          </a:bodyPr>
+          <a:lstStyle/>
+          <a:p>
+            <a:r>
+              <a:rPr lang="en-US" sz="1200" kern="1200" dirty="0" smtClean="0">
+                <a:solidFill>
+                  <a:schemeClr val="tx1"/>
+                </a:solidFill>
+                <a:latin typeface="+mn-lt"/>
+                <a:ea typeface="+mn-ea"/>
+                <a:cs typeface="+mn-cs"/>
+              </a:rPr>
+              <a:t>Available since the Java version 1.5.0, the package</a:t>
+            </a:r>
+            <a:r>
+              <a:rPr lang="pl-PL" sz="1200" kern="1200" dirty="0" smtClean="0">
+                <a:solidFill>
+                  <a:schemeClr val="tx1"/>
+                </a:solidFill>
+                <a:latin typeface="+mn-lt"/>
+                <a:ea typeface="+mn-ea"/>
+                <a:cs typeface="+mn-cs"/>
+              </a:rPr>
+              <a:t> </a:t>
+            </a:r>
+            <a:r>
+              <a:rPr lang="en-US" sz="1200" kern="1200" dirty="0" smtClean="0">
+                <a:solidFill>
+                  <a:schemeClr val="tx1"/>
+                </a:solidFill>
+                <a:latin typeface="+mn-lt"/>
+                <a:ea typeface="+mn-ea"/>
+                <a:cs typeface="+mn-cs"/>
+              </a:rPr>
+              <a:t>java.lang.instrument defines a standard API for </a:t>
+            </a:r>
+            <a:r>
+              <a:rPr lang="en-US" sz="1200" kern="1200" dirty="0" err="1" smtClean="0">
+                <a:solidFill>
+                  <a:schemeClr val="tx1"/>
+                </a:solidFill>
+                <a:latin typeface="+mn-lt"/>
+                <a:ea typeface="+mn-ea"/>
+                <a:cs typeface="+mn-cs"/>
+              </a:rPr>
+              <a:t>instrumenting</a:t>
+            </a:r>
+            <a:r>
+              <a:rPr lang="en-US" sz="1200" kern="1200" dirty="0" smtClean="0">
+                <a:solidFill>
+                  <a:schemeClr val="tx1"/>
+                </a:solidFill>
+                <a:latin typeface="+mn-lt"/>
+                <a:ea typeface="+mn-ea"/>
+                <a:cs typeface="+mn-cs"/>
+              </a:rPr>
+              <a:t> the bytecode of classes before they’re loaded</a:t>
+            </a:r>
+            <a:r>
+              <a:rPr lang="pl-PL" sz="1200" kern="1200" dirty="0" smtClean="0">
+                <a:solidFill>
+                  <a:schemeClr val="tx1"/>
+                </a:solidFill>
+                <a:latin typeface="+mn-lt"/>
+                <a:ea typeface="+mn-ea"/>
+                <a:cs typeface="+mn-cs"/>
+              </a:rPr>
+              <a:t> </a:t>
+            </a:r>
+            <a:r>
+              <a:rPr lang="en-US" sz="1200" kern="1200" dirty="0" smtClean="0">
+                <a:solidFill>
+                  <a:schemeClr val="tx1"/>
+                </a:solidFill>
+                <a:latin typeface="+mn-lt"/>
+                <a:ea typeface="+mn-ea"/>
+                <a:cs typeface="+mn-cs"/>
+              </a:rPr>
+              <a:t>by the virtual machine</a:t>
+            </a:r>
+            <a:r>
+              <a:rPr lang="pl-PL" sz="1200" kern="1200" dirty="0" smtClean="0">
+                <a:solidFill>
+                  <a:schemeClr val="tx1"/>
+                </a:solidFill>
+                <a:latin typeface="+mn-lt"/>
+                <a:ea typeface="+mn-ea"/>
+                <a:cs typeface="+mn-cs"/>
+              </a:rPr>
+              <a:t>.</a:t>
+            </a:r>
+          </a:p>
+          <a:p>
+            <a:r>
+              <a:rPr lang="pl-PL" sz="1200" kern="1200" dirty="0" smtClean="0">
+                <a:solidFill>
+                  <a:schemeClr val="tx1"/>
+                </a:solidFill>
+                <a:latin typeface="+mn-lt"/>
+                <a:ea typeface="+mn-ea"/>
+                <a:cs typeface="+mn-cs"/>
+              </a:rPr>
+              <a:t>F</a:t>
+            </a:r>
+            <a:r>
+              <a:rPr lang="en-US" sz="1200" kern="1200" dirty="0" err="1" smtClean="0">
+                <a:solidFill>
+                  <a:schemeClr val="tx1"/>
+                </a:solidFill>
+                <a:latin typeface="+mn-lt"/>
+                <a:ea typeface="+mn-ea"/>
+                <a:cs typeface="+mn-cs"/>
+              </a:rPr>
+              <a:t>ollowing</a:t>
+            </a:r>
+            <a:r>
+              <a:rPr lang="en-US" sz="1200" kern="1200" dirty="0" smtClean="0">
+                <a:solidFill>
+                  <a:schemeClr val="tx1"/>
+                </a:solidFill>
+                <a:latin typeface="+mn-lt"/>
+                <a:ea typeface="+mn-ea"/>
+                <a:cs typeface="+mn-cs"/>
+              </a:rPr>
+              <a:t> line in the manifest file:</a:t>
+            </a:r>
+            <a:r>
+              <a:rPr lang="pl-PL" sz="1200" kern="1200" dirty="0" smtClean="0">
+                <a:solidFill>
+                  <a:schemeClr val="tx1"/>
+                </a:solidFill>
+                <a:latin typeface="+mn-lt"/>
+                <a:ea typeface="+mn-ea"/>
+                <a:cs typeface="+mn-cs"/>
+              </a:rPr>
+              <a:t> </a:t>
+            </a:r>
+            <a:r>
+              <a:rPr lang="en-US" sz="1200" kern="1200" dirty="0" err="1" smtClean="0">
+                <a:solidFill>
+                  <a:schemeClr val="tx1"/>
+                </a:solidFill>
+                <a:latin typeface="+mn-lt"/>
+                <a:ea typeface="+mn-ea"/>
+                <a:cs typeface="+mn-cs"/>
+              </a:rPr>
+              <a:t>Premain</a:t>
+            </a:r>
+            <a:r>
+              <a:rPr lang="en-US" sz="1200" kern="1200" dirty="0" smtClean="0">
+                <a:solidFill>
+                  <a:schemeClr val="tx1"/>
+                </a:solidFill>
+                <a:latin typeface="+mn-lt"/>
+                <a:ea typeface="+mn-ea"/>
+                <a:cs typeface="+mn-cs"/>
+              </a:rPr>
+              <a:t>-Class: </a:t>
+            </a:r>
+            <a:r>
+              <a:rPr lang="en-US" sz="1200" kern="1200" dirty="0" err="1" smtClean="0">
+                <a:solidFill>
+                  <a:schemeClr val="tx1"/>
+                </a:solidFill>
+                <a:latin typeface="+mn-lt"/>
+                <a:ea typeface="+mn-ea"/>
+                <a:cs typeface="+mn-cs"/>
+              </a:rPr>
+              <a:t>asm.Agent</a:t>
+            </a:r>
+            <a:endParaRPr lang="pl-PL" sz="1200" kern="1200" dirty="0" smtClean="0">
+              <a:solidFill>
+                <a:schemeClr val="tx1"/>
+              </a:solidFill>
+              <a:latin typeface="+mn-lt"/>
+              <a:ea typeface="+mn-ea"/>
+              <a:cs typeface="+mn-cs"/>
+            </a:endParaRPr>
+          </a:p>
+          <a:p>
+            <a:endParaRPr lang="en-US" sz="1200" kern="1200" dirty="0" smtClean="0">
+              <a:solidFill>
+                <a:schemeClr val="tx1"/>
+              </a:solidFill>
+              <a:latin typeface="+mn-lt"/>
+              <a:ea typeface="+mn-ea"/>
+              <a:cs typeface="+mn-cs"/>
+            </a:endParaRPr>
+          </a:p>
+          <a:p>
+            <a:r>
+              <a:rPr lang="en-US" sz="1200" kern="1200" dirty="0" smtClean="0">
+                <a:solidFill>
+                  <a:schemeClr val="tx1"/>
+                </a:solidFill>
+                <a:latin typeface="+mn-lt"/>
+                <a:ea typeface="+mn-ea"/>
+                <a:cs typeface="+mn-cs"/>
+              </a:rPr>
+              <a:t>Agent is loaded in</a:t>
+            </a:r>
+            <a:r>
+              <a:rPr lang="en-US" sz="1200" kern="1200" baseline="0" dirty="0" smtClean="0">
+                <a:solidFill>
+                  <a:schemeClr val="tx1"/>
+                </a:solidFill>
+                <a:latin typeface="+mn-lt"/>
+                <a:ea typeface="+mn-ea"/>
+                <a:cs typeface="+mn-cs"/>
+              </a:rPr>
+              <a:t> bootstrap </a:t>
+            </a:r>
+            <a:r>
+              <a:rPr lang="en-US" sz="1200" kern="1200" baseline="0" dirty="0" err="1" smtClean="0">
+                <a:solidFill>
+                  <a:schemeClr val="tx1"/>
+                </a:solidFill>
+                <a:latin typeface="+mn-lt"/>
+                <a:ea typeface="+mn-ea"/>
+                <a:cs typeface="+mn-cs"/>
+              </a:rPr>
+              <a:t>classloader</a:t>
+            </a:r>
+            <a:r>
+              <a:rPr lang="en-US" sz="1200" kern="1200" baseline="0" dirty="0" smtClean="0">
+                <a:solidFill>
+                  <a:schemeClr val="tx1"/>
+                </a:solidFill>
+                <a:latin typeface="+mn-lt"/>
+                <a:ea typeface="+mn-ea"/>
+                <a:cs typeface="+mn-cs"/>
+              </a:rPr>
+              <a:t>.</a:t>
+            </a:r>
+            <a:endParaRPr lang="en-US" sz="1200" kern="1200" dirty="0" smtClean="0">
+              <a:solidFill>
+                <a:schemeClr val="tx1"/>
+              </a:solidFill>
+              <a:latin typeface="+mn-lt"/>
+              <a:ea typeface="+mn-ea"/>
+              <a:cs typeface="+mn-cs"/>
+            </a:endParaRPr>
+          </a:p>
+          <a:p>
+            <a:endParaRPr lang="pl-PL" sz="1200" kern="1200" dirty="0" smtClean="0">
+              <a:solidFill>
+                <a:schemeClr val="tx1"/>
+              </a:solidFill>
+              <a:latin typeface="+mn-lt"/>
+              <a:ea typeface="+mn-ea"/>
+              <a:cs typeface="+mn-cs"/>
+            </a:endParaRPr>
+          </a:p>
+          <a:p>
+            <a:r>
+              <a:rPr lang="en-US" sz="1200" kern="1200" dirty="0" smtClean="0">
+                <a:solidFill>
+                  <a:schemeClr val="tx1"/>
+                </a:solidFill>
+                <a:latin typeface="+mn-lt"/>
+                <a:ea typeface="+mn-ea"/>
+                <a:cs typeface="+mn-cs"/>
+              </a:rPr>
+              <a:t>http://blog.javabenchmark.org/2013/05/java-instrumentation-tutorial.html</a:t>
+            </a:r>
+          </a:p>
+          <a:p>
+            <a:endParaRPr lang="en-US" sz="1200" kern="1200" dirty="0" smtClean="0">
+              <a:solidFill>
+                <a:schemeClr val="tx1"/>
+              </a:solidFill>
+              <a:latin typeface="+mn-lt"/>
+              <a:ea typeface="+mn-ea"/>
+              <a:cs typeface="+mn-cs"/>
+            </a:endParaRPr>
+          </a:p>
+          <a:p>
+            <a:endParaRPr lang="pl-PL" dirty="0"/>
+          </a:p>
+        </p:txBody>
+      </p:sp>
+      <p:sp>
+        <p:nvSpPr>
+          <p:cNvPr id="4" name="Symbol zastępczy numeru slajdu 3"/>
+          <p:cNvSpPr>
+            <a:spLocks noGrp="1"/>
+          </p:cNvSpPr>
+          <p:nvPr>
+            <p:ph type="sldNum" sz="quarter" idx="10"/>
+          </p:nvPr>
+        </p:nvSpPr>
+        <p:spPr/>
+        <p:txBody>
+          <a:bodyPr/>
+          <a:lstStyle/>
+          <a:p>
+            <a:fld id="{00C4ABD6-EB69-41F8-AE27-9094148744EB}" type="slidenum">
+              <a:rPr lang="en-US" smtClean="0"/>
+              <a:pPr/>
+              <a:t>16</a:t>
+            </a:fld>
+            <a:endParaRPr lang="en-US"/>
+          </a:p>
+        </p:txBody>
+      </p:sp>
+    </p:spTree>
+  </p:cSld>
+  <p:clrMapOvr>
+    <a:masterClrMapping/>
+  </p:clrMapOvr>
+</p:notes>
+</file>
+
+<file path=ppt/notesSlides/notesSlide14.xml><?xml version="1.0" encoding="utf-8"?>
+<p:notes xmlns:a="http://schemas.openxmlformats.org/drawingml/2006/main" xmlns:r="http://schemas.openxmlformats.org/officeDocument/2006/relationships" xmlns:p="http://schemas.openxmlformats.org/presentationml/2006/main">
+  <p:cSld>
+    <p:spTree>
+      <p:nvGrpSpPr>
+        <p:cNvPr id="1" name=""/>
+        <p:cNvGrpSpPr/>
+        <p:nvPr/>
+      </p:nvGrpSpPr>
+      <p:grpSpPr>
+        <a:xfrm>
+          <a:off x="0" y="0"/>
+          <a:ext cx="0" cy="0"/>
+          <a:chOff x="0" y="0"/>
+          <a:chExt cx="0" cy="0"/>
+        </a:xfrm>
+      </p:grpSpPr>
+      <p:sp>
+        <p:nvSpPr>
+          <p:cNvPr id="2" name="Symbol zastępczy obrazu slajdu 1"/>
+          <p:cNvSpPr>
+            <a:spLocks noGrp="1" noRot="1" noChangeAspect="1"/>
+          </p:cNvSpPr>
+          <p:nvPr>
+            <p:ph type="sldImg"/>
+          </p:nvPr>
+        </p:nvSpPr>
+        <p:spPr/>
+      </p:sp>
+      <p:sp>
+        <p:nvSpPr>
+          <p:cNvPr id="3" name="Symbol zastępczy notatek 2"/>
+          <p:cNvSpPr>
+            <a:spLocks noGrp="1"/>
+          </p:cNvSpPr>
+          <p:nvPr>
+            <p:ph type="body" idx="1"/>
+          </p:nvPr>
+        </p:nvSpPr>
+        <p:spPr/>
+        <p:txBody>
+          <a:bodyPr>
             <a:normAutofit lnSpcReduction="10000"/>
           </a:bodyPr>
           <a:lstStyle/>
@@ -6667,85 +6775,23 @@
           </a:bodyPr>
           <a:lstStyle/>
           <a:p>
-            <a:pPr marL="228600" indent="-228600">
-              <a:buAutoNum type="arabicPeriod"/>
-            </a:pPr>
-            <a:r>
-              <a:rPr lang="pl-PL" dirty="0" smtClean="0"/>
-              <a:t>Bytecode is part of a JVM, we cannot realy</a:t>
-            </a:r>
-            <a:r>
-              <a:rPr lang="pl-PL" baseline="0" dirty="0" smtClean="0"/>
-              <a:t> understand bytecode without understanding JVM and vice versa.</a:t>
-            </a:r>
-            <a:endParaRPr lang="pl-PL" dirty="0" smtClean="0"/>
-          </a:p>
-          <a:p>
-            <a:pPr marL="228600" indent="-228600">
-              <a:buAutoNum type="arabicPeriod"/>
-            </a:pPr>
             <a:r>
               <a:rPr lang="en-US" dirty="0" smtClean="0"/>
-              <a:t>Profilers, tracers, measuring code coverage, mocking frameworks, AOP etc..</a:t>
-            </a:r>
-          </a:p>
-          <a:p>
-            <a:pPr marL="228600" indent="-228600">
-              <a:buAutoNum type="arabicPeriod"/>
-            </a:pPr>
-            <a:r>
-              <a:rPr lang="pl-PL" dirty="0" smtClean="0"/>
-              <a:t>If you realy</a:t>
-            </a:r>
-            <a:r>
-              <a:rPr lang="pl-PL" baseline="0" dirty="0" smtClean="0"/>
-              <a:t> need this… DSL possible. </a:t>
-            </a:r>
-          </a:p>
-          <a:p>
-            <a:pPr marL="228600" indent="-228600">
-              <a:buAutoNum type="arabicPeriod"/>
-            </a:pPr>
+              <a:t>Bytecode is an intermediate representation of a program—halfway between human readable</a:t>
+            </a:r>
+            <a:r>
+              <a:rPr lang="pl-PL" smtClean="0"/>
+              <a:t> </a:t>
+            </a:r>
+            <a:r>
+              <a:rPr lang="pl-PL" err="1" smtClean="0"/>
+              <a:t>java</a:t>
+            </a:r>
             <a:r>
               <a:rPr lang="en-US" dirty="0" smtClean="0"/>
-              <a:t>Two different java statements may produce the same byte code, and two very similar instructions can produce very different bytecode. </a:t>
-            </a:r>
-            <a:r>
-              <a:rPr lang="en-US" sz="1200" b="0" i="0" kern="1200" dirty="0" smtClean="0">
-                <a:solidFill>
-                  <a:schemeClr val="tx1"/>
-                </a:solidFill>
-                <a:latin typeface="+mn-lt"/>
-                <a:ea typeface="+mn-ea"/>
-                <a:cs typeface="+mn-cs"/>
-              </a:rPr>
-              <a:t>In some cases, the bytecode generated is not what you expect. </a:t>
-            </a:r>
-            <a:r>
-              <a:rPr lang="en-US" dirty="0" smtClean="0"/>
-              <a:t>This knowledge is crucial when debugging and doing performance and memory usage tuning. Understanding bytecode makes you a better programmer.</a:t>
-            </a:r>
-          </a:p>
-          <a:p>
-            <a:pPr marL="228600" indent="-228600">
-              <a:buAutoNum type="arabicPeriod"/>
-            </a:pPr>
-            <a:r>
-              <a:rPr lang="en-US" baseline="0" dirty="0" smtClean="0"/>
-              <a:t>Learning bytecode opens gives real power and opens lots of possibilities when writing java code. It can be real fun.</a:t>
-            </a:r>
-          </a:p>
-          <a:p>
-            <a:pPr marL="228600" indent="-228600">
-              <a:buAutoNum type="arabicPeriod"/>
-            </a:pPr>
-            <a:endParaRPr lang="en-US" baseline="0" dirty="0" smtClean="0"/>
-          </a:p>
-          <a:p>
-            <a:pPr marL="228600" indent="-228600">
-              <a:buAutoNum type="arabicPeriod"/>
-            </a:pPr>
-            <a:endParaRPr lang="en-US" dirty="0" smtClean="0"/>
+              <a:t> source and machine code.</a:t>
+            </a:r>
+            <a:endParaRPr lang="pl-PL" smtClean="0"/>
           </a:p>
           <a:p>
             <a:pPr marL="0" marR="0" indent="0" algn="l" defTabSz="914400" rtl="0" eaLnBrk="1" fontAlgn="auto" latinLnBrk="0" hangingPunct="1">
@@ -6765,7 +6811,14 @@
               <a:tabLst/>
               <a:defRPr/>
             </a:pPr>
-            <a:endParaRPr lang="en-US" dirty="0" smtClean="0"/>
+            <a:r>
+              <a:rPr lang="en-US" dirty="0" smtClean="0"/>
+              <a:t>JVM bytecode consists of a sequence of operation codes (opcodes), possibly with some arguments following each instruction.</a:t>
+            </a:r>
+            <a:endParaRPr lang="pl-PL" smtClean="0"/>
+          </a:p>
+          <a:p>
+            <a:endParaRPr lang="pl-PL" smtClean="0"/>
           </a:p>
           <a:p>
             <a:endParaRPr lang="en-US" dirty="0"/>
@@ -6790,7 +6843,7 @@
             <a:fld id="{00C4ABD6-EB69-41F8-AE27-9094148744EB}" type="slidenum">
               <a:rPr lang="en-US" smtClean="0"/>
               <a:pPr/>
-              <a:t>3</a:t>
+              <a:t>2</a:t>
             </a:fld>
             <a:endParaRPr lang="en-US" dirty="0"/>
           </a:p>
@@ -6850,25 +6903,88 @@
           </a:bodyPr>
           <a:lstStyle/>
           <a:p>
-            <a:r>
-              <a:rPr lang="en-US" dirty="0" smtClean="0"/>
-              <a:t>In order to fully understand bytecode, you need to understand the runtime environment that it executes in.</a:t>
-            </a:r>
-          </a:p>
-          <a:p>
-            <a:endParaRPr lang="en-US" dirty="0" smtClean="0"/>
-          </a:p>
-          <a:p>
             <a:pPr marL="228600" indent="-228600">
               <a:buAutoNum type="arabicPeriod"/>
             </a:pPr>
             <a:r>
+              <a:rPr lang="pl-PL" dirty="0" smtClean="0"/>
+              <a:t>Bytecode is part of a JVM, we cannot realy</a:t>
+            </a:r>
+            <a:r>
+              <a:rPr lang="pl-PL" baseline="0" dirty="0" smtClean="0"/>
+              <a:t> understand bytecode without understanding JVM and vice versa.</a:t>
+            </a:r>
+            <a:endParaRPr lang="pl-PL" dirty="0" smtClean="0"/>
+          </a:p>
+          <a:p>
+            <a:pPr marL="228600" indent="-228600">
+              <a:buAutoNum type="arabicPeriod"/>
+            </a:pPr>
+            <a:r>
               <a:rPr lang="en-US" dirty="0" smtClean="0"/>
-              <a:t>The class is the smallest unit of program code that the platform can load. The first step is to take the data stream of bytes that constitute the class file (byte array) and produces a Class object (not initialized and not usable yet). Some basic checks performed.</a:t>
-            </a:r>
-          </a:p>
-          <a:p>
-            <a:pPr marL="228600" marR="0" indent="-228600" algn="l" defTabSz="914400" rtl="0" eaLnBrk="1" fontAlgn="auto" latinLnBrk="0" hangingPunct="1">
+              <a:t>Profilers, tracers, measuring code coverage, mocking frameworks, AOP etc..</a:t>
+            </a:r>
+          </a:p>
+          <a:p>
+            <a:pPr marL="228600" indent="-228600">
+              <a:buAutoNum type="arabicPeriod"/>
+            </a:pPr>
+            <a:r>
+              <a:rPr lang="pl-PL" dirty="0" smtClean="0"/>
+              <a:t>If you realy</a:t>
+            </a:r>
+            <a:r>
+              <a:rPr lang="pl-PL" baseline="0" dirty="0" smtClean="0"/>
+              <a:t> need this… DSL possible. </a:t>
+            </a:r>
+          </a:p>
+          <a:p>
+            <a:pPr marL="228600" indent="-228600">
+              <a:buAutoNum type="arabicPeriod"/>
+            </a:pPr>
+            <a:r>
+              <a:rPr lang="en-US" dirty="0" smtClean="0"/>
+              <a:t>Two different java statements may produce the same byte code, and two very similar instructions can produce very different bytecode. </a:t>
+            </a:r>
+            <a:r>
+              <a:rPr lang="en-US" sz="1200" b="0" i="0" kern="1200" dirty="0" smtClean="0">
+                <a:solidFill>
+                  <a:schemeClr val="tx1"/>
+                </a:solidFill>
+                <a:latin typeface="+mn-lt"/>
+                <a:ea typeface="+mn-ea"/>
+                <a:cs typeface="+mn-cs"/>
+              </a:rPr>
+              <a:t>In some cases, the bytecode generated is not what you expect. </a:t>
+            </a:r>
+            <a:r>
+              <a:rPr lang="en-US" dirty="0" smtClean="0"/>
+              <a:t>This knowledge is crucial when debugging and doing performance and memory usage tuning. Understanding bytecode makes you a better programmer.</a:t>
+            </a:r>
+          </a:p>
+          <a:p>
+            <a:pPr marL="228600" indent="-228600">
+              <a:buAutoNum type="arabicPeriod"/>
+            </a:pPr>
+            <a:r>
+              <a:rPr lang="en-US" baseline="0" dirty="0" smtClean="0"/>
+              <a:t>Learning bytecode opens gives real power and opens lots of possibilities when writing java code. It can be real fun.</a:t>
+            </a:r>
+          </a:p>
+          <a:p>
+            <a:pPr marL="228600" indent="-228600">
+              <a:buAutoNum type="arabicPeriod"/>
+            </a:pPr>
+            <a:endParaRPr lang="en-US" baseline="0" dirty="0" smtClean="0"/>
+          </a:p>
+          <a:p>
+            <a:pPr marL="228600" indent="-228600">
+              <a:buAutoNum type="arabicPeriod"/>
+            </a:pPr>
+            <a:endParaRPr lang="en-US" dirty="0" smtClean="0"/>
+          </a:p>
+          <a:p>
+            <a:pPr marL="0" marR="0" indent="0" algn="l" defTabSz="914400" rtl="0" eaLnBrk="1" fontAlgn="auto" latinLnBrk="0" hangingPunct="1">
               <a:lnSpc>
                 <a:spcPct val="100000"/>
               </a:lnSpc>
@@ -6881,219 +6997,14 @@
               <a:buClrTx/>
               <a:buSzTx/>
               <a:buFontTx/>
-              <a:buAutoNum type="arabicPeriod"/>
+              <a:buNone/>
               <a:tabLst/>
               <a:defRPr/>
             </a:pPr>
-            <a:r>
-              <a:rPr lang="en-US" dirty="0" smtClean="0"/>
-              <a:t>Verification is complex, few steps process. These checks are done for performance reasons—they enable the skipping of runtime checks, thus making the interpreted code run faster. One of the step is checking the bytecode of methods:</a:t>
-            </a:r>
-          </a:p>
-          <a:p>
-            <a:pPr marL="228600" indent="-228600">
-              <a:buFont typeface="Arial" pitchFamily="34" charset="0"/>
-              <a:buChar char="•"/>
-            </a:pPr>
-            <a:r>
-              <a:rPr lang="en-US" dirty="0" smtClean="0"/>
-              <a:t>Check that all methods respect access control keywords</a:t>
-            </a:r>
-          </a:p>
-          <a:p>
-            <a:pPr marL="228600" indent="-228600">
-              <a:buFont typeface="Arial" pitchFamily="34" charset="0"/>
-              <a:buChar char="•"/>
-            </a:pPr>
-            <a:r>
-              <a:rPr lang="en-US" dirty="0" smtClean="0"/>
-              <a:t>Check that methods are called with the right number of parameters</a:t>
-            </a:r>
-          </a:p>
-          <a:p>
-            <a:pPr marL="228600" indent="-228600">
-              <a:buFont typeface="Arial" pitchFamily="34" charset="0"/>
-              <a:buChar char="•"/>
-            </a:pPr>
-            <a:r>
-              <a:rPr lang="en-US" dirty="0" smtClean="0"/>
-              <a:t>Ensure that variables are properly initialized before they’re used</a:t>
-            </a:r>
-          </a:p>
-          <a:p>
-            <a:pPr marL="228600" indent="-228600">
-              <a:buFont typeface="Arial" pitchFamily="34" charset="0"/>
-              <a:buChar char="•"/>
-            </a:pPr>
             <a:endParaRPr lang="en-US" dirty="0" smtClean="0"/>
           </a:p>
           <a:p>
-            <a:pPr marL="228600" indent="-228600">
-              <a:buFont typeface="Arial" pitchFamily="34" charset="0"/>
-              <a:buNone/>
-            </a:pPr>
-            <a:r>
-              <a:rPr lang="en-US" dirty="0" smtClean="0"/>
-              <a:t>3. Preparing the class involves allocating memory and getting static variables in the class</a:t>
-            </a:r>
-            <a:r>
-              <a:rPr lang="pl-PL" dirty="0" smtClean="0"/>
-              <a:t> </a:t>
-            </a:r>
-            <a:r>
-              <a:rPr lang="en-US" dirty="0" smtClean="0"/>
-              <a:t>ready to be initialized, but it doesn’t initialize variables or execute any VM bytecode.</a:t>
-            </a:r>
-            <a:endParaRPr lang="pl-PL" dirty="0" smtClean="0"/>
-          </a:p>
-          <a:p>
-            <a:pPr marL="228600" indent="-228600">
-              <a:buFont typeface="Arial" pitchFamily="34" charset="0"/>
-              <a:buNone/>
-            </a:pPr>
-            <a:endParaRPr lang="en-US" dirty="0" smtClean="0"/>
-          </a:p>
-          <a:p>
-            <a:pPr marL="228600" indent="-228600">
-              <a:buFont typeface="Arial" pitchFamily="34" charset="0"/>
-              <a:buNone/>
-            </a:pPr>
-            <a:r>
-              <a:rPr lang="en-US" dirty="0" smtClean="0"/>
-              <a:t>4.</a:t>
-            </a:r>
-            <a:r>
-              <a:rPr lang="pl-PL" dirty="0" smtClean="0"/>
-              <a:t> </a:t>
-            </a:r>
-            <a:r>
-              <a:rPr lang="en-US" dirty="0" smtClean="0"/>
-              <a:t>Load all referenced types (full process). </a:t>
-            </a:r>
-            <a:endParaRPr lang="pl-PL" dirty="0" smtClean="0"/>
-          </a:p>
-          <a:p>
-            <a:pPr marL="228600" indent="-228600">
-              <a:buFont typeface="Arial" pitchFamily="34" charset="0"/>
-              <a:buNone/>
-            </a:pPr>
-            <a:r>
-              <a:rPr lang="pl-PL" dirty="0" smtClean="0"/>
-              <a:t>5. Init: i</a:t>
-            </a:r>
-            <a:r>
-              <a:rPr lang="en-US" dirty="0" smtClean="0"/>
-              <a:t>n this final phase, any static variables can be initialized and any static initialization blocks run.</a:t>
-            </a:r>
-            <a:endParaRPr lang="pl-PL" dirty="0" smtClean="0"/>
-          </a:p>
-          <a:p>
-            <a:pPr marL="228600" indent="-228600">
-              <a:buFont typeface="Arial" pitchFamily="34" charset="0"/>
-              <a:buNone/>
-            </a:pPr>
-            <a:endParaRPr lang="pl-PL" dirty="0" smtClean="0"/>
-          </a:p>
-          <a:p>
-            <a:pPr marL="228600" indent="-228600">
-              <a:buFont typeface="Arial" pitchFamily="34" charset="0"/>
-              <a:buNone/>
-            </a:pPr>
-            <a:r>
-              <a:rPr lang="pl-PL" dirty="0" smtClean="0"/>
-              <a:t>5. JIT Optimizations</a:t>
-            </a:r>
-          </a:p>
-          <a:p>
-            <a:pPr marL="685800" lvl="1" indent="-228600">
-              <a:buFont typeface="Arial" pitchFamily="34" charset="0"/>
-              <a:buChar char="•"/>
-            </a:pPr>
-            <a:r>
-              <a:rPr lang="pl-PL" dirty="0" smtClean="0"/>
-              <a:t>Inlining</a:t>
-            </a:r>
-          </a:p>
-          <a:p>
-            <a:pPr marL="685800" lvl="1" indent="-228600">
-              <a:buFont typeface="Arial" pitchFamily="34" charset="0"/>
-              <a:buChar char="•"/>
-            </a:pPr>
-            <a:r>
-              <a:rPr lang="pl-PL" dirty="0" smtClean="0"/>
-              <a:t>Loop</a:t>
-            </a:r>
-            <a:r>
-              <a:rPr lang="pl-PL" baseline="0" dirty="0" smtClean="0"/>
-              <a:t> unrolling</a:t>
-            </a:r>
-          </a:p>
-          <a:p>
-            <a:pPr marL="685800" lvl="1" indent="-228600">
-              <a:buFont typeface="Arial" pitchFamily="34" charset="0"/>
-              <a:buChar char="•"/>
-            </a:pPr>
-            <a:r>
-              <a:rPr lang="pl-PL" baseline="0" dirty="0" smtClean="0"/>
-              <a:t>Escape analysis</a:t>
-            </a:r>
-          </a:p>
-          <a:p>
-            <a:pPr marL="685800" lvl="1" indent="-228600">
-              <a:buFont typeface="Arial" pitchFamily="34" charset="0"/>
-              <a:buChar char="•"/>
-            </a:pPr>
-            <a:r>
-              <a:rPr lang="pl-PL" baseline="0" dirty="0" smtClean="0"/>
-              <a:t>Monomorphic calls</a:t>
-            </a:r>
-          </a:p>
-          <a:p>
-            <a:pPr marL="685800" lvl="1" indent="-228600">
-              <a:buFont typeface="Arial" pitchFamily="34" charset="0"/>
-              <a:buChar char="•"/>
-            </a:pPr>
-            <a:r>
-              <a:rPr lang="pl-PL" dirty="0" smtClean="0"/>
-              <a:t>http://www.ibm.com/support/knowledgecenter/SSYKE2_7.1.0/com.ibm.java.aix.71.doc/diag/understanding/jit_overview.html</a:t>
-            </a:r>
-          </a:p>
-          <a:p>
-            <a:pPr marL="228600" indent="-228600">
-              <a:buFont typeface="+mj-lt"/>
-              <a:buNone/>
-            </a:pPr>
-            <a:endParaRPr lang="pl-PL" dirty="0" smtClean="0"/>
-          </a:p>
-          <a:p>
-            <a:pPr marL="228600" indent="-228600">
-              <a:buFont typeface="Arial" pitchFamily="34" charset="0"/>
-              <a:buNone/>
-            </a:pPr>
-            <a:endParaRPr lang="pl-PL" dirty="0" smtClean="0"/>
-          </a:p>
-          <a:p>
-            <a:pPr marL="228600" indent="-228600">
-              <a:buFont typeface="Arial" pitchFamily="34" charset="0"/>
-              <a:buNone/>
-            </a:pPr>
-            <a:endParaRPr lang="en-US" dirty="0" smtClean="0"/>
-          </a:p>
-          <a:p>
-            <a:pPr marL="228600" indent="-228600">
-              <a:buFont typeface="Arial" pitchFamily="34" charset="0"/>
-              <a:buNone/>
-            </a:pPr>
-            <a:endParaRPr lang="en-US" dirty="0" smtClean="0"/>
-          </a:p>
-          <a:p>
-            <a:pPr marL="228600" indent="-228600">
-              <a:buAutoNum type="arabicPeriod"/>
-            </a:pPr>
-            <a:endParaRPr lang="en-US" dirty="0" smtClean="0"/>
-          </a:p>
-          <a:p>
-            <a:endParaRPr lang="en-US" dirty="0" smtClean="0"/>
+            <a:endParaRPr lang="en-US" dirty="0"/>
           </a:p>
         </p:txBody>
       </p:sp>
@@ -7115,7 +7026,7 @@
             <a:fld id="{00C4ABD6-EB69-41F8-AE27-9094148744EB}" type="slidenum">
               <a:rPr lang="en-US" smtClean="0"/>
               <a:pPr/>
-              <a:t>4</a:t>
+              <a:t>3</a:t>
             </a:fld>
             <a:endParaRPr lang="en-US" dirty="0"/>
           </a:p>
@@ -7175,25 +7086,158 @@
           </a:bodyPr>
           <a:lstStyle/>
           <a:p>
+            <a:r>
+              <a:rPr lang="en-US" dirty="0" smtClean="0"/>
+              <a:t>In order to fully understand bytecode, you need to understand the runtime environment that it executes in.</a:t>
+            </a:r>
+          </a:p>
+          <a:p>
+            <a:endParaRPr lang="en-US" dirty="0" smtClean="0"/>
+          </a:p>
+          <a:p>
             <a:pPr marL="228600" indent="-228600">
               <a:buAutoNum type="arabicPeriod"/>
             </a:pPr>
             <a:r>
               <a:rPr lang="en-US" dirty="0" smtClean="0"/>
-              <a:t>Each class file contains one Java</a:t>
-            </a:r>
-            <a:r>
-              <a:rPr lang="en-US" baseline="0" dirty="0" smtClean="0"/>
-              <a:t> type, either a class or an interface</a:t>
+              <a:t>The class is the smallest unit of program code that the platform can load. The first step is to take the data stream of bytes that constitute the class file (byte array) and produces a Class object (not initialized and not usable yet). Some basic checks performed.</a:t>
+            </a:r>
+          </a:p>
+          <a:p>
+            <a:pPr marL="228600" marR="0" indent="-228600" algn="l" defTabSz="914400" rtl="0" eaLnBrk="1" fontAlgn="auto" latinLnBrk="0" hangingPunct="1">
+              <a:lnSpc>
+                <a:spcPct val="100000"/>
+              </a:lnSpc>
+              <a:spcBef>
+                <a:spcPts val="0"/>
+              </a:spcBef>
+              <a:spcAft>
+                <a:spcPts val="0"/>
+              </a:spcAft>
+              <a:buClrTx/>
+              <a:buSzTx/>
+              <a:buFontTx/>
+              <a:buAutoNum type="arabicPeriod"/>
+              <a:tabLst/>
+              <a:defRPr/>
+            </a:pPr>
+            <a:r>
+              <a:rPr lang="en-US" dirty="0" smtClean="0"/>
+              <a:t>Verification is complex, few steps process. These checks are done for performance reasons—they enable the skipping of runtime checks, thus making the interpreted code run faster. One of the step is checking the bytecode of methods:</a:t>
             </a:r>
           </a:p>
           <a:p>
             <a:pPr marL="228600" indent="-228600">
-              <a:buAutoNum type="arabicPeriod"/>
+              <a:buFont typeface="Arial" pitchFamily="34" charset="0"/>
+              <a:buChar char="•"/>
             </a:pPr>
             <a:r>
-              <a:rPr lang="en-US" baseline="0" dirty="0" smtClean="0"/>
-              <a:t>A class file contains</a:t>
+              <a:rPr lang="en-US" dirty="0" smtClean="0"/>
+              <a:t>Check that all methods respect access control keywords</a:t>
+            </a:r>
+          </a:p>
+          <a:p>
+            <a:pPr marL="228600" indent="-228600">
+              <a:buFont typeface="Arial" pitchFamily="34" charset="0"/>
+              <a:buChar char="•"/>
+            </a:pPr>
+            <a:r>
+              <a:rPr lang="en-US" dirty="0" smtClean="0"/>
+              <a:t>Check that methods are called with the right number of parameters</a:t>
+            </a:r>
+          </a:p>
+          <a:p>
+            <a:pPr marL="228600" indent="-228600">
+              <a:buFont typeface="Arial" pitchFamily="34" charset="0"/>
+              <a:buChar char="•"/>
+            </a:pPr>
+            <a:r>
+              <a:rPr lang="en-US" dirty="0" smtClean="0"/>
+              <a:t>Ensure that variables are properly initialized before they’re used</a:t>
+            </a:r>
+          </a:p>
+          <a:p>
+            <a:pPr marL="228600" indent="-228600">
+              <a:buFont typeface="Arial" pitchFamily="34" charset="0"/>
+              <a:buChar char="•"/>
+            </a:pPr>
+            <a:endParaRPr lang="en-US" dirty="0" smtClean="0"/>
+          </a:p>
+          <a:p>
+            <a:pPr marL="228600" indent="-228600">
+              <a:buFont typeface="Arial" pitchFamily="34" charset="0"/>
+              <a:buNone/>
+            </a:pPr>
+            <a:r>
+              <a:rPr lang="en-US" dirty="0" smtClean="0"/>
+              <a:t>3. Preparing the class involves allocating memory and getting static variables in the class</a:t>
+            </a:r>
+            <a:r>
+              <a:rPr lang="pl-PL" dirty="0" smtClean="0"/>
+              <a:t> </a:t>
+            </a:r>
+            <a:r>
+              <a:rPr lang="en-US" dirty="0" smtClean="0"/>
+              <a:t>ready to be initialized, but it doesn’t initialize variables or execute any VM bytecode.</a:t>
+            </a:r>
+            <a:endParaRPr lang="pl-PL" dirty="0" smtClean="0"/>
+          </a:p>
+          <a:p>
+            <a:pPr marL="228600" indent="-228600">
+              <a:buFont typeface="Arial" pitchFamily="34" charset="0"/>
+              <a:buNone/>
+            </a:pPr>
+            <a:endParaRPr lang="en-US" dirty="0" smtClean="0"/>
+          </a:p>
+          <a:p>
+            <a:pPr marL="228600" indent="-228600">
+              <a:buFont typeface="Arial" pitchFamily="34" charset="0"/>
+              <a:buNone/>
+            </a:pPr>
+            <a:r>
+              <a:rPr lang="en-US" dirty="0" smtClean="0"/>
+              <a:t>4.</a:t>
+            </a:r>
+            <a:r>
+              <a:rPr lang="pl-PL" dirty="0" smtClean="0"/>
+              <a:t> </a:t>
+            </a:r>
+            <a:r>
+              <a:rPr lang="en-US" dirty="0" smtClean="0"/>
+              <a:t>Load all referenced types (full process). </a:t>
+            </a:r>
+            <a:endParaRPr lang="pl-PL" dirty="0" smtClean="0"/>
+          </a:p>
+          <a:p>
+            <a:pPr marL="228600" indent="-228600">
+              <a:buFont typeface="Arial" pitchFamily="34" charset="0"/>
+              <a:buNone/>
+            </a:pPr>
+            <a:r>
+              <a:rPr lang="pl-PL" dirty="0" smtClean="0"/>
+              <a:t>5. Init: i</a:t>
+            </a:r>
+            <a:r>
+              <a:rPr lang="en-US" dirty="0" smtClean="0"/>
+              <a:t>n this final phase, any static variables can be initialized and any static initialization blocks run.</a:t>
+            </a:r>
+            <a:endParaRPr lang="pl-PL" dirty="0" smtClean="0"/>
+          </a:p>
+          <a:p>
+            <a:pPr marL="228600" indent="-228600">
+              <a:buFont typeface="Arial" pitchFamily="34" charset="0"/>
+              <a:buNone/>
+            </a:pPr>
+            <a:endParaRPr lang="pl-PL" dirty="0" smtClean="0"/>
+          </a:p>
+          <a:p>
+            <a:pPr marL="228600" indent="-228600">
+              <a:buFont typeface="Arial" pitchFamily="34" charset="0"/>
+              <a:buNone/>
+            </a:pPr>
+            <a:r>
+              <a:rPr lang="pl-PL" dirty="0" smtClean="0"/>
+              <a:t>5. JIT Optimizations</a:t>
             </a:r>
           </a:p>
           <a:p>
@@ -7202,8 +7246,8 @@
               <a:buChar char="•"/>
             </a:pPr>
             <a:r>
-              <a:rPr lang="en-US" baseline="0" dirty="0" smtClean="0"/>
-              <a:t>Symbol table (constant pool)</a:t>
+              <a:rPr lang="pl-PL" dirty="0" smtClean="0"/>
+              <a:t>Inlining</a:t>
             </a:r>
           </a:p>
           <a:p>
@@ -7212,8 +7256,12 @@
               <a:buChar char="•"/>
             </a:pPr>
             <a:r>
-              <a:rPr lang="en-US" baseline="0" dirty="0" smtClean="0"/>
-              <a:t>Class information (super class, interfaces, fields)</a:t>
+              <a:rPr lang="pl-PL" dirty="0" smtClean="0"/>
+              <a:t>Loop</a:t>
+            </a:r>
+            <a:r>
+              <a:rPr lang="pl-PL" baseline="0" dirty="0" smtClean="0"/>
+              <a:t> unrolling</a:t>
             </a:r>
           </a:p>
           <a:p>
@@ -7222,8 +7270,8 @@
               <a:buChar char="•"/>
             </a:pPr>
             <a:r>
-              <a:rPr lang="en-US" baseline="0" dirty="0" smtClean="0"/>
-              <a:t>Method with that contains execution bytecode</a:t>
+              <a:rPr lang="pl-PL" baseline="0" dirty="0" smtClean="0"/>
+              <a:t>Escape analysis</a:t>
             </a:r>
           </a:p>
           <a:p>
@@ -7232,8 +7280,8 @@
               <a:buChar char="•"/>
             </a:pPr>
             <a:r>
-              <a:rPr lang="en-US" baseline="0" dirty="0" smtClean="0"/>
-              <a:t>Additional attributes</a:t>
+              <a:rPr lang="pl-PL" baseline="0" dirty="0" smtClean="0"/>
+              <a:t>Monomorphic calls</a:t>
             </a:r>
           </a:p>
           <a:p>
@@ -7241,87 +7289,47 @@
               <a:buFont typeface="Arial" pitchFamily="34" charset="0"/>
               <a:buChar char="•"/>
             </a:pPr>
-            <a:endParaRPr lang="en-US" sz="1200" b="0" i="0" kern="1200" baseline="0" dirty="0" smtClean="0">
-              <a:solidFill>
-                <a:schemeClr val="tx1"/>
-              </a:solidFill>
-              <a:latin typeface="+mn-lt"/>
-              <a:ea typeface="+mn-ea"/>
-              <a:cs typeface="+mn-cs"/>
-            </a:endParaRPr>
-          </a:p>
-          <a:p>
-            <a:pPr marL="228600" lvl="0" indent="-228600">
+            <a:r>
+              <a:rPr lang="pl-PL" dirty="0" smtClean="0"/>
+              <a:t>http://www.ibm.com/support/knowledgecenter/SSYKE2_7.1.0/com.ibm.java.aix.71.doc/diag/understanding/jit_overview.html</a:t>
+            </a:r>
+          </a:p>
+          <a:p>
+            <a:pPr marL="228600" indent="-228600">
               <a:buFont typeface="+mj-lt"/>
-              <a:buAutoNum type="arabicPeriod"/>
+              <a:buNone/>
             </a:pPr>
-            <a:r>
-              <a:rPr lang="en-US" sz="1200" b="0" i="0" kern="1200" dirty="0" smtClean="0">
-                <a:solidFill>
-                  <a:schemeClr val="tx1"/>
-                </a:solidFill>
-                <a:latin typeface="+mn-lt"/>
-                <a:ea typeface="+mn-ea"/>
-                <a:cs typeface="+mn-cs"/>
-              </a:rPr>
-              <a:t>The constant pool table is where most of the literal constant values are stored. This includes values such as numbers of all sorts, strings, identifier names, references to classes and methods, and type descriptors. All indexes, or references, to specific constants in the constant pool table are given by 16-bit  numbers (max 65535 symbols in class), where index value 1 refers to the first constant in the table (index value 0 is invalid).</a:t>
-            </a:r>
-          </a:p>
-          <a:p>
-            <a:pPr marL="685800" lvl="1" indent="-228600">
+            <a:endParaRPr lang="pl-PL" dirty="0" smtClean="0"/>
+          </a:p>
+          <a:p>
+            <a:pPr marL="228600" indent="-228600">
               <a:buFont typeface="Arial" pitchFamily="34" charset="0"/>
               <a:buNone/>
             </a:pPr>
-            <a:endParaRPr lang="en-US" sz="1200" b="0" i="0" kern="1200" dirty="0" smtClean="0">
-              <a:solidFill>
-                <a:schemeClr val="tx1"/>
-              </a:solidFill>
-              <a:latin typeface="+mn-lt"/>
-              <a:ea typeface="+mn-ea"/>
-              <a:cs typeface="+mn-cs"/>
-            </a:endParaRPr>
-          </a:p>
-          <a:p>
-            <a:pPr marL="685800" lvl="1" indent="-228600">
+            <a:endParaRPr lang="pl-PL" dirty="0" smtClean="0"/>
+          </a:p>
+          <a:p>
+            <a:pPr marL="228600" indent="-228600">
               <a:buFont typeface="Arial" pitchFamily="34" charset="0"/>
               <a:buNone/>
             </a:pPr>
-            <a:endParaRPr lang="en-US" baseline="0" dirty="0" smtClean="0"/>
-          </a:p>
-          <a:p>
-            <a:pPr marL="685800" lvl="1" indent="-228600">
+            <a:endParaRPr lang="en-US" dirty="0" smtClean="0"/>
+          </a:p>
+          <a:p>
+            <a:pPr marL="228600" indent="-228600">
               <a:buFont typeface="Arial" pitchFamily="34" charset="0"/>
-              <a:buChar char="•"/>
+              <a:buNone/>
             </a:pPr>
-            <a:endParaRPr lang="en-US" baseline="0" dirty="0" smtClean="0"/>
-          </a:p>
-          <a:p>
-            <a:pPr marL="685800" lvl="1" indent="-228600">
-              <a:buFont typeface="Arial" pitchFamily="34" charset="0"/>
-              <a:buChar char="•"/>
+            <a:endParaRPr lang="en-US" dirty="0" smtClean="0"/>
+          </a:p>
+          <a:p>
+            <a:pPr marL="228600" indent="-228600">
+              <a:buAutoNum type="arabicPeriod"/>
             </a:pPr>
-            <a:endParaRPr lang="en-US" baseline="0" dirty="0" smtClean="0"/>
-          </a:p>
-          <a:p>
-            <a:pPr marL="685800" lvl="1" indent="-228600">
-              <a:buFont typeface="Arial" pitchFamily="34" charset="0"/>
-              <a:buChar char="•"/>
-            </a:pPr>
-            <a:endParaRPr lang="en-US" baseline="0" dirty="0" smtClean="0"/>
-          </a:p>
-          <a:p>
-            <a:pPr marL="685800" lvl="1" indent="-228600">
-              <a:buFont typeface="Arial" pitchFamily="34" charset="0"/>
-              <a:buChar char="•"/>
-            </a:pPr>
-            <a:endParaRPr lang="en-US" baseline="0" dirty="0" smtClean="0"/>
-          </a:p>
-          <a:p>
-            <a:pPr marL="685800" lvl="1" indent="-228600">
-              <a:buFont typeface="Arial" pitchFamily="34" charset="0"/>
-              <a:buChar char="•"/>
-            </a:pPr>
-            <a:endParaRPr lang="en-US" dirty="0"/>
+            <a:endParaRPr lang="en-US" dirty="0" smtClean="0"/>
+          </a:p>
+          <a:p>
+            <a:endParaRPr lang="en-US" dirty="0" smtClean="0"/>
           </a:p>
         </p:txBody>
       </p:sp>
@@ -7343,7 +7351,7 @@
             <a:fld id="{00C4ABD6-EB69-41F8-AE27-9094148744EB}" type="slidenum">
               <a:rPr lang="en-US" smtClean="0"/>
               <a:pPr/>
-              <a:t>5</a:t>
+              <a:t>4</a:t>
             </a:fld>
             <a:endParaRPr lang="en-US" dirty="0"/>
           </a:p>
@@ -7376,7 +7384,7 @@
       </p:grpSpPr>
       <p:sp>
         <p:nvSpPr>
-          <p:cNvPr id="2" name="Symbol zastępczy obrazu slajdu 1"/>
+          <p:cNvPr id="2" name="Slide Image Placeholder 1"/>
           <p:cNvSpPr>
             <a:spLocks noGrp="1" noRot="1" noChangeAspect="1"/>
           </p:cNvSpPr>
@@ -7388,7 +7396,7 @@
       </p:sp>
       <p:sp>
         <p:nvSpPr>
-          <p:cNvPr id="3" name="Symbol zastępczy notatek 2"/>
+          <p:cNvPr id="3" name="Notes Placeholder 2"/>
           <p:cNvSpPr>
             <a:spLocks noGrp="1"/>
           </p:cNvSpPr>
@@ -7403,8 +7411,88 @@
           </a:bodyPr>
           <a:lstStyle/>
           <a:p>
-            <a:r>
-              <a:rPr lang="en-US" sz="1200" kern="1200" dirty="0" smtClean="0">
+            <a:pPr marL="228600" indent="-228600">
+              <a:buAutoNum type="arabicPeriod"/>
+            </a:pPr>
+            <a:r>
+              <a:rPr lang="en-US" dirty="0" smtClean="0"/>
+              <a:t>Each class file contains one Java</a:t>
+            </a:r>
+            <a:r>
+              <a:rPr lang="en-US" baseline="0" dirty="0" smtClean="0"/>
+              <a:t> type, either a class or an interface</a:t>
+            </a:r>
+          </a:p>
+          <a:p>
+            <a:pPr marL="228600" indent="-228600">
+              <a:buAutoNum type="arabicPeriod"/>
+            </a:pPr>
+            <a:r>
+              <a:rPr lang="en-US" baseline="0" dirty="0" smtClean="0"/>
+              <a:t>A class file contains</a:t>
+            </a:r>
+          </a:p>
+          <a:p>
+            <a:pPr marL="685800" lvl="1" indent="-228600">
+              <a:buFont typeface="Arial" pitchFamily="34" charset="0"/>
+              <a:buChar char="•"/>
+            </a:pPr>
+            <a:r>
+              <a:rPr lang="en-US" baseline="0" dirty="0" smtClean="0"/>
+              <a:t>Symbol table (constant pool)</a:t>
+            </a:r>
+          </a:p>
+          <a:p>
+            <a:pPr marL="685800" lvl="1" indent="-228600">
+              <a:buFont typeface="Arial" pitchFamily="34" charset="0"/>
+              <a:buChar char="•"/>
+            </a:pPr>
+            <a:r>
+              <a:rPr lang="en-US" baseline="0" dirty="0" smtClean="0"/>
+              <a:t>Class information (super class, interfaces, fields)</a:t>
+            </a:r>
+          </a:p>
+          <a:p>
+            <a:pPr marL="685800" lvl="1" indent="-228600">
+              <a:buFont typeface="Arial" pitchFamily="34" charset="0"/>
+              <a:buChar char="•"/>
+            </a:pPr>
+            <a:r>
+              <a:rPr lang="en-US" baseline="0" dirty="0" smtClean="0"/>
+              <a:t>Method with that contains execution bytecode</a:t>
+            </a:r>
+          </a:p>
+          <a:p>
+            <a:pPr marL="685800" lvl="1" indent="-228600">
+              <a:buFont typeface="Arial" pitchFamily="34" charset="0"/>
+              <a:buChar char="•"/>
+            </a:pPr>
+            <a:r>
+              <a:rPr lang="en-US" baseline="0" dirty="0" smtClean="0"/>
+              <a:t>Additional attributes</a:t>
+            </a:r>
+          </a:p>
+          <a:p>
+            <a:pPr marL="685800" lvl="1" indent="-228600">
+              <a:buFont typeface="Arial" pitchFamily="34" charset="0"/>
+              <a:buChar char="•"/>
+            </a:pPr>
+            <a:endParaRPr lang="en-US" sz="1200" b="0" i="0" kern="1200" baseline="0" dirty="0" smtClean="0">
+              <a:solidFill>
+                <a:schemeClr val="tx1"/>
+              </a:solidFill>
+              <a:latin typeface="+mn-lt"/>
+              <a:ea typeface="+mn-ea"/>
+              <a:cs typeface="+mn-cs"/>
+            </a:endParaRPr>
+          </a:p>
+          <a:p>
+            <a:pPr marL="228600" lvl="0" indent="-228600">
+              <a:buFont typeface="+mj-lt"/>
+              <a:buAutoNum type="arabicPeriod"/>
+            </a:pPr>
+            <a:r>
+              <a:rPr lang="en-US" sz="1200" b="0" i="0" kern="1200" dirty="0" smtClean="0">
                 <a:solidFill>
                   <a:schemeClr val="tx1"/>
                 </a:solidFill>
@@ -7412,83 +7500,70 @@
                 <a:ea typeface="+mn-ea"/>
                 <a:cs typeface="+mn-cs"/>
               </a:rPr>
-              <a:t>The compiled bytecode of any Java class can be disassembled into a human-readable listing of</a:t>
-            </a:r>
-            <a:r>
-              <a:rPr lang="pl-PL" sz="1200" kern="1200" smtClean="0">
-                <a:solidFill>
-                  <a:schemeClr val="tx1"/>
-                </a:solidFill>
-                <a:latin typeface="+mn-lt"/>
-                <a:ea typeface="+mn-ea"/>
-                <a:cs typeface="+mn-cs"/>
-              </a:rPr>
-              <a:t> </a:t>
-            </a:r>
-            <a:r>
-              <a:rPr lang="en-US" sz="1200" kern="1200" dirty="0" smtClean="0">
-                <a:solidFill>
-                  <a:schemeClr val="tx1"/>
-                </a:solidFill>
-                <a:latin typeface="+mn-lt"/>
-                <a:ea typeface="+mn-ea"/>
-                <a:cs typeface="+mn-cs"/>
-              </a:rPr>
-              <a:t>bytecode instructions</a:t>
-            </a:r>
-            <a:r>
-              <a:rPr lang="pl-PL" sz="1200" kern="1200" smtClean="0">
-                <a:solidFill>
-                  <a:schemeClr val="tx1"/>
-                </a:solidFill>
-                <a:latin typeface="+mn-lt"/>
-                <a:ea typeface="+mn-ea"/>
-                <a:cs typeface="+mn-cs"/>
-              </a:rPr>
-              <a:t> </a:t>
-            </a:r>
-            <a:r>
-              <a:rPr lang="en-US" sz="1200" kern="1200" dirty="0" smtClean="0">
-                <a:solidFill>
-                  <a:schemeClr val="tx1"/>
-                </a:solidFill>
-                <a:latin typeface="+mn-lt"/>
-                <a:ea typeface="+mn-ea"/>
-                <a:cs typeface="+mn-cs"/>
-              </a:rPr>
-              <a:t>by using</a:t>
-            </a:r>
-            <a:r>
-              <a:rPr lang="pl-PL" sz="1200" kern="1200" smtClean="0">
-                <a:solidFill>
-                  <a:schemeClr val="tx1"/>
-                </a:solidFill>
-                <a:latin typeface="+mn-lt"/>
-                <a:ea typeface="+mn-ea"/>
-                <a:cs typeface="+mn-cs"/>
-              </a:rPr>
-              <a:t> </a:t>
-            </a:r>
-            <a:r>
-              <a:rPr lang="en-US" sz="1200" kern="1200" dirty="0" smtClean="0">
-                <a:solidFill>
-                  <a:schemeClr val="tx1"/>
-                </a:solidFill>
-                <a:latin typeface="+mn-lt"/>
-                <a:ea typeface="+mn-ea"/>
-                <a:cs typeface="+mn-cs"/>
-              </a:rPr>
-              <a:t>javap, a standard tool included in the Java development kit.</a:t>
-            </a:r>
-          </a:p>
-          <a:p>
-            <a:endParaRPr lang="pl-PL"/>
-          </a:p>
-        </p:txBody>
-      </p:sp>
-      <p:sp>
-        <p:nvSpPr>
-          <p:cNvPr id="4" name="Symbol zastępczy numeru slajdu 3"/>
+              <a:t>The constant pool table is where most of the literal constant values are stored. This includes values such as numbers of all sorts, strings, identifier names, references to classes and methods, and type descriptors. All indexes, or references, to specific constants in the constant pool table are given by 16-bit  numbers (max 65535 symbols in class), where index value 1 refers to the first constant in the table (index value 0 is invalid).</a:t>
+            </a:r>
+          </a:p>
+          <a:p>
+            <a:pPr marL="685800" lvl="1" indent="-228600">
+              <a:buFont typeface="Arial" pitchFamily="34" charset="0"/>
+              <a:buNone/>
+            </a:pPr>
+            <a:endParaRPr lang="en-US" sz="1200" b="0" i="0" kern="1200" dirty="0" smtClean="0">
+              <a:solidFill>
+                <a:schemeClr val="tx1"/>
+              </a:solidFill>
+              <a:latin typeface="+mn-lt"/>
+              <a:ea typeface="+mn-ea"/>
+              <a:cs typeface="+mn-cs"/>
+            </a:endParaRPr>
+          </a:p>
+          <a:p>
+            <a:pPr marL="685800" lvl="1" indent="-228600">
+              <a:buFont typeface="Arial" pitchFamily="34" charset="0"/>
+              <a:buNone/>
+            </a:pPr>
+            <a:endParaRPr lang="en-US" baseline="0" dirty="0" smtClean="0"/>
+          </a:p>
+          <a:p>
+            <a:pPr marL="685800" lvl="1" indent="-228600">
+              <a:buFont typeface="Arial" pitchFamily="34" charset="0"/>
+              <a:buChar char="•"/>
+            </a:pPr>
+            <a:endParaRPr lang="en-US" baseline="0" dirty="0" smtClean="0"/>
+          </a:p>
+          <a:p>
+            <a:pPr marL="685800" lvl="1" indent="-228600">
+              <a:buFont typeface="Arial" pitchFamily="34" charset="0"/>
+              <a:buChar char="•"/>
+            </a:pPr>
+            <a:endParaRPr lang="en-US" baseline="0" dirty="0" smtClean="0"/>
+          </a:p>
+          <a:p>
+            <a:pPr marL="685800" lvl="1" indent="-228600">
+              <a:buFont typeface="Arial" pitchFamily="34" charset="0"/>
+              <a:buChar char="•"/>
+            </a:pPr>
+            <a:endParaRPr lang="en-US" baseline="0" dirty="0" smtClean="0"/>
+          </a:p>
+          <a:p>
+            <a:pPr marL="685800" lvl="1" indent="-228600">
+              <a:buFont typeface="Arial" pitchFamily="34" charset="0"/>
+              <a:buChar char="•"/>
+            </a:pPr>
+            <a:endParaRPr lang="en-US" baseline="0" dirty="0" smtClean="0"/>
+          </a:p>
+          <a:p>
+            <a:pPr marL="685800" lvl="1" indent="-228600">
+              <a:buFont typeface="Arial" pitchFamily="34" charset="0"/>
+              <a:buChar char="•"/>
+            </a:pPr>
+            <a:endParaRPr lang="en-US" dirty="0"/>
+          </a:p>
+        </p:txBody>
+      </p:sp>
+      <p:sp>
+        <p:nvSpPr>
+          <p:cNvPr id="4" name="Slide Number Placeholder 3"/>
           <p:cNvSpPr>
             <a:spLocks noGrp="1"/>
           </p:cNvSpPr>
@@ -7504,7 +7579,7 @@
             <a:fld id="{00C4ABD6-EB69-41F8-AE27-9094148744EB}" type="slidenum">
               <a:rPr lang="en-US" smtClean="0"/>
               <a:pPr/>
-              <a:t>6</a:t>
+              <a:t>5</a:t>
             </a:fld>
             <a:endParaRPr lang="en-US" dirty="0"/>
           </a:p>
@@ -7537,7 +7612,7 @@
       </p:grpSpPr>
       <p:sp>
         <p:nvSpPr>
-          <p:cNvPr id="2" name="Slide Image Placeholder 1"/>
+          <p:cNvPr id="2" name="Symbol zastępczy obrazu slajdu 1"/>
           <p:cNvSpPr>
             <a:spLocks noGrp="1" noRot="1" noChangeAspect="1"/>
           </p:cNvSpPr>
@@ -7549,7 +7624,7 @@
       </p:sp>
       <p:sp>
         <p:nvSpPr>
-          <p:cNvPr id="3" name="Notes Placeholder 2"/>
+          <p:cNvPr id="3" name="Symbol zastępczy notatek 2"/>
           <p:cNvSpPr>
             <a:spLocks noGrp="1"/>
           </p:cNvSpPr>
@@ -7564,127 +7639,92 @@
           </a:bodyPr>
           <a:lstStyle/>
           <a:p>
-            <a:pPr marL="228600" indent="-228600">
-              <a:buAutoNum type="arabicPeriod"/>
-            </a:pPr>
-            <a:r>
-              <a:rPr lang="en-US" dirty="0" smtClean="0"/>
-              <a:t>Reverse Polish or postfix notation – that is, the arguments or parameters for some command are stated before the actual command itself. For example, in Reverse Polish notation, one would say "2, 3, multiply" instead of "multiply, 2, 3" (prefix or Polish notation) or "2 multiply 3" (infix notation).</a:t>
-            </a:r>
-            <a:endParaRPr lang="pl-PL" smtClean="0"/>
-          </a:p>
-          <a:p>
-            <a:pPr marL="228600" indent="-228600">
-              <a:buAutoNum type="arabicPeriod"/>
-            </a:pPr>
-            <a:r>
-              <a:rPr lang="en-US" dirty="0" smtClean="0"/>
-              <a:t> Why reverse P</a:t>
-            </a:r>
-            <a:r>
-              <a:rPr lang="pl-PL" smtClean="0"/>
-              <a:t>o</a:t>
-            </a:r>
-            <a:r>
-              <a:rPr lang="en-US" dirty="0" err="1" smtClean="0"/>
-              <a:t>lish</a:t>
-            </a:r>
-            <a:r>
-              <a:rPr lang="en-US" smtClean="0"/>
-              <a:t> notation - it is easy to evaluate such expression by using a stack.</a:t>
-            </a:r>
-            <a:endParaRPr lang="pl-PL" smtClean="0"/>
-          </a:p>
-          <a:p>
-            <a:pPr marL="228600" indent="-228600">
-              <a:buAutoNum type="arabicPeriod"/>
-            </a:pPr>
-            <a:r>
-              <a:rPr lang="en-US" smtClean="0"/>
-              <a:t>In RPN you can write down any expression without using brackets</a:t>
-            </a:r>
-            <a:endParaRPr lang="pl-PL" smtClean="0"/>
-          </a:p>
-          <a:p>
-            <a:pPr marL="228600" indent="-228600">
-              <a:buAutoNum type="arabicPeriod"/>
-            </a:pPr>
-            <a:r>
-              <a:rPr lang="pl-PL" err="1" smtClean="0"/>
-              <a:t>Invented</a:t>
-            </a:r>
-            <a:r>
-              <a:rPr lang="pl-PL" smtClean="0"/>
-              <a:t> by </a:t>
-            </a:r>
-            <a:r>
-              <a:rPr lang="pl-PL" err="1" smtClean="0"/>
-              <a:t>matemetisian</a:t>
-            </a:r>
-            <a:r>
-              <a:rPr lang="pl-PL" baseline="0" smtClean="0"/>
-              <a:t> - </a:t>
-            </a:r>
-            <a:r>
-              <a:rPr lang="pl-PL" smtClean="0"/>
-              <a:t>Jan </a:t>
-            </a:r>
-            <a:r>
-              <a:rPr lang="pl-PL" err="1" smtClean="0"/>
-              <a:t>Lukasiewicz</a:t>
-            </a:r>
-            <a:r>
-              <a:rPr lang="pl-PL" smtClean="0"/>
-              <a:t> - 1920</a:t>
-            </a:r>
-          </a:p>
-          <a:p>
-            <a:pPr marL="228600" indent="-228600">
-              <a:buAutoNum type="arabicPeriod"/>
-            </a:pPr>
-            <a:endParaRPr lang="pl-PL" smtClean="0"/>
-          </a:p>
-          <a:p>
-            <a:pPr marL="228600" indent="-228600">
-              <a:buAutoNum type="arabicPeriod"/>
-            </a:pPr>
-            <a:r>
-              <a:rPr lang="en-US" smtClean="0"/>
-              <a:t>JVM uses a stack for all calculations and operations. This is sometimes called the operand (or evaluation) stack.</a:t>
-            </a:r>
-            <a:endParaRPr lang="pl-PL" smtClean="0"/>
-          </a:p>
-          <a:p>
-            <a:pPr marL="228600" indent="-228600">
-              <a:buAutoNum type="arabicPeriod"/>
-            </a:pPr>
-            <a:r>
-              <a:rPr lang="en-US" err="1" smtClean="0"/>
-              <a:t>Opcodes</a:t>
-            </a:r>
-            <a:r>
-              <a:rPr lang="en-US" smtClean="0"/>
-              <a:t> expect to find the stack in a given state, and transform the stack, so that the arguments are removed and results placed there instead.</a:t>
-            </a:r>
-            <a:endParaRPr lang="pl-PL" smtClean="0"/>
-          </a:p>
-          <a:p>
-            <a:pPr marL="228600" indent="-228600">
-              <a:buAutoNum type="arabicPeriod"/>
-            </a:pPr>
-            <a:endParaRPr lang="en-US" smtClean="0"/>
-          </a:p>
-          <a:p>
-            <a:pPr marL="228600" indent="-228600">
-              <a:buAutoNum type="arabicPeriod"/>
-            </a:pPr>
-            <a:endParaRPr lang="en-US"/>
-          </a:p>
-        </p:txBody>
-      </p:sp>
-      <p:sp>
-        <p:nvSpPr>
-          <p:cNvPr id="4" name="Slide Number Placeholder 3"/>
+            <a:r>
+              <a:rPr lang="en-US" sz="1200" kern="1200" dirty="0" smtClean="0">
+                <a:solidFill>
+                  <a:schemeClr val="tx1"/>
+                </a:solidFill>
+                <a:latin typeface="+mn-lt"/>
+                <a:ea typeface="+mn-ea"/>
+                <a:cs typeface="+mn-cs"/>
+              </a:rPr>
+              <a:t>The compiled bytecode of any Java class can be disassembled into a human-readable listing of</a:t>
+            </a:r>
+            <a:r>
+              <a:rPr lang="pl-PL" sz="1200" kern="1200" smtClean="0">
+                <a:solidFill>
+                  <a:schemeClr val="tx1"/>
+                </a:solidFill>
+                <a:latin typeface="+mn-lt"/>
+                <a:ea typeface="+mn-ea"/>
+                <a:cs typeface="+mn-cs"/>
+              </a:rPr>
+              <a:t> </a:t>
+            </a:r>
+            <a:r>
+              <a:rPr lang="en-US" sz="1200" kern="1200" dirty="0" smtClean="0">
+                <a:solidFill>
+                  <a:schemeClr val="tx1"/>
+                </a:solidFill>
+                <a:latin typeface="+mn-lt"/>
+                <a:ea typeface="+mn-ea"/>
+                <a:cs typeface="+mn-cs"/>
+              </a:rPr>
+              <a:t>bytecode instructions</a:t>
+            </a:r>
+            <a:r>
+              <a:rPr lang="pl-PL" sz="1200" kern="1200" smtClean="0">
+                <a:solidFill>
+                  <a:schemeClr val="tx1"/>
+                </a:solidFill>
+                <a:latin typeface="+mn-lt"/>
+                <a:ea typeface="+mn-ea"/>
+                <a:cs typeface="+mn-cs"/>
+              </a:rPr>
+              <a:t> </a:t>
+            </a:r>
+            <a:r>
+              <a:rPr lang="en-US" sz="1200" kern="1200" dirty="0" smtClean="0">
+                <a:solidFill>
+                  <a:schemeClr val="tx1"/>
+                </a:solidFill>
+                <a:latin typeface="+mn-lt"/>
+                <a:ea typeface="+mn-ea"/>
+                <a:cs typeface="+mn-cs"/>
+              </a:rPr>
+              <a:t>by using</a:t>
+            </a:r>
+            <a:r>
+              <a:rPr lang="pl-PL" sz="1200" kern="1200" smtClean="0">
+                <a:solidFill>
+                  <a:schemeClr val="tx1"/>
+                </a:solidFill>
+                <a:latin typeface="+mn-lt"/>
+                <a:ea typeface="+mn-ea"/>
+                <a:cs typeface="+mn-cs"/>
+              </a:rPr>
+              <a:t> </a:t>
+            </a:r>
+            <a:r>
+              <a:rPr lang="en-US" sz="1200" kern="1200" dirty="0" smtClean="0">
+                <a:solidFill>
+                  <a:schemeClr val="tx1"/>
+                </a:solidFill>
+                <a:latin typeface="+mn-lt"/>
+                <a:ea typeface="+mn-ea"/>
+                <a:cs typeface="+mn-cs"/>
+              </a:rPr>
+              <a:t>javap, a standard tool included in the Java development kit.</a:t>
+            </a:r>
+          </a:p>
+          <a:p>
+            <a:endParaRPr lang="pl-PL"/>
+          </a:p>
+        </p:txBody>
+      </p:sp>
+      <p:sp>
+        <p:nvSpPr>
+          <p:cNvPr id="4" name="Symbol zastępczy numeru slajdu 3"/>
           <p:cNvSpPr>
             <a:spLocks noGrp="1"/>
           </p:cNvSpPr>
@@ -7700,9 +7740,9 @@
             <a:fld id="{00C4ABD6-EB69-41F8-AE27-9094148744EB}" type="slidenum">
               <a:rPr lang="en-US" smtClean="0"/>
               <a:pPr/>
-              <a:t>7</a:t>
+              <a:t>6</a:t>
             </a:fld>
-            <a:endParaRPr lang="en-US"/>
+            <a:endParaRPr lang="en-US" dirty="0"/>
           </a:p>
         </p:txBody>
       </p:sp>
@@ -7733,7 +7773,7 @@
       </p:grpSpPr>
       <p:sp>
         <p:nvSpPr>
-          <p:cNvPr id="2" name="Symbol zastępczy obrazu slajdu 1"/>
+          <p:cNvPr id="2" name="Slide Image Placeholder 1"/>
           <p:cNvSpPr>
             <a:spLocks noGrp="1" noRot="1" noChangeAspect="1"/>
           </p:cNvSpPr>
@@ -7745,7 +7785,7 @@
       </p:sp>
       <p:sp>
         <p:nvSpPr>
-          <p:cNvPr id="3" name="Symbol zastępczy notatek 2"/>
+          <p:cNvPr id="3" name="Notes Placeholder 2"/>
           <p:cNvSpPr>
             <a:spLocks noGrp="1"/>
           </p:cNvSpPr>
@@ -7756,844 +7796,149 @@
         <p:spPr/>
         <p:txBody>
           <a:bodyPr>
-            <a:normAutofit lnSpcReduction="10000"/>
+            <a:normAutofit/>
           </a:bodyPr>
           <a:lstStyle/>
-          <a:p>
-            <a:pPr marL="228600" lvl="0" indent="-228600">
-              <a:buAutoNum type="arabicPeriod"/>
-            </a:pPr>
-            <a:r>
-              <a:rPr lang="pl-PL" b="1" err="1" smtClean="0"/>
-              <a:t>Call</a:t>
-            </a:r>
-            <a:r>
-              <a:rPr lang="pl-PL" b="1" smtClean="0"/>
-              <a:t> </a:t>
-            </a:r>
-            <a:r>
-              <a:rPr lang="pl-PL" b="1" err="1" smtClean="0"/>
-              <a:t>Stack</a:t>
-            </a:r>
-            <a:endParaRPr lang="pl-PL" b="1" smtClean="0"/>
-          </a:p>
-          <a:p>
-            <a:pPr marL="685800" marR="0" lvl="1" indent="-228600" algn="l" defTabSz="914400" rtl="0" eaLnBrk="1" fontAlgn="auto" latinLnBrk="0" hangingPunct="1">
-              <a:lnSpc>
-                <a:spcPct val="100000"/>
-              </a:lnSpc>
-              <a:spcBef>
-                <a:spcPts val="0"/>
-              </a:spcBef>
-              <a:spcAft>
-                <a:spcPts val="0"/>
-              </a:spcAft>
-              <a:buClrTx/>
-              <a:buSzTx/>
-              <a:buFontTx/>
-              <a:buAutoNum type="arabicPeriod"/>
-              <a:tabLst/>
-              <a:defRPr/>
-            </a:pPr>
-            <a:r>
-              <a:rPr lang="pl-PL" smtClean="0"/>
-              <a:t>E</a:t>
-            </a:r>
-            <a:r>
-              <a:rPr lang="en-US" smtClean="0"/>
-              <a:t>ach time a method is invoked a new stack frame is created</a:t>
-            </a:r>
-            <a:r>
-              <a:rPr lang="pl-PL" smtClean="0"/>
-              <a:t>. </a:t>
-            </a:r>
-          </a:p>
-          <a:p>
-            <a:pPr marL="685800" lvl="1" indent="-228600">
-              <a:buAutoNum type="arabicPeriod"/>
-            </a:pPr>
-            <a:r>
-              <a:rPr lang="en-US" smtClean="0"/>
-              <a:t>Each thread has its own stack that holds a frame for each method executing on that thread. </a:t>
-            </a:r>
-            <a:endParaRPr lang="pl-PL" smtClean="0"/>
-          </a:p>
-          <a:p>
-            <a:pPr marL="685800" lvl="1" indent="-228600">
-              <a:buAutoNum type="arabicPeriod"/>
-            </a:pPr>
-            <a:r>
-              <a:rPr lang="en-US" smtClean="0"/>
-              <a:t>Currently executing method is at the top of the stack. </a:t>
-            </a:r>
-            <a:endParaRPr lang="pl-PL" smtClean="0"/>
-          </a:p>
-          <a:p>
-            <a:pPr marL="685800" lvl="1" indent="-228600">
-              <a:buAutoNum type="arabicPeriod"/>
-            </a:pPr>
-            <a:r>
-              <a:rPr lang="en-US" smtClean="0"/>
-              <a:t>A new frame is created and added (pushed) to the top of stack for every method invocation. </a:t>
-            </a:r>
-            <a:endParaRPr lang="pl-PL" smtClean="0"/>
-          </a:p>
-          <a:p>
-            <a:pPr marL="685800" lvl="1" indent="-228600">
-              <a:buAutoNum type="arabicPeriod"/>
-            </a:pPr>
-            <a:r>
-              <a:rPr lang="en-US" smtClean="0"/>
-              <a:t>The frame is removed (popped) when the method returns normally or if exception is thrown.</a:t>
-            </a:r>
-            <a:endParaRPr lang="pl-PL" smtClean="0"/>
-          </a:p>
-          <a:p>
-            <a:pPr marL="685800" lvl="1" indent="-228600">
-              <a:buAutoNum type="arabicPeriod"/>
-            </a:pPr>
-            <a:r>
-              <a:rPr lang="en-US" smtClean="0"/>
-              <a:t>Frame objects may be allocated in the Heap and the memory does not need to be contiguous.</a:t>
-            </a:r>
-            <a:endParaRPr lang="pl-PL" smtClean="0"/>
-          </a:p>
-          <a:p>
-            <a:pPr marL="685800" lvl="1" indent="-228600">
-              <a:buAutoNum type="arabicPeriod"/>
-            </a:pPr>
-            <a:r>
-              <a:rPr lang="pl-PL" err="1" smtClean="0"/>
-              <a:t>StackOverflowError</a:t>
-            </a:r>
-            <a:r>
-              <a:rPr lang="pl-PL" baseline="0" smtClean="0"/>
-              <a:t> - </a:t>
-            </a:r>
-            <a:r>
-              <a:rPr lang="pl-PL" smtClean="0"/>
-              <a:t>6000 – 8500 (</a:t>
-            </a:r>
-            <a:r>
-              <a:rPr lang="pl-PL" err="1" smtClean="0"/>
-              <a:t>depends</a:t>
-            </a:r>
-            <a:r>
-              <a:rPr lang="pl-PL" smtClean="0"/>
-              <a:t> on JVM, </a:t>
-            </a:r>
-            <a:r>
-              <a:rPr lang="pl-PL" err="1" smtClean="0"/>
-              <a:t>configuration</a:t>
-            </a:r>
-            <a:r>
-              <a:rPr lang="pl-PL" baseline="0" smtClean="0"/>
-              <a:t> and </a:t>
-            </a:r>
-            <a:r>
-              <a:rPr lang="pl-PL" baseline="0" err="1" smtClean="0"/>
-              <a:t>memory</a:t>
-            </a:r>
-            <a:r>
-              <a:rPr lang="pl-PL" baseline="0" smtClean="0"/>
-              <a:t> </a:t>
-            </a:r>
-            <a:r>
-              <a:rPr lang="pl-PL" baseline="0" err="1" smtClean="0"/>
-              <a:t>available</a:t>
-            </a:r>
-            <a:r>
-              <a:rPr lang="pl-PL" baseline="0" smtClean="0"/>
-              <a:t>)</a:t>
-            </a:r>
-            <a:endParaRPr lang="pl-PL" smtClean="0"/>
-          </a:p>
           <a:p>
             <a:pPr marL="228600" indent="-228600">
               <a:buAutoNum type="arabicPeriod"/>
             </a:pPr>
-            <a:endParaRPr lang="pl-PL" smtClean="0"/>
+            <a:r>
+              <a:rPr lang="en-US" dirty="0" smtClean="0"/>
+              <a:t>Reverse Polish or postfix notation – that is, the arguments or parameters for some command are stated before the actual command itself. For example, in Reverse Polish notation, one would say "2, 3, multiply" instead of "multiply, 2, 3" (prefix or Polish notation) or "2 multiply 3" (infix notation).</a:t>
+            </a:r>
+            <a:endParaRPr lang="pl-PL" dirty="0" smtClean="0"/>
           </a:p>
           <a:p>
             <a:pPr marL="228600" indent="-228600">
               <a:buAutoNum type="arabicPeriod"/>
             </a:pPr>
             <a:r>
-              <a:rPr lang="pl-PL" b="1" err="1" smtClean="0"/>
-              <a:t>Method</a:t>
-            </a:r>
-            <a:r>
-              <a:rPr lang="pl-PL" b="1" baseline="0" smtClean="0"/>
-              <a:t> </a:t>
-            </a:r>
-            <a:r>
-              <a:rPr lang="pl-PL" b="1" baseline="0" err="1" smtClean="0"/>
-              <a:t>Frame</a:t>
-            </a:r>
-            <a:r>
-              <a:rPr lang="pl-PL" smtClean="0"/>
-              <a:t>:</a:t>
-            </a:r>
-          </a:p>
-          <a:p>
-            <a:pPr marL="685800" lvl="1" indent="-228600">
+              <a:rPr lang="en-US" dirty="0" smtClean="0"/>
+              <a:t> Why reverse P</a:t>
+            </a:r>
+            <a:r>
+              <a:rPr lang="pl-PL" dirty="0" smtClean="0"/>
+              <a:t>o</a:t>
+            </a:r>
+            <a:r>
+              <a:rPr lang="en-US" dirty="0" err="1" smtClean="0"/>
+              <a:t>lish</a:t>
+            </a:r>
+            <a:r>
+              <a:rPr lang="en-US" dirty="0" smtClean="0"/>
+              <a:t> notation - it is easy to evaluate such expression by using a stack.</a:t>
+            </a:r>
+            <a:endParaRPr lang="pl-PL" dirty="0" smtClean="0"/>
+          </a:p>
+          <a:p>
+            <a:pPr marL="228600" indent="-228600">
               <a:buAutoNum type="arabicPeriod"/>
             </a:pPr>
             <a:r>
-              <a:rPr lang="pl-PL" err="1" smtClean="0"/>
-              <a:t>Array</a:t>
-            </a:r>
-            <a:r>
-              <a:rPr lang="pl-PL" baseline="0" smtClean="0"/>
-              <a:t> of </a:t>
-            </a:r>
-            <a:r>
-              <a:rPr lang="pl-PL" baseline="0" err="1" smtClean="0"/>
-              <a:t>local</a:t>
-            </a:r>
-            <a:r>
-              <a:rPr lang="pl-PL" baseline="0" smtClean="0"/>
-              <a:t> </a:t>
-            </a:r>
-            <a:r>
-              <a:rPr lang="pl-PL" baseline="0" err="1" smtClean="0"/>
-              <a:t>variables</a:t>
-            </a:r>
-            <a:endParaRPr lang="pl-PL" baseline="0" smtClean="0"/>
-          </a:p>
-          <a:p>
-            <a:pPr marL="1143000" lvl="2" indent="-228600">
-              <a:buFont typeface="Arial" pitchFamily="34" charset="0"/>
-              <a:buChar char="•"/>
+              <a:rPr lang="en-US" dirty="0" smtClean="0"/>
+              <a:t>In RPN you can write down any expression without using brackets</a:t>
+            </a:r>
+            <a:endParaRPr lang="pl-PL" dirty="0" smtClean="0"/>
+          </a:p>
+          <a:p>
+            <a:pPr marL="228600" indent="-228600">
+              <a:buAutoNum type="arabicPeriod"/>
             </a:pPr>
             <a:r>
-              <a:rPr lang="pl-PL" smtClean="0"/>
-              <a:t>C</a:t>
-            </a:r>
-            <a:r>
-              <a:rPr lang="en-US" err="1" smtClean="0"/>
-              <a:t>ontains</a:t>
-            </a:r>
-            <a:r>
-              <a:rPr lang="en-US" smtClean="0"/>
-              <a:t> the parameters of the method and values of the local variables. </a:t>
-            </a:r>
-            <a:endParaRPr lang="pl-PL" smtClean="0"/>
-          </a:p>
-          <a:p>
-            <a:pPr marL="1143000" marR="0" lvl="2" indent="-228600" algn="l" defTabSz="914400" rtl="0" eaLnBrk="1" fontAlgn="auto" latinLnBrk="0" hangingPunct="1">
-              <a:lnSpc>
-                <a:spcPct val="100000"/>
-              </a:lnSpc>
-              <a:spcBef>
-                <a:spcPts val="0"/>
-              </a:spcBef>
-              <a:spcAft>
-                <a:spcPts val="0"/>
-              </a:spcAft>
-              <a:buClrTx/>
-              <a:buSzTx/>
-              <a:buFont typeface="Arial" pitchFamily="34" charset="0"/>
-              <a:buChar char="•"/>
-              <a:tabLst/>
-              <a:defRPr/>
+              <a:rPr lang="pl-PL" dirty="0" smtClean="0"/>
+              <a:t>Invented by matemetisian</a:t>
+            </a:r>
+            <a:r>
+              <a:rPr lang="pl-PL" baseline="0" dirty="0" smtClean="0"/>
+              <a:t> - </a:t>
+            </a:r>
+            <a:r>
+              <a:rPr lang="pl-PL" dirty="0" smtClean="0"/>
+              <a:t>Jan Lukasiewicz - 1920</a:t>
+            </a:r>
+          </a:p>
+          <a:p>
+            <a:pPr marL="228600" indent="-228600">
+              <a:buAutoNum type="arabicPeriod"/>
             </a:pPr>
-            <a:r>
-              <a:rPr lang="en-US" smtClean="0"/>
-              <a:t>If the frame is for a constructor or an instance method, </a:t>
-            </a:r>
-            <a:r>
-              <a:rPr lang="pl-PL" smtClean="0"/>
-              <a:t>‘</a:t>
-            </a:r>
-            <a:r>
-              <a:rPr lang="pl-PL" err="1" smtClean="0"/>
-              <a:t>this</a:t>
-            </a:r>
-            <a:r>
-              <a:rPr lang="pl-PL" smtClean="0"/>
-              <a:t>’</a:t>
-            </a:r>
-            <a:r>
-              <a:rPr lang="en-US" smtClean="0"/>
-              <a:t> reference is stored at location 0</a:t>
-            </a:r>
-            <a:endParaRPr lang="pl-PL" smtClean="0"/>
-          </a:p>
-          <a:p>
-            <a:pPr marL="1143000" marR="0" lvl="2" indent="-228600" algn="l" defTabSz="914400" rtl="0" eaLnBrk="1" fontAlgn="auto" latinLnBrk="0" hangingPunct="1">
-              <a:lnSpc>
-                <a:spcPct val="100000"/>
-              </a:lnSpc>
-              <a:spcBef>
-                <a:spcPts val="0"/>
-              </a:spcBef>
-              <a:spcAft>
-                <a:spcPts val="0"/>
-              </a:spcAft>
-              <a:buClrTx/>
-              <a:buSzTx/>
-              <a:buFont typeface="Arial" pitchFamily="34" charset="0"/>
-              <a:buChar char="•"/>
-              <a:tabLst/>
-              <a:defRPr/>
+            <a:endParaRPr lang="pl-PL" dirty="0" smtClean="0"/>
+          </a:p>
+          <a:p>
+            <a:pPr marL="228600" indent="-228600">
+              <a:buAutoNum type="arabicPeriod"/>
             </a:pPr>
             <a:r>
-              <a:rPr lang="en-US" smtClean="0"/>
-              <a:t>The size of the array of local variables is determined at compile time</a:t>
-            </a:r>
-            <a:endParaRPr lang="pl-PL" smtClean="0"/>
-          </a:p>
-          <a:p>
-            <a:pPr marL="1143000" marR="0" lvl="2" indent="-228600" algn="l" defTabSz="914400" rtl="0" eaLnBrk="1" fontAlgn="auto" latinLnBrk="0" hangingPunct="1">
-              <a:lnSpc>
-                <a:spcPct val="100000"/>
-              </a:lnSpc>
-              <a:spcBef>
-                <a:spcPts val="0"/>
-              </a:spcBef>
-              <a:spcAft>
-                <a:spcPts val="0"/>
-              </a:spcAft>
-              <a:buClrTx/>
-              <a:buSzTx/>
-              <a:buFont typeface="Arial" pitchFamily="34" charset="0"/>
-              <a:buNone/>
-              <a:tabLst/>
-              <a:defRPr/>
+              <a:rPr lang="en-US" dirty="0" smtClean="0"/>
+              <a:t>JVM uses a stack for all calculations and operations. This is sometimes called the operand (or evaluation) stack.</a:t>
+            </a:r>
+            <a:endParaRPr lang="pl-PL" dirty="0" smtClean="0"/>
+          </a:p>
+          <a:p>
+            <a:pPr marL="228600" indent="-228600">
+              <a:buAutoNum type="arabicPeriod"/>
             </a:pPr>
-            <a:endParaRPr lang="pl-PL" smtClean="0"/>
-          </a:p>
-          <a:p>
-            <a:pPr marL="685800" marR="0" lvl="1" indent="-228600" algn="l" defTabSz="914400" rtl="0" eaLnBrk="1" fontAlgn="auto" latinLnBrk="0" hangingPunct="1">
-              <a:lnSpc>
-                <a:spcPct val="100000"/>
-              </a:lnSpc>
-              <a:spcBef>
-                <a:spcPts val="0"/>
-              </a:spcBef>
-              <a:spcAft>
-                <a:spcPts val="0"/>
-              </a:spcAft>
-              <a:buClrTx/>
-              <a:buSzTx/>
-              <a:buFont typeface="+mj-lt"/>
+            <a:r>
+              <a:rPr lang="en-US" dirty="0" smtClean="0"/>
+              <a:t>Opcodes expect to find the stack in a given state, and transform the stack, so that the arguments are removed and results placed there instead.</a:t>
+            </a:r>
+          </a:p>
+          <a:p>
+            <a:pPr marL="228600" indent="-228600">
               <a:buAutoNum type="arabicPeriod"/>
-              <a:tabLst/>
-              <a:defRPr/>
             </a:pPr>
             <a:r>
-              <a:rPr lang="pl-PL" smtClean="0"/>
-              <a:t>Operand </a:t>
-            </a:r>
-            <a:r>
-              <a:rPr lang="pl-PL" err="1" smtClean="0"/>
-              <a:t>stack</a:t>
-            </a:r>
-            <a:endParaRPr lang="pl-PL" smtClean="0"/>
-          </a:p>
-          <a:p>
-            <a:pPr marL="1143000" marR="0" lvl="2" indent="-228600" algn="l" defTabSz="914400" rtl="0" eaLnBrk="1" fontAlgn="auto" latinLnBrk="0" hangingPunct="1">
-              <a:lnSpc>
-                <a:spcPct val="100000"/>
-              </a:lnSpc>
-              <a:spcBef>
-                <a:spcPts val="0"/>
-              </a:spcBef>
-              <a:spcAft>
-                <a:spcPts val="0"/>
-              </a:spcAft>
-              <a:buClrTx/>
-              <a:buSzTx/>
-              <a:buFont typeface="Arial" pitchFamily="34" charset="0"/>
-              <a:buChar char="•"/>
-              <a:tabLst/>
-              <a:defRPr/>
+              <a:rPr lang="en-US" sz="1200" b="0" i="0" kern="1200" dirty="0" smtClean="0">
+                <a:solidFill>
+                  <a:schemeClr val="tx1"/>
+                </a:solidFill>
+                <a:latin typeface="+mn-lt"/>
+                <a:ea typeface="+mn-ea"/>
+                <a:cs typeface="+mn-cs"/>
+              </a:rPr>
+              <a:t>Intel x86 Architecture and ARM Architecture run based on a </a:t>
+            </a:r>
+            <a:r>
+              <a:rPr lang="en-US" sz="1200" b="0" i="1" kern="1200" dirty="0" smtClean="0">
+                <a:solidFill>
+                  <a:schemeClr val="tx1"/>
+                </a:solidFill>
+                <a:latin typeface="+mn-lt"/>
+                <a:ea typeface="+mn-ea"/>
+                <a:cs typeface="+mn-cs"/>
+              </a:rPr>
+              <a:t>register</a:t>
+            </a:r>
+            <a:r>
+              <a:rPr lang="en-US" sz="1200" b="0" i="0" kern="1200" dirty="0" smtClean="0">
+                <a:solidFill>
+                  <a:schemeClr val="tx1"/>
+                </a:solidFill>
+                <a:latin typeface="+mn-lt"/>
+                <a:ea typeface="+mn-ea"/>
+                <a:cs typeface="+mn-cs"/>
+              </a:rPr>
+              <a:t>.</a:t>
+            </a:r>
+            <a:endParaRPr lang="pl-PL" dirty="0" smtClean="0"/>
+          </a:p>
+          <a:p>
+            <a:pPr marL="228600" indent="-228600">
+              <a:buAutoNum type="arabicPeriod"/>
             </a:pPr>
-            <a:r>
-              <a:rPr lang="en-US" smtClean="0"/>
-              <a:t>LIFO stack used to push and pop values</a:t>
-            </a:r>
-            <a:endParaRPr lang="pl-PL" smtClean="0"/>
-          </a:p>
-          <a:p>
-            <a:pPr marL="1143000" marR="0" lvl="2" indent="-228600" algn="l" defTabSz="914400" rtl="0" eaLnBrk="1" fontAlgn="auto" latinLnBrk="0" hangingPunct="1">
-              <a:lnSpc>
-                <a:spcPct val="100000"/>
-              </a:lnSpc>
-              <a:spcBef>
-                <a:spcPts val="0"/>
-              </a:spcBef>
-              <a:spcAft>
-                <a:spcPts val="0"/>
-              </a:spcAft>
-              <a:buClrTx/>
-              <a:buSzTx/>
-              <a:buFont typeface="Arial" pitchFamily="34" charset="0"/>
-              <a:buChar char="•"/>
-              <a:tabLst/>
-              <a:defRPr/>
+            <a:endParaRPr lang="en-US" dirty="0" smtClean="0"/>
+          </a:p>
+          <a:p>
+            <a:pPr marL="228600" indent="-228600">
+              <a:buAutoNum type="arabicPeriod"/>
             </a:pPr>
-            <a:r>
-              <a:rPr lang="en-US" smtClean="0"/>
-              <a:t>size is determined at compile time</a:t>
-            </a:r>
-            <a:endParaRPr lang="pl-PL" smtClean="0"/>
-          </a:p>
-          <a:p>
-            <a:pPr marL="1143000" marR="0" lvl="2" indent="-228600" algn="l" defTabSz="914400" rtl="0" eaLnBrk="1" fontAlgn="auto" latinLnBrk="0" hangingPunct="1">
-              <a:lnSpc>
-                <a:spcPct val="100000"/>
-              </a:lnSpc>
-              <a:spcBef>
-                <a:spcPts val="0"/>
-              </a:spcBef>
-              <a:spcAft>
-                <a:spcPts val="0"/>
-              </a:spcAft>
-              <a:buClrTx/>
-              <a:buSzTx/>
-              <a:buFont typeface="Arial" pitchFamily="34" charset="0"/>
-              <a:buChar char="•"/>
-              <a:tabLst/>
-              <a:defRPr/>
-            </a:pPr>
-            <a:r>
-              <a:rPr lang="pl-PL" smtClean="0"/>
-              <a:t>c</a:t>
-            </a:r>
-            <a:r>
-              <a:rPr lang="en-US" err="1" smtClean="0"/>
-              <a:t>ertain</a:t>
-            </a:r>
-            <a:r>
-              <a:rPr lang="en-US" smtClean="0"/>
-              <a:t> </a:t>
-            </a:r>
-            <a:r>
-              <a:rPr lang="en-US" err="1" smtClean="0"/>
-              <a:t>opcode</a:t>
-            </a:r>
-            <a:r>
-              <a:rPr lang="en-US" smtClean="0"/>
-              <a:t> instructions push values onto the operand stack; others take operands from the stack</a:t>
-            </a:r>
-            <a:r>
-              <a:rPr lang="pl-PL" smtClean="0"/>
-              <a:t>, </a:t>
-            </a:r>
-            <a:r>
-              <a:rPr lang="en-US" smtClean="0"/>
-              <a:t>manipulate them, and push the result. The operand stack is also used to receive return values from methods</a:t>
-            </a:r>
-            <a:endParaRPr lang="pl-PL" smtClean="0"/>
-          </a:p>
-          <a:p>
-            <a:pPr marL="1143000" marR="0" lvl="2" indent="-228600" algn="l" defTabSz="914400" rtl="0" eaLnBrk="1" fontAlgn="auto" latinLnBrk="0" hangingPunct="1">
-              <a:lnSpc>
-                <a:spcPct val="100000"/>
-              </a:lnSpc>
-              <a:spcBef>
-                <a:spcPts val="0"/>
-              </a:spcBef>
-              <a:spcAft>
-                <a:spcPts val="0"/>
-              </a:spcAft>
-              <a:buClrTx/>
-              <a:buSzTx/>
-              <a:buFont typeface="Arial" pitchFamily="34" charset="0"/>
-              <a:buChar char="•"/>
-              <a:tabLst/>
-              <a:defRPr/>
-            </a:pPr>
-            <a:endParaRPr lang="pl-PL" smtClean="0"/>
-          </a:p>
-          <a:p>
-            <a:pPr marL="685800" marR="0" lvl="1" indent="-228600" algn="l" defTabSz="914400" rtl="0" eaLnBrk="1" fontAlgn="auto" latinLnBrk="0" hangingPunct="1">
-              <a:lnSpc>
-                <a:spcPct val="100000"/>
-              </a:lnSpc>
-              <a:spcBef>
-                <a:spcPts val="0"/>
-              </a:spcBef>
-              <a:spcAft>
-                <a:spcPts val="0"/>
-              </a:spcAft>
-              <a:buClrTx/>
-              <a:buSzTx/>
-              <a:buFont typeface="+mj-lt"/>
-              <a:buNone/>
-              <a:tabLst/>
-              <a:defRPr/>
-            </a:pPr>
-            <a:r>
-              <a:rPr lang="pl-PL" smtClean="0"/>
-              <a:t>3. R</a:t>
-            </a:r>
-            <a:r>
-              <a:rPr lang="en-US" err="1" smtClean="0"/>
-              <a:t>eference</a:t>
-            </a:r>
-            <a:r>
-              <a:rPr lang="en-US" smtClean="0"/>
-              <a:t> to the runtime constant pool of the class of the current method</a:t>
-            </a:r>
-            <a:endParaRPr lang="pl-PL" smtClean="0"/>
-          </a:p>
-          <a:p>
-            <a:pPr marL="685800" marR="0" lvl="1" indent="-228600" algn="l" defTabSz="914400" rtl="0" eaLnBrk="1" fontAlgn="auto" latinLnBrk="0" hangingPunct="1">
-              <a:lnSpc>
-                <a:spcPct val="100000"/>
-              </a:lnSpc>
-              <a:spcBef>
-                <a:spcPts val="0"/>
-              </a:spcBef>
-              <a:spcAft>
-                <a:spcPts val="0"/>
-              </a:spcAft>
-              <a:buClrTx/>
-              <a:buSzTx/>
-              <a:buFont typeface="+mj-lt"/>
-              <a:buNone/>
-              <a:tabLst/>
-              <a:defRPr/>
-            </a:pPr>
-            <a:r>
-              <a:rPr lang="pl-PL" smtClean="0"/>
-              <a:t>4. </a:t>
-            </a:r>
-            <a:r>
-              <a:rPr lang="pl-PL" err="1" smtClean="0"/>
-              <a:t>Common</a:t>
-            </a:r>
-            <a:endParaRPr lang="pl-PL" smtClean="0"/>
-          </a:p>
-          <a:p>
-            <a:pPr marL="1143000" marR="0" lvl="2" indent="-228600" algn="l" defTabSz="914400" rtl="0" eaLnBrk="1" fontAlgn="auto" latinLnBrk="0" hangingPunct="1">
-              <a:lnSpc>
-                <a:spcPct val="100000"/>
-              </a:lnSpc>
-              <a:spcBef>
-                <a:spcPts val="0"/>
-              </a:spcBef>
-              <a:spcAft>
-                <a:spcPts val="0"/>
-              </a:spcAft>
-              <a:buClrTx/>
-              <a:buSzTx/>
-              <a:buFont typeface="Arial" pitchFamily="34" charset="0"/>
-              <a:buChar char="•"/>
-              <a:tabLst/>
-              <a:defRPr/>
-            </a:pPr>
-            <a:r>
-              <a:rPr lang="pl-PL" smtClean="0"/>
-              <a:t>JVM</a:t>
-            </a:r>
-            <a:r>
-              <a:rPr lang="pl-PL" baseline="0" smtClean="0"/>
-              <a:t> </a:t>
-            </a:r>
-            <a:r>
-              <a:rPr lang="pl-PL" baseline="0" err="1" smtClean="0"/>
-              <a:t>stack</a:t>
-            </a:r>
-            <a:r>
-              <a:rPr lang="pl-PL" baseline="0" smtClean="0"/>
-              <a:t> </a:t>
-            </a:r>
-            <a:r>
-              <a:rPr lang="pl-PL" baseline="0" err="1" smtClean="0"/>
-              <a:t>slots</a:t>
-            </a:r>
-            <a:r>
-              <a:rPr lang="pl-PL" baseline="0" smtClean="0"/>
-              <a:t> (and </a:t>
-            </a:r>
-            <a:r>
-              <a:rPr lang="pl-PL" baseline="0" err="1" smtClean="0"/>
-              <a:t>local</a:t>
-            </a:r>
-            <a:r>
-              <a:rPr lang="pl-PL" baseline="0" smtClean="0"/>
-              <a:t> </a:t>
-            </a:r>
-            <a:r>
-              <a:rPr lang="pl-PL" baseline="0" err="1" smtClean="0"/>
-              <a:t>vars</a:t>
-            </a:r>
-            <a:r>
-              <a:rPr lang="pl-PL" baseline="0" smtClean="0"/>
-              <a:t>) </a:t>
-            </a:r>
-            <a:r>
-              <a:rPr lang="pl-PL" baseline="0" err="1" smtClean="0"/>
-              <a:t>are</a:t>
-            </a:r>
-            <a:r>
-              <a:rPr lang="pl-PL" baseline="0" smtClean="0"/>
-              <a:t> 32-bit</a:t>
-            </a:r>
-          </a:p>
-          <a:p>
-            <a:pPr marL="1143000" marR="0" lvl="2" indent="-228600" algn="l" defTabSz="914400" rtl="0" eaLnBrk="1" fontAlgn="auto" latinLnBrk="0" hangingPunct="1">
-              <a:lnSpc>
-                <a:spcPct val="100000"/>
-              </a:lnSpc>
-              <a:spcBef>
-                <a:spcPts val="0"/>
-              </a:spcBef>
-              <a:spcAft>
-                <a:spcPts val="0"/>
-              </a:spcAft>
-              <a:buClrTx/>
-              <a:buSzTx/>
-              <a:buFont typeface="Arial" pitchFamily="34" charset="0"/>
-              <a:buChar char="•"/>
-              <a:tabLst/>
-              <a:defRPr/>
-            </a:pPr>
-            <a:r>
-              <a:rPr lang="pl-PL" baseline="0" smtClean="0"/>
-              <a:t>64-bit </a:t>
-            </a:r>
-            <a:r>
-              <a:rPr lang="pl-PL" baseline="0" err="1" smtClean="0"/>
-              <a:t>values</a:t>
-            </a:r>
-            <a:r>
-              <a:rPr lang="pl-PL" baseline="0" smtClean="0"/>
-              <a:t> (double, long) </a:t>
-            </a:r>
-            <a:r>
-              <a:rPr lang="pl-PL" baseline="0" err="1" smtClean="0"/>
-              <a:t>takes</a:t>
-            </a:r>
-            <a:r>
-              <a:rPr lang="pl-PL" baseline="0" smtClean="0"/>
-              <a:t> </a:t>
-            </a:r>
-            <a:r>
-              <a:rPr lang="pl-PL" baseline="0" err="1" smtClean="0"/>
-              <a:t>up</a:t>
-            </a:r>
-            <a:r>
-              <a:rPr lang="pl-PL" baseline="0" smtClean="0"/>
-              <a:t> </a:t>
-            </a:r>
-            <a:r>
-              <a:rPr lang="pl-PL" baseline="0" err="1" smtClean="0"/>
-              <a:t>two</a:t>
-            </a:r>
-            <a:r>
-              <a:rPr lang="pl-PL" baseline="0" smtClean="0"/>
-              <a:t> </a:t>
-            </a:r>
-            <a:r>
-              <a:rPr lang="pl-PL" baseline="0" err="1" smtClean="0"/>
-              <a:t>slots</a:t>
-            </a:r>
-            <a:r>
-              <a:rPr lang="pl-PL" baseline="0" smtClean="0"/>
-              <a:t> and </a:t>
-            </a:r>
-            <a:r>
-              <a:rPr lang="pl-PL" baseline="0" err="1" smtClean="0"/>
-              <a:t>updates</a:t>
-            </a:r>
-            <a:r>
-              <a:rPr lang="pl-PL" baseline="0" smtClean="0"/>
-              <a:t> </a:t>
-            </a:r>
-            <a:r>
-              <a:rPr lang="pl-PL" baseline="0" err="1" smtClean="0"/>
-              <a:t>are</a:t>
-            </a:r>
-            <a:r>
-              <a:rPr lang="pl-PL" baseline="0" smtClean="0"/>
-              <a:t> not </a:t>
-            </a:r>
-            <a:r>
-              <a:rPr lang="pl-PL" baseline="0" err="1" smtClean="0"/>
-              <a:t>atomic</a:t>
-            </a:r>
-            <a:r>
-              <a:rPr lang="pl-PL" baseline="0" smtClean="0"/>
-              <a:t>!</a:t>
-            </a:r>
-          </a:p>
-          <a:p>
-            <a:pPr marL="1143000" marR="0" lvl="2" indent="-228600" algn="l" defTabSz="914400" rtl="0" eaLnBrk="1" fontAlgn="auto" latinLnBrk="0" hangingPunct="1">
-              <a:lnSpc>
-                <a:spcPct val="100000"/>
-              </a:lnSpc>
-              <a:spcBef>
-                <a:spcPts val="0"/>
-              </a:spcBef>
-              <a:spcAft>
-                <a:spcPts val="0"/>
-              </a:spcAft>
-              <a:buClrTx/>
-              <a:buSzTx/>
-              <a:buFont typeface="Arial" pitchFamily="34" charset="0"/>
-              <a:buChar char="•"/>
-              <a:tabLst/>
-              <a:defRPr/>
-            </a:pPr>
-            <a:r>
-              <a:rPr lang="pl-PL" baseline="0" err="1" smtClean="0"/>
-              <a:t>Boolean</a:t>
-            </a:r>
-            <a:r>
-              <a:rPr lang="pl-PL" baseline="0" smtClean="0"/>
-              <a:t> </a:t>
-            </a:r>
-            <a:r>
-              <a:rPr lang="pl-PL" baseline="0" err="1" smtClean="0"/>
-              <a:t>is</a:t>
-            </a:r>
-            <a:r>
-              <a:rPr lang="pl-PL" baseline="0" smtClean="0"/>
-              <a:t> </a:t>
-            </a:r>
-            <a:r>
-              <a:rPr lang="pl-PL" baseline="0" err="1" smtClean="0"/>
-              <a:t>internally</a:t>
-            </a:r>
-            <a:r>
-              <a:rPr lang="pl-PL" baseline="0" smtClean="0"/>
-              <a:t> </a:t>
-            </a:r>
-            <a:r>
-              <a:rPr lang="pl-PL" baseline="0" err="1" smtClean="0"/>
-              <a:t>represented</a:t>
-            </a:r>
-            <a:r>
-              <a:rPr lang="pl-PL" baseline="0" smtClean="0"/>
-              <a:t> by 0 </a:t>
-            </a:r>
-            <a:r>
-              <a:rPr lang="pl-PL" baseline="0" err="1" smtClean="0"/>
-              <a:t>or</a:t>
-            </a:r>
-            <a:r>
-              <a:rPr lang="pl-PL" baseline="0" smtClean="0"/>
-              <a:t> 1</a:t>
-            </a:r>
-            <a:endParaRPr lang="pl-PL" smtClean="0"/>
-          </a:p>
-          <a:p>
-            <a:pPr marL="685800" marR="0" lvl="1" indent="-228600" algn="l" defTabSz="914400" rtl="0" eaLnBrk="1" fontAlgn="auto" latinLnBrk="0" hangingPunct="1">
-              <a:lnSpc>
-                <a:spcPct val="100000"/>
-              </a:lnSpc>
-              <a:spcBef>
-                <a:spcPts val="0"/>
-              </a:spcBef>
-              <a:spcAft>
-                <a:spcPts val="0"/>
-              </a:spcAft>
-              <a:buClrTx/>
-              <a:buSzTx/>
-              <a:buFont typeface="Arial" pitchFamily="34" charset="0"/>
-              <a:buNone/>
-              <a:tabLst/>
-              <a:defRPr/>
-            </a:pPr>
-            <a:endParaRPr lang="pl-PL" smtClean="0"/>
-          </a:p>
-          <a:p>
-            <a:pPr marL="228600" marR="0" lvl="0" indent="-228600" algn="l" defTabSz="914400" rtl="0" eaLnBrk="1" fontAlgn="auto" latinLnBrk="0" hangingPunct="1">
-              <a:lnSpc>
-                <a:spcPct val="100000"/>
-              </a:lnSpc>
-              <a:spcBef>
-                <a:spcPts val="0"/>
-              </a:spcBef>
-              <a:spcAft>
-                <a:spcPts val="0"/>
-              </a:spcAft>
-              <a:buClrTx/>
-              <a:buSzTx/>
-              <a:buFont typeface="Arial" pitchFamily="34" charset="0"/>
-              <a:buNone/>
-              <a:tabLst/>
-              <a:defRPr/>
-            </a:pPr>
-            <a:endParaRPr lang="pl-PL" smtClean="0"/>
-          </a:p>
-          <a:p>
-            <a:pPr marL="228600" marR="0" lvl="0" indent="-228600" algn="l" defTabSz="914400" rtl="0" eaLnBrk="1" fontAlgn="auto" latinLnBrk="0" hangingPunct="1">
-              <a:lnSpc>
-                <a:spcPct val="100000"/>
-              </a:lnSpc>
-              <a:spcBef>
-                <a:spcPts val="0"/>
-              </a:spcBef>
-              <a:spcAft>
-                <a:spcPts val="0"/>
-              </a:spcAft>
-              <a:buClrTx/>
-              <a:buSzTx/>
-              <a:buFont typeface="+mj-lt"/>
-              <a:buAutoNum type="arabicPeriod" startAt="2"/>
-              <a:tabLst/>
-              <a:defRPr/>
-            </a:pPr>
-            <a:endParaRPr lang="pl-PL" smtClean="0"/>
-          </a:p>
-          <a:p>
-            <a:pPr marL="228600" marR="0" lvl="0" indent="-228600" algn="l" defTabSz="914400" rtl="0" eaLnBrk="1" fontAlgn="auto" latinLnBrk="0" hangingPunct="1">
-              <a:lnSpc>
-                <a:spcPct val="100000"/>
-              </a:lnSpc>
-              <a:spcBef>
-                <a:spcPts val="0"/>
-              </a:spcBef>
-              <a:spcAft>
-                <a:spcPts val="0"/>
-              </a:spcAft>
-              <a:buClrTx/>
-              <a:buSzTx/>
-              <a:buFont typeface="+mj-lt"/>
-              <a:buNone/>
-              <a:tabLst/>
-              <a:defRPr/>
-            </a:pPr>
-            <a:endParaRPr lang="pl-PL" smtClean="0"/>
-          </a:p>
-          <a:p>
-            <a:pPr marL="685800" marR="0" lvl="1" indent="-228600" algn="l" defTabSz="914400" rtl="0" eaLnBrk="1" fontAlgn="auto" latinLnBrk="0" hangingPunct="1">
-              <a:lnSpc>
-                <a:spcPct val="100000"/>
-              </a:lnSpc>
-              <a:spcBef>
-                <a:spcPts val="0"/>
-              </a:spcBef>
-              <a:spcAft>
-                <a:spcPts val="0"/>
-              </a:spcAft>
-              <a:buClrTx/>
-              <a:buSzTx/>
-              <a:buFont typeface="Arial" pitchFamily="34" charset="0"/>
-              <a:buNone/>
-              <a:tabLst/>
-              <a:defRPr/>
-            </a:pPr>
-            <a:endParaRPr lang="pl-PL" smtClean="0"/>
-          </a:p>
-          <a:p>
-            <a:pPr marL="228600" indent="-228600">
-              <a:buFont typeface="Arial" pitchFamily="34" charset="0"/>
-              <a:buChar char="•"/>
-            </a:pPr>
-            <a:endParaRPr lang="pl-PL" smtClean="0"/>
-          </a:p>
-        </p:txBody>
-      </p:sp>
-      <p:sp>
-        <p:nvSpPr>
-          <p:cNvPr id="4" name="Symbol zastępczy numeru slajdu 3"/>
+            <a:endParaRPr lang="en-US" dirty="0"/>
+          </a:p>
+        </p:txBody>
+      </p:sp>
+      <p:sp>
+        <p:nvSpPr>
+          <p:cNvPr id="4" name="Slide Number Placeholder 3"/>
           <p:cNvSpPr>
             <a:spLocks noGrp="1"/>
           </p:cNvSpPr>
@@ -8609,7 +7954,7 @@
             <a:fld id="{00C4ABD6-EB69-41F8-AE27-9094148744EB}" type="slidenum">
               <a:rPr lang="en-US" smtClean="0"/>
               <a:pPr/>
-              <a:t>9</a:t>
+              <a:t>7</a:t>
             </a:fld>
             <a:endParaRPr lang="en-US"/>
           </a:p>
@@ -8642,7 +7987,7 @@
       </p:grpSpPr>
       <p:sp>
         <p:nvSpPr>
-          <p:cNvPr id="2" name="Slide Image Placeholder 1"/>
+          <p:cNvPr id="2" name="Symbol zastępczy obrazu slajdu 1"/>
           <p:cNvSpPr>
             <a:spLocks noGrp="1" noRot="1" noChangeAspect="1"/>
           </p:cNvSpPr>
@@ -8654,7 +7999,7 @@
       </p:sp>
       <p:sp>
         <p:nvSpPr>
-          <p:cNvPr id="3" name="Notes Placeholder 2"/>
+          <p:cNvPr id="3" name="Symbol zastępczy notatek 2"/>
           <p:cNvSpPr>
             <a:spLocks noGrp="1"/>
           </p:cNvSpPr>
@@ -8665,21 +8010,616 @@
         <p:spPr/>
         <p:txBody>
           <a:bodyPr>
-            <a:normAutofit/>
+            <a:normAutofit lnSpcReduction="10000"/>
           </a:bodyPr>
           <a:lstStyle/>
           <a:p>
-            <a:r>
-              <a:rPr lang="en-US" smtClean="0"/>
-              <a:t>The family of load and store opcodes is concerned with loading values onto the stack, or retrieving them.</a:t>
-            </a:r>
-            <a:endParaRPr lang="en-US"/>
-          </a:p>
-        </p:txBody>
-      </p:sp>
-      <p:sp>
-        <p:nvSpPr>
-          <p:cNvPr id="4" name="Slide Number Placeholder 3"/>
+            <a:pPr marL="228600" lvl="0" indent="-228600">
+              <a:buAutoNum type="arabicPeriod"/>
+            </a:pPr>
+            <a:r>
+              <a:rPr lang="pl-PL" b="1" dirty="0" smtClean="0"/>
+              <a:t>Call Stack</a:t>
+            </a:r>
+          </a:p>
+          <a:p>
+            <a:pPr marL="685800" marR="0" lvl="1" indent="-228600" algn="l" defTabSz="914400" rtl="0" eaLnBrk="1" fontAlgn="auto" latinLnBrk="0" hangingPunct="1">
+              <a:lnSpc>
+                <a:spcPct val="100000"/>
+              </a:lnSpc>
+              <a:spcBef>
+                <a:spcPts val="0"/>
+              </a:spcBef>
+              <a:spcAft>
+                <a:spcPts val="0"/>
+              </a:spcAft>
+              <a:buClrTx/>
+              <a:buSzTx/>
+              <a:buFontTx/>
+              <a:buAutoNum type="arabicPeriod"/>
+              <a:tabLst/>
+              <a:defRPr/>
+            </a:pPr>
+            <a:r>
+              <a:rPr lang="pl-PL" dirty="0" smtClean="0"/>
+              <a:t>E</a:t>
+            </a:r>
+            <a:r>
+              <a:rPr lang="en-US" dirty="0" smtClean="0"/>
+              <a:t>ach time a method is invoked a new stack frame is created</a:t>
+            </a:r>
+            <a:r>
+              <a:rPr lang="pl-PL" dirty="0" smtClean="0"/>
+              <a:t>. </a:t>
+            </a:r>
+          </a:p>
+          <a:p>
+            <a:pPr marL="685800" lvl="1" indent="-228600">
+              <a:buAutoNum type="arabicPeriod"/>
+            </a:pPr>
+            <a:r>
+              <a:rPr lang="en-US" dirty="0" smtClean="0"/>
+              <a:t>Each thread has its own stack that holds a frame for each method executing on that thread. </a:t>
+            </a:r>
+            <a:endParaRPr lang="pl-PL" dirty="0" smtClean="0"/>
+          </a:p>
+          <a:p>
+            <a:pPr marL="685800" lvl="1" indent="-228600">
+              <a:buAutoNum type="arabicPeriod"/>
+            </a:pPr>
+            <a:r>
+              <a:rPr lang="en-US" dirty="0" smtClean="0"/>
+              <a:t>Currently executing method is at the top of the stack. </a:t>
+            </a:r>
+            <a:endParaRPr lang="pl-PL" dirty="0" smtClean="0"/>
+          </a:p>
+          <a:p>
+            <a:pPr marL="685800" lvl="1" indent="-228600">
+              <a:buAutoNum type="arabicPeriod"/>
+            </a:pPr>
+            <a:r>
+              <a:rPr lang="en-US" dirty="0" smtClean="0"/>
+              <a:t>A new frame is created and added (pushed) to the top of stack for every method invocation. </a:t>
+            </a:r>
+            <a:endParaRPr lang="pl-PL" dirty="0" smtClean="0"/>
+          </a:p>
+          <a:p>
+            <a:pPr marL="685800" lvl="1" indent="-228600">
+              <a:buAutoNum type="arabicPeriod"/>
+            </a:pPr>
+            <a:r>
+              <a:rPr lang="en-US" dirty="0" smtClean="0"/>
+              <a:t>The frame is removed (popped) when the method returns normally or if exception is thrown.</a:t>
+            </a:r>
+            <a:endParaRPr lang="pl-PL" dirty="0" smtClean="0"/>
+          </a:p>
+          <a:p>
+            <a:pPr marL="685800" lvl="1" indent="-228600">
+              <a:buAutoNum type="arabicPeriod"/>
+            </a:pPr>
+            <a:r>
+              <a:rPr lang="en-US" dirty="0" smtClean="0"/>
+              <a:t>Frame objects may be allocated in the Heap and the memory does not need to be contiguous.</a:t>
+            </a:r>
+            <a:endParaRPr lang="pl-PL" dirty="0" smtClean="0"/>
+          </a:p>
+          <a:p>
+            <a:pPr marL="685800" lvl="1" indent="-228600">
+              <a:buAutoNum type="arabicPeriod"/>
+            </a:pPr>
+            <a:r>
+              <a:rPr lang="pl-PL" dirty="0" smtClean="0"/>
+              <a:t>StackOverflowError</a:t>
+            </a:r>
+            <a:r>
+              <a:rPr lang="pl-PL" baseline="0" dirty="0" smtClean="0"/>
+              <a:t> - </a:t>
+            </a:r>
+            <a:r>
+              <a:rPr lang="pl-PL" dirty="0" smtClean="0"/>
+              <a:t>6000 – 8500 (depends on JVM, configuration</a:t>
+            </a:r>
+            <a:r>
+              <a:rPr lang="pl-PL" baseline="0" dirty="0" smtClean="0"/>
+              <a:t> and memory available)</a:t>
+            </a:r>
+            <a:endParaRPr lang="pl-PL" dirty="0" smtClean="0"/>
+          </a:p>
+          <a:p>
+            <a:pPr marL="228600" indent="-228600">
+              <a:buAutoNum type="arabicPeriod"/>
+            </a:pPr>
+            <a:endParaRPr lang="pl-PL" dirty="0" smtClean="0"/>
+          </a:p>
+          <a:p>
+            <a:pPr marL="228600" indent="-228600">
+              <a:buAutoNum type="arabicPeriod"/>
+            </a:pPr>
+            <a:r>
+              <a:rPr lang="pl-PL" b="1" dirty="0" smtClean="0"/>
+              <a:t>Method</a:t>
+            </a:r>
+            <a:r>
+              <a:rPr lang="pl-PL" b="1" baseline="0" dirty="0" smtClean="0"/>
+              <a:t> Frame</a:t>
+            </a:r>
+            <a:r>
+              <a:rPr lang="pl-PL" dirty="0" smtClean="0"/>
+              <a:t>:</a:t>
+            </a:r>
+          </a:p>
+          <a:p>
+            <a:pPr marL="685800" lvl="1" indent="-228600">
+              <a:buAutoNum type="arabicPeriod"/>
+            </a:pPr>
+            <a:r>
+              <a:rPr lang="pl-PL" dirty="0" smtClean="0"/>
+              <a:t>Array</a:t>
+            </a:r>
+            <a:r>
+              <a:rPr lang="pl-PL" baseline="0" dirty="0" smtClean="0"/>
+              <a:t> of local variables</a:t>
+            </a:r>
+          </a:p>
+          <a:p>
+            <a:pPr marL="1143000" lvl="2" indent="-228600">
+              <a:buFont typeface="Arial" pitchFamily="34" charset="0"/>
+              <a:buChar char="•"/>
+            </a:pPr>
+            <a:r>
+              <a:rPr lang="en-US" dirty="0" smtClean="0"/>
+              <a:t>Contains </a:t>
+            </a:r>
+            <a:r>
+              <a:rPr lang="en-US" dirty="0" smtClean="0"/>
+              <a:t>the parameters of the method and values of the local variables. </a:t>
+            </a:r>
+            <a:endParaRPr lang="pl-PL" dirty="0" smtClean="0"/>
+          </a:p>
+          <a:p>
+            <a:pPr marL="1143000" marR="0" lvl="2" indent="-228600" algn="l" defTabSz="914400" rtl="0" eaLnBrk="1" fontAlgn="auto" latinLnBrk="0" hangingPunct="1">
+              <a:lnSpc>
+                <a:spcPct val="100000"/>
+              </a:lnSpc>
+              <a:spcBef>
+                <a:spcPts val="0"/>
+              </a:spcBef>
+              <a:spcAft>
+                <a:spcPts val="0"/>
+              </a:spcAft>
+              <a:buClrTx/>
+              <a:buSzTx/>
+              <a:buFont typeface="Arial" pitchFamily="34" charset="0"/>
+              <a:buChar char="•"/>
+              <a:tabLst/>
+              <a:defRPr/>
+            </a:pPr>
+            <a:r>
+              <a:rPr lang="en-US" dirty="0" smtClean="0"/>
+              <a:t>If the frame is for a constructor or an instance method, </a:t>
+            </a:r>
+            <a:r>
+              <a:rPr lang="pl-PL" dirty="0" smtClean="0"/>
+              <a:t>‘this’</a:t>
+            </a:r>
+            <a:r>
+              <a:rPr lang="en-US" dirty="0" smtClean="0"/>
+              <a:t> reference is stored at location 0</a:t>
+            </a:r>
+            <a:endParaRPr lang="pl-PL" dirty="0" smtClean="0"/>
+          </a:p>
+          <a:p>
+            <a:pPr marL="1143000" marR="0" lvl="2" indent="-228600" algn="l" defTabSz="914400" rtl="0" eaLnBrk="1" fontAlgn="auto" latinLnBrk="0" hangingPunct="1">
+              <a:lnSpc>
+                <a:spcPct val="100000"/>
+              </a:lnSpc>
+              <a:spcBef>
+                <a:spcPts val="0"/>
+              </a:spcBef>
+              <a:spcAft>
+                <a:spcPts val="0"/>
+              </a:spcAft>
+              <a:buClrTx/>
+              <a:buSzTx/>
+              <a:buFont typeface="Arial" pitchFamily="34" charset="0"/>
+              <a:buChar char="•"/>
+              <a:tabLst/>
+              <a:defRPr/>
+            </a:pPr>
+            <a:r>
+              <a:rPr lang="en-US" dirty="0" smtClean="0"/>
+              <a:t>The size of the array of local variables is determined at compile time</a:t>
+            </a:r>
+            <a:endParaRPr lang="pl-PL" dirty="0" smtClean="0"/>
+          </a:p>
+          <a:p>
+            <a:pPr marL="1143000" marR="0" lvl="2" indent="-228600" algn="l" defTabSz="914400" rtl="0" eaLnBrk="1" fontAlgn="auto" latinLnBrk="0" hangingPunct="1">
+              <a:lnSpc>
+                <a:spcPct val="100000"/>
+              </a:lnSpc>
+              <a:spcBef>
+                <a:spcPts val="0"/>
+              </a:spcBef>
+              <a:spcAft>
+                <a:spcPts val="0"/>
+              </a:spcAft>
+              <a:buClrTx/>
+              <a:buSzTx/>
+              <a:buFont typeface="Arial" pitchFamily="34" charset="0"/>
+              <a:buNone/>
+              <a:tabLst/>
+              <a:defRPr/>
+            </a:pPr>
+            <a:endParaRPr lang="pl-PL" dirty="0" smtClean="0"/>
+          </a:p>
+          <a:p>
+            <a:pPr marL="685800" marR="0" lvl="1" indent="-228600" algn="l" defTabSz="914400" rtl="0" eaLnBrk="1" fontAlgn="auto" latinLnBrk="0" hangingPunct="1">
+              <a:lnSpc>
+                <a:spcPct val="100000"/>
+              </a:lnSpc>
+              <a:spcBef>
+                <a:spcPts val="0"/>
+              </a:spcBef>
+              <a:spcAft>
+                <a:spcPts val="0"/>
+              </a:spcAft>
+              <a:buClrTx/>
+              <a:buSzTx/>
+              <a:buFont typeface="+mj-lt"/>
+              <a:buAutoNum type="arabicPeriod"/>
+              <a:tabLst/>
+              <a:defRPr/>
+            </a:pPr>
+            <a:r>
+              <a:rPr lang="pl-PL" dirty="0" smtClean="0"/>
+              <a:t>Operand stack</a:t>
+            </a:r>
+          </a:p>
+          <a:p>
+            <a:pPr marL="1143000" marR="0" lvl="2" indent="-228600" algn="l" defTabSz="914400" rtl="0" eaLnBrk="1" fontAlgn="auto" latinLnBrk="0" hangingPunct="1">
+              <a:lnSpc>
+                <a:spcPct val="100000"/>
+              </a:lnSpc>
+              <a:spcBef>
+                <a:spcPts val="0"/>
+              </a:spcBef>
+              <a:spcAft>
+                <a:spcPts val="0"/>
+              </a:spcAft>
+              <a:buClrTx/>
+              <a:buSzTx/>
+              <a:buFont typeface="Arial" pitchFamily="34" charset="0"/>
+              <a:buChar char="•"/>
+              <a:tabLst/>
+              <a:defRPr/>
+            </a:pPr>
+            <a:r>
+              <a:rPr lang="en-US" dirty="0" smtClean="0"/>
+              <a:t>LIFO stack used to push and pop values</a:t>
+            </a:r>
+            <a:endParaRPr lang="pl-PL" dirty="0" smtClean="0"/>
+          </a:p>
+          <a:p>
+            <a:pPr marL="1143000" marR="0" lvl="2" indent="-228600" algn="l" defTabSz="914400" rtl="0" eaLnBrk="1" fontAlgn="auto" latinLnBrk="0" hangingPunct="1">
+              <a:lnSpc>
+                <a:spcPct val="100000"/>
+              </a:lnSpc>
+              <a:spcBef>
+                <a:spcPts val="0"/>
+              </a:spcBef>
+              <a:spcAft>
+                <a:spcPts val="0"/>
+              </a:spcAft>
+              <a:buClrTx/>
+              <a:buSzTx/>
+              <a:buFont typeface="Arial" pitchFamily="34" charset="0"/>
+              <a:buChar char="•"/>
+              <a:tabLst/>
+              <a:defRPr/>
+            </a:pPr>
+            <a:r>
+              <a:rPr lang="en-US" dirty="0" smtClean="0"/>
+              <a:t>size is determined at compile time</a:t>
+            </a:r>
+            <a:endParaRPr lang="pl-PL" dirty="0" smtClean="0"/>
+          </a:p>
+          <a:p>
+            <a:pPr marL="1143000" marR="0" lvl="2" indent="-228600" algn="l" defTabSz="914400" rtl="0" eaLnBrk="1" fontAlgn="auto" latinLnBrk="0" hangingPunct="1">
+              <a:lnSpc>
+                <a:spcPct val="100000"/>
+              </a:lnSpc>
+              <a:spcBef>
+                <a:spcPts val="0"/>
+              </a:spcBef>
+              <a:spcAft>
+                <a:spcPts val="0"/>
+              </a:spcAft>
+              <a:buClrTx/>
+              <a:buSzTx/>
+              <a:buFont typeface="Arial" pitchFamily="34" charset="0"/>
+              <a:buChar char="•"/>
+              <a:tabLst/>
+              <a:defRPr/>
+            </a:pPr>
+            <a:r>
+              <a:rPr lang="en-US" dirty="0" smtClean="0"/>
+              <a:t>certain </a:t>
+            </a:r>
+            <a:r>
+              <a:rPr lang="en-US" dirty="0" smtClean="0"/>
+              <a:t>opcode instructions push values onto the operand stack; others take operands from the stack</a:t>
+            </a:r>
+            <a:r>
+              <a:rPr lang="pl-PL" dirty="0" smtClean="0"/>
+              <a:t>, </a:t>
+            </a:r>
+            <a:r>
+              <a:rPr lang="en-US" dirty="0" smtClean="0"/>
+              <a:t>manipulate them, and push the result. The operand stack is also used to receive return values from methods</a:t>
+            </a:r>
+            <a:endParaRPr lang="pl-PL" dirty="0" smtClean="0"/>
+          </a:p>
+          <a:p>
+            <a:pPr marL="1143000" marR="0" lvl="2" indent="-228600" algn="l" defTabSz="914400" rtl="0" eaLnBrk="1" fontAlgn="auto" latinLnBrk="0" hangingPunct="1">
+              <a:lnSpc>
+                <a:spcPct val="100000"/>
+              </a:lnSpc>
+              <a:spcBef>
+                <a:spcPts val="0"/>
+              </a:spcBef>
+              <a:spcAft>
+                <a:spcPts val="0"/>
+              </a:spcAft>
+              <a:buClrTx/>
+              <a:buSzTx/>
+              <a:buFont typeface="Arial" pitchFamily="34" charset="0"/>
+              <a:buChar char="•"/>
+              <a:tabLst/>
+              <a:defRPr/>
+            </a:pPr>
+            <a:endParaRPr lang="pl-PL" dirty="0" smtClean="0"/>
+          </a:p>
+          <a:p>
+            <a:pPr marL="685800" marR="0" lvl="1" indent="-228600" algn="l" defTabSz="914400" rtl="0" eaLnBrk="1" fontAlgn="auto" latinLnBrk="0" hangingPunct="1">
+              <a:lnSpc>
+                <a:spcPct val="100000"/>
+              </a:lnSpc>
+              <a:spcBef>
+                <a:spcPts val="0"/>
+              </a:spcBef>
+              <a:spcAft>
+                <a:spcPts val="0"/>
+              </a:spcAft>
+              <a:buClrTx/>
+              <a:buSzTx/>
+              <a:buFont typeface="+mj-lt"/>
+              <a:buNone/>
+              <a:tabLst/>
+              <a:defRPr/>
+            </a:pPr>
+            <a:r>
+              <a:rPr lang="pl-PL" dirty="0" smtClean="0"/>
+              <a:t>3. R</a:t>
+            </a:r>
+            <a:r>
+              <a:rPr lang="en-US" dirty="0" err="1" smtClean="0"/>
+              <a:t>eference</a:t>
+            </a:r>
+            <a:r>
+              <a:rPr lang="en-US" dirty="0" smtClean="0"/>
+              <a:t> to the runtime constant pool of the class of the current method</a:t>
+            </a:r>
+            <a:endParaRPr lang="pl-PL" dirty="0" smtClean="0"/>
+          </a:p>
+          <a:p>
+            <a:pPr marL="685800" marR="0" lvl="1" indent="-228600" algn="l" defTabSz="914400" rtl="0" eaLnBrk="1" fontAlgn="auto" latinLnBrk="0" hangingPunct="1">
+              <a:lnSpc>
+                <a:spcPct val="100000"/>
+              </a:lnSpc>
+              <a:spcBef>
+                <a:spcPts val="0"/>
+              </a:spcBef>
+              <a:spcAft>
+                <a:spcPts val="0"/>
+              </a:spcAft>
+              <a:buClrTx/>
+              <a:buSzTx/>
+              <a:buFont typeface="+mj-lt"/>
+              <a:buNone/>
+              <a:tabLst/>
+              <a:defRPr/>
+            </a:pPr>
+            <a:r>
+              <a:rPr lang="pl-PL" dirty="0" smtClean="0"/>
+              <a:t>4. Common</a:t>
+            </a:r>
+          </a:p>
+          <a:p>
+            <a:pPr marL="1143000" marR="0" lvl="2" indent="-228600" algn="l" defTabSz="914400" rtl="0" eaLnBrk="1" fontAlgn="auto" latinLnBrk="0" hangingPunct="1">
+              <a:lnSpc>
+                <a:spcPct val="100000"/>
+              </a:lnSpc>
+              <a:spcBef>
+                <a:spcPts val="0"/>
+              </a:spcBef>
+              <a:spcAft>
+                <a:spcPts val="0"/>
+              </a:spcAft>
+              <a:buClrTx/>
+              <a:buSzTx/>
+              <a:buFont typeface="Arial" pitchFamily="34" charset="0"/>
+              <a:buChar char="•"/>
+              <a:tabLst/>
+              <a:defRPr/>
+            </a:pPr>
+            <a:r>
+              <a:rPr lang="pl-PL" dirty="0" smtClean="0"/>
+              <a:t>JVM</a:t>
+            </a:r>
+            <a:r>
+              <a:rPr lang="pl-PL" baseline="0" dirty="0" smtClean="0"/>
+              <a:t> stack slots (and local vars) are 32-bit</a:t>
+            </a:r>
+          </a:p>
+          <a:p>
+            <a:pPr marL="1143000" marR="0" lvl="2" indent="-228600" algn="l" defTabSz="914400" rtl="0" eaLnBrk="1" fontAlgn="auto" latinLnBrk="0" hangingPunct="1">
+              <a:lnSpc>
+                <a:spcPct val="100000"/>
+              </a:lnSpc>
+              <a:spcBef>
+                <a:spcPts val="0"/>
+              </a:spcBef>
+              <a:spcAft>
+                <a:spcPts val="0"/>
+              </a:spcAft>
+              <a:buClrTx/>
+              <a:buSzTx/>
+              <a:buFont typeface="Arial" pitchFamily="34" charset="0"/>
+              <a:buChar char="•"/>
+              <a:tabLst/>
+              <a:defRPr/>
+            </a:pPr>
+            <a:r>
+              <a:rPr lang="pl-PL" baseline="0" dirty="0" smtClean="0"/>
+              <a:t>64-bit values (double, long) takes up two slots and updates are not atomic!</a:t>
+            </a:r>
+          </a:p>
+          <a:p>
+            <a:pPr marL="1143000" marR="0" lvl="2" indent="-228600" algn="l" defTabSz="914400" rtl="0" eaLnBrk="1" fontAlgn="auto" latinLnBrk="0" hangingPunct="1">
+              <a:lnSpc>
+                <a:spcPct val="100000"/>
+              </a:lnSpc>
+              <a:spcBef>
+                <a:spcPts val="0"/>
+              </a:spcBef>
+              <a:spcAft>
+                <a:spcPts val="0"/>
+              </a:spcAft>
+              <a:buClrTx/>
+              <a:buSzTx/>
+              <a:buFont typeface="Arial" pitchFamily="34" charset="0"/>
+              <a:buChar char="•"/>
+              <a:tabLst/>
+              <a:defRPr/>
+            </a:pPr>
+            <a:r>
+              <a:rPr lang="pl-PL" baseline="0" dirty="0" smtClean="0"/>
+              <a:t>Boolean is internally represented by 0 or 1</a:t>
+            </a:r>
+            <a:endParaRPr lang="pl-PL" dirty="0" smtClean="0"/>
+          </a:p>
+          <a:p>
+            <a:pPr marL="685800" marR="0" lvl="1" indent="-228600" algn="l" defTabSz="914400" rtl="0" eaLnBrk="1" fontAlgn="auto" latinLnBrk="0" hangingPunct="1">
+              <a:lnSpc>
+                <a:spcPct val="100000"/>
+              </a:lnSpc>
+              <a:spcBef>
+                <a:spcPts val="0"/>
+              </a:spcBef>
+              <a:spcAft>
+                <a:spcPts val="0"/>
+              </a:spcAft>
+              <a:buClrTx/>
+              <a:buSzTx/>
+              <a:buFont typeface="Arial" pitchFamily="34" charset="0"/>
+              <a:buNone/>
+              <a:tabLst/>
+              <a:defRPr/>
+            </a:pPr>
+            <a:endParaRPr lang="pl-PL" dirty="0" smtClean="0"/>
+          </a:p>
+          <a:p>
+            <a:pPr marL="228600" marR="0" lvl="0" indent="-228600" algn="l" defTabSz="914400" rtl="0" eaLnBrk="1" fontAlgn="auto" latinLnBrk="0" hangingPunct="1">
+              <a:lnSpc>
+                <a:spcPct val="100000"/>
+              </a:lnSpc>
+              <a:spcBef>
+                <a:spcPts val="0"/>
+              </a:spcBef>
+              <a:spcAft>
+                <a:spcPts val="0"/>
+              </a:spcAft>
+              <a:buClrTx/>
+              <a:buSzTx/>
+              <a:buFont typeface="Arial" pitchFamily="34" charset="0"/>
+              <a:buNone/>
+              <a:tabLst/>
+              <a:defRPr/>
+            </a:pPr>
+            <a:endParaRPr lang="pl-PL" dirty="0" smtClean="0"/>
+          </a:p>
+          <a:p>
+            <a:pPr marL="228600" marR="0" lvl="0" indent="-228600" algn="l" defTabSz="914400" rtl="0" eaLnBrk="1" fontAlgn="auto" latinLnBrk="0" hangingPunct="1">
+              <a:lnSpc>
+                <a:spcPct val="100000"/>
+              </a:lnSpc>
+              <a:spcBef>
+                <a:spcPts val="0"/>
+              </a:spcBef>
+              <a:spcAft>
+                <a:spcPts val="0"/>
+              </a:spcAft>
+              <a:buClrTx/>
+              <a:buSzTx/>
+              <a:buFont typeface="+mj-lt"/>
+              <a:buAutoNum type="arabicPeriod" startAt="2"/>
+              <a:tabLst/>
+              <a:defRPr/>
+            </a:pPr>
+            <a:endParaRPr lang="pl-PL" dirty="0" smtClean="0"/>
+          </a:p>
+          <a:p>
+            <a:pPr marL="228600" marR="0" lvl="0" indent="-228600" algn="l" defTabSz="914400" rtl="0" eaLnBrk="1" fontAlgn="auto" latinLnBrk="0" hangingPunct="1">
+              <a:lnSpc>
+                <a:spcPct val="100000"/>
+              </a:lnSpc>
+              <a:spcBef>
+                <a:spcPts val="0"/>
+              </a:spcBef>
+              <a:spcAft>
+                <a:spcPts val="0"/>
+              </a:spcAft>
+              <a:buClrTx/>
+              <a:buSzTx/>
+              <a:buFont typeface="+mj-lt"/>
+              <a:buNone/>
+              <a:tabLst/>
+              <a:defRPr/>
+            </a:pPr>
+            <a:endParaRPr lang="pl-PL" dirty="0" smtClean="0"/>
+          </a:p>
+          <a:p>
+            <a:pPr marL="685800" marR="0" lvl="1" indent="-228600" algn="l" defTabSz="914400" rtl="0" eaLnBrk="1" fontAlgn="auto" latinLnBrk="0" hangingPunct="1">
+              <a:lnSpc>
+                <a:spcPct val="100000"/>
+              </a:lnSpc>
+              <a:spcBef>
+                <a:spcPts val="0"/>
+              </a:spcBef>
+              <a:spcAft>
+                <a:spcPts val="0"/>
+              </a:spcAft>
+              <a:buClrTx/>
+              <a:buSzTx/>
+              <a:buFont typeface="Arial" pitchFamily="34" charset="0"/>
+              <a:buNone/>
+              <a:tabLst/>
+              <a:defRPr/>
+            </a:pPr>
+            <a:endParaRPr lang="pl-PL" dirty="0" smtClean="0"/>
+          </a:p>
+          <a:p>
+            <a:pPr marL="228600" indent="-228600">
+              <a:buFont typeface="Arial" pitchFamily="34" charset="0"/>
+              <a:buChar char="•"/>
+            </a:pPr>
+            <a:endParaRPr lang="pl-PL" dirty="0" smtClean="0"/>
+          </a:p>
+        </p:txBody>
+      </p:sp>
+      <p:sp>
+        <p:nvSpPr>
+          <p:cNvPr id="4" name="Symbol zastępczy numeru slajdu 3"/>
           <p:cNvSpPr>
             <a:spLocks noGrp="1"/>
           </p:cNvSpPr>
@@ -8695,7 +8635,7 @@
             <a:fld id="{00C4ABD6-EB69-41F8-AE27-9094148744EB}" type="slidenum">
               <a:rPr lang="en-US" smtClean="0"/>
               <a:pPr/>
-              <a:t>11</a:t>
+              <a:t>9</a:t>
             </a:fld>
             <a:endParaRPr lang="en-US"/>
           </a:p>
@@ -8757,7 +8697,7 @@
           <a:p>
             <a:r>
               <a:rPr lang="en-US" smtClean="0"/>
-              <a:t>These opcodes perform arithmetic on the stack.</a:t>
+              <a:t>The family of load and store opcodes is concerned with loading values onto the stack, or retrieving them.</a:t>
             </a:r>
             <a:endParaRPr lang="en-US"/>
           </a:p>
@@ -8781,7 +8721,7 @@
             <a:fld id="{00C4ABD6-EB69-41F8-AE27-9094148744EB}" type="slidenum">
               <a:rPr lang="en-US" smtClean="0"/>
               <a:pPr/>
-              <a:t>12</a:t>
+              <a:t>11</a:t>
             </a:fld>
             <a:endParaRPr lang="en-US"/>
           </a:p>
@@ -11785,6 +11725,10 @@
           <a:bodyPr/>
           <a:lstStyle/>
           <a:p>
+            <a:r>
+              <a:rPr lang="en-US" dirty="0" smtClean="0"/>
+              <a:t>Dariusz Stefanowicz</a:t>
+            </a:r>
             <a:endParaRPr lang="en-US" dirty="0"/>
           </a:p>
         </p:txBody>
@@ -11794,6 +11738,13 @@
   <p:clrMapOvr>
     <a:masterClrMapping/>
   </p:clrMapOvr>
+  <p:timing>
+    <p:tnLst>
+      <p:par>
+        <p:cTn id="1" dur="indefinite" restart="never" nodeType="tmRoot"/>
+      </p:par>
+    </p:tnLst>
+  </p:timing>
 </p:sld>
 </file>
 
@@ -11831,11 +11782,7 @@
           <a:p>
             <a:r>
               <a:rPr lang="pl-PL" dirty="0" smtClean="0"/>
-              <a:t>Bytecode </a:t>
-            </a:r>
-            <a:r>
-              <a:rPr lang="pl-PL" dirty="0" smtClean="0"/>
-              <a:t>Instruction</a:t>
+              <a:t>Bytecode Instruction</a:t>
             </a:r>
             <a:r>
               <a:rPr lang="en-US" dirty="0" smtClean="0"/>
@@ -11857,7 +11804,9 @@
         </p:nvSpPr>
         <p:spPr/>
         <p:txBody>
-          <a:bodyPr/>
+          <a:bodyPr>
+            <a:normAutofit lnSpcReduction="10000"/>
+          </a:bodyPr>
           <a:lstStyle/>
           <a:p>
             <a:r>
@@ -11866,18 +11815,43 @@
             </a:r>
             <a:r>
               <a:rPr lang="pl-PL" dirty="0" smtClean="0"/>
-              <a:t>ype </a:t>
-            </a:r>
+              <a:t>ype prefix: IADD, LADD, DADD</a:t>
+            </a:r>
+          </a:p>
+          <a:p>
             <a:r>
               <a:rPr lang="pl-PL" dirty="0" smtClean="0"/>
-              <a:t>prefix: IADD, LADD, DADD</a:t>
-            </a:r>
-          </a:p>
-          <a:p>
+              <a:t>Short</a:t>
+            </a:r>
+            <a:r>
+              <a:rPr lang="en-US" dirty="0" smtClean="0"/>
+              <a:t>cut</a:t>
+            </a:r>
             <a:r>
               <a:rPr lang="pl-PL" dirty="0" smtClean="0"/>
-              <a:t>Short form: ILOAD_1, ILOAD_2</a:t>
-            </a:r>
+              <a:t> form</a:t>
+            </a:r>
+            <a:r>
+              <a:rPr lang="en-US" smtClean="0"/>
+              <a:t>s</a:t>
+            </a:r>
+            <a:r>
+              <a:rPr lang="pl-PL" smtClean="0"/>
+              <a:t>: </a:t>
+            </a:r>
+            <a:r>
+              <a:rPr lang="pl-PL" dirty="0" smtClean="0"/>
+              <a:t>ILOAD_1, </a:t>
+            </a:r>
+            <a:r>
+              <a:rPr lang="pl-PL" dirty="0" smtClean="0"/>
+              <a:t>ILOAD_2</a:t>
+            </a:r>
+            <a:r>
+              <a:rPr lang="en-US" dirty="0" smtClean="0"/>
+              <a:t> (equivalent to: ILOAD n)</a:t>
+            </a:r>
+            <a:endParaRPr lang="pl-PL" dirty="0" smtClean="0"/>
           </a:p>
           <a:p>
             <a:r>
@@ -11931,6 +11905,13 @@
   <p:clrMapOvr>
     <a:masterClrMapping/>
   </p:clrMapOvr>
+  <p:timing>
+    <p:tnLst>
+      <p:par>
+        <p:cTn id="1" dur="indefinite" restart="never" nodeType="tmRoot"/>
+      </p:par>
+    </p:tnLst>
+  </p:timing>
 </p:sld>
 </file>
 
@@ -11968,13 +11949,8 @@
           <a:p>
             <a:r>
               <a:rPr lang="en-US" dirty="0" smtClean="0"/>
-              <a:t>Load and store </a:t>
-            </a:r>
-            <a:r>
-              <a:rPr lang="en-US" dirty="0" smtClean="0"/>
-              <a:t>opcodes</a:t>
-            </a:r>
-            <a:endParaRPr lang="en-US" dirty="0" smtClean="0"/>
+              <a:t>Load and store opcodes</a:t>
+            </a:r>
           </a:p>
         </p:txBody>
       </p:sp>
@@ -12026,6 +12002,13 @@
   <p:clrMapOvr>
     <a:masterClrMapping/>
   </p:clrMapOvr>
+  <p:timing>
+    <p:tnLst>
+      <p:par>
+        <p:cTn id="1" dur="indefinite" restart="never" nodeType="tmRoot"/>
+      </p:par>
+    </p:tnLst>
+  </p:timing>
 </p:sld>
 </file>
 
@@ -12063,13 +12046,8 @@
           <a:p>
             <a:r>
               <a:rPr lang="en-US" dirty="0" smtClean="0"/>
-              <a:t>Arithmetic </a:t>
-            </a:r>
-            <a:r>
-              <a:rPr lang="en-US" dirty="0" smtClean="0"/>
-              <a:t>opcodes</a:t>
-            </a:r>
-            <a:endParaRPr lang="en-US" dirty="0" smtClean="0"/>
+              <a:t>Arithmetic opcodes</a:t>
+            </a:r>
           </a:p>
         </p:txBody>
       </p:sp>
@@ -12350,11 +12328,7 @@
           <a:p>
             <a:r>
               <a:rPr lang="en-US" dirty="0" smtClean="0"/>
-              <a:t>Bytecode </a:t>
-            </a:r>
-            <a:r>
-              <a:rPr lang="en-US" dirty="0" smtClean="0"/>
-              <a:t>manipulation (instrumentation, weaving)</a:t>
+              <a:t>Bytecode manipulation (instrumentation, weaving)</a:t>
             </a:r>
             <a:endParaRPr lang="en-US" dirty="0"/>
           </a:p>
@@ -12472,7 +12446,9 @@
         </p:nvSpPr>
         <p:spPr/>
         <p:txBody>
-          <a:bodyPr/>
+          <a:bodyPr>
+            <a:normAutofit/>
+          </a:bodyPr>
           <a:lstStyle/>
           <a:p>
             <a:r>
@@ -12502,11 +12478,7 @@
           <a:p>
             <a:r>
               <a:rPr lang="en-US" dirty="0" smtClean="0"/>
-              <a:t>Allow </a:t>
-            </a:r>
-            <a:r>
-              <a:rPr lang="en-US" dirty="0" smtClean="0"/>
-              <a:t>us to operate on classes before (and even after) they are </a:t>
+              <a:t>Allow us to operate on classes before (and even after) they are </a:t>
             </a:r>
             <a:r>
               <a:rPr lang="pl-PL" dirty="0" smtClean="0"/>
@@ -12520,31 +12492,84 @@
             </a:r>
             <a:r>
               <a:rPr lang="pl-PL" dirty="0" smtClean="0"/>
+              <a:t>:</a:t>
+            </a:r>
+            <a:endParaRPr lang="en-US" dirty="0" smtClean="0"/>
+          </a:p>
+          <a:p>
+            <a:pPr lvl="1">
+              <a:buFont typeface="Courier New" pitchFamily="49" charset="0"/>
+              <a:buChar char="o"/>
+            </a:pPr>
+            <a:r>
+              <a:rPr lang="en-US" b="1" dirty="0" smtClean="0"/>
+              <a:t>Command line </a:t>
+            </a:r>
+            <a:r>
+              <a:rPr lang="en-US" dirty="0" smtClean="0"/>
+              <a:t>argument: </a:t>
+            </a:r>
+          </a:p>
+          <a:p>
+            <a:pPr lvl="1">
+              <a:buNone/>
+            </a:pPr>
+            <a:r>
+              <a:rPr lang="en-US" sz="2200" dirty="0" smtClean="0">
+                <a:latin typeface="Consolas" pitchFamily="49" charset="0"/>
+                <a:cs typeface="Consolas" pitchFamily="49" charset="0"/>
+              </a:rPr>
+              <a:t>	</a:t>
+            </a:r>
+            <a:r>
+              <a:rPr lang="pl-PL" sz="2200" dirty="0" smtClean="0">
+                <a:latin typeface="Consolas" pitchFamily="49" charset="0"/>
+                <a:cs typeface="Consolas" pitchFamily="49" charset="0"/>
+              </a:rPr>
+              <a:t>java -javaagent:myagent.jar yourapp.MainClass</a:t>
+            </a:r>
+            <a:endParaRPr lang="en-US" sz="2200" dirty="0" smtClean="0">
+              <a:latin typeface="Consolas" pitchFamily="49" charset="0"/>
+              <a:cs typeface="Consolas" pitchFamily="49" charset="0"/>
+            </a:endParaRPr>
+          </a:p>
+          <a:p>
+            <a:pPr lvl="1">
+              <a:buFont typeface="Courier New" pitchFamily="49" charset="0"/>
+              <a:buChar char="o"/>
+            </a:pPr>
+            <a:r>
+              <a:rPr lang="en-US" b="1" dirty="0" smtClean="0"/>
+              <a:t>Attach API</a:t>
+            </a:r>
+            <a:r>
+              <a:rPr lang="en-US" dirty="0" smtClean="0"/>
               <a:t>: </a:t>
             </a:r>
+          </a:p>
+          <a:p>
+            <a:pPr lvl="1">
+              <a:buNone/>
+            </a:pPr>
+            <a:r>
+              <a:rPr lang="en-US" sz="2200" dirty="0" smtClean="0">
+                <a:latin typeface="Consolas" pitchFamily="49" charset="0"/>
+              </a:rPr>
+              <a:t>	VirtualMachine.attach (processid);</a:t>
+            </a:r>
+            <a:endParaRPr lang="en-US" sz="2200" dirty="0" smtClean="0">
+              <a:latin typeface="Consolas" pitchFamily="49" charset="0"/>
+              <a:cs typeface="Consolas" pitchFamily="49" charset="0"/>
+            </a:endParaRPr>
           </a:p>
           <a:p>
             <a:pPr>
               <a:buNone/>
             </a:pPr>
-            <a:r>
-              <a:rPr lang="pl-PL" sz="2000" dirty="0" smtClean="0">
-                <a:latin typeface="Consolas" pitchFamily="49" charset="0"/>
-                <a:cs typeface="Consolas" pitchFamily="49" charset="0"/>
-              </a:rPr>
-              <a:t>	java -javaagent:myagent.jar yourapp.MainClass</a:t>
-            </a:r>
             <a:endParaRPr lang="en-US" sz="2000" dirty="0" smtClean="0">
               <a:latin typeface="Consolas" pitchFamily="49" charset="0"/>
               <a:cs typeface="Consolas" pitchFamily="49" charset="0"/>
             </a:endParaRPr>
-          </a:p>
-          <a:p>
-            <a:r>
-              <a:rPr lang="pl-PL" dirty="0" smtClean="0"/>
-              <a:t>Example</a:t>
-            </a:r>
-            <a:endParaRPr lang="pl-PL" dirty="0"/>
           </a:p>
         </p:txBody>
       </p:sp>
@@ -12608,23 +12633,30 @@
         </p:nvSpPr>
         <p:spPr/>
         <p:txBody>
-          <a:bodyPr/>
+          <a:bodyPr>
+            <a:normAutofit/>
+          </a:bodyPr>
           <a:lstStyle/>
           <a:p>
             <a:r>
               <a:rPr lang="pl-PL" dirty="0" smtClean="0"/>
               <a:t>ASM</a:t>
             </a:r>
+            <a:endParaRPr lang="en-US" dirty="0" smtClean="0"/>
           </a:p>
           <a:p>
             <a:pPr lvl="1"/>
             <a:r>
               <a:rPr lang="en-US" dirty="0" smtClean="0"/>
-              <a:t>Designed </a:t>
-            </a:r>
+              <a:t>Industry standard</a:t>
+            </a:r>
+            <a:endParaRPr lang="pl-PL" dirty="0" smtClean="0"/>
+          </a:p>
+          <a:p>
+            <a:pPr lvl="1"/>
             <a:r>
               <a:rPr lang="en-US" dirty="0" smtClean="0"/>
-              <a:t>to be as fast and as small as possible</a:t>
+              <a:t>Designed to be as fast and as small as possible</a:t>
             </a:r>
             <a:endParaRPr lang="pl-PL" dirty="0" smtClean="0"/>
           </a:p>
@@ -12634,6 +12666,7 @@
               <a:rPr lang="pl-PL" dirty="0" smtClean="0"/>
               <a:t>Bytecode outline plugin (Eclipse, Intellij)</a:t>
             </a:r>
+            <a:endParaRPr lang="en-US" dirty="0" smtClean="0"/>
           </a:p>
           <a:p>
             <a:r>
@@ -12740,7 +12773,7 @@
               <a:t>mpty </a:t>
             </a:r>
             <a:r>
-              <a:rPr lang="en-US" smtClean="0"/>
+              <a:rPr lang="en-US" dirty="0" smtClean="0"/>
               <a:t>class</a:t>
             </a:r>
             <a:endParaRPr lang="pl-PL" dirty="0" smtClean="0"/>
@@ -12775,6 +12808,14 @@
               <a:rPr lang="pl-PL" dirty="0" smtClean="0"/>
               <a:t>Synchronization</a:t>
             </a:r>
+            <a:endParaRPr lang="en-US" dirty="0" smtClean="0"/>
+          </a:p>
+          <a:p>
+            <a:r>
+              <a:rPr lang="en-US" dirty="0" smtClean="0"/>
+              <a:t>Lambdas</a:t>
+            </a:r>
+            <a:endParaRPr lang="pl-PL" dirty="0" smtClean="0"/>
           </a:p>
         </p:txBody>
       </p:sp>
@@ -12845,11 +12886,7 @@
           <a:p>
             <a:r>
               <a:rPr lang="en-US" dirty="0" smtClean="0"/>
-              <a:t>Intermediate </a:t>
-            </a:r>
-            <a:r>
-              <a:rPr lang="en-US" dirty="0" smtClean="0"/>
-              <a:t>language between Java</a:t>
+              <a:t>Intermediate language between Java</a:t>
             </a:r>
             <a:r>
               <a:rPr lang="pl-PL" dirty="0" smtClean="0"/>
@@ -12932,6 +12969,13 @@
   <p:clrMapOvr>
     <a:masterClrMapping/>
   </p:clrMapOvr>
+  <p:timing>
+    <p:tnLst>
+      <p:par>
+        <p:cTn id="1" dur="indefinite" restart="never" nodeType="tmRoot"/>
+      </p:par>
+    </p:tnLst>
+  </p:timing>
 </p:sld>
 </file>
 
@@ -12996,11 +13040,7 @@
           <a:p>
             <a:r>
               <a:rPr lang="en-US" dirty="0" smtClean="0"/>
-              <a:t>Better </a:t>
-            </a:r>
-            <a:r>
-              <a:rPr lang="en-US" dirty="0" smtClean="0"/>
-              <a:t>understanding of the JVM</a:t>
+              <a:t>Better understanding of the JVM</a:t>
             </a:r>
             <a:endParaRPr lang="pl-PL" dirty="0" smtClean="0"/>
           </a:p>
@@ -13147,7 +13187,6 @@
               <a:rPr lang="en-US" dirty="0" smtClean="0"/>
               <a:t>Execution</a:t>
             </a:r>
-            <a:endParaRPr lang="en-US" dirty="0" smtClean="0"/>
           </a:p>
           <a:p>
             <a:pPr>
@@ -14020,6 +14059,13 @@
   <p:clrMapOvr>
     <a:masterClrMapping/>
   </p:clrMapOvr>
+  <p:timing>
+    <p:tnLst>
+      <p:par>
+        <p:cTn id="1" dur="indefinite" restart="never" nodeType="tmRoot"/>
+      </p:par>
+    </p:tnLst>
+  </p:timing>
 </p:sld>
 </file>
 
@@ -14088,6 +14134,13 @@
   <p:clrMapOvr>
     <a:masterClrMapping/>
   </p:clrMapOvr>
+  <p:timing>
+    <p:tnLst>
+      <p:par>
+        <p:cTn id="1" dur="indefinite" restart="never" nodeType="tmRoot"/>
+      </p:par>
+    </p:tnLst>
+  </p:timing>
 </p:sld>
 </file>
 
@@ -14188,19 +14241,8 @@
                 <a:latin typeface="Consolas" pitchFamily="49" charset="0"/>
                 <a:cs typeface="Consolas" pitchFamily="49" charset="0"/>
               </a:rPr>
-              <a:t>javap –verbose &lt;class-file</a:t>
-            </a:r>
-            <a:r>
-              <a:rPr lang="pl-PL" sz="2000" dirty="0" smtClean="0">
-                <a:latin typeface="Consolas" pitchFamily="49" charset="0"/>
-                <a:cs typeface="Consolas" pitchFamily="49" charset="0"/>
-              </a:rPr>
-              <a:t>&gt;</a:t>
-            </a:r>
-            <a:endParaRPr lang="pl-PL" sz="2000" dirty="0" smtClean="0">
-              <a:latin typeface="Consolas" pitchFamily="49" charset="0"/>
-              <a:cs typeface="Consolas" pitchFamily="49" charset="0"/>
-            </a:endParaRPr>
+              <a:t>javap –verbose &lt;class-file&gt;</a:t>
+            </a:r>
           </a:p>
         </p:txBody>
       </p:sp>
@@ -14209,6 +14251,13 @@
   <p:clrMapOvr>
     <a:masterClrMapping/>
   </p:clrMapOvr>
+  <p:timing>
+    <p:tnLst>
+      <p:par>
+        <p:cTn id="1" dur="indefinite" restart="never" nodeType="tmRoot"/>
+      </p:par>
+    </p:tnLst>
+  </p:timing>
 </p:sld>
 </file>
 
@@ -14307,11 +14356,7 @@
             </a:r>
             <a:r>
               <a:rPr lang="pl-PL" dirty="0" smtClean="0"/>
-              <a:t>tation</a:t>
-            </a:r>
-            <a:r>
-              <a:rPr lang="pl-PL" dirty="0" smtClean="0"/>
-              <a:t>: </a:t>
+              <a:t>tation: </a:t>
             </a:r>
             <a:r>
               <a:rPr lang="pl-PL" dirty="0" smtClean="0">
@@ -14343,11 +14388,7 @@
           <a:p>
             <a:r>
               <a:rPr lang="en-US" dirty="0" smtClean="0"/>
-              <a:t>Easy </a:t>
-            </a:r>
-            <a:r>
-              <a:rPr lang="en-US" dirty="0" smtClean="0"/>
-              <a:t>to evaluate by using a stack</a:t>
+              <a:t>Easy to evaluate by using a stack</a:t>
             </a:r>
             <a:r>
               <a:rPr lang="pl-PL" dirty="0" smtClean="0"/>
@@ -14836,6 +14877,13 @@
   <p:clrMapOvr>
     <a:masterClrMapping/>
   </p:clrMapOvr>
+  <p:timing>
+    <p:tnLst>
+      <p:par>
+        <p:cTn id="1" dur="indefinite" restart="never" nodeType="tmRoot"/>
+      </p:par>
+    </p:tnLst>
+  </p:timing>
 </p:sld>
 </file>
 
@@ -14908,31 +14956,7 @@
                   </a:outerShdw>
                 </a:effectLst>
               </a:rPr>
-              <a:t> </a:t>
-            </a:r>
-            <a:r>
-              <a:rPr lang="en-US" dirty="0" err="1" smtClean="0">
-                <a:effectLst>
-                  <a:outerShdw blurRad="38100" dist="38100" dir="2700000" algn="tl">
-                    <a:srgbClr val="000000">
-                      <a:alpha val="43137"/>
-                    </a:srgbClr>
-                  </a:outerShdw>
-                </a:effectLst>
-              </a:rPr>
-              <a:t>this.add</a:t>
-            </a:r>
-            <a:r>
-              <a:rPr lang="en-US" dirty="0" smtClean="0">
-                <a:effectLst>
-                  <a:outerShdw blurRad="38100" dist="38100" dir="2700000" algn="tl">
-                    <a:srgbClr val="000000">
-                      <a:alpha val="43137"/>
-                    </a:srgbClr>
-                  </a:outerShdw>
-                </a:effectLst>
-              </a:rPr>
-              <a:t>(1, 2)</a:t>
+              <a:t> this.add(1, 2)</a:t>
             </a:r>
           </a:p>
           <a:p>
@@ -15325,6 +15349,13 @@
   <p:clrMapOvr>
     <a:masterClrMapping/>
   </p:clrMapOvr>
+  <p:timing>
+    <p:tnLst>
+      <p:par>
+        <p:cTn id="1" dur="indefinite" restart="never" nodeType="tmRoot"/>
+      </p:par>
+    </p:tnLst>
+  </p:timing>
 </p:sld>
 </file>
 
@@ -15366,11 +15397,7 @@
             </a:r>
             <a:r>
               <a:rPr lang="pl-PL" dirty="0" smtClean="0"/>
-              <a:t>thod </a:t>
-            </a:r>
-            <a:r>
-              <a:rPr lang="pl-PL" dirty="0" smtClean="0"/>
-              <a:t>call stack, method frame</a:t>
+              <a:t>thod call stack, method frame</a:t>
             </a:r>
             <a:endParaRPr lang="en-US" dirty="0"/>
           </a:p>
@@ -16881,6 +16908,13 @@
   <p:clrMapOvr>
     <a:masterClrMapping/>
   </p:clrMapOvr>
+  <p:timing>
+    <p:tnLst>
+      <p:par>
+        <p:cTn id="1" dur="indefinite" restart="never" nodeType="tmRoot"/>
+      </p:par>
+    </p:tnLst>
+  </p:timing>
 </p:sld>
 </file>
 
